--- a/Lecture slides - Week 10.pptx
+++ b/Lecture slides - Week 10.pptx
@@ -5,25 +5,28 @@
     <p:sldMasterId id="2147483648" r:id="rId1"/>
   </p:sldMasterIdLst>
   <p:notesMasterIdLst>
-    <p:notesMasterId r:id="rId18"/>
+    <p:notesMasterId r:id="rId21"/>
   </p:notesMasterIdLst>
   <p:sldIdLst>
     <p:sldId id="357" r:id="rId2"/>
-    <p:sldId id="344" r:id="rId3"/>
-    <p:sldId id="345" r:id="rId4"/>
-    <p:sldId id="352" r:id="rId5"/>
-    <p:sldId id="346" r:id="rId6"/>
-    <p:sldId id="347" r:id="rId7"/>
-    <p:sldId id="350" r:id="rId8"/>
-    <p:sldId id="348" r:id="rId9"/>
-    <p:sldId id="349" r:id="rId10"/>
-    <p:sldId id="351" r:id="rId11"/>
-    <p:sldId id="353" r:id="rId12"/>
-    <p:sldId id="354" r:id="rId13"/>
-    <p:sldId id="355" r:id="rId14"/>
-    <p:sldId id="356" r:id="rId15"/>
-    <p:sldId id="359" r:id="rId16"/>
-    <p:sldId id="360" r:id="rId17"/>
+    <p:sldId id="361" r:id="rId3"/>
+    <p:sldId id="344" r:id="rId4"/>
+    <p:sldId id="345" r:id="rId5"/>
+    <p:sldId id="352" r:id="rId6"/>
+    <p:sldId id="346" r:id="rId7"/>
+    <p:sldId id="347" r:id="rId8"/>
+    <p:sldId id="350" r:id="rId9"/>
+    <p:sldId id="348" r:id="rId10"/>
+    <p:sldId id="349" r:id="rId11"/>
+    <p:sldId id="351" r:id="rId12"/>
+    <p:sldId id="353" r:id="rId13"/>
+    <p:sldId id="354" r:id="rId14"/>
+    <p:sldId id="355" r:id="rId15"/>
+    <p:sldId id="356" r:id="rId16"/>
+    <p:sldId id="359" r:id="rId17"/>
+    <p:sldId id="360" r:id="rId18"/>
+    <p:sldId id="363" r:id="rId19"/>
+    <p:sldId id="362" r:id="rId20"/>
   </p:sldIdLst>
   <p:sldSz cx="12192000" cy="6858000"/>
   <p:notesSz cx="6858000" cy="9144000"/>
@@ -130,6 +133,1406 @@
 </p:presentation>
 </file>
 
+<file path=ppt/ink/ink1.xml><?xml version="1.0" encoding="utf-8"?>
+<inkml:ink xmlns:inkml="http://www.w3.org/2003/InkML">
+  <inkml:definitions>
+    <inkml:context xml:id="ctx0">
+      <inkml:inkSource xml:id="inkSrc0">
+        <inkml:traceFormat>
+          <inkml:channel name="X" type="integer" min="-2.14748E9" max="2.14748E9" units="cm"/>
+          <inkml:channel name="Y" type="integer" min="-2.14748E9" max="2.14748E9" units="cm"/>
+          <inkml:channel name="F" type="integer" max="32767" units="dev"/>
+        </inkml:traceFormat>
+        <inkml:channelProperties>
+          <inkml:channelProperty channel="X" name="resolution" value="1000" units="1/cm"/>
+          <inkml:channelProperty channel="Y" name="resolution" value="1000" units="1/cm"/>
+          <inkml:channelProperty channel="F" name="resolution" value="0" units="1/dev"/>
+        </inkml:channelProperties>
+      </inkml:inkSource>
+      <inkml:timestamp xml:id="ts0" timeString="2025-06-25T11:16:01.278"/>
+    </inkml:context>
+    <inkml:brush xml:id="br0">
+      <inkml:brushProperty name="width" value="0.035" units="cm"/>
+      <inkml:brushProperty name="height" value="0.035" units="cm"/>
+      <inkml:brushProperty name="color" value="#E71224"/>
+    </inkml:brush>
+  </inkml:definitions>
+  <inkml:trace contextRef="#ctx0" brushRef="#br0">4646 1 24575,'-13'24'0,"-6"9"0,-10 16 0,-9 10 0,-3 6 0,0-2 0,1 3 0,3-3 0,3-2 0,3-5 0,3-8 0,3-3 0,0-1 0,-6 10 0,-5 13 0,-6 14 0,19-36 0,0 1 0,-21 42 0,0-2 0,4-5 0,1 2 0,2 3 0,4-3 0,0-4 0,3-6 0,-3-1 0,-1 1 0,-7 0 0,-4 1 0,-4-2 0,-4 2 0,-2 3 0,24-38 0,-1 0 0,-1 2 0,-2 0 0,-1 1 0,-1-1 0,-1 1 0,0 0 0,1-1 0,0-2 0,-30 32 0,8-14 0,10-12 0,11-11 0,9-6 0,11 0 0,8 1 0,-23-3 0,-34-2 0,10-11 0,-6 1 0,-19 4 0,-5 3 0,-8 4 0,-1 3 0,29-8 0,1 1 0,0 0 0,-29 11 0,1 1 0,4 0 0,2 1 0,9-2 0,2 2 0,6-1 0,2 1 0,5-1 0,4 0 0,6-3 0,2 0 0,5-2 0,2-1 0,-31 20 0,12-8 0,8-4 0,5-2 0,2-3 0,6 0 0,3 1 0,3 4 0,4 4 0,2 4 0,2 3 0,2 3 0,2 4 0,0 7 0,2 2 0,2-6 0,1-10 0,3-13 0,2-10 0,1-4 0,2-4 0,1 1 0,-3-1 0,0 3 0,-3 9 0,-2 10 0,-3 7 0,-1 1 0,-1-10 0,2-14 0,1-10 0,0-15 0,-1-11 0,-1-12 0,2-11 0,3-7 0,1-6 0,1-3 0,0-1 0,0 9 0,3 10 0,5 12 0,4 12 0,2 10 0,7 12 0,5 12 0,9 14 0,7 9 0,0 5 0,1 2 0,-4-3 0,-2-4 0,-2-8 0,-4-7 0,-3-8 0,-3-5 0,0-2 0,-1-3 0,0-1 0,-2-3 0,1-2 0,2 3 0,3 1 0,1 2 0,-1 0 0,-3-3 0,-1 1 0,-2-5 0,-3-6 0,1-8 0,1-9 0,4-3 0,10-3 0,10-4 0,12-2 0,12-4 0,6-3 0,4-3 0,0-1 0,-6 3 0,-7 7 0,-13 7 0,-10 5 0,-8 8 0,-5 4 0,-5 4 0,-10 7 0,-28 6 0,0 0 0,-17 3 0,14-5 0,3-2 0,3 0 0,2-1 0,1 1 0,3 3 0,0 3 0,0 2 0,-3 1 0,-1 1 0,-3 1 0,-3 0 0,0 1 0,2 1 0,4 0 0,4-3 0,5-4 0,2-3 0,4-3 0,1-2 0,3-1 0,5-2 0,7-1 0,4-2 0,0-2 0,-2 0 0,-2 1 0,0-3 0,0 2 0,-3-1 0,-1-2 0,-2 1 0,-3 0 0,-4 1 0,-5 2 0,-5 2 0,-2 1 0,1 0 0,3-3 0,5-3 0,5 2 0,3-1 0</inkml:trace>
+</inkml:ink>
+</file>
+
+<file path=ppt/ink/ink10.xml><?xml version="1.0" encoding="utf-8"?>
+<inkml:ink xmlns:inkml="http://www.w3.org/2003/InkML">
+  <inkml:definitions>
+    <inkml:context xml:id="ctx0">
+      <inkml:inkSource xml:id="inkSrc0">
+        <inkml:traceFormat>
+          <inkml:channel name="X" type="integer" min="-2.14748E9" max="2.14748E9" units="cm"/>
+          <inkml:channel name="Y" type="integer" min="-2.14748E9" max="2.14748E9" units="cm"/>
+          <inkml:channel name="F" type="integer" max="32767" units="dev"/>
+        </inkml:traceFormat>
+        <inkml:channelProperties>
+          <inkml:channelProperty channel="X" name="resolution" value="1000" units="1/cm"/>
+          <inkml:channelProperty channel="Y" name="resolution" value="1000" units="1/cm"/>
+          <inkml:channelProperty channel="F" name="resolution" value="0" units="1/dev"/>
+        </inkml:channelProperties>
+      </inkml:inkSource>
+      <inkml:timestamp xml:id="ts0" timeString="2025-06-25T11:16:47.810"/>
+    </inkml:context>
+    <inkml:brush xml:id="br0">
+      <inkml:brushProperty name="width" value="0.035" units="cm"/>
+      <inkml:brushProperty name="height" value="0.035" units="cm"/>
+      <inkml:brushProperty name="color" value="#E71224"/>
+    </inkml:brush>
+  </inkml:definitions>
+  <inkml:trace contextRef="#ctx0" brushRef="#br0">494 14 24575,'-10'0'0,"-3"0"0,0 0 0,0 0 0,0 0 0,3 0 0,-1 0 0,2 0 0,-2 0 0,2 0 0,-2 0 0,1 0 0,-1 0 0,0 0 0,0 0 0,2 0 0,-1 0 0,1 0 0,-1 0 0,-1 0 0,2 0 0,0 0 0,-1 0 0,1 0 0,-2 0 0,0 2 0,-3 1 0,3 2 0,0 1 0,3-1 0,2-2 0,-2 1 0,1 0 0,0 0 0,0 2 0,-2 0 0,1 0 0,0 2 0,-2 0 0,1-1 0,0 1 0,0-1 0,1 2 0,1 3 0,-1 0 0,2 0 0,1-1 0,-1-3 0,3-1 0,-2 0 0,1 0 0,0-1 0,0 1 0,1 1 0,0 2 0,-1 1 0,1-1 0,1-1 0,0 1 0,1-1 0,1 1 0,0 1 0,0-1 0,0 0 0,0-1 0,0-1 0,0 1 0,0 1 0,0 1 0,0 2 0,0 0 0,0 0 0,0-3 0,0-2 0,0-1 0,0 0 0,0 0 0,0-1 0,1 0 0,2-1 0,1 1 0,1 1 0,1 1 0,0-2 0,1 0 0,0 0 0,1 0 0,0 1 0,2 2 0,-1-1 0,-1 0 0,0 0 0,0-2 0,1 0 0,2 1 0,0-1 0,0 1 0,1 2 0,-2 0 0,0 1 0,-1-1 0,-1-1 0,0 0 0,0-1 0,1 2 0,-1-1 0,0-1 0,1 1 0,-1-2 0,2 0 0,0 0 0,2 0 0,1 3 0,3 1 0,-1 1 0,1 1 0,-1-2 0,1-1 0,-1-1 0,0 0 0,1-2 0,-1-1 0,1 0 0,-1-1 0,1 0 0,-1 0 0,3 0 0,0 1 0,0-1 0,-1 2 0,-1-3 0,-1 0 0,1 0 0,-3-1 0,1 0 0,-3-1 0,-1-1 0,1 1 0,-1-2 0,2 1 0,1 0 0,2 0 0,3 0 0,2 0 0,0 0 0,-2 0 0,0 0 0,-3 0 0,1 0 0,-1 0 0,0 0 0,-1 0 0,-2 0 0,-3 0 0,-2 0 0,1 0 0,-1-1 0,0-2 0,0 0 0,0-1 0,0 0 0,2-2 0,-2-2 0,-1 0 0,0 2 0,1 0 0,-1 0 0,1-1 0,-3 0 0,0 0 0,2 1 0,-1 0 0,2 0 0,0-1 0,-1 0 0,2-2 0,-1 1 0,-1-1 0,0 0 0,-1 0 0,0-1 0,0 1 0,0 2 0,0-1 0,-1 1 0,-1-2 0,0 1 0,1 0 0,-1 0 0,1 1 0,-2-1 0,0-1 0,-2 0 0,0-3 0,0-1 0,0-1 0,0-1 0,0-2 0,0 0 0,0 0 0,0 2 0,0 1 0,-1-3 0,-2-1 0,-1 0 0,0 0 0,2 3 0,0-1 0,2 0 0,0 1 0,-1 1 0,-1 3 0,-2 1 0,-1 2 0,0 1 0,-3 1 0,2-1 0,-1 1 0,-1-2 0,0 1 0,-2-1 0,0 0 0,0-1 0,-1 2 0,0 2 0,-1-2 0,-2 2 0,0 0 0,1 1 0,-3 1 0,0-3 0,1-1 0,-1-3 0,-2 0 0,0-1 0,0 1 0,-2 0 0,4 1 0,1 3 0,2 0 0,1 0 0,0-1 0,1 2 0,-1 0 0,2 1 0,-2 1 0,1 0 0,0-1 0,-3-1 0,1 0 0,-2-1 0,1 2 0,-1 0 0,-1 0 0,-2 2 0,-3 0 0,1 2 0,-3 0 0,-1 1 0,-1 4 0,-2 4 0,0 3 0,0 1 0,3-3 0,5-3 0,5-3 0,5-1 0,1-1 0,5 0 0,0 0 0,2-2 0</inkml:trace>
+</inkml:ink>
+</file>
+
+<file path=ppt/ink/ink11.xml><?xml version="1.0" encoding="utf-8"?>
+<inkml:ink xmlns:inkml="http://www.w3.org/2003/InkML">
+  <inkml:definitions>
+    <inkml:context xml:id="ctx0">
+      <inkml:inkSource xml:id="inkSrc0">
+        <inkml:traceFormat>
+          <inkml:channel name="X" type="integer" min="-2.14748E9" max="2.14748E9" units="cm"/>
+          <inkml:channel name="Y" type="integer" min="-2.14748E9" max="2.14748E9" units="cm"/>
+          <inkml:channel name="F" type="integer" max="32767" units="dev"/>
+        </inkml:traceFormat>
+        <inkml:channelProperties>
+          <inkml:channelProperty channel="X" name="resolution" value="1000" units="1/cm"/>
+          <inkml:channelProperty channel="Y" name="resolution" value="1000" units="1/cm"/>
+          <inkml:channelProperty channel="F" name="resolution" value="0" units="1/dev"/>
+        </inkml:channelProperties>
+      </inkml:inkSource>
+      <inkml:timestamp xml:id="ts0" timeString="2025-06-25T11:28:42.715"/>
+    </inkml:context>
+    <inkml:brush xml:id="br0">
+      <inkml:brushProperty name="width" value="0.035" units="cm"/>
+      <inkml:brushProperty name="height" value="0.035" units="cm"/>
+      <inkml:brushProperty name="color" value="#E71224"/>
+    </inkml:brush>
+  </inkml:definitions>
+  <inkml:trace contextRef="#ctx0" brushRef="#br0">0 1022 24575,'5'0'0,"2"0"0,6 0 0,6 0 0,7 0 0,6 0 0,2 0 0,0-2 0,-1 0 0,-4-3 0,-2-3 0,-4-1 0,-1-4 0,-2-2 0,1-2 0,0-1 0,1-2 0,2 1 0,-2-2 0,-1 1 0,-3-1 0,-1-2 0,-3 0 0,-2-4 0,0 0 0,-2-3 0,1-2 0,0 2 0,-3-1 0,-1 1 0,1 0 0,1-4 0,3-4 0,3-6 0,4-7 0,7-6 0,2-3 0,1 5 0,-4 6 0,-7 14 0,-7 12 0,-4 7 0,-2 6 0,-1 1 0,2-1 0,3-2 0,2-1 0,1 1 0,0 1 0,-1 5 0,-1 4 0,-1 1 0,-1 1 0,0 0 0,-1 0 0,1 3 0,-1 5 0,0 4 0,1 4 0,-2-1 0,1 0 0,-1 1 0,1-1 0,0 1 0,-1-1 0,0 1 0,-1-1 0,0 1 0,-1 1 0,0 3 0,2 3 0,0 0 0,0-1 0,0-2 0,-1-2 0,1 0 0,2 0 0,2 1 0,1 1 0,2 1 0,1 2 0,2 2 0,4 5 0,4 4 0,2 3 0,0 0 0,0-4 0,-3-4 0,-2-2 0,-1-3 0,-1-2 0,-1-1 0,0-1 0,1 0 0,1 0 0,0 0 0,2-2 0,-2 0 0,0-2 0,2 0 0,0-2 0,1-2 0,-1-2 0,-2-2 0,-4-1 0,0 0 0,0 1 0,0 0 0,3-1 0,-3-1 0,-1-2 0,1 0 0,-1-1 0,-2 1 0,0-1 0,-3-2 0,0 0 0,-1 1 0,-2 0 0,1 0 0,-1-1 0,3-1 0,-2 2 0,-1-2 0,-4 1 0</inkml:trace>
+</inkml:ink>
+</file>
+
+<file path=ppt/ink/ink12.xml><?xml version="1.0" encoding="utf-8"?>
+<inkml:ink xmlns:inkml="http://www.w3.org/2003/InkML">
+  <inkml:definitions>
+    <inkml:context xml:id="ctx0">
+      <inkml:inkSource xml:id="inkSrc0">
+        <inkml:traceFormat>
+          <inkml:channel name="X" type="integer" min="-2.14748E9" max="2.14748E9" units="cm"/>
+          <inkml:channel name="Y" type="integer" min="-2.14748E9" max="2.14748E9" units="cm"/>
+          <inkml:channel name="F" type="integer" max="32767" units="dev"/>
+        </inkml:traceFormat>
+        <inkml:channelProperties>
+          <inkml:channelProperty channel="X" name="resolution" value="1000" units="1/cm"/>
+          <inkml:channelProperty channel="Y" name="resolution" value="1000" units="1/cm"/>
+          <inkml:channelProperty channel="F" name="resolution" value="0" units="1/dev"/>
+        </inkml:channelProperties>
+      </inkml:inkSource>
+      <inkml:timestamp xml:id="ts0" timeString="2025-06-25T11:30:18.266"/>
+    </inkml:context>
+    <inkml:brush xml:id="br0">
+      <inkml:brushProperty name="width" value="0.035" units="cm"/>
+      <inkml:brushProperty name="height" value="0.035" units="cm"/>
+      <inkml:brushProperty name="color" value="#E71224"/>
+    </inkml:brush>
+  </inkml:definitions>
+  <inkml:trace contextRef="#ctx0" brushRef="#br0">648 0 24575,'-13'0'0,"-1"0"0,2 0 0,0 0 0,-1 0 0,-5 0 0,-14 2 0,-16 5 0,-15 5 0,-9 4 0,2-1 0,9-4 0,18-3 0,16-3 0,12-2 0,8 1 0,3 1 0,2 0 0,0 2 0,-2-1 0,-7 5 0,-9 6 0,-5 7 0,0 3 0,5-1 0,9-6 0,8-2 0,3-3 0,2 1 0,4-1 0,5 3 0,6 0 0,3 2 0,0 2 0,0-1 0,-2 1 0,-1 0 0,0 3 0,-1 4 0,1 8 0,-1 5 0,-2 4 0,-2-1 0,-2-7 0,0-9 0,1-7 0,-1-6 0,-2-4 0,1-2 0,0-2 0,3-1 0,1 2 0,6 3 0,5 3 0,6 1 0,6 1 0,4 0 0,3-1 0,2-2 0,3-1 0,0-1 0,3-2 0,3-1 0,0-1 0,0-1 0,-4 0 0,-6-1 0,-3-3 0,-3-1 0,1-2 0,-1 0 0,-2 0 0,-2 0 0,-1 0 0,1 0 0,1 0 0,1 0 0,2 0 0,1 0 0,4-1 0,1-1 0,3-2 0,1-3 0,-3-1 0,-5 0 0,-5 0 0,-4 1 0,-5 1 0,-6 1 0,-2-2 0,-2 1 0,0 0 0,-1 0 0,1-2 0,-1-4 0,1-4 0,0-2 0,0-2 0,3 0 0,-1 1 0,0 1 0,-2 3 0,-2-1 0,-3 1 0,-4-1 0,-3 0 0,-2 1 0,0-3 0,-2-2 0,0-1 0,0-1 0,0 2 0,0 1 0,-1-1 0,-3 2 0,-4-1 0,-3 0 0,-3-1 0,2 0 0,-1 1 0,3 1 0,2 2 0,0 0 0,1 3 0,-1 1 0,1 3 0,1 2 0,0-1 0,1 1 0,0-1 0,-1 0 0,-1-1 0,-1 0 0,0-1 0,-1 2 0,1-1 0,0 2 0,1 1 0,0 0 0,-1 1 0,1-1 0,-2 2 0,-1-1 0,-2-2 0,-4-2 0,-5-5 0,-5-3 0,-4-2 0,-2 1 0,-2 3 0,0 2 0,-3 3 0,2 2 0,0 4 0,2-1 0,6 1 0,-3 0 0,-2-2 0,-6-1 0,-5-1 0,1 1 0,3 2 0,5 3 0,8 2 0,4 0 0,5 0 0,1 0 0,-1 0 0,-1 0 0,0 0 0,-2 0 0,-3 0 0,-5 2 0,-4 0 0,-2 0 0,1 0 0,3-2 0,4 0 0,4 0 0,3 0 0,3 0 0,3 0 0,3 0 0,0 0 0,1 0 0,-2 0 0,-2 0 0,-3 0 0,-6-2 0,-4 0 0,-7-3 0,-2-1 0,1-1 0,3 1 0,8 2 0,12 2 0,5 2 0</inkml:trace>
+</inkml:ink>
+</file>
+
+<file path=ppt/ink/ink13.xml><?xml version="1.0" encoding="utf-8"?>
+<inkml:ink xmlns:inkml="http://www.w3.org/2003/InkML">
+  <inkml:definitions>
+    <inkml:context xml:id="ctx0">
+      <inkml:inkSource xml:id="inkSrc0">
+        <inkml:traceFormat>
+          <inkml:channel name="X" type="integer" min="-2.14748E9" max="2.14748E9" units="cm"/>
+          <inkml:channel name="Y" type="integer" min="-2.14748E9" max="2.14748E9" units="cm"/>
+          <inkml:channel name="F" type="integer" max="32767" units="dev"/>
+        </inkml:traceFormat>
+        <inkml:channelProperties>
+          <inkml:channelProperty channel="X" name="resolution" value="1000" units="1/cm"/>
+          <inkml:channelProperty channel="Y" name="resolution" value="1000" units="1/cm"/>
+          <inkml:channelProperty channel="F" name="resolution" value="0" units="1/dev"/>
+        </inkml:channelProperties>
+      </inkml:inkSource>
+      <inkml:timestamp xml:id="ts0" timeString="2025-06-25T11:30:21.882"/>
+    </inkml:context>
+    <inkml:brush xml:id="br0">
+      <inkml:brushProperty name="width" value="0.035" units="cm"/>
+      <inkml:brushProperty name="height" value="0.035" units="cm"/>
+      <inkml:brushProperty name="color" value="#E71224"/>
+    </inkml:brush>
+  </inkml:definitions>
+  <inkml:trace contextRef="#ctx0" brushRef="#br0">1 1 24575,'0'17'0,"0"5"0,0 16 0,0 11 0,0 1 0,0-8 0,0-16 0,0-9 0,0-3 0,1-1 0,0 2 0,3 2 0,2 9 0,3 10 0,0 10 0,0 5 0,0-3 0,-4-9 0,-1-11 0,-2-9 0,-2-10 0,0-2 0</inkml:trace>
+</inkml:ink>
+</file>
+
+<file path=ppt/ink/ink14.xml><?xml version="1.0" encoding="utf-8"?>
+<inkml:ink xmlns:inkml="http://www.w3.org/2003/InkML">
+  <inkml:definitions>
+    <inkml:context xml:id="ctx0">
+      <inkml:inkSource xml:id="inkSrc0">
+        <inkml:traceFormat>
+          <inkml:channel name="X" type="integer" min="-2.14748E9" max="2.14748E9" units="cm"/>
+          <inkml:channel name="Y" type="integer" min="-2.14748E9" max="2.14748E9" units="cm"/>
+          <inkml:channel name="F" type="integer" max="32767" units="dev"/>
+        </inkml:traceFormat>
+        <inkml:channelProperties>
+          <inkml:channelProperty channel="X" name="resolution" value="1000" units="1/cm"/>
+          <inkml:channelProperty channel="Y" name="resolution" value="1000" units="1/cm"/>
+          <inkml:channelProperty channel="F" name="resolution" value="0" units="1/dev"/>
+        </inkml:channelProperties>
+      </inkml:inkSource>
+      <inkml:timestamp xml:id="ts0" timeString="2025-06-25T11:30:25.465"/>
+    </inkml:context>
+    <inkml:brush xml:id="br0">
+      <inkml:brushProperty name="width" value="0.035" units="cm"/>
+      <inkml:brushProperty name="height" value="0.035" units="cm"/>
+      <inkml:brushProperty name="color" value="#E71224"/>
+    </inkml:brush>
+  </inkml:definitions>
+  <inkml:trace contextRef="#ctx0" brushRef="#br0">565 10 24575,'-25'-1'0,"-10"-1"0,-5-1 0,-2 1 0,10 1 0,12 2 0,9 1 0,5 2 0,1 1 0,-5 1 0,-5 1 0,-6 1 0,-11 3 0,-7 0 0,-6 5 0,2 4 0,8 1 0,9 0 0,9-3 0,7-3 0,5 1 0,2-1 0,1 1 0,0-1 0,-1 0 0,-2 3 0,1 0 0,-2 4 0,1 5 0,1 4 0,0 4 0,0 2 0,0 1 0,1 0 0,2-5 0,1-6 0,0-7 0,0-4 0,0-2 0,0-4 0,0-1 0,0-1 0,1-2 0,1 3 0,3 1 0,2 0 0,2 2 0,1 0 0,1 0 0,2 2 0,1 6 0,1 7 0,2 6 0,1 5 0,-1-3 0,0-2 0,-1-8 0,-1-5 0,-2-7 0,-2-6 0,-3-3 0,1-3 0,0-1 0,0 1 0,4 1 0,4 2 0,6 1 0,6 0 0,4-1 0,2-2 0,-3-1 0,0-1 0,-2 0 0,-2 0 0,1-2 0,-2-4 0,-1-5 0,-2-6 0,-3-6 0,1-7 0,4-11 0,5-10 0,3-10 0,1-5 0,-5 3 0,-7 7 0,-8 13 0,-7 11 0,-6 10 0,-2 5 0,0 2 0,0-1 0,-2-1 0,-4-2 0,-2 1 0,-3-2 0,-1 2 0,0 0 0,-1 1 0,0 1 0,0 2 0,1 1 0,1 1 0,1 2 0,-1 0 0,-1 1 0,-4-5 0,-2-5 0,-3-6 0,0-4 0,2-1 0,-1 3 0,3 7 0,3 7 0,2 6 0,4 2 0,2 2 0,2-1 0,-1-1 0,-3-1 0,-1 0 0,-1 2 0,2 2 0,0 2 0,0 0 0,0 0 0,1 2 0,2 5 0,4-3 0,0 3 0</inkml:trace>
+</inkml:ink>
+</file>
+
+<file path=ppt/ink/ink15.xml><?xml version="1.0" encoding="utf-8"?>
+<inkml:ink xmlns:inkml="http://www.w3.org/2003/InkML">
+  <inkml:definitions>
+    <inkml:context xml:id="ctx0">
+      <inkml:inkSource xml:id="inkSrc0">
+        <inkml:traceFormat>
+          <inkml:channel name="X" type="integer" min="-2.14748E9" max="2.14748E9" units="cm"/>
+          <inkml:channel name="Y" type="integer" min="-2.14748E9" max="2.14748E9" units="cm"/>
+          <inkml:channel name="F" type="integer" max="32767" units="dev"/>
+        </inkml:traceFormat>
+        <inkml:channelProperties>
+          <inkml:channelProperty channel="X" name="resolution" value="1000" units="1/cm"/>
+          <inkml:channelProperty channel="Y" name="resolution" value="1000" units="1/cm"/>
+          <inkml:channelProperty channel="F" name="resolution" value="0" units="1/dev"/>
+        </inkml:channelProperties>
+      </inkml:inkSource>
+      <inkml:timestamp xml:id="ts0" timeString="2025-06-25T11:30:27.966"/>
+    </inkml:context>
+    <inkml:brush xml:id="br0">
+      <inkml:brushProperty name="width" value="0.035" units="cm"/>
+      <inkml:brushProperty name="height" value="0.035" units="cm"/>
+      <inkml:brushProperty name="color" value="#E71224"/>
+    </inkml:brush>
+  </inkml:definitions>
+  <inkml:trace contextRef="#ctx0" brushRef="#br0">0 173 24575,'0'-29'0,"0"0"0,0-4 0,0 4 0,3 7 0,4 7 0,4 6 0,6 4 0,1 4 0,2 0 0,1 3 0,-1 6 0,2 7 0,0 9 0,1 6 0,-2 2 0,-2 4 0,0 1 0,-3 1 0,-3 4 0,-6 1 0,-4 0 0,-3-2 0,0-3 0,0-5 0,0-3 0,-2-5 0,-2-5 0,-2-2 0,-2-3 0,0 1 0,0-3 0,-1-1 0,0-1 0,1-2 0,0 1 0,-2 0 0,2-1 0,-3 0 0,1-2 0,1-2 0,-1-1 0,1-2 0,0-2 0,1 2 0,4 0 0,3 0 0,5 0 0,4-3 0,6-4 0,8-4 0,9-4 0,11 1 0,5 5 0,-1 5 0,-4 2 0,-9 0 0,-9 0 0,-5 0 0,-6 0 0,-3 0 0,-3-2 0,-4 2 0,-1-2 0</inkml:trace>
+</inkml:ink>
+</file>
+
+<file path=ppt/ink/ink16.xml><?xml version="1.0" encoding="utf-8"?>
+<inkml:ink xmlns:inkml="http://www.w3.org/2003/InkML">
+  <inkml:definitions>
+    <inkml:context xml:id="ctx0">
+      <inkml:inkSource xml:id="inkSrc0">
+        <inkml:traceFormat>
+          <inkml:channel name="X" type="integer" min="-2.14748E9" max="2.14748E9" units="cm"/>
+          <inkml:channel name="Y" type="integer" min="-2.14748E9" max="2.14748E9" units="cm"/>
+          <inkml:channel name="F" type="integer" max="32767" units="dev"/>
+        </inkml:traceFormat>
+        <inkml:channelProperties>
+          <inkml:channelProperty channel="X" name="resolution" value="1000" units="1/cm"/>
+          <inkml:channelProperty channel="Y" name="resolution" value="1000" units="1/cm"/>
+          <inkml:channelProperty channel="F" name="resolution" value="0" units="1/dev"/>
+        </inkml:channelProperties>
+      </inkml:inkSource>
+      <inkml:timestamp xml:id="ts0" timeString="2025-06-25T11:30:30.999"/>
+    </inkml:context>
+    <inkml:brush xml:id="br0">
+      <inkml:brushProperty name="width" value="0.035" units="cm"/>
+      <inkml:brushProperty name="height" value="0.035" units="cm"/>
+      <inkml:brushProperty name="color" value="#E71224"/>
+    </inkml:brush>
+  </inkml:definitions>
+  <inkml:trace contextRef="#ctx0" brushRef="#br0">695 8 24575,'-5'-4'0,"-4"2"0,-6 1 0,-7 1 0,-6 0 0,-3 0 0,-3 0 0,2 0 0,0 0 0,-1 2 0,1 0 0,0 2 0,0 3 0,-1 1 0,1 4 0,-3-1 0,3 0 0,1 1 0,6 0 0,6 4 0,4 4 0,4 5 0,1 4 0,1 5 0,-2 6 0,0 6 0,-3 9 0,-2 7 0,0 5 0,1 1 0,4-7 0,4-10 0,4-11 0,2-10 0,1-7 0,0-3 0,1-2 0,3 0 0,2 0 0,2 2 0,2 1 0,0-1 0,0 0 0,1-2 0,1 0 0,2 0 0,4 5 0,1 3 0,6 2 0,4 0 0,6 0 0,4 1 0,4 1 0,2-1 0,-3-2 0,1-4 0,-1-4 0,1-1 0,-1-5 0,-5-4 0,-7-5 0,-3-4 0,2-1 0,8-6 0,12-6 0,11-9 0,11-10 0,6-6 0,0-5 0,-11 2 0,-12 4 0,-15 3 0,-13 2 0,-9-3 0,-8-2 0,-5-3 0,-4-2 0,-2 0 0,-3 4 0,-3 3 0,-2 3 0,0 3 0,0 0 0,-1 3 0,-1 0 0,-2 1 0,-3-5 0,-1-2 0,-4-1 0,2 6 0,3 10 0,2 5 0,3 7 0,0 2 0,-1-3 0,-3-2 0,-4-3 0,-4-4 0,-5-3 0,-4-3 0,-4-3 0,0 4 0,2 4 0,7 4 0,7 5 0,5 1 0,4 0 0,-1-2 0,-3-2 0,-3-2 0,-7-3 0,-2-6 0,-5-6 0,-3-1 0,2 1 0,4 7 0,8 8 0,9 7 0,5 5 0,3 1 0,0 1 0,-1-2 0,1 1 0,1 1 0,1 2 0,3 2 0,-1-1 0,1 3 0,0 1 0,0-4 0,0 0 0</inkml:trace>
+</inkml:ink>
+</file>
+
+<file path=ppt/ink/ink17.xml><?xml version="1.0" encoding="utf-8"?>
+<inkml:ink xmlns:inkml="http://www.w3.org/2003/InkML">
+  <inkml:definitions>
+    <inkml:context xml:id="ctx0">
+      <inkml:inkSource xml:id="inkSrc0">
+        <inkml:traceFormat>
+          <inkml:channel name="X" type="integer" min="-2.14748E9" max="2.14748E9" units="cm"/>
+          <inkml:channel name="Y" type="integer" min="-2.14748E9" max="2.14748E9" units="cm"/>
+          <inkml:channel name="F" type="integer" max="32767" units="dev"/>
+        </inkml:traceFormat>
+        <inkml:channelProperties>
+          <inkml:channelProperty channel="X" name="resolution" value="1000" units="1/cm"/>
+          <inkml:channelProperty channel="Y" name="resolution" value="1000" units="1/cm"/>
+          <inkml:channelProperty channel="F" name="resolution" value="0" units="1/dev"/>
+        </inkml:channelProperties>
+      </inkml:inkSource>
+      <inkml:timestamp xml:id="ts0" timeString="2025-06-25T11:31:03.733"/>
+    </inkml:context>
+    <inkml:brush xml:id="br0">
+      <inkml:brushProperty name="width" value="0.035" units="cm"/>
+      <inkml:brushProperty name="height" value="0.035" units="cm"/>
+      <inkml:brushProperty name="color" value="#E71224"/>
+    </inkml:brush>
+  </inkml:definitions>
+  <inkml:trace contextRef="#ctx0" brushRef="#br0">0 313 24575,'0'-6'0,"0"-1"0,0-3 0,0-2 0,0-4 0,0 0 0,0-6 0,3-2 0,3 1 0,4 1 0,1 3 0,-1 5 0,-1 2 0,0 1 0,1-1 0,-1 0 0,0 1 0,-2 1 0,1 2 0,0-1 0,0 0 0,1 0 0,-1 2 0,-1 2 0,0 1 0,1 2 0,0 1 0,0 2 0,1 3 0,1 6 0,2 7 0,2 8 0,1 3 0,-2 0 0,-1-3 0,-1-3 0,0-1 0,-1-1 0,-2-2 0,1-1 0,-2-1 0,1-1 0,1 1 0,3-1 0,1 1 0,3 1 0,1 3 0,1 1 0,0-1 0,-6-7 0,-12-11 0,-11-14 0,-11-15 0,-6-11 0,-3-2 0,1 0 0,0 4 0,5 5 0,4 6 0,5 5 0,3 7 0,3 3 0,0-1 0,1 1 0,-1 0 0,1-2 0,2 2 0,1 0 0,0 1 0,-2 3 0,0 2 0,1 4 0,2 5 0,4 8 0,0 10 0,3 7 0,2 6 0,3 2 0,2 2 0,0 0 0,2-3 0,1-4 0,-1-4 0,-1-3 0,-2-4 0,0 0 0,-2-2 0,1 0 0,-1 0 0,-1-2 0,-1 0 0,-2-3 0,-2 1 0,0-1 0,0 3 0,0 5 0,0 5 0,0 8 0,0 7 0,0 8 0,0 12 0,0 8 0,0 6 0,0 1 0,-2-10 0,0-14 0,0-14 0,0-10 0,1-5 0,1 2 0,0 3 0,0-1 0,0-2 0,0-5 0,0-4 0,0-3 0,0 1 0,0-1 0,0 1 0,0-1 0,0 2 0,0 2 0,0 1 0,0 0 0,0-2 0,0-3 0,0-2 0,0-2 0,0-2 0,0-1 0,2-3 0,0 0 0,0 0 0,0 0 0,0 2 0,0-1 0,-1 0 0,0 0 0,-1-1 0,0 1 0,0 1 0,0 0 0,0 1 0,0 1 0,0-1 0,0 1 0,0-2 0,0 0 0,0-3 0,0-3 0,0-6 0,1-1 0,5-3 0,4 2 0,3 0 0,3 1 0,-1 2 0,2 2 0,0 2 0,3 0 0,4 0 0,1 0 0,2 0 0,0 0 0,-2 0 0,-2 0 0,-1 0 0,1 0 0,0 0 0,4 0 0,5 0 0,4 1 0,5 1 0,2 2 0,0 2 0,2 0 0,-4 0 0,-5 0 0,-4-1 0,-4 1 0,0-2 0,0 0 0,1 0 0,1 0 0,-3 0 0,0 0 0,-4 1 0,0-1 0,-3 0 0,-2-2 0,1-2 0,0 0 0,7 0 0,14 0 0,12 2 0,19 1 0,3 2 0,-6-1 0,-14 0 0,-16 0 0,-10-2 0,-5 0 0,-1-2 0,0 0 0,5 0 0,4 0 0,10 2 0,8 1 0,5-1 0,1 2 0,-1-1 0,-4 0 0,-5 1 0,-2-2 0,-1 0 0,-2-1 0,1-1 0,-1 0 0,-3 0 0,2 0 0,-2 0 0,1 0 0,-3 0 0,-6 0 0,-2 0 0,-2 0 0,3 0 0,2 0 0,2 0 0,3 0 0,0 0 0,4 0 0,4 0 0,7 0 0,4 0 0,9 0 0,2-2 0,-1 0 0,-4-3 0,-9 0 0,-6 1 0,-5-1 0,-1 0 0,-1 1 0,3 2 0,1 0 0,1 0 0,0-2 0,-1-3 0,3 1 0,0-1 0,3 0 0,1 0 0,2-2 0,0 0 0,0-1 0,1 1 0,-1 2 0,1 1 0,-3 0 0,-5 2 0,-7 0 0,-6 0 0,-2 0 0,-6 2 0,-4 0 0,-5 2 0,-6-1 0,-4-5 0,-3-6 0,-7-9 0,-18-13 0,-8-4 0,-7 2 0,2 6 0,13 10 0,4 3 0,7 4 0,3 3 0,3 3 0,1 1 0,4 2 0,4 5 0,4 6 0,6 3 0,2 5 0,0 3 0,0 0 0,-1 1 0,-1-1 0,1 0 0,0 0 0,0-1 0,-2-1 0,0-2 0,-3-3 0,-1-1 0,-1-2 0,-1-1 0,0-1 0,-1 0 0,0 0 0,-1-1 0,0 1 0,-1-1 0,0 0 0,-2 1 0,0 0 0,0 1 0,0 2 0,-2 1 0,-6 3 0,-7-1 0,-5 2 0,0 0 0,3 0 0,3-1 0,3-1 0,2-1 0,1-3 0,2 2 0,0-1 0,0 0 0,-1 0 0,-1-1 0,0 0 0,1 0 0,1-1 0,0 0 0,1 1 0,0 0 0,-1 1 0,0-1 0,-1 0 0,1 1 0,0 0 0,0 0 0,-2 1 0,1 0 0,-1 0 0,1 2 0,0-2 0,0 1 0,-1-1 0,2-1 0,3-1 0,1-1 0,1-2 0,-1 1 0,-2-2 0,-7-1 0,7-1 0,-4-2 0</inkml:trace>
+</inkml:ink>
+</file>
+
+<file path=ppt/ink/ink18.xml><?xml version="1.0" encoding="utf-8"?>
+<inkml:ink xmlns:inkml="http://www.w3.org/2003/InkML">
+  <inkml:definitions>
+    <inkml:context xml:id="ctx0">
+      <inkml:inkSource xml:id="inkSrc0">
+        <inkml:traceFormat>
+          <inkml:channel name="X" type="integer" min="-2.14748E9" max="2.14748E9" units="cm"/>
+          <inkml:channel name="Y" type="integer" min="-2.14748E9" max="2.14748E9" units="cm"/>
+          <inkml:channel name="F" type="integer" max="32767" units="dev"/>
+        </inkml:traceFormat>
+        <inkml:channelProperties>
+          <inkml:channelProperty channel="X" name="resolution" value="1000" units="1/cm"/>
+          <inkml:channelProperty channel="Y" name="resolution" value="1000" units="1/cm"/>
+          <inkml:channelProperty channel="F" name="resolution" value="0" units="1/dev"/>
+        </inkml:channelProperties>
+      </inkml:inkSource>
+      <inkml:timestamp xml:id="ts0" timeString="2025-06-25T11:31:59.930"/>
+    </inkml:context>
+    <inkml:brush xml:id="br0">
+      <inkml:brushProperty name="width" value="0.035" units="cm"/>
+      <inkml:brushProperty name="height" value="0.035" units="cm"/>
+      <inkml:brushProperty name="color" value="#E71224"/>
+    </inkml:brush>
+  </inkml:definitions>
+  <inkml:trace contextRef="#ctx0" brushRef="#br0">1 785 24575,'8'0'0,"1"0"0,1-3 0,4-5 0,3-7 0,5-5 0,4-2 0,0-1 0,-1 2 0,-1 2 0,-3 1 0,-1 0 0,-2-3 0,0 0 0,2-6 0,7-6 0,4-7 0,2-6 0,-3 3 0,-7 6 0,-6 9 0,-2 1 0,0-11 0,4-12 0,7-11 0,0 4 0,-1 15 0,-5 15 0,-6 15 0,-3 7 0,-2 3 0,-3 2 0,1 1 0,-1 2 0,1 4 0,0 5 0,1 7 0,2 5 0,1 6 0,-1 2 0,2 2 0,-1 0 0,1 1 0,0 2 0,0 1 0,1-1 0,0-1 0,0-2 0,0 1 0,-2-2 0,0-3 0,-2-5 0,1-4 0,0-1 0,2 2 0,2 3 0,1 2 0,-1-2 0,-2-5 0,-3-3 0,-1-3 0,0-2 0,0-4 0,0-4 0,-1-1 0,0-3 0,0 1 0,-1-1 0,1 0 0,1-1 0,2-3 0,2 0 0,-1 1 0,0 1 0,-1 2 0,-1 0 0,1 0 0,-2 0 0,-1-1 0,0 1 0,0 0 0,1 0 0,0 0 0,-2-1 0,0 0 0,0-1 0,-1 0 0,1 2 0,0-2 0,-2-2 0,-17-9 0,10 7 0,-12-5 0</inkml:trace>
+</inkml:ink>
+</file>
+
+<file path=ppt/ink/ink19.xml><?xml version="1.0" encoding="utf-8"?>
+<inkml:ink xmlns:inkml="http://www.w3.org/2003/InkML">
+  <inkml:definitions>
+    <inkml:context xml:id="ctx0">
+      <inkml:inkSource xml:id="inkSrc0">
+        <inkml:traceFormat>
+          <inkml:channel name="X" type="integer" min="-2.14748E9" max="2.14748E9" units="cm"/>
+          <inkml:channel name="Y" type="integer" min="-2.14748E9" max="2.14748E9" units="cm"/>
+          <inkml:channel name="F" type="integer" max="32767" units="dev"/>
+        </inkml:traceFormat>
+        <inkml:channelProperties>
+          <inkml:channelProperty channel="X" name="resolution" value="1000" units="1/cm"/>
+          <inkml:channelProperty channel="Y" name="resolution" value="1000" units="1/cm"/>
+          <inkml:channelProperty channel="F" name="resolution" value="0" units="1/dev"/>
+        </inkml:channelProperties>
+      </inkml:inkSource>
+      <inkml:timestamp xml:id="ts0" timeString="2025-06-25T11:32:02.229"/>
+    </inkml:context>
+    <inkml:brush xml:id="br0">
+      <inkml:brushProperty name="width" value="0.035" units="cm"/>
+      <inkml:brushProperty name="height" value="0.035" units="cm"/>
+      <inkml:brushProperty name="color" value="#E71224"/>
+    </inkml:brush>
+  </inkml:definitions>
+  <inkml:trace contextRef="#ctx0" brushRef="#br0">10 113 24575,'-9'0'0,"20"0"0,9 0 0,37 0 0,12 0 0,22 3 0,-41-1 0,0 1 0,0 2 0,0 1 0,0 0 0,-1 1 0,43 4 0,-6-1 0,-10-3 0,-8-2 0,-6-1 0,-2 0 0,-2-2 0,-3 2 0,-3 2 0,-8-2 0,-8 2 0,-6-2 0,-5-1 0,0 1 0,0-2 0,0 0 0,-3 0 0,-2-2 0,-4-2 0,-6 0 0,-4-2 0,-3-3 0,-3-1 0,0-4 0,-1-5 0,-7-6 0,-10-6 0,-6-1 0,-5 0 0,1 3 0,6 7 0,7 8 0,10 10 0,10 13 0,6 8 0,5 5 0,0 0 0,-2-1 0,0-3 0,-2-1 0,1-1 0,-2-2 0,-1-1 0,-1 1 0,-2 0 0,-2 1 0,-2 4 0,-1 0 0,-1 3 0,-1 0 0,-1 0 0,-4-1 0,-5-1 0,-4 1 0,-2-2 0,0-1 0,0-2 0,2-3 0,3-3 0,0-3 0,2-3 0,2-5 0,-1 0 0,-6-9 0,-4-9 0,4 6 0,2-4 0</inkml:trace>
+</inkml:ink>
+</file>
+
+<file path=ppt/ink/ink2.xml><?xml version="1.0" encoding="utf-8"?>
+<inkml:ink xmlns:inkml="http://www.w3.org/2003/InkML">
+  <inkml:definitions>
+    <inkml:context xml:id="ctx0">
+      <inkml:inkSource xml:id="inkSrc0">
+        <inkml:traceFormat>
+          <inkml:channel name="X" type="integer" min="-2.14748E9" max="2.14748E9" units="cm"/>
+          <inkml:channel name="Y" type="integer" min="-2.14748E9" max="2.14748E9" units="cm"/>
+          <inkml:channel name="F" type="integer" max="32767" units="dev"/>
+        </inkml:traceFormat>
+        <inkml:channelProperties>
+          <inkml:channelProperty channel="X" name="resolution" value="1000" units="1/cm"/>
+          <inkml:channelProperty channel="Y" name="resolution" value="1000" units="1/cm"/>
+          <inkml:channelProperty channel="F" name="resolution" value="0" units="1/dev"/>
+        </inkml:channelProperties>
+      </inkml:inkSource>
+      <inkml:timestamp xml:id="ts0" timeString="2025-06-25T11:16:06.576"/>
+    </inkml:context>
+    <inkml:brush xml:id="br0">
+      <inkml:brushProperty name="width" value="0.035" units="cm"/>
+      <inkml:brushProperty name="height" value="0.035" units="cm"/>
+      <inkml:brushProperty name="color" value="#E71224"/>
+    </inkml:brush>
+  </inkml:definitions>
+  <inkml:trace contextRef="#ctx0" brushRef="#br0">0 0 24575,'52'76'0,"-16"-30"0,5 5 0,3 0 0,6 5 0,2 0 0,3 3 0,1 2 0,1-2 0,-1-2 0,0 0 0,-1-2 0,-2-2 0,0-2 0,-3-2 0,6 4 0,-2-3 0,-3-4 0,-1-2 0,-8-7 0,-1-2 0,27 18 0,-11-12 0,-8-10 0,-6-5 0,-9-4 0,-4-3 0,-3-2 0,0 1 0,5 3 0,5 5 0,6 3 0,5 3 0,1 2 0,2 4 0,-1 4 0,3 4 0,1 7 0,1 7 0,-22-22 0,1 4 0,3 7 0,0 2 0,2 4 0,-1 2 0,3 6 0,-1 2 0,-2 0 0,-1-1 0,-3 0 0,-1-1 0,-1-2 0,-2-2 0,-7-9 0,0-3 0,15 33 0,-6-2 0,-1 10 0,-15-39 0,0 2 0,2 7 0,-1 1 0,2 4 0,-1 1 0,2 1 0,0 1 0,1 3 0,0 0 0,1-2 0,-1 0 0,-1-4 0,-1-1 0,0-2 0,-2-1 0,-3-5 0,0-1 0,11 43 0,-4-10 0,-1-9 0,-2-10 0,-4-14 0,-5-13 0,-5-13 0,-2-7 0,-2-1 0,0-1 0,0 0 0,0 0 0,0-3 0,0-1 0,-1-3 0,-7-5 0,-8-4 0,-9-2 0,-9-6 0,-6-9 0,-3-9 0,-3-5 0,4 0 0,2 2 0,-2-5 0,-4-7 0,-8-10 0,-3-3 0,3 2 0,8 7 0,11 11 0,12 11 0,16 13 0,17 12 0,15 13 0,13 8 0,7 4 0,-3-3 0,-2-4 0,-5-4 0,-5-4 0,-4-3 0,-4-3 0,-4 0 0,-2-1 0,2 3 0,0 1 0,0 1 0,0 0 0,-3-3 0,-1 0 0,-2-2 0,-2-1 0,-2-1 0,0-1 0,-1 0 0,0-1 0,3 2 0,1 1 0,3 3 0,-1 1 0,-1-1 0,-3 0 0,-2-2 0,0-1 0,-1-1 0,0 1 0,-1-1 0,0-2 0,0-1 0,1 0 0,-1 0 0,0 0 0,0 1 0,1-2 0,1 1 0,-1-1 0,3 0 0,0-1 0,2 0 0,2 0 0,2-1 0,4-7 0,7-9 0,6-6 0,2-5 0,0 0 0,-1 1 0,-3 2 0,0 0 0,-3 1 0,-2 1 0,-1 0 0,-2 0 0,-1 0 0,-2-3 0,-2 1 0,0 0 0,-1 3 0,0 1 0,0 1 0,-1 1 0,-1 4 0,-2 3 0,-5 3 0,-2 0 0,-1 1 0,-1 0 0,2 0 0,-1 0 0,0 1 0,-1 0 0,-1 4 0,0 0 0</inkml:trace>
+</inkml:ink>
+</file>
+
+<file path=ppt/ink/ink20.xml><?xml version="1.0" encoding="utf-8"?>
+<inkml:ink xmlns:inkml="http://www.w3.org/2003/InkML">
+  <inkml:definitions>
+    <inkml:context xml:id="ctx0">
+      <inkml:inkSource xml:id="inkSrc0">
+        <inkml:traceFormat>
+          <inkml:channel name="X" type="integer" min="-2.14748E9" max="2.14748E9" units="cm"/>
+          <inkml:channel name="Y" type="integer" min="-2.14748E9" max="2.14748E9" units="cm"/>
+          <inkml:channel name="F" type="integer" max="32767" units="dev"/>
+        </inkml:traceFormat>
+        <inkml:channelProperties>
+          <inkml:channelProperty channel="X" name="resolution" value="1000" units="1/cm"/>
+          <inkml:channelProperty channel="Y" name="resolution" value="1000" units="1/cm"/>
+          <inkml:channelProperty channel="F" name="resolution" value="0" units="1/dev"/>
+        </inkml:channelProperties>
+      </inkml:inkSource>
+      <inkml:timestamp xml:id="ts0" timeString="2025-06-25T11:32:05.646"/>
+    </inkml:context>
+    <inkml:brush xml:id="br0">
+      <inkml:brushProperty name="width" value="0.035" units="cm"/>
+      <inkml:brushProperty name="height" value="0.035" units="cm"/>
+      <inkml:brushProperty name="color" value="#E71224"/>
+    </inkml:brush>
+  </inkml:definitions>
+  <inkml:trace contextRef="#ctx0" brushRef="#br0">0 760 24575,'12'0'0,"5"0"0,16 0 0,13 0 0,2 0 0,-4 0 0,-15-2 0,-9-4 0,-2-4 0,-2-5 0,2-3 0,3-7 0,6-10 0,6-13 0,7-12 0,8-8 0,3-1 0,0 6 0,-7 10 0,-11 12 0,-8 12 0,-6 9 0,-5 4 0,-1 3 0,1-6 0,3-6 0,3-5 0,4-1 0,1 4 0,-2 7 0,-3 9 0,-3 6 0,-1 4 0,-2 1 0,-1 0 0,-2 2 0,-1 2 0,1 4 0,2 3 0,2 1 0,3 1 0,2 1 0,5 3 0,2 6 0,6 9 0,7 7 0,4 6 0,2-1 0,0-1 0,-4-4 0,-2-5 0,-3-2 0,-3-5 0,1-1 0,2 2 0,2-2 0,2 1 0,-2-4 0,-3-6 0,-4-5 0,-6-6 0,-4-5 0,-6-1 0,-5 0 0,-3-1 0,-3-2 0,-3-2 0,-3-2 0,-5 1 0,-6 2 0,5 2 0,-3 2 0</inkml:trace>
+</inkml:ink>
+</file>
+
+<file path=ppt/ink/ink21.xml><?xml version="1.0" encoding="utf-8"?>
+<inkml:ink xmlns:inkml="http://www.w3.org/2003/InkML">
+  <inkml:definitions>
+    <inkml:context xml:id="ctx0">
+      <inkml:inkSource xml:id="inkSrc0">
+        <inkml:traceFormat>
+          <inkml:channel name="X" type="integer" min="-2.14748E9" max="2.14748E9" units="cm"/>
+          <inkml:channel name="Y" type="integer" min="-2.14748E9" max="2.14748E9" units="cm"/>
+          <inkml:channel name="F" type="integer" max="32767" units="dev"/>
+        </inkml:traceFormat>
+        <inkml:channelProperties>
+          <inkml:channelProperty channel="X" name="resolution" value="1000" units="1/cm"/>
+          <inkml:channelProperty channel="Y" name="resolution" value="1000" units="1/cm"/>
+          <inkml:channelProperty channel="F" name="resolution" value="0" units="1/dev"/>
+        </inkml:channelProperties>
+      </inkml:inkSource>
+      <inkml:timestamp xml:id="ts0" timeString="2025-06-25T11:32:07.829"/>
+    </inkml:context>
+    <inkml:brush xml:id="br0">
+      <inkml:brushProperty name="width" value="0.035" units="cm"/>
+      <inkml:brushProperty name="height" value="0.035" units="cm"/>
+      <inkml:brushProperty name="color" value="#E71224"/>
+    </inkml:brush>
+  </inkml:definitions>
+  <inkml:trace contextRef="#ctx0" brushRef="#br0">3 177 24575,'-2'0'0,"9"0"0,19 0 0,33 0 0,40 0 0,-26 0 0,7 0 0,-16 0 0,4 0 0,2 0-253,7 0 1,2 0 0,1 0 252,4 0 0,0 0 0,0 0 0,-5 0 0,-2 0 0,-1 0 0,25 0 0,-3 0 0,-9 0 0,-5 0 0,-14 0 0,-4 0 0,-8 1 0,-4 1 0,31 3 0,-27 1 0,-16 0 757,-11-3-757,-6-1 0,4-1 0,7-1 0,8 0 0,4 0 0,-5 0 0,-10 0 0,-9 0 0,-10-1 0,-7-2 0,-4-3 0,-3-5 0,0-3 0,-5-6 0,-8-3 0,-9-2 0,-7 2 0,0 2 0,3 4 0,6 3 0,4 1 0,6 4 0,6 7 0,10 10 0,7 10 0,7 5 0,2 4 0,1-1 0,-3-3 0,-2-1 0,-1 0 0,-1-1 0,0 1 0,0-2 0,-2-1 0,-4-2 0,-5 1 0,-3 0 0,-2 2 0,-2 1 0,-6-1 0,-9 1 0,-9-3 0,-4 0 0,2-3 0,5-2 0,6-3 0,4 0 0,4 0 0,2 1 0,0 0 0,-1-3 0,0-8 0,2 0 0,2-5 0</inkml:trace>
+</inkml:ink>
+</file>
+
+<file path=ppt/ink/ink22.xml><?xml version="1.0" encoding="utf-8"?>
+<inkml:ink xmlns:inkml="http://www.w3.org/2003/InkML">
+  <inkml:definitions>
+    <inkml:context xml:id="ctx0">
+      <inkml:inkSource xml:id="inkSrc0">
+        <inkml:traceFormat>
+          <inkml:channel name="X" type="integer" min="-2.14748E9" max="2.14748E9" units="cm"/>
+          <inkml:channel name="Y" type="integer" min="-2.14748E9" max="2.14748E9" units="cm"/>
+          <inkml:channel name="F" type="integer" max="32767" units="dev"/>
+        </inkml:traceFormat>
+        <inkml:channelProperties>
+          <inkml:channelProperty channel="X" name="resolution" value="1000" units="1/cm"/>
+          <inkml:channelProperty channel="Y" name="resolution" value="1000" units="1/cm"/>
+          <inkml:channelProperty channel="F" name="resolution" value="0" units="1/dev"/>
+        </inkml:channelProperties>
+      </inkml:inkSource>
+      <inkml:timestamp xml:id="ts0" timeString="2025-06-25T11:33:37.346"/>
+    </inkml:context>
+    <inkml:brush xml:id="br0">
+      <inkml:brushProperty name="width" value="0.035" units="cm"/>
+      <inkml:brushProperty name="height" value="0.035" units="cm"/>
+      <inkml:brushProperty name="color" value="#E71224"/>
+    </inkml:brush>
+  </inkml:definitions>
+  <inkml:trace contextRef="#ctx0" brushRef="#br0">1 2737 24575,'4'0'0,"2"0"0,41 0 0,39 0 0,-29 0 0,5 0 0,7 0 0,0 0 0,-6 0 0,-2 0 0,-1 0 0,-1 0 0,-1 0 0,0 0 0,-4 0 0,-1-1 0,44-8 0,-6-15 0,-5-22 0,-41 14 0,-2-5 0,-1-3 0,0-3 0,-1-3 0,-1-2 0,-1-1 0,-1-1 0,-3 0 0,-1 0 0,3-5 0,-2-3 0,1-5 0,0-4 0,4-11 0,1-4-281,-10 17 0,0-2 1,0-2 280,2-6 0,-1-2 0,1 0 0,1-3 0,0-1 0,-1 1 0,0 1 0,-1 0 0,0 3 0,-3 7 0,0 2 0,-1 3 0,10-21 0,0 6 0,-6 11 0,0 6 0,-5 11 0,1 5 0,27-31 0,-2 19 0,2 14 842,5 6-842,3 5 0,6 5 0,-3 8 0,0 10 0,1 6 0,8 26 0,4 29 0,-33-9 0,-2 8 0,5 13 0,0 5 0,2 7 0,1 3 0,-14-21 0,-1 0 0,1 2-181,1 2 0,-1 1 0,1 0 181,1 2 0,-1 1 0,0 0 0,-2-2 0,0-1 0,-2-1 0,-1-2 0,0-1 0,-1-1 0,14 25 0,-1-2-67,-2-5 1,0-1 66,3 4 0,0-1 0,0 1 0,0-1 0,-2-3 0,1-1 0,0 0 0,1-2 0,-5-8 0,1-2 0,-5-7 0,-1-3 0,-5-9 0,-1-3 0,15 13 539,-13-19-539,-9-13 137,-4-5-137,4 3 0,10 4 0,18 7 0,15 7 0,13 5 0,3-4 0,-5-6 0,-16-8 0,-18-10 0,-24-6 0,-10-5 0</inkml:trace>
+</inkml:ink>
+</file>
+
+<file path=ppt/ink/ink23.xml><?xml version="1.0" encoding="utf-8"?>
+<inkml:ink xmlns:inkml="http://www.w3.org/2003/InkML">
+  <inkml:definitions>
+    <inkml:context xml:id="ctx0">
+      <inkml:inkSource xml:id="inkSrc0">
+        <inkml:traceFormat>
+          <inkml:channel name="X" type="integer" min="-2.14748E9" max="2.14748E9" units="cm"/>
+          <inkml:channel name="Y" type="integer" min="-2.14748E9" max="2.14748E9" units="cm"/>
+          <inkml:channel name="F" type="integer" max="32767" units="dev"/>
+        </inkml:traceFormat>
+        <inkml:channelProperties>
+          <inkml:channelProperty channel="X" name="resolution" value="1000" units="1/cm"/>
+          <inkml:channelProperty channel="Y" name="resolution" value="1000" units="1/cm"/>
+          <inkml:channelProperty channel="F" name="resolution" value="0" units="1/dev"/>
+        </inkml:channelProperties>
+      </inkml:inkSource>
+      <inkml:timestamp xml:id="ts0" timeString="2025-06-25T11:33:40.763"/>
+    </inkml:context>
+    <inkml:brush xml:id="br0">
+      <inkml:brushProperty name="width" value="0.035" units="cm"/>
+      <inkml:brushProperty name="height" value="0.035" units="cm"/>
+      <inkml:brushProperty name="color" value="#E71224"/>
+    </inkml:brush>
+  </inkml:definitions>
+  <inkml:trace contextRef="#ctx0" brushRef="#br0">119 1 24575,'-20'26'0,"5"-1"0,0 6 0,9-7 0,5-6 0,4-9 0,1-9 0,-2-2 0,-9 17 0,-1 8 0,-2 21 0,6 2 0,4-6 0,0-7 0,4-11 0,7-10 0,6-7 0,4-11 0,-1-9 0,-2-8 0,-5-2 0,-3 4 0,-6 3 0,-3 1 0,-1-2 0,0-2 0,-2 4 0,-4 6 0,-2 7 0,0 15 0,1 17 0,1 23 0,0 16 0,2 0 0,2-10 0,3-16 0,3-15 0,5-12 0,4-9 0,4-14 0,4-14 0,1-12 0,0-7 0,-6 1 0,-6 3 0,-6 8 0,-8 3 0,-10 6 0,-14 9 0,-12 4 0,-6 6 0,2 3 0,10 5 0,11 8 0,11 12 0,7 10 0,4 6 0,1-1 0,3-7 0,7-9 0,4-9 0,4-8 0,2-5 0,2-9 0,10-13 0,13-20 0,11-18 0,1-11 0,-8-1 0,-17 7 0,-15 12 0,-11 10 0,-13 10 0,-14 10 0,-13 8 0,-14 8 0,-5 3 0,-3 1 0,4 3 0,11 5 0,12 7 0,12 12 0,10 6 0,4 5 0,8 2 0,4-5 0,5-5 0,2-7 0,0-9 0,0-7 0,-1-5 0,1-3 0,0-11 0,0-15 0,2-10 0,1-5 0,1 4 0,-1 9 0,-3 5 0,-7 4 0,-4 3 0,-4 2 0,-6 4 0,-7 4 0,-6 5 0,-1 8 0,4 17 0,7 16 0,5 15 0,3 3 0,6-8 0,4-11 0,7-11 0,3-9 0,-2-8 0,-1-6 0,-6-7 0,-4-9 0,-4-9 0,-3-12 0,0-8 0,0 0 0,0 6 0,1 19 0,3 23 0,5 22 0,4 11 0,3 3 0,0-10 0,-1-11 0,-3-9 0,-3-10 0,-4-7 0,-2-5 0,-3-4 0,0-2 0,0 1 0,0 4 0,-4 2 0,3 5 0,-3 1 0</inkml:trace>
+</inkml:ink>
+</file>
+
+<file path=ppt/ink/ink24.xml><?xml version="1.0" encoding="utf-8"?>
+<inkml:ink xmlns:inkml="http://www.w3.org/2003/InkML">
+  <inkml:definitions>
+    <inkml:context xml:id="ctx0">
+      <inkml:inkSource xml:id="inkSrc0">
+        <inkml:traceFormat>
+          <inkml:channel name="X" type="integer" min="-2.14748E9" max="2.14748E9" units="cm"/>
+          <inkml:channel name="Y" type="integer" min="-2.14748E9" max="2.14748E9" units="cm"/>
+          <inkml:channel name="F" type="integer" max="32767" units="dev"/>
+        </inkml:traceFormat>
+        <inkml:channelProperties>
+          <inkml:channelProperty channel="X" name="resolution" value="1000" units="1/cm"/>
+          <inkml:channelProperty channel="Y" name="resolution" value="1000" units="1/cm"/>
+          <inkml:channelProperty channel="F" name="resolution" value="0" units="1/dev"/>
+        </inkml:channelProperties>
+      </inkml:inkSource>
+      <inkml:timestamp xml:id="ts0" timeString="2025-06-25T11:33:44.113"/>
+    </inkml:context>
+    <inkml:brush xml:id="br0">
+      <inkml:brushProperty name="width" value="0.035" units="cm"/>
+      <inkml:brushProperty name="height" value="0.035" units="cm"/>
+      <inkml:brushProperty name="color" value="#E71224"/>
+    </inkml:brush>
+  </inkml:definitions>
+  <inkml:trace contextRef="#ctx0" brushRef="#br0">7 368 24575,'-6'-4'0,"9"2"0,18 0 0,38 2 0,-4 0 0,7 0 0,27 0 0,9 0-810,-11 0 0,6 0 0,5 0 810,-13 0 0,4 0 0,2 0 0,1 0-346,-12 0 0,2 0-1,0 0 1,1 0 0,0 0 346,3 0 0,1 0 0,0 0 0,0 0 0,-1 0 0,-2 0 0,-1 0 0,1 0 0,-2 0 0,0 0 0,16 1 0,0-1 0,-2 0 0,-1-1-306,-5 0 1,-2 0 0,-1-1 0,-1 0 305,-7-1 0,-1 1 0,-1-1 0,-2-1-173,17 0 1,-3-2 0,-1 1 172,-9 0 0,-2 0 0,-2 1 0,26 0 0,-3 1 641,-3 1 1,-2 1-642,-3 1 0,-1 0 0,1-1 0,0-1 0,1-3 0,-2-1 0,-5-1 0,-1-2 1122,-5-2 1,0-1-1123,-6 1 0,-1 0 732,-4 2 1,-1 1-733,-3 2 0,-1 2 346,-5 2 1,-1 1-347,-2 1 0,-2 0 106,-1 0 1,-1 0-107,44 0 0,-1 0 0,-4 0 0,-6 0 0,-5 0 0,-7 0 0,-5 0 0,-7 0 0,-9 0 0,-13 0 0,-12 0 0,-11-2 0,-7-4 0,-6-7 0,-10-9 0,-9-5 0,-9-1 0,-8 0 0,0 2 0,5 4 0,7 5 0,12 11 0,15 13 0,13 13 0,9 12 0,4 4 0,-2 0 0,-1-2 0,-3-4 0,-5 1 0,-6-2 0,-7 1 0,-4-1 0,-8-3 0,-10-3 0,-8-7 0,-8-6 0,0-4 0,15-5 0,4-1 0</inkml:trace>
+</inkml:ink>
+</file>
+
+<file path=ppt/ink/ink25.xml><?xml version="1.0" encoding="utf-8"?>
+<inkml:ink xmlns:inkml="http://www.w3.org/2003/InkML">
+  <inkml:definitions>
+    <inkml:context xml:id="ctx0">
+      <inkml:inkSource xml:id="inkSrc0">
+        <inkml:traceFormat>
+          <inkml:channel name="X" type="integer" min="-2.14748E9" max="2.14748E9" units="cm"/>
+          <inkml:channel name="Y" type="integer" min="-2.14748E9" max="2.14748E9" units="cm"/>
+          <inkml:channel name="F" type="integer" max="32767" units="dev"/>
+        </inkml:traceFormat>
+        <inkml:channelProperties>
+          <inkml:channelProperty channel="X" name="resolution" value="1000" units="1/cm"/>
+          <inkml:channelProperty channel="Y" name="resolution" value="1000" units="1/cm"/>
+          <inkml:channelProperty channel="F" name="resolution" value="0" units="1/dev"/>
+        </inkml:channelProperties>
+      </inkml:inkSource>
+      <inkml:timestamp xml:id="ts0" timeString="2025-06-25T11:33:46.980"/>
+    </inkml:context>
+    <inkml:brush xml:id="br0">
+      <inkml:brushProperty name="width" value="0.035" units="cm"/>
+      <inkml:brushProperty name="height" value="0.035" units="cm"/>
+      <inkml:brushProperty name="color" value="#E71224"/>
+    </inkml:brush>
+  </inkml:definitions>
+  <inkml:trace contextRef="#ctx0" brushRef="#br0">1 3 24575,'0'-2'0,"0"6"0,0 6 0,0 11 0,0 8 0,0 5 0,0 5 0,0-2 0,0 1 0,0-2 0,0-2 0,0-3 0,0-3 0,0-3 0,2-5 0,0-2 0,0-5 0,1-1 0,-1-2 0,0-1 0,0 0 0,0-1 0,0 1 0,-1-1 0,0 1 0,0-1 0,-1-1 0,0 0 0,0-1 0,0 2 0,0-4 0,0-3 0,0-10 0,0-8 0,0-11 0,0-9 0,0-3 0,-4-1 0,3 20 0,-3 5 0</inkml:trace>
+</inkml:ink>
+</file>
+
+<file path=ppt/ink/ink26.xml><?xml version="1.0" encoding="utf-8"?>
+<inkml:ink xmlns:inkml="http://www.w3.org/2003/InkML">
+  <inkml:definitions>
+    <inkml:context xml:id="ctx0">
+      <inkml:inkSource xml:id="inkSrc0">
+        <inkml:traceFormat>
+          <inkml:channel name="X" type="integer" min="-2.14748E9" max="2.14748E9" units="cm"/>
+          <inkml:channel name="Y" type="integer" min="-2.14748E9" max="2.14748E9" units="cm"/>
+          <inkml:channel name="F" type="integer" max="32767" units="dev"/>
+        </inkml:traceFormat>
+        <inkml:channelProperties>
+          <inkml:channelProperty channel="X" name="resolution" value="1000" units="1/cm"/>
+          <inkml:channelProperty channel="Y" name="resolution" value="1000" units="1/cm"/>
+          <inkml:channelProperty channel="F" name="resolution" value="0" units="1/dev"/>
+        </inkml:channelProperties>
+      </inkml:inkSource>
+      <inkml:timestamp xml:id="ts0" timeString="2025-06-25T11:33:55.081"/>
+    </inkml:context>
+    <inkml:brush xml:id="br0">
+      <inkml:brushProperty name="width" value="0.035" units="cm"/>
+      <inkml:brushProperty name="height" value="0.035" units="cm"/>
+      <inkml:brushProperty name="color" value="#E71224"/>
+    </inkml:brush>
+  </inkml:definitions>
+  <inkml:trace contextRef="#ctx0" brushRef="#br0">217 122 24575,'-4'20'0,"-7"1"0,-12 8 0,-7 2 0,-1-2 0,4 1 0,6-5 0,6 0 0,4-1 0,3-2 0,5-3 0,0-1 0,1-3 0,-2-1 0,0-3 0,2-1 0,0-3 0,2 0 0,2-1 0,4 2 0,6 0 0,7 3 0,9 4 0,7 9 0,7 14 0,3 10 0,-2 5 0,-3-5 0,-10-8 0,-7-11 0,-13-11 0,-12-8 0,-13-11 0,-14-12 0,-8-11 0,-7-11 0,-2-5 0,4 0 0,6 2 0,7 6 0,9 7 0,5 5 0,5 5 0,3 3 0,3 3 0,1 0 0,1 0 0,-1 0 0,-1 0 0,2 1 0,2 1 0,4 1 0,10 2 0,12 2 0,13 2 0,12-1 0,12 1 0,13 0 0,9 0 0,9-2 0,5-4 0,-47 2 0,1 0 0,2-2 0,1 0 0,0 1 0,-1-1 0,0-1 0,-3 1 0,43-7 0,-14 1 0,-13 1 0,-10 2 0,-4 0 0,-2 1 0,1-1 0,1-2 0,6-4 0,2-2 0,5 0 0,4 2 0,2 1 0,1 1 0,-2 1 0,-2 2 0,-4 3 0,-10 2 0,-13 3 0,-14 0 0,-8 2 0,-5 0 0,-4 0 0,-1 0 0,0 0 0,-1 0 0,1 0 0,-1 0 0,0 0 0,0 0 0,1 0 0,2 0 0,-1 0 0,-2-1 0,-4-6 0,-14-6 0,-15-8 0,-24-11 0,-8 0 0,5 2 0,10 7 0,18 10 0,6 1 0,5 3 0,6 2 0,5 3 0,5 5 0,4 5 0,3 4 0,2 7 0,4 5 0,2 3 0,3 1 0,-1-3 0,0-1 0,-1-2 0,-2-1 0,-2-1 0,-1-2 0,-1-2 0,-2-2 0,-2-3 0,-4 0 0,-3 0 0,-1 0 0,-3 1 0,0-1 0,0 2 0,-5 1 0,-7 2 0,-6 0 0,-6 1 0,-1-1 0,2 0 0,3 0 0,2 1 0,4-1 0,1-3 0,2 0 0,3-2 0,0 1 0,1-1 0,0 0 0,1 3 0,-1-3 0,1 3 0,2-1 0,0 0 0,0-1 0,2-2 0,0 0 0,0 0 0,2 1 0,0-1 0,0-1 0,0 0 0,0 0 0,1 1 0,1 1 0,2 1 0,0 1 0,0 1 0,-1 0 0,-1 0 0,0-2 0,-3-3 0,-7-12 0,-4-10 0,2 2 0,1 0 0</inkml:trace>
+</inkml:ink>
+</file>
+
+<file path=ppt/ink/ink27.xml><?xml version="1.0" encoding="utf-8"?>
+<inkml:ink xmlns:inkml="http://www.w3.org/2003/InkML">
+  <inkml:definitions>
+    <inkml:context xml:id="ctx0">
+      <inkml:inkSource xml:id="inkSrc0">
+        <inkml:traceFormat>
+          <inkml:channel name="X" type="integer" min="-2.14748E9" max="2.14748E9" units="cm"/>
+          <inkml:channel name="Y" type="integer" min="-2.14748E9" max="2.14748E9" units="cm"/>
+          <inkml:channel name="F" type="integer" max="32767" units="dev"/>
+        </inkml:traceFormat>
+        <inkml:channelProperties>
+          <inkml:channelProperty channel="X" name="resolution" value="1000" units="1/cm"/>
+          <inkml:channelProperty channel="Y" name="resolution" value="1000" units="1/cm"/>
+          <inkml:channelProperty channel="F" name="resolution" value="0" units="1/dev"/>
+        </inkml:channelProperties>
+      </inkml:inkSource>
+      <inkml:timestamp xml:id="ts0" timeString="2025-06-25T11:36:16.897"/>
+    </inkml:context>
+    <inkml:brush xml:id="br0">
+      <inkml:brushProperty name="width" value="0.035" units="cm"/>
+      <inkml:brushProperty name="height" value="0.035" units="cm"/>
+      <inkml:brushProperty name="color" value="#E71224"/>
+    </inkml:brush>
+  </inkml:definitions>
+  <inkml:trace contextRef="#ctx0" brushRef="#br0">0 38 24575,'0'11'0,"0"1"0,0 9 0,0 4 0,0 3 0,2 2 0,3-2 0,5 1 0,4 0 0,2-1 0,0-2 0,0-3 0,0-3 0,-2-1 0,-2-2 0,-1-3 0,-3-1 0,1-4 0,0-3 0,-3-3 0,1-3 0,-1 0 0,0-1 0,-1-3 0,2-3 0,-2-2 0,0-3 0,0 1 0,0-1 0,0-1 0,-1-4 0,0-3 0,2-1 0,-2 1 0,1 5 0,0 4 0,0 2 0,0 5 0,1 1 0,2 3 0,-2 4 0,1 3 0,0 4 0,-3 0 0,1 2 0,1-2 0,-1 1 0,4 1 0,0-3 0,0 0 0,0-4 0,0-3 0,-1-1 0,0-1 0,0-1 0,-1 0 0,1 0 0,-2 0 0,0 0 0,0 0 0,2 0 0,3 0 0,-1-2 0,-1-3 0,-1-2 0,-1-4 0,-1-4 0,0-3 0,-2-2 0,-2 1 0,0-1 0,-2 2 0,0-3 0,0 1 0,0 2 0,0 1 0,0 3 0,0 2 0,0 1 0,0 3 0,0-2 0,0 1 0,0 1 0,0-1 0,0 2 0,0-3 0,0 0 0,0 1 0,0 1 0,0 1 0,-3 2 0,2 2 0,-2 1 0</inkml:trace>
+</inkml:ink>
+</file>
+
+<file path=ppt/ink/ink28.xml><?xml version="1.0" encoding="utf-8"?>
+<inkml:ink xmlns:inkml="http://www.w3.org/2003/InkML">
+  <inkml:definitions>
+    <inkml:context xml:id="ctx0">
+      <inkml:inkSource xml:id="inkSrc0">
+        <inkml:traceFormat>
+          <inkml:channel name="X" type="integer" min="-2.14748E9" max="2.14748E9" units="cm"/>
+          <inkml:channel name="Y" type="integer" min="-2.14748E9" max="2.14748E9" units="cm"/>
+          <inkml:channel name="F" type="integer" max="32767" units="dev"/>
+        </inkml:traceFormat>
+        <inkml:channelProperties>
+          <inkml:channelProperty channel="X" name="resolution" value="1000" units="1/cm"/>
+          <inkml:channelProperty channel="Y" name="resolution" value="1000" units="1/cm"/>
+          <inkml:channelProperty channel="F" name="resolution" value="0" units="1/dev"/>
+        </inkml:channelProperties>
+      </inkml:inkSource>
+      <inkml:timestamp xml:id="ts0" timeString="2025-06-25T11:36:23.281"/>
+    </inkml:context>
+    <inkml:brush xml:id="br0">
+      <inkml:brushProperty name="width" value="0.035" units="cm"/>
+      <inkml:brushProperty name="height" value="0.035" units="cm"/>
+      <inkml:brushProperty name="color" value="#E71224"/>
+    </inkml:brush>
+  </inkml:definitions>
+  <inkml:trace contextRef="#ctx0" brushRef="#br0">194 1 24575,'0'17'0,"0"12"0,2 27 0,5 13 0,4-5 0,0-9 0,-3-22 0,-4-7 0,-1-5 0,-1-3 0,1-1 0,0-4 0,-1-1 0,1-3 0,-1-1 0,0-6 0,0-9 0,-4-10 0,-2-9 0,-4-7 0,0-3 0,-1 1 0,2 5 0,2 9 0,0 11 0,-3 6 0,-3 3 0,-3 1 0,-2 0 0,-1 0 0,-3 0 0,-3 0 0,-2 0 0,1 0 0,4 0 0,5 0 0,5-1 0,5-2 0,3-2 0,2-1 0,6 3 0,4 0 0,4 3 0,2 0 0,1 0 0,4 0 0,4 0 0,3 0 0,3 0 0,0 0 0,0-2 0,-1-2 0,0-1 0,-3 1 0,-4 3 0,-3 1 0,-7 0 0,-2 1 0,-4 1 0,-5 3 0,-2 0 0,-5-1 0,-11-2 0,-9-1 0,-7-1 0,-4 0 0,4-2 0,3-5 0,4-2 0,5-3 0,4 0 0,3 0 0,1-1 0,2 2 0,1 2 0,3 2 0,2 2 0,2 1 0,4 4 0,4 2 0,6 9 0,4 3 0,6 4 0,3 1 0,-2-2 0,1 0 0,-4-1 0,-2 0 0,0-1 0,-3-1 0,1-3 0,-2-1 0,-2-2 0,-2 0 0,-2 0 0,0-1 0,-2-1 0,-1-1 0,-1 0 0,0 1 0,-1-1 0,1-1 0,0 1 0,-1 1 0,1 0 0,-4-1 0,-3-4 0,-5-5 0,-3-4 0,-2-2 0,1 0 0,-2 2 0,3 1 0,0 1 0,-1 1 0,1 0 0,-1-1 0,0-2 0,0-1 0,1 1 0,0-2 0,1 4 0,0 2 0,2 1 0,0 3 0,-1-2 0,-2 0 0,0 0 0,2 2 0,5 6 0,2 4 0,1 3 0,1 1 0,0-3 0,0-2 0,0-1 0,-1-1 0,-1-1 0,-2-2 0,1 0 0,-1-1 0,1 0 0,1 1 0,-1 1 0,0 0 0,-1-1 0,0-1 0,5-5 0,3-4 0,4-2 0,1-3 0,1 0 0,0 0 0,1-1 0,-1 0 0,-2 1 0,0 0 0,-1 1 0,1 2 0,0 1 0,-2-1 0,-1 1 0,1 0 0,0 0 0,1 1 0,1-1 0,-1-1 0,0-2 0,-1-1 0,-1 2 0,0 2 0,1 0 0,-1 1 0,1 0 0,-1-1 0,0 0 0,1 1 0,-1 0 0,0 1 0,-1-1 0,1-1 0,0 1 0,-1-1 0,1 3 0,-1 1 0,0 0 0,1 1 0,-3 0 0,0 1 0</inkml:trace>
+</inkml:ink>
+</file>
+
+<file path=ppt/ink/ink29.xml><?xml version="1.0" encoding="utf-8"?>
+<inkml:ink xmlns:inkml="http://www.w3.org/2003/InkML">
+  <inkml:definitions>
+    <inkml:context xml:id="ctx0">
+      <inkml:inkSource xml:id="inkSrc0">
+        <inkml:traceFormat>
+          <inkml:channel name="X" type="integer" min="-2.14748E9" max="2.14748E9" units="cm"/>
+          <inkml:channel name="Y" type="integer" min="-2.14748E9" max="2.14748E9" units="cm"/>
+          <inkml:channel name="F" type="integer" max="32767" units="dev"/>
+        </inkml:traceFormat>
+        <inkml:channelProperties>
+          <inkml:channelProperty channel="X" name="resolution" value="1000" units="1/cm"/>
+          <inkml:channelProperty channel="Y" name="resolution" value="1000" units="1/cm"/>
+          <inkml:channelProperty channel="F" name="resolution" value="0" units="1/dev"/>
+        </inkml:channelProperties>
+      </inkml:inkSource>
+      <inkml:timestamp xml:id="ts0" timeString="2025-06-25T11:36:30.481"/>
+    </inkml:context>
+    <inkml:brush xml:id="br0">
+      <inkml:brushProperty name="width" value="0.035" units="cm"/>
+      <inkml:brushProperty name="height" value="0.035" units="cm"/>
+      <inkml:brushProperty name="color" value="#E71224"/>
+    </inkml:brush>
+  </inkml:definitions>
+  <inkml:trace contextRef="#ctx0" brushRef="#br0">695 1 24575,'-5'0'0,"-5"0"0,-14 0 0,-14 0 0,-15 0 0,-18 0 0,-17 0 0,-6 0 0,3 0 0,13 0 0,22 0 0,16 0 0,16 0 0,10 0 0,9 0 0,2 0 0</inkml:trace>
+</inkml:ink>
+</file>
+
+<file path=ppt/ink/ink3.xml><?xml version="1.0" encoding="utf-8"?>
+<inkml:ink xmlns:inkml="http://www.w3.org/2003/InkML">
+  <inkml:definitions>
+    <inkml:context xml:id="ctx0">
+      <inkml:inkSource xml:id="inkSrc0">
+        <inkml:traceFormat>
+          <inkml:channel name="X" type="integer" min="-2.14748E9" max="2.14748E9" units="cm"/>
+          <inkml:channel name="Y" type="integer" min="-2.14748E9" max="2.14748E9" units="cm"/>
+          <inkml:channel name="F" type="integer" max="32767" units="dev"/>
+        </inkml:traceFormat>
+        <inkml:channelProperties>
+          <inkml:channelProperty channel="X" name="resolution" value="1000" units="1/cm"/>
+          <inkml:channelProperty channel="Y" name="resolution" value="1000" units="1/cm"/>
+          <inkml:channelProperty channel="F" name="resolution" value="0" units="1/dev"/>
+        </inkml:channelProperties>
+      </inkml:inkSource>
+      <inkml:timestamp xml:id="ts0" timeString="2025-06-25T11:16:13.342"/>
+    </inkml:context>
+    <inkml:brush xml:id="br0">
+      <inkml:brushProperty name="width" value="0.035" units="cm"/>
+      <inkml:brushProperty name="height" value="0.035" units="cm"/>
+      <inkml:brushProperty name="color" value="#E71224"/>
+    </inkml:brush>
+  </inkml:definitions>
+  <inkml:trace contextRef="#ctx0" brushRef="#br0">0 1 24575,'0'8'0,"0"1"0,0 2 0,0 0 0,0 3 0,0 5 0,1 12 0,1 12 0,4 11 0,4 8 0,5 1 0,2-3 0,-1-3 0,-4-6 0,-4-7 0,-3-10 0,1-9 0,-2-7 0,1-2 0,0 1 0,0 1 0,-1 0 0,-2-7 0,-2-4 0</inkml:trace>
+</inkml:ink>
+</file>
+
+<file path=ppt/ink/ink30.xml><?xml version="1.0" encoding="utf-8"?>
+<inkml:ink xmlns:inkml="http://www.w3.org/2003/InkML">
+  <inkml:definitions>
+    <inkml:context xml:id="ctx0">
+      <inkml:inkSource xml:id="inkSrc0">
+        <inkml:traceFormat>
+          <inkml:channel name="X" type="integer" min="-2.14748E9" max="2.14748E9" units="cm"/>
+          <inkml:channel name="Y" type="integer" min="-2.14748E9" max="2.14748E9" units="cm"/>
+          <inkml:channel name="F" type="integer" max="32767" units="dev"/>
+        </inkml:traceFormat>
+        <inkml:channelProperties>
+          <inkml:channelProperty channel="X" name="resolution" value="1000" units="1/cm"/>
+          <inkml:channelProperty channel="Y" name="resolution" value="1000" units="1/cm"/>
+          <inkml:channelProperty channel="F" name="resolution" value="0" units="1/dev"/>
+        </inkml:channelProperties>
+      </inkml:inkSource>
+      <inkml:timestamp xml:id="ts0" timeString="2025-06-25T11:36:42.498"/>
+    </inkml:context>
+    <inkml:brush xml:id="br0">
+      <inkml:brushProperty name="width" value="0.035" units="cm"/>
+      <inkml:brushProperty name="height" value="0.035" units="cm"/>
+      <inkml:brushProperty name="color" value="#E71224"/>
+    </inkml:brush>
+  </inkml:definitions>
+  <inkml:trace contextRef="#ctx0" brushRef="#br0">1 2521 24575,'32'-17'0,"13"-13"0,22-22 0,-24 16 0,1-3 0,6-6 0,1-2 0,5-5 0,1-2 0,-1 1 0,1-2 0,-1-1 0,0 1 0,-3 0 0,-1 2 0,-4 4 0,-2 1 0,-3 1 0,-1 1 0,-5 6 0,-1 1 0,-3 1 0,0 1 0,33-37 0,0 5 0,1 0 0,-30 33 0,0 0 0,0 1 0,0-1 0,3-2 0,0-2 0,1-2 0,-1-2 0,-1 0 0,-2 0 0,0-1 0,-1 0 0,-2 2 0,-2 3 0,26-27 0,-9 14 0,-3 11 0,6 0 0,5-5 0,13-9 0,7-6 0,-36 30 0,0-1 0,3-1 0,0 1 0,-1 1 0,-1 1 0,40-25 0,-8 14 0,-10 17 0,-9 14 0,-9 17 0,-4 13 0,0 14 0,7 11 0,9 3 0,16-1 0,6-2 0,3-5 0,3-2 0,-4-2 0,-4-1 0,-3 0 0,-3 1 0,-2 0 0,3 3 0,9 4 0,-38-19 0,1 0 0,4 2 0,1-1 0,3 1 0,0-1 0,2 0 0,1-1 0,2 0 0,-1 0 0,0-1 0,-1 0 0,-2 1 0,-1 0 0,-4-1 0,-1 0 0,41 20 0,-3-2 0,-8-4 0,-8-5 0,-12-4 0,-11-5 0,-8-2 0,-4-1 0,0 1 0,2 1 0,0 1 0,-2-1 0,-5-2 0,-7-2 0,-6-3 0,-5-1 0,-6-6 0,-3-2 0</inkml:trace>
+</inkml:ink>
+</file>
+
+<file path=ppt/ink/ink31.xml><?xml version="1.0" encoding="utf-8"?>
+<inkml:ink xmlns:inkml="http://www.w3.org/2003/InkML">
+  <inkml:definitions>
+    <inkml:context xml:id="ctx0">
+      <inkml:inkSource xml:id="inkSrc0">
+        <inkml:traceFormat>
+          <inkml:channel name="X" type="integer" min="-2.14748E9" max="2.14748E9" units="cm"/>
+          <inkml:channel name="Y" type="integer" min="-2.14748E9" max="2.14748E9" units="cm"/>
+          <inkml:channel name="F" type="integer" max="32767" units="dev"/>
+        </inkml:traceFormat>
+        <inkml:channelProperties>
+          <inkml:channelProperty channel="X" name="resolution" value="1000" units="1/cm"/>
+          <inkml:channelProperty channel="Y" name="resolution" value="1000" units="1/cm"/>
+          <inkml:channelProperty channel="F" name="resolution" value="0" units="1/dev"/>
+        </inkml:channelProperties>
+      </inkml:inkSource>
+      <inkml:timestamp xml:id="ts0" timeString="2025-06-25T11:35:53.597"/>
+    </inkml:context>
+    <inkml:brush xml:id="br0">
+      <inkml:brushProperty name="width" value="0.035" units="cm"/>
+      <inkml:brushProperty name="height" value="0.035" units="cm"/>
+      <inkml:brushProperty name="color" value="#E71224"/>
+    </inkml:brush>
+  </inkml:definitions>
+  <inkml:trace contextRef="#ctx0" brushRef="#br0">1 383 24575,'30'0'0,"34"0"0,-9 0 0,9 0 0,0 0 0,7 0 0,2 0 0,14 0 0,3 0 0,4 0-786,-12 0 0,2 0 0,2 0 0,3 0 786,-6 0 0,2 0 0,2 0 0,1 0 0,0 0-425,4 0 0,0 1 0,2-1 0,0 1 0,1 0 425,-10-1 0,1 1 0,1-1 0,1 1 0,-1 0 0,0-1 0,0 1 0,0-1 0,0 1 0,0 0 0,0-1 0,0 1 0,-3-1 0,0 1 0,0 0 0,0-1 0,0 0 0,0 1 0,16-1 0,0 0 0,0 0 0,0 0 0,-2 0 0,-4 0 0,0 0 0,-1 0 0,-1 0 0,-2 0-282,-5 0 1,-1 0 0,-1 0-1,-1 0 1,-2 0 281,10-1 0,-2-1 0,-2 0 0,-3-1-190,15 0 1,-3-2 0,-3-1 189,-9 0 0,-3 0 0,-2-1 0,-8 0 0,-2 0 0,-2 0 881,22 0 0,-4 0-881,-8 2 0,-4 1 1411,-9 1 0,-3 1-1411,-7 1 0,-3 0 1817,27 1-1817,-21 0 843,-15 0-843,-4 0 0,1 0 0,-1 0 0,-5 0 0,-8 0 0,-7-2 0,-10-6 0,-13-9 0,-12-8 0,-8-8 0,-7-1 0,1 1 0,0-1 0,-1 4 0,3 2 0,2 3 0,4 6 0,8 8 0,6 7 0,8 6 0,8 8 0,10 8 0,10 9 0,5 4 0,3 0 0,0-2 0,-4-3 0,-2-1 0,-5-2 0,-3-2 0,-4-4 0,-5-1 0,-4-1 0,-4 1 0,-2-3 0,-1 1 0,0-1 0,0 1 0,0 1 0,0 1 0,-6 1 0,-4 4 0,-7 0 0,-6-1 0,2-2 0,-2-1 0,-1 1 0,-2 2 0,-4 4 0,-2 4 0,-1 3 0,-1 1 0,4-4 0,5-4 0,7-6 0,10-9 0,4-2 0</inkml:trace>
+</inkml:ink>
+</file>
+
+<file path=ppt/ink/ink32.xml><?xml version="1.0" encoding="utf-8"?>
+<inkml:ink xmlns:inkml="http://www.w3.org/2003/InkML">
+  <inkml:definitions>
+    <inkml:context xml:id="ctx0">
+      <inkml:inkSource xml:id="inkSrc0">
+        <inkml:traceFormat>
+          <inkml:channel name="X" type="integer" min="-2.14748E9" max="2.14748E9" units="cm"/>
+          <inkml:channel name="Y" type="integer" min="-2.14748E9" max="2.14748E9" units="cm"/>
+          <inkml:channel name="F" type="integer" max="32767" units="dev"/>
+        </inkml:traceFormat>
+        <inkml:channelProperties>
+          <inkml:channelProperty channel="X" name="resolution" value="1000" units="1/cm"/>
+          <inkml:channelProperty channel="Y" name="resolution" value="1000" units="1/cm"/>
+          <inkml:channelProperty channel="F" name="resolution" value="0" units="1/dev"/>
+        </inkml:channelProperties>
+      </inkml:inkSource>
+      <inkml:timestamp xml:id="ts0" timeString="2025-06-25T11:35:56.597"/>
+    </inkml:context>
+    <inkml:brush xml:id="br0">
+      <inkml:brushProperty name="width" value="0.035" units="cm"/>
+      <inkml:brushProperty name="height" value="0.035" units="cm"/>
+      <inkml:brushProperty name="color" value="#E71224"/>
+    </inkml:brush>
+  </inkml:definitions>
+  <inkml:trace contextRef="#ctx0" brushRef="#br0">30 1 24575,'0'9'0,"0"21"0,0 20 0,0 17 0,0 7 0,0-4 0,0 0 0,0 1 0,0-2 0,0-11 0,0-11 0,0-14 0,0-10 0,2-7 0,0-4 0,1-5 0,-2-4 0,-7-6 0,-6-11 0,2 6 0,1-4 0</inkml:trace>
+</inkml:ink>
+</file>
+
+<file path=ppt/ink/ink33.xml><?xml version="1.0" encoding="utf-8"?>
+<inkml:ink xmlns:inkml="http://www.w3.org/2003/InkML">
+  <inkml:definitions>
+    <inkml:context xml:id="ctx0">
+      <inkml:inkSource xml:id="inkSrc0">
+        <inkml:traceFormat>
+          <inkml:channel name="X" type="integer" min="-2.14748E9" max="2.14748E9" units="cm"/>
+          <inkml:channel name="Y" type="integer" min="-2.14748E9" max="2.14748E9" units="cm"/>
+          <inkml:channel name="F" type="integer" max="32767" units="dev"/>
+        </inkml:traceFormat>
+        <inkml:channelProperties>
+          <inkml:channelProperty channel="X" name="resolution" value="1000" units="1/cm"/>
+          <inkml:channelProperty channel="Y" name="resolution" value="1000" units="1/cm"/>
+          <inkml:channelProperty channel="F" name="resolution" value="0" units="1/dev"/>
+        </inkml:channelProperties>
+      </inkml:inkSource>
+      <inkml:timestamp xml:id="ts0" timeString="2025-06-25T11:35:58.630"/>
+    </inkml:context>
+    <inkml:brush xml:id="br0">
+      <inkml:brushProperty name="width" value="0.035" units="cm"/>
+      <inkml:brushProperty name="height" value="0.035" units="cm"/>
+      <inkml:brushProperty name="color" value="#E71224"/>
+    </inkml:brush>
+  </inkml:definitions>
+  <inkml:trace contextRef="#ctx0" brushRef="#br0">30 162 24575,'0'-4'0,"0"0"0,0-13 0,0-6 0,2-2 0,4-3 0,4 9 0,3 5 0,1 6 0,1 6 0,3 2 0,4-2 0,6-3 0,5 1 0,1 0 0,-3 2 0,-4 2 0,-6 1 0,-4 3 0,-3 5 0,-2 6 0,-4 4 0,-1 5 0,-2 3 0,-3 3 0,0 0 0,-2-2 0,0-1 0,-4-2 0,-2-1 0,-5-2 0,-3-2 0,1-3 0,0-4 0,-1 1 0,0-1 0,-2 2 0,1 1 0,-3-1 0,-7 10 0,-9 10 0,-9 11 0,-3 7 0,6-10 0,11-10 0,15-15 0,13-15 0,10-9 0,8-7 0,6-1 0,9 1 0,9 3 0,6 5 0,1 3 0,0 2 0,-5 0 0,-6 0 0,-5 0 0,-3 0 0,-2 0 0,-1 0 0,-3 2 0,-1 0 0,-1 2 0,-2-1 0,-4-1 0,-7 0 0,-4-2 0</inkml:trace>
+</inkml:ink>
+</file>
+
+<file path=ppt/ink/ink34.xml><?xml version="1.0" encoding="utf-8"?>
+<inkml:ink xmlns:inkml="http://www.w3.org/2003/InkML">
+  <inkml:definitions>
+    <inkml:context xml:id="ctx0">
+      <inkml:inkSource xml:id="inkSrc0">
+        <inkml:traceFormat>
+          <inkml:channel name="X" type="integer" min="-2.14748E9" max="2.14748E9" units="cm"/>
+          <inkml:channel name="Y" type="integer" min="-2.14748E9" max="2.14748E9" units="cm"/>
+          <inkml:channel name="F" type="integer" max="32767" units="dev"/>
+        </inkml:traceFormat>
+        <inkml:channelProperties>
+          <inkml:channelProperty channel="X" name="resolution" value="1000" units="1/cm"/>
+          <inkml:channelProperty channel="Y" name="resolution" value="1000" units="1/cm"/>
+          <inkml:channelProperty channel="F" name="resolution" value="0" units="1/dev"/>
+        </inkml:channelProperties>
+      </inkml:inkSource>
+      <inkml:timestamp xml:id="ts0" timeString="2025-06-25T11:36:00.963"/>
+    </inkml:context>
+    <inkml:brush xml:id="br0">
+      <inkml:brushProperty name="width" value="0.035" units="cm"/>
+      <inkml:brushProperty name="height" value="0.035" units="cm"/>
+      <inkml:brushProperty name="color" value="#E71224"/>
+    </inkml:brush>
+  </inkml:definitions>
+  <inkml:trace contextRef="#ctx0" brushRef="#br0">80 73 24575,'13'-17'0,"7"1"0,10-1 0,7 4 0,1 7 0,-2 2 0,-7 4 0,-6 2 0,-4 7 0,-4 6 0,-2 5 0,-2 3 0,-2-3 0,-2 0 0,-2-2 0,1 0 0,-3-2 0,0-3 0,-2 1 0,0 0 0,-1 1 0,0 1 0,-4 2 0,-7 0 0,-8 1 0,-5-1 0,-1-4 0,2-3 0,6-5 0,9-3 0,9-1 0,9-2 0,8 0 0,3 0 0,5 1 0,2 4 0,1 6 0,-3 5 0,-4 4 0,-6 1 0,-6-2 0,-3 1 0,-5-2 0,-2 0 0,0-2 0,0-1 0,0 0 0,0-1 0,0-2 0,0-3 0,-2-1 0,-1 1 0,-3-1 0,-2 0 0,-3-2 0,-3-1 0,1-1 0,0-2 0,0 0 0,-3-2 0,-3 0 0,-1 0 0,-3 0 0,0-4 0,-5-5 0,1-4 0,-1-4 0,0 0 0,4 1 0,3 1 0,0 3 0,2 0 0,0 1 0,2-1 0,3 1 0,1-1 0,1 1 0,3 0 0,0 2 0,3 2 0,3 5 0,1 0 0,3 3 0</inkml:trace>
+</inkml:ink>
+</file>
+
+<file path=ppt/ink/ink35.xml><?xml version="1.0" encoding="utf-8"?>
+<inkml:ink xmlns:inkml="http://www.w3.org/2003/InkML">
+  <inkml:definitions>
+    <inkml:context xml:id="ctx0">
+      <inkml:inkSource xml:id="inkSrc0">
+        <inkml:traceFormat>
+          <inkml:channel name="X" type="integer" min="-2.14748E9" max="2.14748E9" units="cm"/>
+          <inkml:channel name="Y" type="integer" min="-2.14748E9" max="2.14748E9" units="cm"/>
+          <inkml:channel name="F" type="integer" max="32767" units="dev"/>
+        </inkml:traceFormat>
+        <inkml:channelProperties>
+          <inkml:channelProperty channel="X" name="resolution" value="1000" units="1/cm"/>
+          <inkml:channelProperty channel="Y" name="resolution" value="1000" units="1/cm"/>
+          <inkml:channelProperty channel="F" name="resolution" value="0" units="1/dev"/>
+        </inkml:channelProperties>
+      </inkml:inkSource>
+      <inkml:timestamp xml:id="ts0" timeString="2025-06-25T11:36:46.080"/>
+    </inkml:context>
+    <inkml:brush xml:id="br0">
+      <inkml:brushProperty name="width" value="0.035" units="cm"/>
+      <inkml:brushProperty name="height" value="0.035" units="cm"/>
+      <inkml:brushProperty name="color" value="#E71224"/>
+    </inkml:brush>
+  </inkml:definitions>
+  <inkml:trace contextRef="#ctx0" brushRef="#br0">8 891 24575,'0'-31'0,"0"-15"0,0-7 0,0-3 0,0-3 0,0 3 0,0-10 0,0-4 0,0 8 0,0 13 0,0 17 0,0 13 0,0 6 0,0 1 0,0 0 0,0-1 0,0 1 0,0-5 0,0-10 0,0-9 0,0-7 0,0 3 0,0 10 0,-1 9 0,-2 11 0,1 5 0,1 5 0</inkml:trace>
+</inkml:ink>
+</file>
+
+<file path=ppt/ink/ink36.xml><?xml version="1.0" encoding="utf-8"?>
+<inkml:ink xmlns:inkml="http://www.w3.org/2003/InkML">
+  <inkml:definitions>
+    <inkml:context xml:id="ctx0">
+      <inkml:inkSource xml:id="inkSrc0">
+        <inkml:traceFormat>
+          <inkml:channel name="X" type="integer" min="-2.14748E9" max="2.14748E9" units="cm"/>
+          <inkml:channel name="Y" type="integer" min="-2.14748E9" max="2.14748E9" units="cm"/>
+          <inkml:channel name="F" type="integer" max="32767" units="dev"/>
+        </inkml:traceFormat>
+        <inkml:channelProperties>
+          <inkml:channelProperty channel="X" name="resolution" value="1000" units="1/cm"/>
+          <inkml:channelProperty channel="Y" name="resolution" value="1000" units="1/cm"/>
+          <inkml:channelProperty channel="F" name="resolution" value="0" units="1/dev"/>
+        </inkml:channelProperties>
+      </inkml:inkSource>
+      <inkml:timestamp xml:id="ts0" timeString="2025-06-25T11:36:47.847"/>
+    </inkml:context>
+    <inkml:brush xml:id="br0">
+      <inkml:brushProperty name="width" value="0.035" units="cm"/>
+      <inkml:brushProperty name="height" value="0.035" units="cm"/>
+      <inkml:brushProperty name="color" value="#E71224"/>
+    </inkml:brush>
+  </inkml:definitions>
+  <inkml:trace contextRef="#ctx0" brushRef="#br0">38 2031 24575,'0'-7'0,"0"-8"0,0-22 0,0-28 0,0-21 0,0 34 0,0-1 0,0 2 0,0 0 0,0-42 0,0 10 0,0 11 0,0-1 0,0-4 0,0-8 0,0 2 0,0 5 0,0 14 0,0 17 0,0 9 0,0 3 0,0-3 0,0-2 0,0 1 0,0 1 0,0 1 0,0-4 0,0-6 0,0-7 0,0-5 0,0 3 0,0 7 0,0 11 0,0 8 0,0 7 0,-2 4 0,0-3 0,-4-8 0,-1-7 0,-1 0 0,0 9 0,6 13 0,-1 8 0,4 6 0</inkml:trace>
+</inkml:ink>
+</file>
+
+<file path=ppt/ink/ink37.xml><?xml version="1.0" encoding="utf-8"?>
+<inkml:ink xmlns:inkml="http://www.w3.org/2003/InkML">
+  <inkml:definitions>
+    <inkml:context xml:id="ctx0">
+      <inkml:inkSource xml:id="inkSrc0">
+        <inkml:traceFormat>
+          <inkml:channel name="X" type="integer" min="-2.14748E9" max="2.14748E9" units="cm"/>
+          <inkml:channel name="Y" type="integer" min="-2.14748E9" max="2.14748E9" units="cm"/>
+          <inkml:channel name="F" type="integer" max="32767" units="dev"/>
+        </inkml:traceFormat>
+        <inkml:channelProperties>
+          <inkml:channelProperty channel="X" name="resolution" value="1000" units="1/cm"/>
+          <inkml:channelProperty channel="Y" name="resolution" value="1000" units="1/cm"/>
+          <inkml:channelProperty channel="F" name="resolution" value="0" units="1/dev"/>
+        </inkml:channelProperties>
+      </inkml:inkSource>
+      <inkml:timestamp xml:id="ts0" timeString="2025-06-25T11:36:50.114"/>
+    </inkml:context>
+    <inkml:brush xml:id="br0">
+      <inkml:brushProperty name="width" value="0.035" units="cm"/>
+      <inkml:brushProperty name="height" value="0.035" units="cm"/>
+      <inkml:brushProperty name="color" value="#E71224"/>
+    </inkml:brush>
+  </inkml:definitions>
+  <inkml:trace contextRef="#ctx0" brushRef="#br0">1 2303 24575,'0'-24'0,"0"-2"0,0-6 0,0-4 0,0-14 0,0-27 0,0 25 0,0-3 0,0-9 0,2-2 0,2-2 0,0 3 0,0 6 0,1 4 0,3-28 0,-3 30 0,-5 13 0,0-2 0,2-16 0,2-17 0,1-10 0,0-1 0,0 1 0,0 3 0,0 0 0,2 2 0,-2 8 0,-1 12 0,-2 16 0,-2 13 0,0 6 0,0-3 0,0-8 0,0-11 0,0-2 0,0 8 0,0 10 0,0 7 0,0-2 0,0-1 0,0 0 0,0 4 0,0 7 0,0 5 0,0 2 0,0 2 0,0-2 0,0 0 0,0-1 0,0-1 0,0 2 0,0 0 0,0 2 0,0-1 0,0 1 0,0 1 0,0 3 0</inkml:trace>
+</inkml:ink>
+</file>
+
+<file path=ppt/ink/ink38.xml><?xml version="1.0" encoding="utf-8"?>
+<inkml:ink xmlns:inkml="http://www.w3.org/2003/InkML">
+  <inkml:definitions>
+    <inkml:context xml:id="ctx0">
+      <inkml:inkSource xml:id="inkSrc0">
+        <inkml:traceFormat>
+          <inkml:channel name="X" type="integer" min="-2.14748E9" max="2.14748E9" units="cm"/>
+          <inkml:channel name="Y" type="integer" min="-2.14748E9" max="2.14748E9" units="cm"/>
+          <inkml:channel name="F" type="integer" max="32767" units="dev"/>
+        </inkml:traceFormat>
+        <inkml:channelProperties>
+          <inkml:channelProperty channel="X" name="resolution" value="1000" units="1/cm"/>
+          <inkml:channelProperty channel="Y" name="resolution" value="1000" units="1/cm"/>
+          <inkml:channelProperty channel="F" name="resolution" value="0" units="1/dev"/>
+        </inkml:channelProperties>
+      </inkml:inkSource>
+      <inkml:timestamp xml:id="ts0" timeString="2025-06-25T11:37:56.800"/>
+    </inkml:context>
+    <inkml:brush xml:id="br0">
+      <inkml:brushProperty name="width" value="0.035" units="cm"/>
+      <inkml:brushProperty name="height" value="0.035" units="cm"/>
+      <inkml:brushProperty name="color" value="#E71224"/>
+    </inkml:brush>
+  </inkml:definitions>
+  <inkml:trace contextRef="#ctx0" brushRef="#br0">585 60 24575,'-14'0'0,"-12"0"0,-24 0 0,-14 0 0,-12 0 0,9 0 0,15 0 0,15 0 0,11 0 0,11 2 0,3 3 0,1 2 0,-2 3 0,-6 2 0,-2 2 0,-2 1 0,1 0 0,5-1 0,6-1 0,5-1 0,4 1 0,1 0 0,1 1 0,0 2 0,3 1 0,2 2 0,3 1 0,1 1 0,0-1 0,-3-1 0,-1-1 0,-1-4 0,-2-1 0,2-2 0,-3 2 0,3-2 0,1 2 0,-1 0 0,2-1 0,-1 1 0,3-1 0,2-1 0,0 1 0,0-2 0,-1 0 0,0-2 0,1 0 0,0 0 0,1 0 0,0-1 0,3 3 0,1 0 0,-1 0 0,-2-1 0,0-3 0,-1-3 0,1 1 0,0-1 0,-1-1 0,1 0 0,3 3 0,4 4 0,12 6 0,7 7 0,5 2 0,2 1 0,-4-3 0,-3-2 0,-3-5 0,-8-4 0,-5-5 0,-4-4 0,-2-2 0,-1 0 0,1 0 0,4 2 0,6 1 0,8 1 0,8 0 0,6-1 0,5 0 0,2 0 0,0 1 0,-4-1 0,0 0 0,-5-1 0,2 0 0,-3 0 0,-4 1 0,0 1 0,-1-1 0,0 0 0,-1 1 0,-4-2 0,-6 0 0,-4-1 0,-3-1 0,-4 0 0,0 0 0,-3 0 0,0 0 0,-3 0 0,-1 0 0,-1 0 0,0 0 0,3 0 0,1 0 0,1 0 0,3 0 0,0 0 0,2 0 0,0-2 0,0-2 0,0-2 0,-2-2 0,0 1 0,-3-1 0,-1 2 0,-3 1 0,-1 0 0,-2 1 0,0 0 0,0 1 0,0-1 0,1-1 0,-1 0 0,2-2 0,-1-2 0,-2-1 0,-1-1 0,0 1 0,0 1 0,2 0 0,-2 0 0,1 2 0,-2 0 0,0 2 0,1-2 0,0 0 0,0 0 0,1 0 0,-1 0 0,2 0 0,-1-1 0,-1 1 0,0-2 0,-1 1 0,0-1 0,0-1 0,1 1 0,0-2 0,0 0 0,0 1 0,0-2 0,-1 0 0,0 0 0,-1-2 0,0-1 0,-2-2 0,0-1 0,-2 2 0,0-2 0,1 0 0,1-4 0,0-3 0,2-1 0,0 2 0,-2 4 0,0 5 0,-2 2 0,0 1 0,0 1 0,-2-1 0,-3 0 0,-4 0 0,-5 0 0,-4-1 0,-2 3 0,-4 0 0,-3 1 0,-3-2 0,0 2 0,-2 1 0,0 0 0,1-1 0,-1-1 0,0 1 0,-2-1 0,-6 0 0,-4-3 0,-4 0 0,-2 0 0,-1 2 0,2 3 0,3 1 0,8 2 0,4 3 0,0 0 0,-3 2 0,-4 0 0,-2 0 0,-2 0 0,-3 0 0,-1 0 0,0 0 0,3 0 0,2 0 0,3 0 0,5 0 0,4 0 0,7 0 0,4 0 0,1 0 0,-3 0 0,-5 0 0,-4 1 0,-2 2 0,3 2 0,2 2 0,5 0 0,4-1 0,3-1 0,1-1 0,2 0 0,2-2 0,0 0 0,1-1 0,-5 2 0,-2-1 0,-2 2 0,-2-2 0,2 2 0,0 0 0,3 1 0,4 0 0,3-1 0,3-1 0,0-2 0,0-1 0,1-2 0,1 2 0,4-2 0</inkml:trace>
+</inkml:ink>
+</file>
+
+<file path=ppt/ink/ink39.xml><?xml version="1.0" encoding="utf-8"?>
+<inkml:ink xmlns:inkml="http://www.w3.org/2003/InkML">
+  <inkml:definitions>
+    <inkml:context xml:id="ctx0">
+      <inkml:inkSource xml:id="inkSrc0">
+        <inkml:traceFormat>
+          <inkml:channel name="X" type="integer" min="-2.14748E9" max="2.14748E9" units="cm"/>
+          <inkml:channel name="Y" type="integer" min="-2.14748E9" max="2.14748E9" units="cm"/>
+          <inkml:channel name="F" type="integer" max="32767" units="dev"/>
+        </inkml:traceFormat>
+        <inkml:channelProperties>
+          <inkml:channelProperty channel="X" name="resolution" value="1000" units="1/cm"/>
+          <inkml:channelProperty channel="Y" name="resolution" value="1000" units="1/cm"/>
+          <inkml:channelProperty channel="F" name="resolution" value="0" units="1/dev"/>
+        </inkml:channelProperties>
+      </inkml:inkSource>
+      <inkml:timestamp xml:id="ts0" timeString="2025-06-25T11:48:27.203"/>
+    </inkml:context>
+    <inkml:brush xml:id="br0">
+      <inkml:brushProperty name="width" value="0.035" units="cm"/>
+      <inkml:brushProperty name="height" value="0.035" units="cm"/>
+      <inkml:brushProperty name="color" value="#E71224"/>
+    </inkml:brush>
+  </inkml:definitions>
+  <inkml:trace contextRef="#ctx0" brushRef="#br0">1 51 24575,'20'0'0,"14"0"0,31 0 0,-16 0 0,6 0 0,9 0 0,4 0 0,9 0 0,3 0 0,8 1 0,1 1 0,2 0 0,1 0 0,5 1 0,0 1 0,3 1 0,-1 0 0,-1 1 0,-2 1 0,-3 0 0,0 0 0,-4-1 0,-1 0 0,-6-1 0,-2 0 0,-6-2 0,-2 0 0,-5-1 0,-1 0 0,-8 1 0,-1-1 0,42 4 0,-17 0 0,-14-1 0,-13-3 0,-3-1 0,-10-1 0,3 0 0,25 0 0,30 2 0,-19 2 0,9-1 0,-19 0 0,3-1 0,0 1-186,3 0 1,0 1-1,0-1 186,2 0 0,1 0 0,-3 1 0,-7-1 0,-3 1 0,-1 0 0,26 2 0,-3 1 0,-6 0 0,-3 1 0,-12-1 0,-4 0 0,-8-1 0,-2-1 0,37 2 0,-22-5 0,6-2 0,-23 0 0,4 0 0,15 0 0,7 0 0,-14 0 0,4 0 0,1 0 26,5 0 0,2 0 0,-1 0-26,-2 0 0,0 0 0,-2 0 0,30 0 0,-4 0 0,-11 0 0,-3 0 0,-13 0 0,-2 0 0,-5 0 0,-2 0 0,-5 0 0,-1 0 0,-1 0 0,-1 0 0,0 0 0,0 0 239,1 0 1,0 0-240,2 0 0,0 0 0,2 0 0,-1 0 0,2 0 0,-1 0 0,-1 0 0,0 0 0,-2 0 0,-1 0 0,-3 0 0,-1 0 0,47 0 0,2 0 0,1 0 0,-3 0 0,-2-3 0,-8 1 0,-7-1 0,-5 1 0,-13 2 0,-11 0 0,-15 0 0,-12 0 0,-6 0 0,-3 0 0,-3-2 0,-4-1 0,-4-2 0,-3-1 0,0-1 0,-1-3 0,-6-3 0,-7-2 0,-6-2 0,-4 1 0,2-1 0,4 2 0,5 1 0,0 2 0,2 0 0,2 0 0,-2 0 0,4-1 0,0 1 0,0 2 0,1 1 0,0 1 0,0 3 0,1-1 0,1 1 0,2 2 0,6 5 0,4 8 0,7 8 0,4 4 0,3 3 0,0-3 0,-3-2 0,-3-2 0,-2-3 0,1 1 0,-2-2 0,-3 0 0,-1-2 0,-3 0 0,-1 0 0,-1 0 0,-3 1 0,0 0 0,-2 0 0,-2 1 0,-8-3 0,-10 1 0,-9-1 0,-3 0 0,3 0 0,2 0 0,5 0 0,3 1 0,3 1 0,2 1 0,3 1 0,1 0 0,1 1 0,3-1 0,2 0 0,1-1 0,2-3 0,-1-1 0,1-1 0,-3-2 0,1 1 0,-2-1 0,1-1 0,0 0 0,-1-1 0,2 0 0,0 1 0,-1-1 0,-1 2 0,1 0 0,-1 1 0,0-2 0,1-5 0,0-9 0,3 3 0,0-3 0</inkml:trace>
+</inkml:ink>
+</file>
+
+<file path=ppt/ink/ink4.xml><?xml version="1.0" encoding="utf-8"?>
+<inkml:ink xmlns:inkml="http://www.w3.org/2003/InkML">
+  <inkml:definitions>
+    <inkml:context xml:id="ctx0">
+      <inkml:inkSource xml:id="inkSrc0">
+        <inkml:traceFormat>
+          <inkml:channel name="X" type="integer" min="-2.14748E9" max="2.14748E9" units="cm"/>
+          <inkml:channel name="Y" type="integer" min="-2.14748E9" max="2.14748E9" units="cm"/>
+          <inkml:channel name="F" type="integer" max="32767" units="dev"/>
+        </inkml:traceFormat>
+        <inkml:channelProperties>
+          <inkml:channelProperty channel="X" name="resolution" value="1000" units="1/cm"/>
+          <inkml:channelProperty channel="Y" name="resolution" value="1000" units="1/cm"/>
+          <inkml:channelProperty channel="F" name="resolution" value="0" units="1/dev"/>
+        </inkml:channelProperties>
+      </inkml:inkSource>
+      <inkml:timestamp xml:id="ts0" timeString="2025-06-25T11:16:15.576"/>
+    </inkml:context>
+    <inkml:brush xml:id="br0">
+      <inkml:brushProperty name="width" value="0.035" units="cm"/>
+      <inkml:brushProperty name="height" value="0.035" units="cm"/>
+      <inkml:brushProperty name="color" value="#E71224"/>
+    </inkml:brush>
+  </inkml:definitions>
+  <inkml:trace contextRef="#ctx0" brushRef="#br0">850 8 24575,'-1'-4'0,"-9"2"0,-10 1 0,-13 1 0,-16 0 0,-15 1 0,-18 5 0,-9 12 0,4 8 0,12 8 0,19 4 0,15 0 0,9 8 0,5 10 0,1 12 0,-3 17 0,-4 10 0,0-2 0,5-12 0,8-21 0,11-13 0,6-6 0,3-1 0,0-1 0,5 0 0,9 3 0,13 8 0,19 13 0,18 12 0,-28-36 0,2-1 0,0-1 0,0-2 0,28 19 0,-15-16 0,-12-17 0,-9-12 0,0-5 0,3-9 0,9-10 0,15-18 0,14-15 0,-29 19 0,0-2 0,5-2 0,0-1 0,0 1 0,0 0 0,-1-1 0,0 0 0,-4 2 0,-3-1 0,24-27 0,-19 8 0,-19 8 0,-13 7 0,-7-4 0,-5-13 0,-3-15 0,-2-9 0,-3 2 0,-2 17 0,-1 15 0,-4 15 0,-7 7 0,-8 1 0,-10-1 0,-6-5 0,-5 0 0,-3 1 0,-2 2 0,2 4 0,5 3 0,6 4 0,8 4 0,6 5 0,3 2 0,4 2 0,2 0 0,-1-3 0,-7-4 0,-5-5 0,-6-5 0,-4 1 0,3 1 0,4 2 0,5 3 0,7 4 0,7 3 0,12 5 0,3-2 0,4 2 0</inkml:trace>
+</inkml:ink>
+</file>
+
+<file path=ppt/ink/ink40.xml><?xml version="1.0" encoding="utf-8"?>
+<inkml:ink xmlns:inkml="http://www.w3.org/2003/InkML">
+  <inkml:definitions>
+    <inkml:context xml:id="ctx0">
+      <inkml:inkSource xml:id="inkSrc0">
+        <inkml:traceFormat>
+          <inkml:channel name="X" type="integer" min="-2.14748E9" max="2.14748E9" units="cm"/>
+          <inkml:channel name="Y" type="integer" min="-2.14748E9" max="2.14748E9" units="cm"/>
+          <inkml:channel name="F" type="integer" max="32767" units="dev"/>
+        </inkml:traceFormat>
+        <inkml:channelProperties>
+          <inkml:channelProperty channel="X" name="resolution" value="1000" units="1/cm"/>
+          <inkml:channelProperty channel="Y" name="resolution" value="1000" units="1/cm"/>
+          <inkml:channelProperty channel="F" name="resolution" value="0" units="1/dev"/>
+        </inkml:channelProperties>
+      </inkml:inkSource>
+      <inkml:timestamp xml:id="ts0" timeString="2025-06-25T11:48:36.501"/>
+    </inkml:context>
+    <inkml:brush xml:id="br0">
+      <inkml:brushProperty name="width" value="0.035" units="cm"/>
+      <inkml:brushProperty name="height" value="0.035" units="cm"/>
+      <inkml:brushProperty name="color" value="#E71224"/>
+    </inkml:brush>
+  </inkml:definitions>
+  <inkml:trace contextRef="#ctx0" brushRef="#br0">0 2094 24575,'14'0'0,"9"0"0,17 0 0,19 0 0,13 0 0,7 0 0,-3 0 0,-13 0 0,-10 0 0,-20 0 0,-10-2 0,-5-7 0,-1-9 0,5-8 0,5-8 0,9-5 0,9-7 0,8-7 0,2-7 0,2-9 0,-4-8 0,-5-6 0,-24 34 0,-2-1 0,-1-2 0,-1-1 0,3-9 0,0-2 0,-1-2 0,1-2 0,1-6 0,2-1 0,2-9 0,0 0 0,1 4 0,0 0 0,2-3 0,1 2 0,-2 8 0,1 4 0,-1 8 0,-1 4 0,-2 8 0,-2 4 0,17-17 0,-11 27 0,-10 19 0,-3 11 0,-2 4 0,0 1 0,1 0 0,5 0 0,6 0 0,6 1 0,4 8 0,3 12 0,1 19 0,5 25 0,-22-22 0,0 4 0,1 9 0,-2 5 0,2 7 0,-1 2 0,-1 4 0,-1 1 0,0 0 0,0 1 0,1 1 0,1 0 0,-1 0 0,1-1 0,0 1 0,0-1 0,1-2 0,-1-1 0,0-4 0,-1-2 0,1-2 0,0-2 0,-2-6 0,0-2 0,-1-6 0,-1-2 0,19 32 0,0-15 0,2-4 0,5-1 0,10 0 0,5-3 0,3-8 0,-1-11 0,-4-9 0,-6-8 0,-8-8 0,-8-5 0,-7-4 0,-4-1 0,-4 0 0,-3 1 0,-3 0 0,-3-1 0,-1 0 0,-4 1 0,-3-1 0,0 0 0,-2-1 0,2 0 0,0-1 0,0 0 0,2 0 0,3 0 0,2 0 0,2 0 0,1 0 0,-1 0 0,1 0 0,-1 0 0,2 0 0,1 0 0,2 0 0,4 0 0,3 0 0,7-2 0,3-2 0,3-3 0,5-2 0,1-1 0,-1 1 0,-6 1 0,-9 1 0,-11 2 0,-8 0 0,-6 3 0,-3-1 0</inkml:trace>
+</inkml:ink>
+</file>
+
+<file path=ppt/ink/ink41.xml><?xml version="1.0" encoding="utf-8"?>
+<inkml:ink xmlns:inkml="http://www.w3.org/2003/InkML">
+  <inkml:definitions>
+    <inkml:context xml:id="ctx0">
+      <inkml:inkSource xml:id="inkSrc0">
+        <inkml:traceFormat>
+          <inkml:channel name="X" type="integer" min="-2.14748E9" max="2.14748E9" units="cm"/>
+          <inkml:channel name="Y" type="integer" min="-2.14748E9" max="2.14748E9" units="cm"/>
+          <inkml:channel name="F" type="integer" max="32767" units="dev"/>
+        </inkml:traceFormat>
+        <inkml:channelProperties>
+          <inkml:channelProperty channel="X" name="resolution" value="1000" units="1/cm"/>
+          <inkml:channelProperty channel="Y" name="resolution" value="1000" units="1/cm"/>
+          <inkml:channelProperty channel="F" name="resolution" value="0" units="1/dev"/>
+        </inkml:channelProperties>
+      </inkml:inkSource>
+      <inkml:timestamp xml:id="ts0" timeString="2025-06-25T11:48:39.079"/>
+    </inkml:context>
+    <inkml:brush xml:id="br0">
+      <inkml:brushProperty name="width" value="0.035" units="cm"/>
+      <inkml:brushProperty name="height" value="0.035" units="cm"/>
+      <inkml:brushProperty name="color" value="#E71224"/>
+    </inkml:brush>
+  </inkml:definitions>
+  <inkml:trace contextRef="#ctx0" brushRef="#br0">14 2605 24575,'-10'0'0,"7"0"0,12 0 0,22 0 0,25 0 0,35 0 0,-31 0 0,4 0 0,10 0 0,1 0 0,3 0 0,0 0 0,-2 0 0,-2 0 0,-5-1 0,-1 0 0,-6-1 0,-1-2 0,-5-2 0,-3-2 0,40-14 0,-14-10 0,-8-8 0,-3-6 0,2-7 0,7-5 0,-37 27 0,1-1 0,0-2 0,1-1 0,1-1 0,-1-1 0,0-1 0,-1 0 0,-1-1 0,0-2 0,2-4 0,-1-2 0,0-2 0,-2-3 0,4-7 0,-2-2 0,3-7 0,-1-2 0,1-7 0,-1-2 0,5-7 0,1-2-172,-17 27 1,1 0 0,0 0 171,0-2 0,1 1 0,0-1 0,0 0 0,1-1 0,0 2 0,15-25 0,-1 3 0,-1 6 0,0 4 0,-7 11 0,-1 5 0,-8 14 0,-3 4 0,17-17 0,-18 28 0,-9 18 514,-4 7-514,-2 3 0,6 1 0,7 0 0,11 0 0,7 2 0,4 6 0,4 12 0,4 19 0,5 21 0,1 17 0,-32-33 0,0 2 0,0 6 0,0 2 0,-1 5 0,0 2 0,-2 3 0,0 2 0,-2 2 0,0 1 0,-2 0 0,-1-1 0,-1-1 0,-1 0 0,1-2 0,-2-1 0,0-4 0,-1-2 0,-1-3 0,-1-2 0,0-4 0,1-1 0,15 43 0,0-7 0,-2-10 0,2-8 0,1-3 0,5-2 0,4-1 0,-2-3 0,0-7 0,-4-5 0,0-7 0,-1-3 0,2-1 0,3 0 0,4 0 0,6 0 0,0-3 0,-2-5 0,-7-4 0,-8-4 0,-5-4 0,-3-2 0,0 0 0,0-4 0,2 0 0,0-2 0,-3-4 0,-2-1 0,-4-1 0,-5 0 0,-2 0 0,-1 0 0,0 0 0,-5 0 0,1 0 0</inkml:trace>
+</inkml:ink>
+</file>
+
+<file path=ppt/ink/ink42.xml><?xml version="1.0" encoding="utf-8"?>
+<inkml:ink xmlns:inkml="http://www.w3.org/2003/InkML">
+  <inkml:definitions>
+    <inkml:context xml:id="ctx0">
+      <inkml:inkSource xml:id="inkSrc0">
+        <inkml:traceFormat>
+          <inkml:channel name="X" type="integer" min="-2.14748E9" max="2.14748E9" units="cm"/>
+          <inkml:channel name="Y" type="integer" min="-2.14748E9" max="2.14748E9" units="cm"/>
+          <inkml:channel name="F" type="integer" max="32767" units="dev"/>
+        </inkml:traceFormat>
+        <inkml:channelProperties>
+          <inkml:channelProperty channel="X" name="resolution" value="1000" units="1/cm"/>
+          <inkml:channelProperty channel="Y" name="resolution" value="1000" units="1/cm"/>
+          <inkml:channelProperty channel="F" name="resolution" value="0" units="1/dev"/>
+        </inkml:channelProperties>
+      </inkml:inkSource>
+      <inkml:timestamp xml:id="ts0" timeString="2025-06-25T11:48:50.018"/>
+    </inkml:context>
+    <inkml:brush xml:id="br0">
+      <inkml:brushProperty name="width" value="0.035" units="cm"/>
+      <inkml:brushProperty name="height" value="0.035" units="cm"/>
+      <inkml:brushProperty name="color" value="#E71224"/>
+    </inkml:brush>
+  </inkml:definitions>
+  <inkml:trace contextRef="#ctx0" brushRef="#br0">1 3162 24575,'15'0'0,"9"0"0,17 0 0,19 0 0,12 0 0,13 0 0,6-2 0,2-1 0,2-6 0,2-9 0,-1-4 0,-3-2 0,-7-1 0,-9 0 0,-11-2 0,-8-5 0,-5-6 0,-4-6 0,0-10 0,9-14 0,-26 26 0,2-2 0,5-10 0,2-4 0,7-9 0,1-3 0,1-7 0,1-3 0,-15 24 0,-1-2 0,0 0 0,16-26 0,-2 0 0,-5 7 0,-3 2 0,-4 9 0,-2 3 0,-4 8 0,-3 2 0,-2 2 0,-2 0 0,-1 1 0,0 1 0,-1-2 0,0 1 0,-2-1 0,0 1 0,-1 3 0,0 1 0,15-43 0,-4 8 0,-1 9 0,-3 6 0,-3 7 0,0 5 0,-2 0 0,1 0 0,2-3 0,7-8 0,12-11 0,7-6 0,6 2 0,-6 13 0,-9 20 0,-10 18 0,-9 15 0,-4 8 0,-3 4 0,1 3 0,3 4 0,8 4 0,12 6 0,12 4 0,11 4 0,6 6 0,7 7 0,2 8 0,-4 7 0,-2 5 0,-9 9 0,-1 12 0,-31-33 0,0 4 0,2 5 0,0 4 0,3 6 0,1 2 0,0 1 0,0 2 0,2 4 0,-1 0 0,-1-1 0,0-1 0,-2-3 0,0-1 0,0-1 0,-1-2 0,-2-8 0,-1-1 0,-2-5 0,-1 0 0,22 37 0,-6-8 0,1 1 0,-18-32 0,2 3 0,5 7 0,1 2 0,2 5 0,0 1 0,3 0 0,-1 0 0,-1-5 0,-2-2 0,-2-9 0,-1-2 0,-2-5 0,0-3 0,20 27 0,-3-11 0,-1 1 0,2-2 0,3 0 0,-2-5 0,-4-8 0,-4-9 0,-3-5 0,2-3 0,5 1 0,6 0 0,3-2 0,-1-2 0,-5-5 0,-9-4 0,-7-2 0,-3-3 0,2-1 0,2 1 0,-1-2 0,-3 0 0,-6-1 0,-5-2 0,-5-2 0,-2 0 0,-2 0 0,-2 1 0,-1 1 0,-1 0 0,4 0 0,3-2 0,3 0 0,-1 0 0,-3-2 0,-3 3 0,-6-3 0,0 3 0</inkml:trace>
+</inkml:ink>
+</file>
+
+<file path=ppt/ink/ink43.xml><?xml version="1.0" encoding="utf-8"?>
+<inkml:ink xmlns:inkml="http://www.w3.org/2003/InkML">
+  <inkml:definitions>
+    <inkml:context xml:id="ctx0">
+      <inkml:inkSource xml:id="inkSrc0">
+        <inkml:traceFormat>
+          <inkml:channel name="X" type="integer" min="-2.14748E9" max="2.14748E9" units="cm"/>
+          <inkml:channel name="Y" type="integer" min="-2.14748E9" max="2.14748E9" units="cm"/>
+          <inkml:channel name="F" type="integer" max="32767" units="dev"/>
+        </inkml:traceFormat>
+        <inkml:channelProperties>
+          <inkml:channelProperty channel="X" name="resolution" value="1000" units="1/cm"/>
+          <inkml:channelProperty channel="Y" name="resolution" value="1000" units="1/cm"/>
+          <inkml:channelProperty channel="F" name="resolution" value="0" units="1/dev"/>
+        </inkml:channelProperties>
+      </inkml:inkSource>
+      <inkml:timestamp xml:id="ts0" timeString="2025-06-25T11:51:17.953"/>
+    </inkml:context>
+    <inkml:brush xml:id="br0">
+      <inkml:brushProperty name="width" value="0.035" units="cm"/>
+      <inkml:brushProperty name="height" value="0.035" units="cm"/>
+      <inkml:brushProperty name="color" value="#E71224"/>
+    </inkml:brush>
+  </inkml:definitions>
+  <inkml:trace contextRef="#ctx0" brushRef="#br0">286 35 24575,'-8'8'0,"0"-1"0,-4 5 0,2-1 0,0-1 0,0 2 0,-1 1 0,-2 1 0,-1 2 0,-4-1 0,2 1 0,0 0 0,2 0 0,2 1 0,-2 3 0,0 1 0,0-1 0,1-3 0,5-1 0,1-1 0,1 1 0,1-1 0,-1 1 0,2-1 0,0 2 0,0 3 0,1 5 0,1 5 0,0 7 0,-1 6 0,1 0 0,0-2 0,2-7 0,0-8 0,0-7 0,1-7 0,2-6 0,1-3 0,1-1 0,1-2 0,2 2 0,1 0 0,1 2 0,3 1 0,1 1 0,1 0 0,1-2 0,-1-3 0,0-1 0,-1 0 0,-1 0 0,0 0 0,1 0 0,-1-2 0,1-1 0,-1-3 0,1-2 0,-1 0 0,0 1 0,1-2 0,0-2 0,2-3 0,1-4 0,4-2 0,1-4 0,1-2 0,-2 0 0,-4 1 0,-4 2 0,-4 1 0,-4 3 0,-3 0 0,-1 1 0,3-2 0,4-3 0,4-2 0,3-5 0,6-5 0,2-2 0,-2 4 0,-3 4 0,-8 10 0,-5 4 0,-4 3 0,-1 3 0,0-1 0,0-2 0,-2 2 0,0-1 0,-4 1 0,-1 3 0,-1 0 0,-3 0 0,1 1 0,-1 1 0,-2-1 0,-1 1 0,-3-2 0,-4 1 0,-5-3 0,-2-1 0,-1-2 0,3 1 0,3 1 0,6 1 0,5 3 0,2 2 0,3 2 0,0 2 0,0 0 0,0 0 0,0 0 0,3 0 0,1 0 0</inkml:trace>
+</inkml:ink>
+</file>
+
+<file path=ppt/ink/ink44.xml><?xml version="1.0" encoding="utf-8"?>
+<inkml:ink xmlns:inkml="http://www.w3.org/2003/InkML">
+  <inkml:definitions>
+    <inkml:context xml:id="ctx0">
+      <inkml:inkSource xml:id="inkSrc0">
+        <inkml:traceFormat>
+          <inkml:channel name="X" type="integer" min="-2.14748E9" max="2.14748E9" units="cm"/>
+          <inkml:channel name="Y" type="integer" min="-2.14748E9" max="2.14748E9" units="cm"/>
+          <inkml:channel name="F" type="integer" max="32767" units="dev"/>
+        </inkml:traceFormat>
+        <inkml:channelProperties>
+          <inkml:channelProperty channel="X" name="resolution" value="1000" units="1/cm"/>
+          <inkml:channelProperty channel="Y" name="resolution" value="1000" units="1/cm"/>
+          <inkml:channelProperty channel="F" name="resolution" value="0" units="1/dev"/>
+        </inkml:channelProperties>
+      </inkml:inkSource>
+      <inkml:timestamp xml:id="ts0" timeString="2025-06-25T11:54:30.572"/>
+    </inkml:context>
+    <inkml:brush xml:id="br0">
+      <inkml:brushProperty name="width" value="0.035" units="cm"/>
+      <inkml:brushProperty name="height" value="0.035" units="cm"/>
+      <inkml:brushProperty name="color" value="#E71224"/>
+    </inkml:brush>
+  </inkml:definitions>
+  <inkml:trace contextRef="#ctx0" brushRef="#br0">1551 3644 24575,'-45'0'0,"-36"0"0,20 0 0,-4-2 0,-12-4 0,-1-2 0,1-2 0,2-4 0,5-5 0,3-3 0,6-4 0,3-3 0,6-1 0,3-1 0,3-1 0,4-1 0,-27-34 0,12-4 0,3-10 0,25 34 0,1-3 0,-1-3 0,0-2 0,-1-5 0,0-1 0,3 2 0,0 2 0,2 5 0,2 2 0,-16-31 0,13 21 0,10 12 0,9 8 0,5 1 0,2-10 0,0-12 0,3-15 0,5-16 0,6-2 0,4 6 0,2 16 0,-3 22 0,-1 11 0,6-7 0,12-26 0,-8 23 0,2-3 0,5-8 0,2-1 0,1-2 0,0 1 0,-3 6 0,-1 4 0,17-30 0,-14 29 0,-15 22 0,-8 13 0,3-3 0,9-12 0,21-22 0,17-21 0,-26 33 0,1-1 0,1 1 0,-2 0 0,22-26 0,-12 18 0,-16 21 0,-11 15 0,-6 9 0,-4 4 0,0 2 0,-2-1 0,-1-2 0,-1-1 0,-2-1 0,0-2 0,0 3 0,-1-1 0,2 2 0,-1 0 0,1-1 0,-1 0 0,2 0 0,0 1 0,0-2 0,1 1 0,-1-3 0,2 1 0,0 0 0,0 0 0,2 1 0,0-2 0,3 0 0,0 0 0,0-2 0,1 1 0,1 0 0,1 0 0,-1 0 0,-1 0 0,1 0 0,-1 1 0,3-1 0,-1 1 0,1-1 0,-1 0 0,1 0 0,3-1 0,4-2 0,2-1 0,1 1 0,-3 1 0,-3 4 0,-4 0 0,-5 1 0,-2 3 0,-2 0 0,1 2 0,0 0 0,0-1 0,1-1 0,-1 0 0,-2-1 0,0 1 0,0 0 0,-2-2 0,0 1 0,-2-3 0,-2-2 0,0 0 0,-1 0 0,-6 1 0,-4 0 0,-8 1 0,-4-1 0,-4 1 0,-1-2 0,-2 2 0,3 0 0,1-1 0,4 1 0,5 0 0,3 0 0,4 1 0,1 2 0,0-1 0,-1 0 0,0-1 0,2 1 0,10 1 0,12 8 0,13 6 0,7 6 0,0 0 0,-4-2 0,-5-2 0,-2-2 0,0 0 0,-1-1 0,0-2 0,0-3 0,0 1 0,-2 0 0,-2 0 0,-1 1 0,-4-2 0,-2 0 0,-3 1 0,-4 1 0,0-1 0,-1 0 0,-1 0 0,-1 1 0,-1 2 0,0-1 0,0 4 0,0 1 0,0 3 0,-2 4 0,-3 4 0,-3 4 0,-4 2 0,-1-1 0,2-2 0,1-2 0,3-2 0,1-3 0,2-2 0,0-3 0,0 0 0,0-1 0,-1-2 0,1-1 0,-1-2 0,0-2 0,0-6 0,0-4 0,1-5 0,1-3 0,1-3 0,-1-2 0,-5-5-1696,-2-6 0,2 12 0,2-1 0</inkml:trace>
+</inkml:ink>
+</file>
+
+<file path=ppt/ink/ink45.xml><?xml version="1.0" encoding="utf-8"?>
+<inkml:ink xmlns:inkml="http://www.w3.org/2003/InkML">
+  <inkml:definitions>
+    <inkml:context xml:id="ctx0">
+      <inkml:inkSource xml:id="inkSrc0">
+        <inkml:traceFormat>
+          <inkml:channel name="X" type="integer" min="-2.14748E9" max="2.14748E9" units="cm"/>
+          <inkml:channel name="Y" type="integer" min="-2.14748E9" max="2.14748E9" units="cm"/>
+          <inkml:channel name="F" type="integer" max="32767" units="dev"/>
+        </inkml:traceFormat>
+        <inkml:channelProperties>
+          <inkml:channelProperty channel="X" name="resolution" value="1000" units="1/cm"/>
+          <inkml:channelProperty channel="Y" name="resolution" value="1000" units="1/cm"/>
+          <inkml:channelProperty channel="F" name="resolution" value="0" units="1/dev"/>
+        </inkml:channelProperties>
+      </inkml:inkSource>
+      <inkml:timestamp xml:id="ts0" timeString="2025-06-25T11:54:35.755"/>
+    </inkml:context>
+    <inkml:brush xml:id="br0">
+      <inkml:brushProperty name="width" value="0.035" units="cm"/>
+      <inkml:brushProperty name="height" value="0.035" units="cm"/>
+      <inkml:brushProperty name="color" value="#E71224"/>
+    </inkml:brush>
+  </inkml:definitions>
+  <inkml:trace contextRef="#ctx0" brushRef="#br0">413 71 24575,'-2'-4'0,"-4"2"0,-8 0 0,-6 2 0,-4 0 0,1 0 0,4 0 0,5 2 0,3 1 0,-1 5 0,-2 4 0,-1 2 0,-3-1 0,0-2 0,-1-2 0,-1-1 0,2 0 0,-2 1 0,1 1 0,-1-1 0,-1-1 0,5-1 0,2 1 0,5 0 0,3 1 0,0 0 0,1 1 0,1-1 0,1 2 0,2 0 0,0 1 0,1 1 0,0 2 0,0 3 0,0 2 0,0 1 0,1-3 0,1-2 0,0 0 0,2-1 0,-2 0 0,2 1 0,0-3 0,0-1 0,1-1 0,0 1 0,0 2 0,0 1 0,0 0 0,0 4 0,1 3 0,-2 3 0,0-1 0,2-3 0,0-2 0,2-5 0,1-1 0,-1-3 0,2-3 0,-1 0 0,0-3 0,2 1 0,1 1 0,1 2 0,2-1 0,0 0 0,1-1 0,-1-1 0,1-2 0,-1 1 0,0-2 0,3 0 0,0 0 0,0-2 0,2 0 0,1 0 0,2 0 0,1 0 0,0 0 0,-2 0 0,-2 0 0,-3 0 0,-1-1 0,-1-3 0,1-4 0,-1-3 0,1-3 0,-1-1 0,1-3 0,0-2 0,-2-1 0,-2-1 0,-2-1 0,-4-3 0,-3-4 0,-2-3 0,-1-1 0,0 1 0,0 0 0,0 3 0,0 2 0,0 2 0,0 2 0,0 2 0,-2 1 0,-2 3 0,-2 1 0,-2 1 0,-2 0 0,0 1 0,-1-1 0,-1 1 0,2 2 0,-1 0 0,1 1 0,1 2 0,-1 2 0,-1 2 0,0-2 0,-1-2 0,-2 0 0,0-1 0,-3-1 0,-2-2 0,-1-2 0,0 1 0,2 3 0,1 3 0,4 4 0,2 2 0,0 2 0,-2 1 0,-1 0 0,-2 1 0,0 3 0,1 2 0,-3 2 0,2 0 0,1 0 0,3 0 0,5 0 0,2 1 0,2 1 0,2-2 0,0 1 0,1-6 0,0 0 0</inkml:trace>
+</inkml:ink>
+</file>
+
+<file path=ppt/ink/ink46.xml><?xml version="1.0" encoding="utf-8"?>
+<inkml:ink xmlns:inkml="http://www.w3.org/2003/InkML">
+  <inkml:definitions>
+    <inkml:context xml:id="ctx0">
+      <inkml:inkSource xml:id="inkSrc0">
+        <inkml:traceFormat>
+          <inkml:channel name="X" type="integer" min="-2.14748E9" max="2.14748E9" units="cm"/>
+          <inkml:channel name="Y" type="integer" min="-2.14748E9" max="2.14748E9" units="cm"/>
+          <inkml:channel name="F" type="integer" max="32767" units="dev"/>
+        </inkml:traceFormat>
+        <inkml:channelProperties>
+          <inkml:channelProperty channel="X" name="resolution" value="1000" units="1/cm"/>
+          <inkml:channelProperty channel="Y" name="resolution" value="1000" units="1/cm"/>
+          <inkml:channelProperty channel="F" name="resolution" value="0" units="1/dev"/>
+        </inkml:channelProperties>
+      </inkml:inkSource>
+      <inkml:timestamp xml:id="ts0" timeString="2025-06-25T11:54:39.972"/>
+    </inkml:context>
+    <inkml:brush xml:id="br0">
+      <inkml:brushProperty name="width" value="0.035" units="cm"/>
+      <inkml:brushProperty name="height" value="0.035" units="cm"/>
+      <inkml:brushProperty name="color" value="#E71224"/>
+    </inkml:brush>
+  </inkml:definitions>
+  <inkml:trace contextRef="#ctx0" brushRef="#br0">3 717 24575,'-3'3'0,"7"-5"0,10-10 0,13-10 0,6-8 0,6 0 0,1 0 0,0 0 0,3 1 0,-3-2 0,-2 2 0,-3-1 0,-5 2 0,-6 3 0,-3 5 0,-6 4 0,-1 2 0,-1 2 0,2-3 0,6-3 0,8-6 0,7-11 0,11-7 0,3-7 0,-4 4 0,-8 7 0,-12 12 0,-12 9 0,-8 6 0,-9 5 0,-7 3 0,-7 2 0,-6 1 0,-7 0 0,-5 0 0,-1 1 0,2 2 0,4 1 0,7 2 0,4-2 0,6-1 0,7-2 0,6-1 0,8 0 0,8 0 0,3 1 0,5 3 0,0 2 0,2 0 0,0-1 0,-3-3 0,0-2 0,-3 0 0,-2 0 0,0 0 0,-3 0 0,1 0 0,-1 0 0,0 0 0,-2 0 0,-2 0 0,-1 0 0,-3 2 0,-2 3 0,-3 4 0,-2 4 0,0 5 0,0 2 0,0 3 0,-2 4 0,-3 1 0,-2 0 0,-1-2 0,0-2 0,2-2 0,0-3 0,2-2 0,1-3 0,0-3 0,1-1 0,-2-4 0,2-3 0,0-5 0,1-3 0,1-2 0,-5-1-1696,-1-4 0,0 6 0,0-1 0</inkml:trace>
+</inkml:ink>
+</file>
+
+<file path=ppt/ink/ink47.xml><?xml version="1.0" encoding="utf-8"?>
+<inkml:ink xmlns:inkml="http://www.w3.org/2003/InkML">
+  <inkml:definitions>
+    <inkml:context xml:id="ctx0">
+      <inkml:inkSource xml:id="inkSrc0">
+        <inkml:traceFormat>
+          <inkml:channel name="X" type="integer" min="-2.14748E9" max="2.14748E9" units="cm"/>
+          <inkml:channel name="Y" type="integer" min="-2.14748E9" max="2.14748E9" units="cm"/>
+          <inkml:channel name="F" type="integer" max="32767" units="dev"/>
+        </inkml:traceFormat>
+        <inkml:channelProperties>
+          <inkml:channelProperty channel="X" name="resolution" value="1000" units="1/cm"/>
+          <inkml:channelProperty channel="Y" name="resolution" value="1000" units="1/cm"/>
+          <inkml:channelProperty channel="F" name="resolution" value="0" units="1/dev"/>
+        </inkml:channelProperties>
+      </inkml:inkSource>
+      <inkml:timestamp xml:id="ts0" timeString="2025-06-25T11:54:42.670"/>
+    </inkml:context>
+    <inkml:brush xml:id="br0">
+      <inkml:brushProperty name="width" value="0.035" units="cm"/>
+      <inkml:brushProperty name="height" value="0.035" units="cm"/>
+      <inkml:brushProperty name="color" value="#E71224"/>
+    </inkml:brush>
+  </inkml:definitions>
+  <inkml:trace contextRef="#ctx0" brushRef="#br0">0 168 24575,'0'12'0,"0"1"0,0 0 0,0 2 0,0-3 0,2-4 0,1-3 0,1-2 0,1 1 0,-2 2 0,1 1 0,1 2 0,-1 2 0,0-3 0,-3-4 0,-1-8 0,0-8 0,0-4 0,0-4 0,0-3 0,0-4 0,0 1 0,0 2 0,0 2 0,0 6 0,0 3 0,0 4 0,0 1 0,0 0 0,0 0 0,-1 1 0,-1-2 0,-2-3 0,-1-1 0,-1 2 0,2 5 0,0 2 0</inkml:trace>
+</inkml:ink>
+</file>
+
+<file path=ppt/ink/ink48.xml><?xml version="1.0" encoding="utf-8"?>
+<inkml:ink xmlns:inkml="http://www.w3.org/2003/InkML">
+  <inkml:definitions>
+    <inkml:context xml:id="ctx0">
+      <inkml:inkSource xml:id="inkSrc0">
+        <inkml:traceFormat>
+          <inkml:channel name="X" type="integer" min="-2.14748E9" max="2.14748E9" units="cm"/>
+          <inkml:channel name="Y" type="integer" min="-2.14748E9" max="2.14748E9" units="cm"/>
+          <inkml:channel name="F" type="integer" max="32767" units="dev"/>
+        </inkml:traceFormat>
+        <inkml:channelProperties>
+          <inkml:channelProperty channel="X" name="resolution" value="1000" units="1/cm"/>
+          <inkml:channelProperty channel="Y" name="resolution" value="1000" units="1/cm"/>
+          <inkml:channelProperty channel="F" name="resolution" value="0" units="1/dev"/>
+        </inkml:channelProperties>
+      </inkml:inkSource>
+      <inkml:timestamp xml:id="ts0" timeString="2025-06-25T11:54:46.336"/>
+    </inkml:context>
+    <inkml:brush xml:id="br0">
+      <inkml:brushProperty name="width" value="0.035" units="cm"/>
+      <inkml:brushProperty name="height" value="0.035" units="cm"/>
+      <inkml:brushProperty name="color" value="#E71224"/>
+    </inkml:brush>
+  </inkml:definitions>
+  <inkml:trace contextRef="#ctx0" brushRef="#br0">0 856 24575,'3'12'0,"6"11"0,8 12 0,8 9 0,4 1 0,-1-3 0,-1-5 0,-4-5 0,-2-3 0,-1-1 0,0-2 0,-1-3 0,-2-5 0,-3-4 0,-2-2 0,-3-3 0,-2-2 0,-1 1 0,0-3 0,0-1 0,1-2 0,2-2 0,0 0 0,3-5 0,2-8 0,2-8 0,1-9 0,0-5 0,0-2 0,0 0 0,0 4 0,-3 6 0,-2 5 0,-2 7 0,0 0 0,1 0 0,1-2 0,1 0 0,-1 0 0,0 1 0,0-2 0,0-2 0,3-5 0,1-4 0,1-1 0,0 1 0,-1 4 0,0 2 0,3-3 0,7-9 0,13-16 0,12-8 0,5-4 0,-2 6 0,-12 13 0,-12 12 0,-11 10 0,-9 7 0,-4 5 0,-5 2 0,1-1 0,0 0 0,2-1 0,0 0 0,-1 0 0,2 0 0,1-1 0,1-1 0,1-2 0,-1 1 0,-1 1 0,-1 2 0,-1 0 0,0-1 0,1 1 0,1-1 0,1 1 0,1-1 0,1-5 0,2 0 0,0 0 0,0 1 0,-1 1 0,0 1 0,0 0 0,-1 2 0,-4 4 0,-1 3 0</inkml:trace>
+</inkml:ink>
+</file>
+
+<file path=ppt/ink/ink49.xml><?xml version="1.0" encoding="utf-8"?>
+<inkml:ink xmlns:inkml="http://www.w3.org/2003/InkML">
+  <inkml:definitions>
+    <inkml:context xml:id="ctx0">
+      <inkml:inkSource xml:id="inkSrc0">
+        <inkml:traceFormat>
+          <inkml:channel name="X" type="integer" min="-2.14748E9" max="2.14748E9" units="cm"/>
+          <inkml:channel name="Y" type="integer" min="-2.14748E9" max="2.14748E9" units="cm"/>
+          <inkml:channel name="F" type="integer" max="32767" units="dev"/>
+        </inkml:traceFormat>
+        <inkml:channelProperties>
+          <inkml:channelProperty channel="X" name="resolution" value="1000" units="1/cm"/>
+          <inkml:channelProperty channel="Y" name="resolution" value="1000" units="1/cm"/>
+          <inkml:channelProperty channel="F" name="resolution" value="0" units="1/dev"/>
+        </inkml:channelProperties>
+      </inkml:inkSource>
+      <inkml:timestamp xml:id="ts0" timeString="2025-06-25T11:56:39.171"/>
+    </inkml:context>
+    <inkml:brush xml:id="br0">
+      <inkml:brushProperty name="width" value="0.035" units="cm"/>
+      <inkml:brushProperty name="height" value="0.035" units="cm"/>
+      <inkml:brushProperty name="color" value="#E71224"/>
+    </inkml:brush>
+  </inkml:definitions>
+  <inkml:trace contextRef="#ctx0" brushRef="#br0">258 2641 24575,'6'-15'0,"21"-23"0,1 2 0,7-5 0,17-16 0,6-4 0,-13 13 0,1-3 0,1 0 0,0 0 0,0 1 0,-2-1 0,19-22 0,-4 2 0,-9 7 0,-5 3 0,-7 9 0,-4 1 0,-6 8 0,-3 3 0,9-20 0,-16 17 0,-10 9 0,-6 5 0,-3-6 0,0-6 0,-1-6 0,-5-6 0,-8-4 0,-7-6 0,-5 0 0,-5 0 0,-5 5 0,-4 7 0,-5 2 0,-3 3 0,0 1 0,-3 0 0,1 2 0,1 2 0,5 7 0,5 5 0,5 3 0,2-1 0,-2-1 0,-4-1 0,-5 1 0,-2 0 0,-1 2 0,4 2 0,4 4 0,7 3 0,6 4 0,7 5 0,5 1 0,5 3 0,2 2 0,0 0 0,0 2 0,-1 0 0,-1-2 0,-3 0 0,-2 0 0,2-1 0,-2 0 0,0 0 0,3-2 0,-1 0 0,2 1 0,1 0 0,-1 2 0,1 0 0,1 3 0,3 5 0,5 8 0,15 20 0,9 8 0,6 4 0,-2-3 0,-9-13 0,0-3 0,-6-5 0,-1-4 0,-4-2 0,-5-5 0,-2-5 0,-5-8 0,-2-12 0,-3-9 0,-6-6 0,0-3 0,1 2 0,0 2 0,3 3 0,2 4 0,0 0 0,2 1 0,1 2 0,-1 0 0,1 5 0,1 2 0,-1 2 0,1-1 0,1 1 0,1 0 0,2 1 0,0 2 0,0 0 0,1 0 0,1-1 0,3-2 0,5 0 0,3-2 0,4 1 0,3-2 0,1 0 0,0 0 0,0-1 0,0 2 0,0-1 0,-1 0 0,1-3 0,1 0 0,2-1 0,0 1 0,-1 3 0,-3 2 0,-3 4 0,-1 2 0,-1 2 0,-1 2 0,-2 0 0,-3-2 0,-5 2 0,-1-2 0</inkml:trace>
+</inkml:ink>
+</file>
+
+<file path=ppt/ink/ink5.xml><?xml version="1.0" encoding="utf-8"?>
+<inkml:ink xmlns:inkml="http://www.w3.org/2003/InkML">
+  <inkml:definitions>
+    <inkml:context xml:id="ctx0">
+      <inkml:inkSource xml:id="inkSrc0">
+        <inkml:traceFormat>
+          <inkml:channel name="X" type="integer" min="-2.14748E9" max="2.14748E9" units="cm"/>
+          <inkml:channel name="Y" type="integer" min="-2.14748E9" max="2.14748E9" units="cm"/>
+          <inkml:channel name="F" type="integer" max="32767" units="dev"/>
+        </inkml:traceFormat>
+        <inkml:channelProperties>
+          <inkml:channelProperty channel="X" name="resolution" value="1000" units="1/cm"/>
+          <inkml:channelProperty channel="Y" name="resolution" value="1000" units="1/cm"/>
+          <inkml:channelProperty channel="F" name="resolution" value="0" units="1/dev"/>
+        </inkml:channelProperties>
+      </inkml:inkSource>
+      <inkml:timestamp xml:id="ts0" timeString="2025-06-25T11:16:22.827"/>
+    </inkml:context>
+    <inkml:brush xml:id="br0">
+      <inkml:brushProperty name="width" value="0.035" units="cm"/>
+      <inkml:brushProperty name="height" value="0.035" units="cm"/>
+      <inkml:brushProperty name="color" value="#E71224"/>
+    </inkml:brush>
+  </inkml:definitions>
+  <inkml:trace contextRef="#ctx0" brushRef="#br0">1 302 24575,'8'0'0,"3"0"0,13 0 0,7 0 0,9 0 0,4 0 0,-4 0 0,3 0 0,2 0 0,-3 0 0,3 0 0,-2 0 0,-1 0 0,-1 0 0,-1 0 0,0 0 0,0 0 0,1 0 0,-4 0 0,-3-3 0,-6-2 0,-6 0 0,-8 0 0,-6 2 0,-5-3 0,-3-6 0,-3-6 0,-6-7 0,-11-5 0,-8-3 0,-3-2 0,0 2 0,5 3 0,4 5 0,5 7 0,5 7 0,5 6 0,7 7 0,8 10 0,9 9 0,7 5 0,3 3 0,-2-1 0,-3-3 0,-2-2 0,-5-3 0,-3-1 0,-2-3 0,-4-3 0,-2-2 0,-3 0 0,-1 2 0,1 2 0,-1 1 0,0 0 0,0 2 0,-2 4 0,-5 0 0,-6 1 0,-4-1 0,-3-3 0,3-3 0,2-2 0,1-2 0,3-2 0,2-1 0,3-1 0,2 0 0,1 1 0,-1 2 0,0 1 0,-2 1 0,2 0 0,-1-1 0,-2 1 0,1-2 0,-2-3 0,0 0 0,3 0 0,2 1 0,1 1 0,-2-2 0,-9 0 0,7-5 0,-3-2 0</inkml:trace>
+</inkml:ink>
+</file>
+
+<file path=ppt/ink/ink50.xml><?xml version="1.0" encoding="utf-8"?>
+<inkml:ink xmlns:inkml="http://www.w3.org/2003/InkML">
+  <inkml:definitions>
+    <inkml:context xml:id="ctx0">
+      <inkml:inkSource xml:id="inkSrc0">
+        <inkml:traceFormat>
+          <inkml:channel name="X" type="integer" min="-2.14748E9" max="2.14748E9" units="cm"/>
+          <inkml:channel name="Y" type="integer" min="-2.14748E9" max="2.14748E9" units="cm"/>
+          <inkml:channel name="F" type="integer" max="32767" units="dev"/>
+        </inkml:traceFormat>
+        <inkml:channelProperties>
+          <inkml:channelProperty channel="X" name="resolution" value="1000" units="1/cm"/>
+          <inkml:channelProperty channel="Y" name="resolution" value="1000" units="1/cm"/>
+          <inkml:channelProperty channel="F" name="resolution" value="0" units="1/dev"/>
+        </inkml:channelProperties>
+      </inkml:inkSource>
+      <inkml:timestamp xml:id="ts0" timeString="2025-06-25T11:56:49.573"/>
+    </inkml:context>
+    <inkml:brush xml:id="br0">
+      <inkml:brushProperty name="width" value="0.035" units="cm"/>
+      <inkml:brushProperty name="height" value="0.035" units="cm"/>
+      <inkml:brushProperty name="color" value="#E71224"/>
+    </inkml:brush>
+  </inkml:definitions>
+  <inkml:trace contextRef="#ctx0" brushRef="#br0">13213 1600 24575,'0'-26'0,"0"-13"0,0-21 0,0-4 0,0 12 0,0 16 0,0 14 0,-2 0 0,0-21 0,-5-20 0,-3-15 0,-3 1 0,-1 17 0,2 15 0,0 3 0,-3-8 0,-2-5 0,-3-2 0,3 8 0,2 14 0,-1 9 0,-2 1 0,-11-4 0,-15-11 0,-16-7 0,-21-3 0,31 24 0,-3 1 0,-8 1 0,-3 1 0,-5 2 0,0 1 0,-2 2 0,2 1 0,4 2 0,4 2 0,-37-8 0,27 8 0,6 7 0,-14 4 0,29 3 0,-4-1 0,-18 2 0,-5-1 0,-11 1 0,-3 0 0,25-1 0,-1 0 0,0 0 0,-1 0 0,0 0 0,1-1 0,-24 1 0,3-2 0,11 1 0,4 0 0,13 0 0,3 0 0,-30 0 0,37 3 0,27 1 0,15 1 0,-7 1 0,-38-3 0,5-2 0,-7-1 0,-14 0 0,-8 1 0,3 0 0,-7 0 0,-4 0-515,9 0 0,-3 0 0,-3 0 0,-1 0 515,-8 0 0,-3 0 0,-1 0 0,-1-1 0,16 1 0,-2-1 0,0 1 0,1-1 0,3 0 0,-8 0 0,3 0 0,1 0 0,4 0-58,-11 0 1,3 0 0,6 0 57,-12 0 0,9 0 0,28 0 0,5 0 0,-31 0 0,-15 0 0,25 0 0,-9 0-413,8 0 0,-7 0 0,-3 0 413,6 0 0,-4 0 0,-2 0 0,-1-1-12,-9-2 0,-1-1 0,-1 0 1,-1-2 11,-1-1 0,-1-1 0,1-1 0,1-1 0,7 0 0,0-1 0,3-1 0,3-1-33,-11-3 1,4-1-1,6 1 33,-13-2 0,11 1 0,28 7 0,7 1 0,-1 1 1230,12 6-1230,-39 1 0,1 2 0,-11 1 0,12 1 0,-5 0 0,-5 1-37,5-1 1,-5 0-1,-3 0 1,0 1 36,-8-1 0,-3 1 0,0-1 0,0 0 0,0-1 0,0 1 0,1-1 0,0-1 0,4 0 0,0 0 0,2-1 0,4 1-69,-7-1 1,4 0 0,4 0 68,14 0 0,3 0 0,4 0 0,-14 0 0,5 0 0,12 0 0,4 0 0,6 0 0,1 0 0,-38 0 2200,14 0-2200,7 5 537,4 1-537,-2 3 0,-9 4 0,-12 0 0,39-5 0,-1 0 0,-3 1 0,0 0 0,-1 1 0,0 0 0,-1 0 0,1 1 0,2 0 0,0 0 0,2-1 0,2 0 0,-38 7 0,17 0 0,14 0 0,9 6 0,4 4 0,2 6 0,-4 15 0,-10 26 0,20-22 0,0 4 0,-3 7 0,0 3 0,1 4 0,0 1 0,3 0 0,1 1 0,3 0 0,2 2 0,0 6 0,2 4 0,8-21 0,1 3 0,0 2-385,0 10 1,1 2 0,0 4 384,0 9 0,1 2 0,1 3-438,2-18 0,2 1 1,-1 1-1,1 1 438,1 3 0,0 1 0,0 1 0,1 0 0,-1 2 0,1 1 0,0 0 0,0 1 0,0 0 0,0 1 0,0 0 0,1-1 0,-1-1 0,1 0 0,0-1 0,0-1 0,0-4 0,1-1 0,0 0 0,1-1-249,0-5 1,0-1 0,1-1 0,0 0 248,-1 17 0,2 0 0,0-4-88,0-8 1,1-2 0,1-3 87,0 24 0,0-6 487,1-21 0,0-8-487,0 19 1723,0-36-1723,10-19 1139,14 7-1139,12 10 0,12 6 323,0-1-323,0-1 0,0 1 0,-1-1 0,-2-1 0,-2-5 0,3-1 0,7 1 0,8 0 0,11 4 0,5-1 0,6-3 0,6-4 0,3-6 0,-43-19 0,1 0 0,2-1 0,0-1 0,0 0 0,1-2 0,1 0 0,0-2 0,-2-2 0,1 0 0,-1-3 0,1-1 0,6-1 0,-1-1 0,-6-1 0,1 0 0,1-1 0,4 2 0,15 0 0,5 2 0,-12 0 0,3 1 0,4 1-475,18 1 1,4 1 0,2 1 474,-18-1 0,2 0 0,0 0 0,-1 0 0,-1 1 0,-1-1 0,0 1 0,-2-1 0,17 1 0,-3 1 0,-1-2 0,-8 0 0,-2-2 0,-3 0 0,17 0 0,-5-1 0,-16-2 0,-2-2 0,-3 1 0,0-2 0,9 1 0,5 0-452,-6 0 1,5 0 0,5 0 451,-8 0 0,2 0 0,3 0 0,1 0-131,8 0 1,1 0 0,1 0-1,0 0 131,1 0 0,0 0 0,0 0 0,-2 0 0,-6 0 0,-1 0 0,-2 0 0,-4 0 0,6 0 0,-4 0 0,-6 0 0,12 1 0,-6-2 0,-13 1 0,-1-2 0,6 0 0,5-1-486,2-1 0,8-1 0,4-1 486,-9 2 0,3-2 0,3 1 0,0 0-175,8 0 0,2 1 0,2-1 0,-1 0 175,-18 2 0,1-1 0,-1 0 0,0 1 0,-2 0 0,8 0 0,-1 1 0,-3 0 0,-1 0 537,13 0 0,-2 1 0,-6-1-537,15 0 0,-9 1 0,-25 1 0,-5 0 0,-4-1 0,0 2 0,3 1 0,5 2-24,10-1 0,9 1 1,4 1 23,-8-1 0,4 0 0,3 0 0,2 1-127,-7-1 1,3 0 0,1 0 0,1 0 0,1 1 126,6-1 0,2 1 0,0-1 0,0 1 0,-2 1 0,-6 0 0,-1 0 0,-2 1 0,0 1 0,-1 0 0,14 2 0,0 1 0,-3 1 0,-5 0 0,2 1 0,-5 1 0,-7-1 0,7 2 0,-8-3 0,-14-8 0,1-6 0,18-7 0,11-6-513,-22 5 1,8-1-1,4 0 1,2-1 512,-8 2 0,3-1 0,2 0 0,2 0 0,0 1 0,7-1 0,3 0 0,1 0 0,-1 1 0,1 0 0,-1 0 0,0 1 0,0 1 0,-1-1 0,-2 1 0,-11 0 0,-2 1 0,0-1 0,-3 1 0,-1-1 0,8 0 0,-1-1 0,-3 1 0,-6-1 451,0 1 0,-5 0 0,-5 0-451,5-3 0,-6 0 0,-11 1 0,-1-1 0,-2-3 0,2-1 1304,10-4 1,1-3-1305,1 0 0,-2-1 0,-3 0 0,-1-2 0,-1 0 0,-3-1 1318,-8 1 0,-3 1-1318,28-22 0,-23 7 0,-16 6 0,-7 3 0,-1 3 0,2-1 0,5-3 0,3-1 0,4-2 0,0 1 0,1-2 0,1-5 0,2-3 0,3-4 0,2 2 0,4-3 0,0-3 0,-1-4 0,0-5 0,-7 2 0,-4-4 0,0-9 0,-1-9 0,-2-7 0,-5 7 0,-10 17 0,-7 19 0,-6 15 0,-5 8 0,-4 8 0,-1 1 0,0-11 0,0-12 0,-1-7 0,-2-3 0,-1 9 0,-2 2 0,-6-7 0,-5-9 0,-6-9 0,-3-1 0,2 7 0,2 12 0,1 7 0,1 2 0,-2 0 0,0-1 0,1 5 0,1 2 0,2 5 0,0 1 0,-5-1 0,-7-1 0,-9-4 0,-7-5 0,-8-2 0,-11 0 0,-22 4 0,34 17 0,-3 2 0,-13 0 0,-4 2 0,-8 1 0,-2 1 0,-1 1 0,-1 1 0,1 1 0,1-1 0,7 1 0,1 0 0,4 0 0,3-1 0,6 0 0,1 0 0,5-1 0,3-1 0,-35-4 0,15-3 0,14 1 0,11-2 0,6-1 0,3 2 0,0-3 0,-4 2 0,-7-1 0,-3-1 0,-3-1 0,-1-1 0,3 1 0,5 1 0,11 4 0,14 5 0,2 3 0,-12-3 0,-19-11 0,-17-11 0,-2-8 0,7-2 0,5-3 0,0-6 0,-3-10 0,-4-11 0,32 31 0,-1-1 0,0-2 0,0 1 0,2 1 0,0 1 0,-30-31 0,8 9 0,9 11 0,8 7 0,9 6 0,9 8 0,3 4 0,3 1 0,0-3 0,-4-7 0,-1-12 0,-4-16 0,-2-14 0,0-8 0,1 6 0,5 17 0,8 23 0,5 24 0,4 12 0,3 3 0,0-5 0,0-11 0,0-2 0,0-3 0,0 0 0,0 3 0,0 2 0,0 2 0,0-2 0,0 0 0,0-1 0,0-1 0,0 1 0,0-1 0,0 1 0,0 1 0,0 1 0,0 2 0,0 0 0,0 0 0,0 1 0,0-2 0,0 0 0,0 1 0,0 0 0,0 0 0,0-1 0,0-1 0,0 2 0,0-1 0,0 2 0,0 1 0,0 1 0,0 1 0,0-1 0,0 1 0,0-1 0,0 0 0,2 2 0,-1 2 0,1 2 0</inkml:trace>
+</inkml:ink>
+</file>
+
+<file path=ppt/ink/ink6.xml><?xml version="1.0" encoding="utf-8"?>
+<inkml:ink xmlns:inkml="http://www.w3.org/2003/InkML">
+  <inkml:definitions>
+    <inkml:context xml:id="ctx0">
+      <inkml:inkSource xml:id="inkSrc0">
+        <inkml:traceFormat>
+          <inkml:channel name="X" type="integer" min="-2.14748E9" max="2.14748E9" units="cm"/>
+          <inkml:channel name="Y" type="integer" min="-2.14748E9" max="2.14748E9" units="cm"/>
+          <inkml:channel name="F" type="integer" max="32767" units="dev"/>
+        </inkml:traceFormat>
+        <inkml:channelProperties>
+          <inkml:channelProperty channel="X" name="resolution" value="1000" units="1/cm"/>
+          <inkml:channelProperty channel="Y" name="resolution" value="1000" units="1/cm"/>
+          <inkml:channelProperty channel="F" name="resolution" value="0" units="1/dev"/>
+        </inkml:channelProperties>
+      </inkml:inkSource>
+      <inkml:timestamp xml:id="ts0" timeString="2025-06-25T11:16:25.776"/>
+    </inkml:context>
+    <inkml:brush xml:id="br0">
+      <inkml:brushProperty name="width" value="0.035" units="cm"/>
+      <inkml:brushProperty name="height" value="0.035" units="cm"/>
+      <inkml:brushProperty name="color" value="#E71224"/>
+    </inkml:brush>
+  </inkml:definitions>
+  <inkml:trace contextRef="#ctx0" brushRef="#br0">19 22 24575,'3'-11'0,"6"4"0,3 4 0,4 3 0,-1 0 0,0 0 0,-3 2 0,-1 4 0,-2 5 0,-2 2 0,2 4 0,-3 1 0,0 5 0,-2 3 0,-2 0 0,-1 0 0,-1-2 0,0-3 0,0 1 0,0-2 0,0-1 0,0-2 0,0-2 0,-2 1 0,-2-1 0,-5 0 0,-1-1 0,-3-2 0,1 0 0,-2 1 0,-2-1 0,-1 1 0,2-2 0,3-1 0,3-2 0,2-2 0,-2-2 0,4-2 0,3 0 0,6-2 0,9 0 0,3-1 0,2-1 0,2 0 0,2 0 0,-2-1 0,0 1 0,0-2 0,0 0 0,1 2 0,-1-2 0,0 2 0,-2 0 0,0 0 0,-1 2 0,-2 0 0,-2 0 0,-3 0 0,-1 0 0,-2-2 0,-2-1 0,-3-3 0,-7-4 0,2 6 0,-2-2 0</inkml:trace>
+</inkml:ink>
+</file>
+
+<file path=ppt/ink/ink7.xml><?xml version="1.0" encoding="utf-8"?>
+<inkml:ink xmlns:inkml="http://www.w3.org/2003/InkML">
+  <inkml:definitions>
+    <inkml:context xml:id="ctx0">
+      <inkml:inkSource xml:id="inkSrc0">
+        <inkml:traceFormat>
+          <inkml:channel name="X" type="integer" min="-2.14748E9" max="2.14748E9" units="cm"/>
+          <inkml:channel name="Y" type="integer" min="-2.14748E9" max="2.14748E9" units="cm"/>
+          <inkml:channel name="F" type="integer" max="32767" units="dev"/>
+        </inkml:traceFormat>
+        <inkml:channelProperties>
+          <inkml:channelProperty channel="X" name="resolution" value="1000" units="1/cm"/>
+          <inkml:channelProperty channel="Y" name="resolution" value="1000" units="1/cm"/>
+          <inkml:channelProperty channel="F" name="resolution" value="0" units="1/dev"/>
+        </inkml:channelProperties>
+      </inkml:inkSource>
+      <inkml:timestamp xml:id="ts0" timeString="2025-06-25T11:16:28.493"/>
+    </inkml:context>
+    <inkml:brush xml:id="br0">
+      <inkml:brushProperty name="width" value="0.035" units="cm"/>
+      <inkml:brushProperty name="height" value="0.035" units="cm"/>
+      <inkml:brushProperty name="color" value="#E71224"/>
+    </inkml:brush>
+  </inkml:definitions>
+  <inkml:trace contextRef="#ctx0" brushRef="#br0">288 23 24575,'-11'0'0,"-2"0"0,-3 5 0,-7 8 0,-4 8 0,-1 9 0,3 3 0,6-1 0,3 0 0,3 0 0,1 0 0,1 4 0,1 1 0,-2 0 0,1 0 0,0-2 0,1-3 0,2-3 0,1-2 0,4-2 0,1-1 0,2 1 0,0-2 0,0 3 0,0 2 0,1 3 0,1 3 0,3 1 0,1 0 0,3-2 0,1-3 0,2-3 0,0-4 0,1-1 0,5 1 0,6 0 0,9 5 0,8 1 0,3-2 0,4 0 0,-1-6 0,-5-5 0,-5-5 0,-8-6 0,-5-4 0,-4-1 0,0 0 0,2 0 0,-1 0 0,1 0 0,-2-4 0,-1-5 0,-4-5 0,-3-7 0,-3-7 0,-2-8 0,-1-8 0,-3-6 0,-1-2 0,-1-2 0,2-12 0,4-8 0,4-7 0,1 2 0,-2 10 0,-3 8 0,-2 8 0,-3 10 0,0 7 0,-2 7 0,0 7 0,0 3 0,-1 3 0,-2 0 0,-4 1 0,-3-1 0,-1 1 0,-3 1 0,2 0 0,-2 2 0,2 0 0,0 1 0,-1 1 0,-1-1 0,-4 1 0,0 0 0,-5 2 0,-3 2 0,0 1 0,-2 1 0,1 1 0,3 1 0,1 2 0,1 0 0,1 1 0,-1 5 0,-3 6 0,0 7 0,-3 4 0,1 1 0,4-2 0,3-2 0,4-2 0,5-1 0,3-5 0,3-2 0,3 0 0,0-2 0,1 0 0,1 0 0,2-2 0,-1-3 0,2 1 0</inkml:trace>
+</inkml:ink>
+</file>
+
+<file path=ppt/ink/ink8.xml><?xml version="1.0" encoding="utf-8"?>
+<inkml:ink xmlns:inkml="http://www.w3.org/2003/InkML">
+  <inkml:definitions>
+    <inkml:context xml:id="ctx0">
+      <inkml:inkSource xml:id="inkSrc0">
+        <inkml:traceFormat>
+          <inkml:channel name="X" type="integer" min="-2.14748E9" max="2.14748E9" units="cm"/>
+          <inkml:channel name="Y" type="integer" min="-2.14748E9" max="2.14748E9" units="cm"/>
+          <inkml:channel name="F" type="integer" max="32767" units="dev"/>
+        </inkml:traceFormat>
+        <inkml:channelProperties>
+          <inkml:channelProperty channel="X" name="resolution" value="1000" units="1/cm"/>
+          <inkml:channelProperty channel="Y" name="resolution" value="1000" units="1/cm"/>
+          <inkml:channelProperty channel="F" name="resolution" value="0" units="1/dev"/>
+        </inkml:channelProperties>
+      </inkml:inkSource>
+      <inkml:timestamp xml:id="ts0" timeString="2025-06-25T11:16:30.876"/>
+    </inkml:context>
+    <inkml:brush xml:id="br0">
+      <inkml:brushProperty name="width" value="0.035" units="cm"/>
+      <inkml:brushProperty name="height" value="0.035" units="cm"/>
+      <inkml:brushProperty name="color" value="#E71224"/>
+    </inkml:brush>
+  </inkml:definitions>
+  <inkml:trace contextRef="#ctx0" brushRef="#br0">111 1 24575,'-1'6'0,"-1"0"0,0-2 0,-1 2 0,1 1 0,-2 0 0,1 0 0,0 0 0,0 2 0,-1-1 0,0-1 0,-1-1 0,1 0 0,0 0 0,1 2 0,0-1 0,2 0 0,-1-1 0,-1 0 0,-1 1 0,-2 1 0,0 3 0,-2-1 0,1-1 0,2-1 0,1-2 0,1 1 0,-1-1 0,1-4 0,0-6 0,2-4 0,1-2 0,0-1 0,0 1 0,0-2 0,0-1 0,0 0 0,0 1 0,0 0 0,1 2 0,5 0 0,2 2 0,2 0 0,-1-1 0,0 2 0,-1 0 0,-1 3 0,0 0 0,1 2 0,0 2 0,-1 0 0,-3-1 0,-1 1 0</inkml:trace>
+</inkml:ink>
+</file>
+
+<file path=ppt/ink/ink9.xml><?xml version="1.0" encoding="utf-8"?>
+<inkml:ink xmlns:inkml="http://www.w3.org/2003/InkML">
+  <inkml:definitions>
+    <inkml:context xml:id="ctx0">
+      <inkml:inkSource xml:id="inkSrc0">
+        <inkml:traceFormat>
+          <inkml:channel name="X" type="integer" min="-2.14748E9" max="2.14748E9" units="cm"/>
+          <inkml:channel name="Y" type="integer" min="-2.14748E9" max="2.14748E9" units="cm"/>
+          <inkml:channel name="F" type="integer" max="32767" units="dev"/>
+        </inkml:traceFormat>
+        <inkml:channelProperties>
+          <inkml:channelProperty channel="X" name="resolution" value="1000" units="1/cm"/>
+          <inkml:channelProperty channel="Y" name="resolution" value="1000" units="1/cm"/>
+          <inkml:channelProperty channel="F" name="resolution" value="0" units="1/dev"/>
+        </inkml:channelProperties>
+      </inkml:inkSource>
+      <inkml:timestamp xml:id="ts0" timeString="2025-06-25T11:16:36.676"/>
+    </inkml:context>
+    <inkml:brush xml:id="br0">
+      <inkml:brushProperty name="width" value="0.035" units="cm"/>
+      <inkml:brushProperty name="height" value="0.035" units="cm"/>
+      <inkml:brushProperty name="color" value="#E71224"/>
+    </inkml:brush>
+  </inkml:definitions>
+  <inkml:trace contextRef="#ctx0" brushRef="#br0">1 0 24575,'0'8'0,"5"3"0,6 7 0,10 6 0,8 5 0,5 3 0,6 0 0,0 1 0,-1 2 0,-2 0 0,-3-1 0,-4-1 0,-3-3 0,-5-4 0,-3-2 0,-2-2 0,-1-3 0,-1-1 0,1-3 0,-1 1 0,1 1 0,0 1 0,-1 0 0,1 0 0,-2-3 0,-4-2 0,-2-2 0,-3-4 0,-2-2 0,0 1 0,-2 0 0,0 1 0,-1-2 0,0 2 0,0 0 0,0 0 0,0 0 0,0-1 0,1 0 0,1-1 0,1-1 0,0 2 0,0 0 0,-1 1 0,1 1 0,-1-1 0,-2-1 0,-6-2 0,-8-2 0,-5-2 0,-7 0 0,-3 0 0,-4-6 0,-1-7 0,1-4 0,7-2 0,6 5 0,8 3 0,6 2 0,2 0 0,1 3 0,-2 1 0,-1 1 0,-1 0 0,-1-1 0,4 1 0,9 4 0,9 8 0,9 5 0,4 3 0,2 1 0,0-2 0,-2-3 0,-2-1 0,-5-5 0,-3 0 0,-1-1 0,-2 0 0,-3-1 0,0 0 0,-2-1 0,0 1 0,-2-2 0,0 2 0,0-2 0,-2 1 0,-1-1 0,-1-4 0,-3-5 0,0-4 0,0-5 0,0-3 0,0-2 0,0 1 0,0 3 0,2-2 0,1 1 0,2-2 0,0 0 0,0 1 0,-2 4 0,0 1 0,1 1 0,-1 1 0,1 1 0,-1 0 0,-1 1 0,2-2 0,-2 0 0,0 0 0,0 0 0,-2 0 0,2 0 0,-1 2 0,3 4 0,-1 3 0,-1 4 0,0 1 0,-2 0 0</inkml:trace>
+</inkml:ink>
+</file>
+
 <file path=ppt/notesMasters/notesMaster1.xml><?xml version="1.0" encoding="utf-8"?>
 <p:notesMaster xmlns:a="http://schemas.openxmlformats.org/drawingml/2006/main" xmlns:r="http://schemas.openxmlformats.org/officeDocument/2006/relationships" xmlns:p="http://schemas.openxmlformats.org/presentationml/2006/main">
   <p:cSld>
@@ -212,7 +1615,7 @@
           <a:p>
             <a:fld id="{AD87502D-AD62-2A47-AC55-81405B512702}" type="datetimeFigureOut">
               <a:rPr lang="en-US" smtClean="0"/>
-              <a:t>5/10/25</a:t>
+              <a:t>6/25/25</a:t>
             </a:fld>
             <a:endParaRPr lang="en-US"/>
           </a:p>
@@ -629,7 +2032,7 @@
           <a:p>
             <a:fld id="{321D4161-4FEA-814F-93A0-6B898BCC214E}" type="datetimeFigureOut">
               <a:rPr lang="en-US" smtClean="0"/>
-              <a:t>5/10/25</a:t>
+              <a:t>6/25/25</a:t>
             </a:fld>
             <a:endParaRPr lang="en-US"/>
           </a:p>
@@ -829,7 +2232,7 @@
           <a:p>
             <a:fld id="{321D4161-4FEA-814F-93A0-6B898BCC214E}" type="datetimeFigureOut">
               <a:rPr lang="en-US" smtClean="0"/>
-              <a:t>5/10/25</a:t>
+              <a:t>6/25/25</a:t>
             </a:fld>
             <a:endParaRPr lang="en-US"/>
           </a:p>
@@ -1039,7 +2442,7 @@
           <a:p>
             <a:fld id="{321D4161-4FEA-814F-93A0-6B898BCC214E}" type="datetimeFigureOut">
               <a:rPr lang="en-US" smtClean="0"/>
-              <a:t>5/10/25</a:t>
+              <a:t>6/25/25</a:t>
             </a:fld>
             <a:endParaRPr lang="en-US"/>
           </a:p>
@@ -1239,7 +2642,7 @@
           <a:p>
             <a:fld id="{321D4161-4FEA-814F-93A0-6B898BCC214E}" type="datetimeFigureOut">
               <a:rPr lang="en-US" smtClean="0"/>
-              <a:t>5/10/25</a:t>
+              <a:t>6/25/25</a:t>
             </a:fld>
             <a:endParaRPr lang="en-US"/>
           </a:p>
@@ -1515,7 +2918,7 @@
           <a:p>
             <a:fld id="{321D4161-4FEA-814F-93A0-6B898BCC214E}" type="datetimeFigureOut">
               <a:rPr lang="en-US" smtClean="0"/>
-              <a:t>5/10/25</a:t>
+              <a:t>6/25/25</a:t>
             </a:fld>
             <a:endParaRPr lang="en-US"/>
           </a:p>
@@ -1783,7 +3186,7 @@
           <a:p>
             <a:fld id="{321D4161-4FEA-814F-93A0-6B898BCC214E}" type="datetimeFigureOut">
               <a:rPr lang="en-US" smtClean="0"/>
-              <a:t>5/10/25</a:t>
+              <a:t>6/25/25</a:t>
             </a:fld>
             <a:endParaRPr lang="en-US"/>
           </a:p>
@@ -2198,7 +3601,7 @@
           <a:p>
             <a:fld id="{321D4161-4FEA-814F-93A0-6B898BCC214E}" type="datetimeFigureOut">
               <a:rPr lang="en-US" smtClean="0"/>
-              <a:t>5/10/25</a:t>
+              <a:t>6/25/25</a:t>
             </a:fld>
             <a:endParaRPr lang="en-US"/>
           </a:p>
@@ -2340,7 +3743,7 @@
           <a:p>
             <a:fld id="{321D4161-4FEA-814F-93A0-6B898BCC214E}" type="datetimeFigureOut">
               <a:rPr lang="en-US" smtClean="0"/>
-              <a:t>5/10/25</a:t>
+              <a:t>6/25/25</a:t>
             </a:fld>
             <a:endParaRPr lang="en-US"/>
           </a:p>
@@ -2453,7 +3856,7 @@
           <a:p>
             <a:fld id="{321D4161-4FEA-814F-93A0-6B898BCC214E}" type="datetimeFigureOut">
               <a:rPr lang="en-US" smtClean="0"/>
-              <a:t>5/10/25</a:t>
+              <a:t>6/25/25</a:t>
             </a:fld>
             <a:endParaRPr lang="en-US"/>
           </a:p>
@@ -2766,7 +4169,7 @@
           <a:p>
             <a:fld id="{321D4161-4FEA-814F-93A0-6B898BCC214E}" type="datetimeFigureOut">
               <a:rPr lang="en-US" smtClean="0"/>
-              <a:t>5/10/25</a:t>
+              <a:t>6/25/25</a:t>
             </a:fld>
             <a:endParaRPr lang="en-US"/>
           </a:p>
@@ -3055,7 +4458,7 @@
           <a:p>
             <a:fld id="{321D4161-4FEA-814F-93A0-6B898BCC214E}" type="datetimeFigureOut">
               <a:rPr lang="en-US" smtClean="0"/>
-              <a:t>5/10/25</a:t>
+              <a:t>6/25/25</a:t>
             </a:fld>
             <a:endParaRPr lang="en-US"/>
           </a:p>
@@ -3298,7 +4701,7 @@
           <a:p>
             <a:fld id="{321D4161-4FEA-814F-93A0-6B898BCC214E}" type="datetimeFigureOut">
               <a:rPr lang="en-US" smtClean="0"/>
-              <a:t>5/10/25</a:t>
+              <a:t>6/25/25</a:t>
             </a:fld>
             <a:endParaRPr lang="en-US"/>
           </a:p>
@@ -4308,7 +5711,7 @@
                 <a:ea typeface="+mj-ea"/>
                 <a:cs typeface="+mj-cs"/>
               </a:rPr>
-              <a:t>Lecture 9</a:t>
+              <a:t>Lecture 10</a:t>
             </a:r>
           </a:p>
           <a:p>
@@ -4324,20 +5727,20 @@
               </a:spcAft>
             </a:pPr>
             <a:r>
-              <a:rPr lang="en-SG" altLang="zh-CN" sz="3400" kern="1200" dirty="0">
+              <a:rPr lang="en-US" altLang="zh-CN" sz="3400" kern="1200" dirty="0">
                 <a:latin typeface="+mj-lt"/>
                 <a:ea typeface="+mj-ea"/>
                 <a:cs typeface="+mj-cs"/>
               </a:rPr>
-              <a:t>Robust</a:t>
+              <a:t>Black </a:t>
             </a:r>
             <a:r>
-              <a:rPr lang="zh-CN" altLang="en-US" sz="3400" kern="1200" dirty="0">
+              <a:rPr lang="en-US" altLang="zh-CN" sz="3400" kern="1200" dirty="0" err="1">
                 <a:latin typeface="+mj-lt"/>
                 <a:ea typeface="+mj-ea"/>
                 <a:cs typeface="+mj-cs"/>
               </a:rPr>
-              <a:t> </a:t>
+              <a:t>Litterman</a:t>
             </a:r>
             <a:r>
               <a:rPr lang="en-US" altLang="zh-CN" sz="3400" kern="1200" dirty="0">
@@ -4345,23 +5748,7 @@
                 <a:ea typeface="+mj-ea"/>
                 <a:cs typeface="+mj-cs"/>
               </a:rPr>
-              <a:t>Portfolio</a:t>
-            </a:r>
-            <a:r>
-              <a:rPr lang="zh-CN" altLang="en-US" sz="3400" kern="1200" dirty="0">
-                <a:latin typeface="+mj-lt"/>
-                <a:ea typeface="+mj-ea"/>
-                <a:cs typeface="+mj-cs"/>
-              </a:rPr>
-              <a:t> </a:t>
-            </a:r>
-            <a:r>
-              <a:rPr lang="en-US" altLang="zh-CN" sz="3400" kern="1200" dirty="0">
-                <a:latin typeface="+mj-lt"/>
-                <a:ea typeface="+mj-ea"/>
-                <a:cs typeface="+mj-cs"/>
-              </a:rPr>
-              <a:t>Optimization</a:t>
+              <a:t> Model</a:t>
             </a:r>
             <a:endParaRPr lang="en-US" sz="3400" kern="1200" dirty="0">
               <a:latin typeface="+mj-lt"/>
@@ -4385,6 +5772,181 @@
 </file>
 
 <file path=ppt/slides/slide10.xml><?xml version="1.0" encoding="utf-8"?>
+<p:sld xmlns:a="http://schemas.openxmlformats.org/drawingml/2006/main" xmlns:r="http://schemas.openxmlformats.org/officeDocument/2006/relationships" xmlns:p="http://schemas.openxmlformats.org/presentationml/2006/main">
+  <p:cSld>
+    <p:spTree>
+      <p:nvGrpSpPr>
+        <p:cNvPr id="1" name=""/>
+        <p:cNvGrpSpPr/>
+        <p:nvPr/>
+      </p:nvGrpSpPr>
+      <p:grpSpPr>
+        <a:xfrm>
+          <a:off x="0" y="0"/>
+          <a:ext cx="0" cy="0"/>
+          <a:chOff x="0" y="0"/>
+          <a:chExt cx="0" cy="0"/>
+        </a:xfrm>
+      </p:grpSpPr>
+      <mc:AlternateContent xmlns:mc="http://schemas.openxmlformats.org/markup-compatibility/2006" xmlns:a14="http://schemas.microsoft.com/office/drawing/2010/main">
+        <mc:Choice Requires="a14">
+          <p:sp>
+            <p:nvSpPr>
+              <p:cNvPr id="2" name="Title 1">
+                <a:extLst>
+                  <a:ext uri="{FF2B5EF4-FFF2-40B4-BE49-F238E27FC236}">
+                    <a16:creationId xmlns:a16="http://schemas.microsoft.com/office/drawing/2014/main" id="{F7CFB02C-D9FC-B65F-B33E-C1B554026276}"/>
+                  </a:ext>
+                </a:extLst>
+              </p:cNvPr>
+              <p:cNvSpPr>
+                <a:spLocks noGrp="1"/>
+              </p:cNvSpPr>
+              <p:nvPr>
+                <p:ph type="title"/>
+              </p:nvPr>
+            </p:nvSpPr>
+            <p:spPr>
+              <a:xfrm>
+                <a:off x="477981" y="1122363"/>
+                <a:ext cx="4023360" cy="3204134"/>
+              </a:xfrm>
+            </p:spPr>
+            <p:txBody>
+              <a:bodyPr vert="horz" lIns="91440" tIns="45720" rIns="91440" bIns="45720" rtlCol="0" anchor="b">
+                <a:normAutofit/>
+              </a:bodyPr>
+              <a:lstStyle/>
+              <a:p>
+                <a:r>
+                  <a:rPr lang="en-US" sz="4800" kern="1200">
+                    <a:solidFill>
+                      <a:schemeClr val="tx1"/>
+                    </a:solidFill>
+                    <a:latin typeface="+mj-lt"/>
+                    <a:ea typeface="+mj-ea"/>
+                    <a:cs typeface="+mj-cs"/>
+                  </a:rPr>
+                  <a:t>Posterior Expected Returns (</a:t>
+                </a:r>
+                <a14:m>
+                  <m:oMath xmlns:m="http://schemas.openxmlformats.org/officeDocument/2006/math">
+                    <m:r>
+                      <a:rPr lang="en-US" sz="4800" b="0" i="1" kern="1200">
+                        <a:solidFill>
+                          <a:schemeClr val="tx1"/>
+                        </a:solidFill>
+                        <a:latin typeface="Cambria Math" panose="02040503050406030204" pitchFamily="18" charset="0"/>
+                        <a:ea typeface="+mj-ea"/>
+                        <a:cs typeface="+mj-cs"/>
+                      </a:rPr>
+                      <m:t>𝜇</m:t>
+                    </m:r>
+                  </m:oMath>
+                </a14:m>
+                <a:r>
+                  <a:rPr lang="en-US" sz="4800" kern="1200">
+                    <a:solidFill>
+                      <a:schemeClr val="tx1"/>
+                    </a:solidFill>
+                    <a:latin typeface="+mj-lt"/>
+                    <a:ea typeface="+mj-ea"/>
+                    <a:cs typeface="+mj-cs"/>
+                  </a:rPr>
+                  <a:t>)</a:t>
+                </a:r>
+              </a:p>
+            </p:txBody>
+          </p:sp>
+        </mc:Choice>
+        <mc:Fallback xmlns="">
+          <p:sp>
+            <p:nvSpPr>
+              <p:cNvPr id="2" name="Title 1">
+                <a:extLst>
+                  <a:ext uri="{FF2B5EF4-FFF2-40B4-BE49-F238E27FC236}">
+                    <a16:creationId xmlns:a16="http://schemas.microsoft.com/office/drawing/2014/main" id="{F7CFB02C-D9FC-B65F-B33E-C1B554026276}"/>
+                  </a:ext>
+                </a:extLst>
+              </p:cNvPr>
+              <p:cNvSpPr>
+                <a:spLocks noGrp="1" noRot="1" noChangeAspect="1" noMove="1" noResize="1" noEditPoints="1" noAdjustHandles="1" noChangeArrowheads="1" noChangeShapeType="1" noTextEdit="1"/>
+              </p:cNvSpPr>
+              <p:nvPr>
+                <p:ph type="title"/>
+              </p:nvPr>
+            </p:nvSpPr>
+            <p:spPr>
+              <a:xfrm>
+                <a:off x="477981" y="1122363"/>
+                <a:ext cx="4023360" cy="3204134"/>
+              </a:xfrm>
+              <a:blipFill>
+                <a:blip r:embed="rId2"/>
+                <a:stretch>
+                  <a:fillRect l="-6918" b="-10277"/>
+                </a:stretch>
+              </a:blipFill>
+            </p:spPr>
+            <p:txBody>
+              <a:bodyPr/>
+              <a:lstStyle/>
+              <a:p>
+                <a:r>
+                  <a:rPr lang="en-US">
+                    <a:noFill/>
+                  </a:rPr>
+                  <a:t> </a:t>
+                </a:r>
+              </a:p>
+            </p:txBody>
+          </p:sp>
+        </mc:Fallback>
+      </mc:AlternateContent>
+      <p:pic>
+        <p:nvPicPr>
+          <p:cNvPr id="4" name="Picture 3">
+            <a:extLst>
+              <a:ext uri="{FF2B5EF4-FFF2-40B4-BE49-F238E27FC236}">
+                <a16:creationId xmlns:a16="http://schemas.microsoft.com/office/drawing/2014/main" id="{EFF320F8-DA11-7EDA-D523-AF3523C60630}"/>
+              </a:ext>
+            </a:extLst>
+          </p:cNvPr>
+          <p:cNvPicPr>
+            <a:picLocks noChangeAspect="1"/>
+          </p:cNvPicPr>
+          <p:nvPr/>
+        </p:nvPicPr>
+        <p:blipFill>
+          <a:blip r:embed="rId3"/>
+          <a:stretch>
+            <a:fillRect/>
+          </a:stretch>
+        </p:blipFill>
+        <p:spPr>
+          <a:xfrm>
+            <a:off x="5176911" y="384767"/>
+            <a:ext cx="6604402" cy="5696297"/>
+          </a:xfrm>
+          <a:prstGeom prst="rect">
+            <a:avLst/>
+          </a:prstGeom>
+        </p:spPr>
+      </p:pic>
+    </p:spTree>
+    <p:extLst>
+      <p:ext uri="{BB962C8B-B14F-4D97-AF65-F5344CB8AC3E}">
+        <p14:creationId xmlns:p14="http://schemas.microsoft.com/office/powerpoint/2010/main" val="30008175"/>
+      </p:ext>
+    </p:extLst>
+  </p:cSld>
+  <p:clrMapOvr>
+    <a:masterClrMapping/>
+  </p:clrMapOvr>
+</p:sld>
+</file>
+
+<file path=ppt/slides/slide11.xml><?xml version="1.0" encoding="utf-8"?>
 <p:sld xmlns:a="http://schemas.openxmlformats.org/drawingml/2006/main" xmlns:r="http://schemas.openxmlformats.org/officeDocument/2006/relationships" xmlns:p="http://schemas.openxmlformats.org/presentationml/2006/main">
   <p:cSld>
     <p:bg>
@@ -4741,7 +6303,7 @@
           <a:lstStyle/>
           <a:p>
             <a:r>
-              <a:rPr lang="en-US" sz="4000" kern="1200">
+              <a:rPr lang="en-US" sz="4000" kern="1200" dirty="0">
                 <a:solidFill>
                   <a:srgbClr val="FFFFFF"/>
                 </a:solidFill>
@@ -4784,6 +6346,347 @@
           </a:prstGeom>
         </p:spPr>
       </p:pic>
+      <mc:AlternateContent xmlns:mc="http://schemas.openxmlformats.org/markup-compatibility/2006">
+        <mc:Choice xmlns:p14="http://schemas.microsoft.com/office/powerpoint/2010/main" Requires="p14">
+          <p:contentPart p14:bwMode="auto" r:id="rId3">
+            <p14:nvContentPartPr>
+              <p14:cNvPr id="3" name="Ink 2">
+                <a:extLst>
+                  <a:ext uri="{FF2B5EF4-FFF2-40B4-BE49-F238E27FC236}">
+                    <a16:creationId xmlns:a16="http://schemas.microsoft.com/office/drawing/2014/main" id="{213BF7B5-DCBD-A8C0-AE69-ECD91CEE199F}"/>
+                  </a:ext>
+                </a:extLst>
+              </p14:cNvPr>
+              <p14:cNvContentPartPr/>
+              <p14:nvPr/>
+            </p14:nvContentPartPr>
+            <p14:xfrm>
+              <a:off x="7806294" y="1332761"/>
+              <a:ext cx="3057480" cy="222480"/>
+            </p14:xfrm>
+          </p:contentPart>
+        </mc:Choice>
+        <mc:Fallback>
+          <p:pic>
+            <p:nvPicPr>
+              <p:cNvPr id="3" name="Ink 2">
+                <a:extLst>
+                  <a:ext uri="{FF2B5EF4-FFF2-40B4-BE49-F238E27FC236}">
+                    <a16:creationId xmlns:a16="http://schemas.microsoft.com/office/drawing/2014/main" id="{213BF7B5-DCBD-A8C0-AE69-ECD91CEE199F}"/>
+                  </a:ext>
+                </a:extLst>
+              </p:cNvPr>
+              <p:cNvPicPr/>
+              <p:nvPr/>
+            </p:nvPicPr>
+            <p:blipFill>
+              <a:blip r:embed="rId4"/>
+              <a:stretch>
+                <a:fillRect/>
+              </a:stretch>
+            </p:blipFill>
+            <p:spPr>
+              <a:xfrm>
+                <a:off x="7800174" y="1326641"/>
+                <a:ext cx="3069720" cy="234720"/>
+              </a:xfrm>
+              <a:prstGeom prst="rect">
+                <a:avLst/>
+              </a:prstGeom>
+            </p:spPr>
+          </p:pic>
+        </mc:Fallback>
+      </mc:AlternateContent>
+      <p:grpSp>
+        <p:nvGrpSpPr>
+          <p:cNvPr id="20" name="Group 19">
+            <a:extLst>
+              <a:ext uri="{FF2B5EF4-FFF2-40B4-BE49-F238E27FC236}">
+                <a16:creationId xmlns:a16="http://schemas.microsoft.com/office/drawing/2014/main" id="{7BE70640-49AE-4B8F-C97B-92A692EFC497}"/>
+              </a:ext>
+            </a:extLst>
+          </p:cNvPr>
+          <p:cNvGrpSpPr/>
+          <p:nvPr/>
+        </p:nvGrpSpPr>
+        <p:grpSpPr>
+          <a:xfrm>
+            <a:off x="7918614" y="114881"/>
+            <a:ext cx="2709720" cy="1184400"/>
+            <a:chOff x="7918614" y="114881"/>
+            <a:chExt cx="2709720" cy="1184400"/>
+          </a:xfrm>
+        </p:grpSpPr>
+        <mc:AlternateContent xmlns:mc="http://schemas.openxmlformats.org/markup-compatibility/2006">
+          <mc:Choice xmlns:p14="http://schemas.microsoft.com/office/powerpoint/2010/main" Requires="p14">
+            <p:contentPart p14:bwMode="auto" r:id="rId5">
+              <p14:nvContentPartPr>
+                <p14:cNvPr id="6" name="Ink 5">
+                  <a:extLst>
+                    <a:ext uri="{FF2B5EF4-FFF2-40B4-BE49-F238E27FC236}">
+                      <a16:creationId xmlns:a16="http://schemas.microsoft.com/office/drawing/2014/main" id="{0C04D5F3-847B-E2C7-F724-6098452C8142}"/>
+                    </a:ext>
+                  </a:extLst>
+                </p14:cNvPr>
+                <p14:cNvContentPartPr/>
+                <p14:nvPr/>
+              </p14:nvContentPartPr>
+              <p14:xfrm>
+                <a:off x="7918614" y="396401"/>
+                <a:ext cx="1424880" cy="869760"/>
+              </p14:xfrm>
+            </p:contentPart>
+          </mc:Choice>
+          <mc:Fallback>
+            <p:pic>
+              <p:nvPicPr>
+                <p:cNvPr id="6" name="Ink 5">
+                  <a:extLst>
+                    <a:ext uri="{FF2B5EF4-FFF2-40B4-BE49-F238E27FC236}">
+                      <a16:creationId xmlns:a16="http://schemas.microsoft.com/office/drawing/2014/main" id="{0C04D5F3-847B-E2C7-F724-6098452C8142}"/>
+                    </a:ext>
+                  </a:extLst>
+                </p:cNvPr>
+                <p:cNvPicPr/>
+                <p:nvPr/>
+              </p:nvPicPr>
+              <p:blipFill>
+                <a:blip r:embed="rId6"/>
+                <a:stretch>
+                  <a:fillRect/>
+                </a:stretch>
+              </p:blipFill>
+              <p:spPr>
+                <a:xfrm>
+                  <a:off x="7912494" y="390281"/>
+                  <a:ext cx="1437120" cy="882000"/>
+                </a:xfrm>
+                <a:prstGeom prst="rect">
+                  <a:avLst/>
+                </a:prstGeom>
+              </p:spPr>
+            </p:pic>
+          </mc:Fallback>
+        </mc:AlternateContent>
+        <mc:AlternateContent xmlns:mc="http://schemas.openxmlformats.org/markup-compatibility/2006">
+          <mc:Choice xmlns:p14="http://schemas.microsoft.com/office/powerpoint/2010/main" Requires="p14">
+            <p:contentPart p14:bwMode="auto" r:id="rId7">
+              <p14:nvContentPartPr>
+                <p14:cNvPr id="7" name="Ink 6">
+                  <a:extLst>
+                    <a:ext uri="{FF2B5EF4-FFF2-40B4-BE49-F238E27FC236}">
+                      <a16:creationId xmlns:a16="http://schemas.microsoft.com/office/drawing/2014/main" id="{2CF95829-9D88-9C57-C12B-1180DBC35EAF}"/>
+                    </a:ext>
+                  </a:extLst>
+                </p14:cNvPr>
+                <p14:cNvContentPartPr/>
+                <p14:nvPr/>
+              </p14:nvContentPartPr>
+              <p14:xfrm>
+                <a:off x="8739774" y="320081"/>
+                <a:ext cx="1888560" cy="938160"/>
+              </p14:xfrm>
+            </p:contentPart>
+          </mc:Choice>
+          <mc:Fallback>
+            <p:pic>
+              <p:nvPicPr>
+                <p:cNvPr id="7" name="Ink 6">
+                  <a:extLst>
+                    <a:ext uri="{FF2B5EF4-FFF2-40B4-BE49-F238E27FC236}">
+                      <a16:creationId xmlns:a16="http://schemas.microsoft.com/office/drawing/2014/main" id="{2CF95829-9D88-9C57-C12B-1180DBC35EAF}"/>
+                    </a:ext>
+                  </a:extLst>
+                </p:cNvPr>
+                <p:cNvPicPr/>
+                <p:nvPr/>
+              </p:nvPicPr>
+              <p:blipFill>
+                <a:blip r:embed="rId8"/>
+                <a:stretch>
+                  <a:fillRect/>
+                </a:stretch>
+              </p:blipFill>
+              <p:spPr>
+                <a:xfrm>
+                  <a:off x="8733654" y="313961"/>
+                  <a:ext cx="1900800" cy="950400"/>
+                </a:xfrm>
+                <a:prstGeom prst="rect">
+                  <a:avLst/>
+                </a:prstGeom>
+              </p:spPr>
+            </p:pic>
+          </mc:Fallback>
+        </mc:AlternateContent>
+        <mc:AlternateContent xmlns:mc="http://schemas.openxmlformats.org/markup-compatibility/2006">
+          <mc:Choice xmlns:p14="http://schemas.microsoft.com/office/powerpoint/2010/main" Requires="p14">
+            <p:contentPart p14:bwMode="auto" r:id="rId9">
+              <p14:nvContentPartPr>
+                <p14:cNvPr id="18" name="Ink 17">
+                  <a:extLst>
+                    <a:ext uri="{FF2B5EF4-FFF2-40B4-BE49-F238E27FC236}">
+                      <a16:creationId xmlns:a16="http://schemas.microsoft.com/office/drawing/2014/main" id="{E8C3A6E3-5BD3-80B2-8CFD-343FA75CC4C2}"/>
+                    </a:ext>
+                  </a:extLst>
+                </p14:cNvPr>
+                <p14:cNvContentPartPr/>
+                <p14:nvPr/>
+              </p14:nvContentPartPr>
+              <p14:xfrm>
+                <a:off x="8039214" y="114881"/>
+                <a:ext cx="2158920" cy="1184400"/>
+              </p14:xfrm>
+            </p:contentPart>
+          </mc:Choice>
+          <mc:Fallback>
+            <p:pic>
+              <p:nvPicPr>
+                <p:cNvPr id="18" name="Ink 17">
+                  <a:extLst>
+                    <a:ext uri="{FF2B5EF4-FFF2-40B4-BE49-F238E27FC236}">
+                      <a16:creationId xmlns:a16="http://schemas.microsoft.com/office/drawing/2014/main" id="{E8C3A6E3-5BD3-80B2-8CFD-343FA75CC4C2}"/>
+                    </a:ext>
+                  </a:extLst>
+                </p:cNvPr>
+                <p:cNvPicPr/>
+                <p:nvPr/>
+              </p:nvPicPr>
+              <p:blipFill>
+                <a:blip r:embed="rId10"/>
+                <a:stretch>
+                  <a:fillRect/>
+                </a:stretch>
+              </p:blipFill>
+              <p:spPr>
+                <a:xfrm>
+                  <a:off x="8033094" y="108761"/>
+                  <a:ext cx="2171160" cy="1196640"/>
+                </a:xfrm>
+                <a:prstGeom prst="rect">
+                  <a:avLst/>
+                </a:prstGeom>
+              </p:spPr>
+            </p:pic>
+          </mc:Fallback>
+        </mc:AlternateContent>
+      </p:grpSp>
+      <p:sp>
+        <p:nvSpPr>
+          <p:cNvPr id="21" name="Title 1">
+            <a:extLst>
+              <a:ext uri="{FF2B5EF4-FFF2-40B4-BE49-F238E27FC236}">
+                <a16:creationId xmlns:a16="http://schemas.microsoft.com/office/drawing/2014/main" id="{8C9E0063-D596-73A0-32A1-1EC6C4376CC7}"/>
+              </a:ext>
+            </a:extLst>
+          </p:cNvPr>
+          <p:cNvSpPr txBox="1">
+            <a:spLocks/>
+          </p:cNvSpPr>
+          <p:nvPr/>
+        </p:nvSpPr>
+        <p:spPr>
+          <a:xfrm>
+            <a:off x="8106868" y="161546"/>
+            <a:ext cx="595535" cy="278001"/>
+          </a:xfrm>
+          <a:prstGeom prst="rect">
+            <a:avLst/>
+          </a:prstGeom>
+        </p:spPr>
+        <p:txBody>
+          <a:bodyPr vert="horz" lIns="91440" tIns="45720" rIns="91440" bIns="45720" rtlCol="0" anchor="ctr">
+            <a:normAutofit lnSpcReduction="10000"/>
+          </a:bodyPr>
+          <a:lstStyle>
+            <a:lvl1pPr algn="l" defTabSz="914400" rtl="0" eaLnBrk="1" latinLnBrk="0" hangingPunct="1">
+              <a:lnSpc>
+                <a:spcPct val="90000"/>
+              </a:lnSpc>
+              <a:spcBef>
+                <a:spcPct val="0"/>
+              </a:spcBef>
+              <a:buNone/>
+              <a:defRPr sz="4400" kern="1200">
+                <a:solidFill>
+                  <a:schemeClr val="tx1"/>
+                </a:solidFill>
+                <a:latin typeface="+mj-lt"/>
+                <a:ea typeface="+mj-ea"/>
+                <a:cs typeface="+mj-cs"/>
+              </a:defRPr>
+            </a:lvl1pPr>
+          </a:lstStyle>
+          <a:p>
+            <a:r>
+              <a:rPr lang="en-US" sz="1400" dirty="0">
+                <a:solidFill>
+                  <a:srgbClr val="FF0000"/>
+                </a:solidFill>
+              </a:rPr>
+              <a:t>prior</a:t>
+            </a:r>
+          </a:p>
+        </p:txBody>
+      </p:sp>
+      <p:sp>
+        <p:nvSpPr>
+          <p:cNvPr id="23" name="Title 1">
+            <a:extLst>
+              <a:ext uri="{FF2B5EF4-FFF2-40B4-BE49-F238E27FC236}">
+                <a16:creationId xmlns:a16="http://schemas.microsoft.com/office/drawing/2014/main" id="{A3B6DA0B-A285-1F3D-2EA4-F7A72D7461E5}"/>
+              </a:ext>
+            </a:extLst>
+          </p:cNvPr>
+          <p:cNvSpPr txBox="1">
+            <a:spLocks/>
+          </p:cNvSpPr>
+          <p:nvPr/>
+        </p:nvSpPr>
+        <p:spPr>
+          <a:xfrm>
+            <a:off x="9968020" y="140040"/>
+            <a:ext cx="595535" cy="278001"/>
+          </a:xfrm>
+          <a:prstGeom prst="rect">
+            <a:avLst/>
+          </a:prstGeom>
+        </p:spPr>
+        <p:txBody>
+          <a:bodyPr vert="horz" lIns="91440" tIns="45720" rIns="91440" bIns="45720" rtlCol="0" anchor="ctr">
+            <a:normAutofit lnSpcReduction="10000"/>
+          </a:bodyPr>
+          <a:lstStyle>
+            <a:lvl1pPr algn="l" defTabSz="914400" rtl="0" eaLnBrk="1" latinLnBrk="0" hangingPunct="1">
+              <a:lnSpc>
+                <a:spcPct val="90000"/>
+              </a:lnSpc>
+              <a:spcBef>
+                <a:spcPct val="0"/>
+              </a:spcBef>
+              <a:buNone/>
+              <a:defRPr sz="4400" kern="1200">
+                <a:solidFill>
+                  <a:schemeClr val="tx1"/>
+                </a:solidFill>
+                <a:latin typeface="+mj-lt"/>
+                <a:ea typeface="+mj-ea"/>
+                <a:cs typeface="+mj-cs"/>
+              </a:defRPr>
+            </a:lvl1pPr>
+          </a:lstStyle>
+          <a:p>
+            <a:r>
+              <a:rPr lang="en-US" sz="1400" dirty="0">
+                <a:solidFill>
+                  <a:srgbClr val="FF0000"/>
+                </a:solidFill>
+              </a:rPr>
+              <a:t>data</a:t>
+            </a:r>
+          </a:p>
+        </p:txBody>
+      </p:sp>
     </p:spTree>
     <p:extLst>
       <p:ext uri="{BB962C8B-B14F-4D97-AF65-F5344CB8AC3E}">
@@ -4797,7 +6700,7 @@
 </p:sld>
 </file>
 
-<file path=ppt/slides/slide11.xml><?xml version="1.0" encoding="utf-8"?>
+<file path=ppt/slides/slide12.xml><?xml version="1.0" encoding="utf-8"?>
 <p:sld xmlns:a="http://schemas.openxmlformats.org/drawingml/2006/main" xmlns:r="http://schemas.openxmlformats.org/officeDocument/2006/relationships" xmlns:p="http://schemas.openxmlformats.org/presentationml/2006/main">
   <p:cSld>
     <p:spTree>
@@ -4843,7 +6746,7 @@
           <a:lstStyle/>
           <a:p>
             <a:r>
-              <a:rPr lang="en-US" sz="5100" kern="1200">
+              <a:rPr lang="en-US" sz="5100" kern="1200" dirty="0">
                 <a:solidFill>
                   <a:schemeClr val="tx1"/>
                 </a:solidFill>
@@ -4886,6 +6789,104 @@
           </a:prstGeom>
         </p:spPr>
       </p:pic>
+      <mc:AlternateContent xmlns:mc="http://schemas.openxmlformats.org/markup-compatibility/2006">
+        <mc:Choice xmlns:p14="http://schemas.microsoft.com/office/powerpoint/2010/main" Requires="p14">
+          <p:contentPart p14:bwMode="auto" r:id="rId3">
+            <p14:nvContentPartPr>
+              <p14:cNvPr id="3" name="Ink 2">
+                <a:extLst>
+                  <a:ext uri="{FF2B5EF4-FFF2-40B4-BE49-F238E27FC236}">
+                    <a16:creationId xmlns:a16="http://schemas.microsoft.com/office/drawing/2014/main" id="{1F2557FA-3028-B37C-990E-37954BCBC503}"/>
+                  </a:ext>
+                </a:extLst>
+              </p14:cNvPr>
+              <p14:cNvContentPartPr/>
+              <p14:nvPr/>
+            </p14:nvContentPartPr>
+            <p14:xfrm>
+              <a:off x="8620254" y="2046641"/>
+              <a:ext cx="216720" cy="280080"/>
+            </p14:xfrm>
+          </p:contentPart>
+        </mc:Choice>
+        <mc:Fallback>
+          <p:pic>
+            <p:nvPicPr>
+              <p:cNvPr id="3" name="Ink 2">
+                <a:extLst>
+                  <a:ext uri="{FF2B5EF4-FFF2-40B4-BE49-F238E27FC236}">
+                    <a16:creationId xmlns:a16="http://schemas.microsoft.com/office/drawing/2014/main" id="{1F2557FA-3028-B37C-990E-37954BCBC503}"/>
+                  </a:ext>
+                </a:extLst>
+              </p:cNvPr>
+              <p:cNvPicPr/>
+              <p:nvPr/>
+            </p:nvPicPr>
+            <p:blipFill>
+              <a:blip r:embed="rId4"/>
+              <a:stretch>
+                <a:fillRect/>
+              </a:stretch>
+            </p:blipFill>
+            <p:spPr>
+              <a:xfrm>
+                <a:off x="8614134" y="2040521"/>
+                <a:ext cx="228960" cy="292320"/>
+              </a:xfrm>
+              <a:prstGeom prst="rect">
+                <a:avLst/>
+              </a:prstGeom>
+            </p:spPr>
+          </p:pic>
+        </mc:Fallback>
+      </mc:AlternateContent>
+      <p:sp>
+        <p:nvSpPr>
+          <p:cNvPr id="6" name="TextBox 5">
+            <a:extLst>
+              <a:ext uri="{FF2B5EF4-FFF2-40B4-BE49-F238E27FC236}">
+                <a16:creationId xmlns:a16="http://schemas.microsoft.com/office/drawing/2014/main" id="{1F993B6B-EC32-4DE9-5F32-2294B0EED8A4}"/>
+              </a:ext>
+            </a:extLst>
+          </p:cNvPr>
+          <p:cNvSpPr txBox="1"/>
+          <p:nvPr/>
+        </p:nvSpPr>
+        <p:spPr>
+          <a:xfrm>
+            <a:off x="8398239" y="1677309"/>
+            <a:ext cx="6096000" cy="369332"/>
+          </a:xfrm>
+          <a:prstGeom prst="rect">
+            <a:avLst/>
+          </a:prstGeom>
+          <a:noFill/>
+        </p:spPr>
+        <p:txBody>
+          <a:bodyPr wrap="square">
+            <a:spAutoFit/>
+          </a:bodyPr>
+          <a:lstStyle/>
+          <a:p>
+            <a:r>
+              <a:rPr lang="en-US" sz="1800" kern="1200" dirty="0">
+                <a:solidFill>
+                  <a:srgbClr val="FF0000"/>
+                </a:solidFill>
+                <a:latin typeface="+mj-lt"/>
+                <a:ea typeface="+mj-ea"/>
+                <a:cs typeface="+mj-cs"/>
+              </a:rPr>
+              <a:t>CAPM	w*, sigma</a:t>
+            </a:r>
+            <a:endParaRPr lang="en-US" dirty="0">
+              <a:solidFill>
+                <a:srgbClr val="FF0000"/>
+              </a:solidFill>
+            </a:endParaRPr>
+          </a:p>
+        </p:txBody>
+      </p:sp>
     </p:spTree>
     <p:extLst>
       <p:ext uri="{BB962C8B-B14F-4D97-AF65-F5344CB8AC3E}">
@@ -4899,7 +6900,7 @@
 </p:sld>
 </file>
 
-<file path=ppt/slides/slide12.xml><?xml version="1.0" encoding="utf-8"?>
+<file path=ppt/slides/slide13.xml><?xml version="1.0" encoding="utf-8"?>
 <p:sld xmlns:a="http://schemas.openxmlformats.org/drawingml/2006/main" xmlns:r="http://schemas.openxmlformats.org/officeDocument/2006/relationships" xmlns:p="http://schemas.openxmlformats.org/presentationml/2006/main">
   <p:cSld>
     <p:spTree>
@@ -5001,7 +7002,7 @@
 </p:sld>
 </file>
 
-<file path=ppt/slides/slide13.xml><?xml version="1.0" encoding="utf-8"?>
+<file path=ppt/slides/slide14.xml><?xml version="1.0" encoding="utf-8"?>
 <p:sld xmlns:a="http://schemas.openxmlformats.org/drawingml/2006/main" xmlns:r="http://schemas.openxmlformats.org/officeDocument/2006/relationships" xmlns:p="http://schemas.openxmlformats.org/presentationml/2006/main">
   <p:cSld>
     <p:spTree>
@@ -5103,7 +7104,7 @@
 </p:sld>
 </file>
 
-<file path=ppt/slides/slide14.xml><?xml version="1.0" encoding="utf-8"?>
+<file path=ppt/slides/slide15.xml><?xml version="1.0" encoding="utf-8"?>
 <p:sld xmlns:a="http://schemas.openxmlformats.org/drawingml/2006/main" xmlns:r="http://schemas.openxmlformats.org/officeDocument/2006/relationships" xmlns:p="http://schemas.openxmlformats.org/presentationml/2006/main">
   <p:cSld>
     <p:bg>
@@ -5516,7 +7517,7 @@
 </p:sld>
 </file>
 
-<file path=ppt/slides/slide15.xml><?xml version="1.0" encoding="utf-8"?>
+<file path=ppt/slides/slide16.xml><?xml version="1.0" encoding="utf-8"?>
 <p:sld xmlns:a="http://schemas.openxmlformats.org/drawingml/2006/main" xmlns:r="http://schemas.openxmlformats.org/officeDocument/2006/relationships" xmlns:p="http://schemas.openxmlformats.org/presentationml/2006/main">
   <p:cSld>
     <p:bg>
@@ -5916,6 +7917,282 @@
           </a:prstGeom>
         </p:spPr>
       </p:pic>
+      <mc:AlternateContent xmlns:mc="http://schemas.openxmlformats.org/markup-compatibility/2006">
+        <mc:Choice xmlns:p14="http://schemas.microsoft.com/office/powerpoint/2010/main" Requires="p14">
+          <p:contentPart p14:bwMode="auto" r:id="rId3">
+            <p14:nvContentPartPr>
+              <p14:cNvPr id="3" name="Ink 2">
+                <a:extLst>
+                  <a:ext uri="{FF2B5EF4-FFF2-40B4-BE49-F238E27FC236}">
+                    <a16:creationId xmlns:a16="http://schemas.microsoft.com/office/drawing/2014/main" id="{4A8AE220-6D7E-220E-BFD5-62A282DDE35A}"/>
+                  </a:ext>
+                </a:extLst>
+              </p14:cNvPr>
+              <p14:cNvContentPartPr/>
+              <p14:nvPr/>
+            </p14:nvContentPartPr>
+            <p14:xfrm>
+              <a:off x="4061214" y="3869681"/>
+              <a:ext cx="599040" cy="1312200"/>
+            </p14:xfrm>
+          </p:contentPart>
+        </mc:Choice>
+        <mc:Fallback>
+          <p:pic>
+            <p:nvPicPr>
+              <p:cNvPr id="3" name="Ink 2">
+                <a:extLst>
+                  <a:ext uri="{FF2B5EF4-FFF2-40B4-BE49-F238E27FC236}">
+                    <a16:creationId xmlns:a16="http://schemas.microsoft.com/office/drawing/2014/main" id="{4A8AE220-6D7E-220E-BFD5-62A282DDE35A}"/>
+                  </a:ext>
+                </a:extLst>
+              </p:cNvPr>
+              <p:cNvPicPr/>
+              <p:nvPr/>
+            </p:nvPicPr>
+            <p:blipFill>
+              <a:blip r:embed="rId4"/>
+              <a:stretch>
+                <a:fillRect/>
+              </a:stretch>
+            </p:blipFill>
+            <p:spPr>
+              <a:xfrm>
+                <a:off x="4055094" y="3863561"/>
+                <a:ext cx="611280" cy="1324440"/>
+              </a:xfrm>
+              <a:prstGeom prst="rect">
+                <a:avLst/>
+              </a:prstGeom>
+            </p:spPr>
+          </p:pic>
+        </mc:Fallback>
+      </mc:AlternateContent>
+      <mc:AlternateContent xmlns:mc="http://schemas.openxmlformats.org/markup-compatibility/2006">
+        <mc:Choice xmlns:p14="http://schemas.microsoft.com/office/powerpoint/2010/main" Requires="p14">
+          <p:contentPart p14:bwMode="auto" r:id="rId5">
+            <p14:nvContentPartPr>
+              <p14:cNvPr id="5" name="Ink 4">
+                <a:extLst>
+                  <a:ext uri="{FF2B5EF4-FFF2-40B4-BE49-F238E27FC236}">
+                    <a16:creationId xmlns:a16="http://schemas.microsoft.com/office/drawing/2014/main" id="{3CB6CC43-E6C9-80B9-E44B-2F07C8A78D29}"/>
+                  </a:ext>
+                </a:extLst>
+              </p14:cNvPr>
+              <p14:cNvContentPartPr/>
+              <p14:nvPr/>
+            </p14:nvContentPartPr>
+            <p14:xfrm>
+              <a:off x="4882374" y="4690841"/>
+              <a:ext cx="241920" cy="287640"/>
+            </p14:xfrm>
+          </p:contentPart>
+        </mc:Choice>
+        <mc:Fallback>
+          <p:pic>
+            <p:nvPicPr>
+              <p:cNvPr id="5" name="Ink 4">
+                <a:extLst>
+                  <a:ext uri="{FF2B5EF4-FFF2-40B4-BE49-F238E27FC236}">
+                    <a16:creationId xmlns:a16="http://schemas.microsoft.com/office/drawing/2014/main" id="{3CB6CC43-E6C9-80B9-E44B-2F07C8A78D29}"/>
+                  </a:ext>
+                </a:extLst>
+              </p:cNvPr>
+              <p:cNvPicPr/>
+              <p:nvPr/>
+            </p:nvPicPr>
+            <p:blipFill>
+              <a:blip r:embed="rId6"/>
+              <a:stretch>
+                <a:fillRect/>
+              </a:stretch>
+            </p:blipFill>
+            <p:spPr>
+              <a:xfrm>
+                <a:off x="4876254" y="4684721"/>
+                <a:ext cx="254160" cy="299880"/>
+              </a:xfrm>
+              <a:prstGeom prst="rect">
+                <a:avLst/>
+              </a:prstGeom>
+            </p:spPr>
+          </p:pic>
+        </mc:Fallback>
+      </mc:AlternateContent>
+      <p:grpSp>
+        <p:nvGrpSpPr>
+          <p:cNvPr id="16" name="Group 15">
+            <a:extLst>
+              <a:ext uri="{FF2B5EF4-FFF2-40B4-BE49-F238E27FC236}">
+                <a16:creationId xmlns:a16="http://schemas.microsoft.com/office/drawing/2014/main" id="{0EFB76CE-1093-5449-983B-312A68FE92DF}"/>
+              </a:ext>
+            </a:extLst>
+          </p:cNvPr>
+          <p:cNvGrpSpPr/>
+          <p:nvPr/>
+        </p:nvGrpSpPr>
+        <p:grpSpPr>
+          <a:xfrm>
+            <a:off x="4561974" y="5284121"/>
+            <a:ext cx="905760" cy="471960"/>
+            <a:chOff x="4561974" y="5284121"/>
+            <a:chExt cx="905760" cy="471960"/>
+          </a:xfrm>
+        </p:grpSpPr>
+        <mc:AlternateContent xmlns:mc="http://schemas.openxmlformats.org/markup-compatibility/2006">
+          <mc:Choice xmlns:p14="http://schemas.microsoft.com/office/powerpoint/2010/main" Requires="p14">
+            <p:contentPart p14:bwMode="auto" r:id="rId7">
+              <p14:nvContentPartPr>
+                <p14:cNvPr id="6" name="Ink 5">
+                  <a:extLst>
+                    <a:ext uri="{FF2B5EF4-FFF2-40B4-BE49-F238E27FC236}">
+                      <a16:creationId xmlns:a16="http://schemas.microsoft.com/office/drawing/2014/main" id="{63C38A40-C4DB-F0FC-A318-87B9F7C8E377}"/>
+                    </a:ext>
+                  </a:extLst>
+                </p14:cNvPr>
+                <p14:cNvContentPartPr/>
+                <p14:nvPr/>
+              </p14:nvContentPartPr>
+              <p14:xfrm>
+                <a:off x="4561974" y="5301401"/>
+                <a:ext cx="314640" cy="259560"/>
+              </p14:xfrm>
+            </p:contentPart>
+          </mc:Choice>
+          <mc:Fallback>
+            <p:pic>
+              <p:nvPicPr>
+                <p:cNvPr id="6" name="Ink 5">
+                  <a:extLst>
+                    <a:ext uri="{FF2B5EF4-FFF2-40B4-BE49-F238E27FC236}">
+                      <a16:creationId xmlns:a16="http://schemas.microsoft.com/office/drawing/2014/main" id="{63C38A40-C4DB-F0FC-A318-87B9F7C8E377}"/>
+                    </a:ext>
+                  </a:extLst>
+                </p:cNvPr>
+                <p:cNvPicPr/>
+                <p:nvPr/>
+              </p:nvPicPr>
+              <p:blipFill>
+                <a:blip r:embed="rId8"/>
+                <a:stretch>
+                  <a:fillRect/>
+                </a:stretch>
+              </p:blipFill>
+              <p:spPr>
+                <a:xfrm>
+                  <a:off x="4555854" y="5295281"/>
+                  <a:ext cx="326880" cy="271800"/>
+                </a:xfrm>
+                <a:prstGeom prst="rect">
+                  <a:avLst/>
+                </a:prstGeom>
+              </p:spPr>
+            </p:pic>
+          </mc:Fallback>
+        </mc:AlternateContent>
+        <mc:AlternateContent xmlns:mc="http://schemas.openxmlformats.org/markup-compatibility/2006">
+          <mc:Choice xmlns:p14="http://schemas.microsoft.com/office/powerpoint/2010/main" Requires="p14">
+            <p:contentPart p14:bwMode="auto" r:id="rId9">
+              <p14:nvContentPartPr>
+                <p14:cNvPr id="7" name="Ink 6">
+                  <a:extLst>
+                    <a:ext uri="{FF2B5EF4-FFF2-40B4-BE49-F238E27FC236}">
+                      <a16:creationId xmlns:a16="http://schemas.microsoft.com/office/drawing/2014/main" id="{6C094F0C-2EA5-EBBD-5E2E-31204EF0D1D6}"/>
+                    </a:ext>
+                  </a:extLst>
+                </p14:cNvPr>
+                <p14:cNvContentPartPr/>
+                <p14:nvPr/>
+              </p14:nvContentPartPr>
+              <p14:xfrm>
+                <a:off x="4860414" y="5298161"/>
+                <a:ext cx="12960" cy="107280"/>
+              </p14:xfrm>
+            </p:contentPart>
+          </mc:Choice>
+          <mc:Fallback>
+            <p:pic>
+              <p:nvPicPr>
+                <p:cNvPr id="7" name="Ink 6">
+                  <a:extLst>
+                    <a:ext uri="{FF2B5EF4-FFF2-40B4-BE49-F238E27FC236}">
+                      <a16:creationId xmlns:a16="http://schemas.microsoft.com/office/drawing/2014/main" id="{6C094F0C-2EA5-EBBD-5E2E-31204EF0D1D6}"/>
+                    </a:ext>
+                  </a:extLst>
+                </p:cNvPr>
+                <p:cNvPicPr/>
+                <p:nvPr/>
+              </p:nvPicPr>
+              <p:blipFill>
+                <a:blip r:embed="rId10"/>
+                <a:stretch>
+                  <a:fillRect/>
+                </a:stretch>
+              </p:blipFill>
+              <p:spPr>
+                <a:xfrm>
+                  <a:off x="4854294" y="5292041"/>
+                  <a:ext cx="25200" cy="119520"/>
+                </a:xfrm>
+                <a:prstGeom prst="rect">
+                  <a:avLst/>
+                </a:prstGeom>
+              </p:spPr>
+            </p:pic>
+          </mc:Fallback>
+        </mc:AlternateContent>
+        <mc:AlternateContent xmlns:mc="http://schemas.openxmlformats.org/markup-compatibility/2006">
+          <mc:Choice xmlns:p14="http://schemas.microsoft.com/office/powerpoint/2010/main" Requires="p14">
+            <p:contentPart p14:bwMode="auto" r:id="rId11">
+              <p14:nvContentPartPr>
+                <p14:cNvPr id="12" name="Ink 11">
+                  <a:extLst>
+                    <a:ext uri="{FF2B5EF4-FFF2-40B4-BE49-F238E27FC236}">
+                      <a16:creationId xmlns:a16="http://schemas.microsoft.com/office/drawing/2014/main" id="{85A47EE6-C1D7-6489-77C3-4BDE21EDF115}"/>
+                    </a:ext>
+                  </a:extLst>
+                </p14:cNvPr>
+                <p14:cNvContentPartPr/>
+                <p14:nvPr/>
+              </p14:nvContentPartPr>
+              <p14:xfrm>
+                <a:off x="5023494" y="5284121"/>
+                <a:ext cx="444240" cy="471960"/>
+              </p14:xfrm>
+            </p:contentPart>
+          </mc:Choice>
+          <mc:Fallback>
+            <p:pic>
+              <p:nvPicPr>
+                <p:cNvPr id="12" name="Ink 11">
+                  <a:extLst>
+                    <a:ext uri="{FF2B5EF4-FFF2-40B4-BE49-F238E27FC236}">
+                      <a16:creationId xmlns:a16="http://schemas.microsoft.com/office/drawing/2014/main" id="{85A47EE6-C1D7-6489-77C3-4BDE21EDF115}"/>
+                    </a:ext>
+                  </a:extLst>
+                </p:cNvPr>
+                <p:cNvPicPr/>
+                <p:nvPr/>
+              </p:nvPicPr>
+              <p:blipFill>
+                <a:blip r:embed="rId12"/>
+                <a:stretch>
+                  <a:fillRect/>
+                </a:stretch>
+              </p:blipFill>
+              <p:spPr>
+                <a:xfrm>
+                  <a:off x="5017374" y="5278001"/>
+                  <a:ext cx="456480" cy="484200"/>
+                </a:xfrm>
+                <a:prstGeom prst="rect">
+                  <a:avLst/>
+                </a:prstGeom>
+              </p:spPr>
+            </p:pic>
+          </mc:Fallback>
+        </mc:AlternateContent>
+      </p:grpSp>
     </p:spTree>
     <p:extLst>
       <p:ext uri="{BB962C8B-B14F-4D97-AF65-F5344CB8AC3E}">
@@ -5929,7 +8206,7 @@
 </p:sld>
 </file>
 
-<file path=ppt/slides/slide16.xml><?xml version="1.0" encoding="utf-8"?>
+<file path=ppt/slides/slide17.xml><?xml version="1.0" encoding="utf-8"?>
 <p:sld xmlns:a="http://schemas.openxmlformats.org/drawingml/2006/main" xmlns:r="http://schemas.openxmlformats.org/officeDocument/2006/relationships" xmlns:p="http://schemas.openxmlformats.org/presentationml/2006/main">
   <p:cSld>
     <p:bg>
@@ -6329,6 +8606,108 @@
           </a:prstGeom>
         </p:spPr>
       </p:pic>
+      <mc:AlternateContent xmlns:mc="http://schemas.openxmlformats.org/markup-compatibility/2006">
+        <mc:Choice xmlns:p14="http://schemas.microsoft.com/office/powerpoint/2010/main" Requires="p14">
+          <p:contentPart p14:bwMode="auto" r:id="rId3">
+            <p14:nvContentPartPr>
+              <p14:cNvPr id="3" name="Ink 2">
+                <a:extLst>
+                  <a:ext uri="{FF2B5EF4-FFF2-40B4-BE49-F238E27FC236}">
+                    <a16:creationId xmlns:a16="http://schemas.microsoft.com/office/drawing/2014/main" id="{6C2C5216-E50E-C931-3BFD-D7F602E53F62}"/>
+                  </a:ext>
+                </a:extLst>
+              </p14:cNvPr>
+              <p14:cNvContentPartPr/>
+              <p14:nvPr/>
+            </p14:nvContentPartPr>
+            <p14:xfrm>
+              <a:off x="8990694" y="4199801"/>
+              <a:ext cx="416880" cy="951120"/>
+            </p14:xfrm>
+          </p:contentPart>
+        </mc:Choice>
+        <mc:Fallback>
+          <p:pic>
+            <p:nvPicPr>
+              <p:cNvPr id="3" name="Ink 2">
+                <a:extLst>
+                  <a:ext uri="{FF2B5EF4-FFF2-40B4-BE49-F238E27FC236}">
+                    <a16:creationId xmlns:a16="http://schemas.microsoft.com/office/drawing/2014/main" id="{6C2C5216-E50E-C931-3BFD-D7F602E53F62}"/>
+                  </a:ext>
+                </a:extLst>
+              </p:cNvPr>
+              <p:cNvPicPr/>
+              <p:nvPr/>
+            </p:nvPicPr>
+            <p:blipFill>
+              <a:blip r:embed="rId4"/>
+              <a:stretch>
+                <a:fillRect/>
+              </a:stretch>
+            </p:blipFill>
+            <p:spPr>
+              <a:xfrm>
+                <a:off x="8984574" y="4193681"/>
+                <a:ext cx="429120" cy="963360"/>
+              </a:xfrm>
+              <a:prstGeom prst="rect">
+                <a:avLst/>
+              </a:prstGeom>
+            </p:spPr>
+          </p:pic>
+        </mc:Fallback>
+      </mc:AlternateContent>
+      <mc:AlternateContent xmlns:mc="http://schemas.openxmlformats.org/markup-compatibility/2006">
+        <mc:Choice xmlns:p14="http://schemas.microsoft.com/office/powerpoint/2010/main" Requires="p14">
+          <p:contentPart p14:bwMode="auto" r:id="rId5">
+            <p14:nvContentPartPr>
+              <p14:cNvPr id="5" name="Ink 4">
+                <a:extLst>
+                  <a:ext uri="{FF2B5EF4-FFF2-40B4-BE49-F238E27FC236}">
+                    <a16:creationId xmlns:a16="http://schemas.microsoft.com/office/drawing/2014/main" id="{39612605-FFDF-EAB2-3C47-D8F21DC716A4}"/>
+                  </a:ext>
+                </a:extLst>
+              </p14:cNvPr>
+              <p14:cNvContentPartPr/>
+              <p14:nvPr/>
+            </p14:nvContentPartPr>
+            <p14:xfrm>
+              <a:off x="3123054" y="3597881"/>
+              <a:ext cx="6185520" cy="2384280"/>
+            </p14:xfrm>
+          </p:contentPart>
+        </mc:Choice>
+        <mc:Fallback>
+          <p:pic>
+            <p:nvPicPr>
+              <p:cNvPr id="5" name="Ink 4">
+                <a:extLst>
+                  <a:ext uri="{FF2B5EF4-FFF2-40B4-BE49-F238E27FC236}">
+                    <a16:creationId xmlns:a16="http://schemas.microsoft.com/office/drawing/2014/main" id="{39612605-FFDF-EAB2-3C47-D8F21DC716A4}"/>
+                  </a:ext>
+                </a:extLst>
+              </p:cNvPr>
+              <p:cNvPicPr/>
+              <p:nvPr/>
+            </p:nvPicPr>
+            <p:blipFill>
+              <a:blip r:embed="rId6"/>
+              <a:stretch>
+                <a:fillRect/>
+              </a:stretch>
+            </p:blipFill>
+            <p:spPr>
+              <a:xfrm>
+                <a:off x="3116934" y="3591761"/>
+                <a:ext cx="6197760" cy="2396520"/>
+              </a:xfrm>
+              <a:prstGeom prst="rect">
+                <a:avLst/>
+              </a:prstGeom>
+            </p:spPr>
+          </p:pic>
+        </mc:Fallback>
+      </mc:AlternateContent>
     </p:spTree>
     <p:extLst>
       <p:ext uri="{BB962C8B-B14F-4D97-AF65-F5344CB8AC3E}">
@@ -6342,7 +8721,7 @@
 </p:sld>
 </file>
 
-<file path=ppt/slides/slide2.xml><?xml version="1.0" encoding="utf-8"?>
+<file path=ppt/slides/slide18.xml><?xml version="1.0" encoding="utf-8"?>
 <p:sld xmlns:a="http://schemas.openxmlformats.org/drawingml/2006/main" xmlns:r="http://schemas.openxmlformats.org/officeDocument/2006/relationships" xmlns:p="http://schemas.openxmlformats.org/presentationml/2006/main">
   <p:cSld>
     <p:bg>
@@ -6369,10 +8748,10 @@
       </p:grpSpPr>
       <p:sp useBgFill="1">
         <p:nvSpPr>
-          <p:cNvPr id="8" name="Rectangle 7">
-            <a:extLst>
-              <a:ext uri="{FF2B5EF4-FFF2-40B4-BE49-F238E27FC236}">
-                <a16:creationId xmlns:a16="http://schemas.microsoft.com/office/drawing/2014/main" id="{1B15ED52-F352-441B-82BF-E0EA34836D08}"/>
+          <p:cNvPr id="10" name="Rectangle 9">
+            <a:extLst>
+              <a:ext uri="{FF2B5EF4-FFF2-40B4-BE49-F238E27FC236}">
+                <a16:creationId xmlns:a16="http://schemas.microsoft.com/office/drawing/2014/main" id="{A8384FB5-9ADC-4DDC-881B-597D56F5B15D}"/>
               </a:ext>
               <a:ext uri="{C183D7F6-B498-43B3-948B-1728B52AA6E4}">
                 <adec:decorative xmlns:adec="http://schemas.microsoft.com/office/drawing/2017/decorative" val="1"/>
@@ -6445,6 +8824,2268 @@
       </p:sp>
       <p:sp>
         <p:nvSpPr>
+          <p:cNvPr id="12" name="Rectangle 11">
+            <a:extLst>
+              <a:ext uri="{FF2B5EF4-FFF2-40B4-BE49-F238E27FC236}">
+                <a16:creationId xmlns:a16="http://schemas.microsoft.com/office/drawing/2014/main" id="{91E5A9A7-95C6-4F4F-B00E-C82E07FE62EF}"/>
+              </a:ext>
+              <a:ext uri="{C183D7F6-B498-43B3-948B-1728B52AA6E4}">
+                <adec:decorative xmlns:adec="http://schemas.microsoft.com/office/drawing/2017/decorative" val="1"/>
+              </a:ext>
+            </a:extLst>
+          </p:cNvPr>
+          <p:cNvSpPr>
+            <a:spLocks noGrp="1" noRot="1" noChangeAspect="1" noMove="1" noResize="1" noEditPoints="1" noAdjustHandles="1" noChangeArrowheads="1" noChangeShapeType="1" noTextEdit="1"/>
+          </p:cNvSpPr>
+          <p:nvPr>
+            <p:extLst>
+              <p:ext uri="{386F3935-93C4-4BCD-93E2-E3B085C9AB24}">
+                <p16:designElem xmlns:p16="http://schemas.microsoft.com/office/powerpoint/2015/main" val="1"/>
+              </p:ext>
+            </p:extLst>
+          </p:nvPr>
+        </p:nvSpPr>
+        <p:spPr>
+          <a:xfrm rot="5400000" flipH="1">
+            <a:off x="-1417539" y="1417538"/>
+            <a:ext cx="6875818" cy="4040744"/>
+          </a:xfrm>
+          <a:prstGeom prst="rect">
+            <a:avLst/>
+          </a:prstGeom>
+          <a:gradFill>
+            <a:gsLst>
+              <a:gs pos="0">
+                <a:srgbClr val="000000"/>
+              </a:gs>
+              <a:gs pos="100000">
+                <a:schemeClr val="accent1">
+                  <a:lumMod val="75000"/>
+                </a:schemeClr>
+              </a:gs>
+            </a:gsLst>
+            <a:lin ang="18600000" scaled="0"/>
+          </a:gradFill>
+          <a:ln>
+            <a:noFill/>
+          </a:ln>
+        </p:spPr>
+        <p:style>
+          <a:lnRef idx="2">
+            <a:schemeClr val="accent1">
+              <a:shade val="50000"/>
+            </a:schemeClr>
+          </a:lnRef>
+          <a:fillRef idx="1">
+            <a:schemeClr val="accent1"/>
+          </a:fillRef>
+          <a:effectRef idx="0">
+            <a:schemeClr val="accent1"/>
+          </a:effectRef>
+          <a:fontRef idx="minor">
+            <a:schemeClr val="lt1"/>
+          </a:fontRef>
+        </p:style>
+        <p:txBody>
+          <a:bodyPr rtlCol="0" anchor="ctr"/>
+          <a:lstStyle/>
+          <a:p>
+            <a:pPr algn="ctr"/>
+            <a:endParaRPr lang="en-US" dirty="0"/>
+          </a:p>
+        </p:txBody>
+      </p:sp>
+      <p:sp>
+        <p:nvSpPr>
+          <p:cNvPr id="14" name="Rectangle 13">
+            <a:extLst>
+              <a:ext uri="{FF2B5EF4-FFF2-40B4-BE49-F238E27FC236}">
+                <a16:creationId xmlns:a16="http://schemas.microsoft.com/office/drawing/2014/main" id="{D07DD2DE-F619-49DD-B5E7-03A290FF4ED1}"/>
+              </a:ext>
+              <a:ext uri="{C183D7F6-B498-43B3-948B-1728B52AA6E4}">
+                <adec:decorative xmlns:adec="http://schemas.microsoft.com/office/drawing/2017/decorative" val="1"/>
+              </a:ext>
+            </a:extLst>
+          </p:cNvPr>
+          <p:cNvSpPr>
+            <a:spLocks noGrp="1" noRot="1" noChangeAspect="1" noMove="1" noResize="1" noEditPoints="1" noAdjustHandles="1" noChangeArrowheads="1" noChangeShapeType="1" noTextEdit="1"/>
+          </p:cNvSpPr>
+          <p:nvPr>
+            <p:extLst>
+              <p:ext uri="{386F3935-93C4-4BCD-93E2-E3B085C9AB24}">
+                <p16:designElem xmlns:p16="http://schemas.microsoft.com/office/powerpoint/2015/main" val="1"/>
+              </p:ext>
+            </p:extLst>
+          </p:nvPr>
+        </p:nvSpPr>
+        <p:spPr>
+          <a:xfrm rot="16200000">
+            <a:off x="-158495" y="2660473"/>
+            <a:ext cx="4355594" cy="4038603"/>
+          </a:xfrm>
+          <a:prstGeom prst="rect">
+            <a:avLst/>
+          </a:prstGeom>
+          <a:gradFill>
+            <a:gsLst>
+              <a:gs pos="0">
+                <a:schemeClr val="accent1">
+                  <a:alpha val="50000"/>
+                </a:schemeClr>
+              </a:gs>
+              <a:gs pos="100000">
+                <a:schemeClr val="accent1">
+                  <a:lumMod val="50000"/>
+                  <a:alpha val="0"/>
+                </a:schemeClr>
+              </a:gs>
+            </a:gsLst>
+            <a:lin ang="11400000" scaled="0"/>
+          </a:gradFill>
+          <a:ln>
+            <a:noFill/>
+          </a:ln>
+        </p:spPr>
+        <p:style>
+          <a:lnRef idx="2">
+            <a:schemeClr val="accent1">
+              <a:shade val="50000"/>
+            </a:schemeClr>
+          </a:lnRef>
+          <a:fillRef idx="1">
+            <a:schemeClr val="accent1"/>
+          </a:fillRef>
+          <a:effectRef idx="0">
+            <a:schemeClr val="accent1"/>
+          </a:effectRef>
+          <a:fontRef idx="minor">
+            <a:schemeClr val="lt1"/>
+          </a:fontRef>
+        </p:style>
+        <p:txBody>
+          <a:bodyPr rtlCol="0" anchor="ctr"/>
+          <a:lstStyle/>
+          <a:p>
+            <a:pPr algn="ctr"/>
+            <a:endParaRPr lang="en-US"/>
+          </a:p>
+        </p:txBody>
+      </p:sp>
+      <p:sp>
+        <p:nvSpPr>
+          <p:cNvPr id="16" name="Rectangle 15">
+            <a:extLst>
+              <a:ext uri="{FF2B5EF4-FFF2-40B4-BE49-F238E27FC236}">
+                <a16:creationId xmlns:a16="http://schemas.microsoft.com/office/drawing/2014/main" id="{85149191-5F60-4A28-AAFF-039F96B0F3EC}"/>
+              </a:ext>
+              <a:ext uri="{C183D7F6-B498-43B3-948B-1728B52AA6E4}">
+                <adec:decorative xmlns:adec="http://schemas.microsoft.com/office/drawing/2017/decorative" val="1"/>
+              </a:ext>
+            </a:extLst>
+          </p:cNvPr>
+          <p:cNvSpPr>
+            <a:spLocks noGrp="1" noRot="1" noChangeAspect="1" noMove="1" noResize="1" noEditPoints="1" noAdjustHandles="1" noChangeArrowheads="1" noChangeShapeType="1" noTextEdit="1"/>
+          </p:cNvSpPr>
+          <p:nvPr>
+            <p:extLst>
+              <p:ext uri="{386F3935-93C4-4BCD-93E2-E3B085C9AB24}">
+                <p16:designElem xmlns:p16="http://schemas.microsoft.com/office/powerpoint/2015/main" val="1"/>
+              </p:ext>
+            </p:extLst>
+          </p:nvPr>
+        </p:nvSpPr>
+        <p:spPr>
+          <a:xfrm rot="16200000" flipH="1">
+            <a:off x="-1180882" y="1638085"/>
+            <a:ext cx="6857572" cy="3581401"/>
+          </a:xfrm>
+          <a:prstGeom prst="rect">
+            <a:avLst/>
+          </a:prstGeom>
+          <a:gradFill>
+            <a:gsLst>
+              <a:gs pos="0">
+                <a:srgbClr val="000000">
+                  <a:alpha val="59000"/>
+                </a:srgbClr>
+              </a:gs>
+              <a:gs pos="69000">
+                <a:schemeClr val="accent1">
+                  <a:alpha val="0"/>
+                </a:schemeClr>
+              </a:gs>
+            </a:gsLst>
+            <a:lin ang="13200000" scaled="0"/>
+          </a:gradFill>
+          <a:ln>
+            <a:noFill/>
+          </a:ln>
+        </p:spPr>
+        <p:style>
+          <a:lnRef idx="2">
+            <a:schemeClr val="accent1">
+              <a:shade val="50000"/>
+            </a:schemeClr>
+          </a:lnRef>
+          <a:fillRef idx="1">
+            <a:schemeClr val="accent1"/>
+          </a:fillRef>
+          <a:effectRef idx="0">
+            <a:schemeClr val="accent1"/>
+          </a:effectRef>
+          <a:fontRef idx="minor">
+            <a:schemeClr val="lt1"/>
+          </a:fontRef>
+        </p:style>
+        <p:txBody>
+          <a:bodyPr rtlCol="0" anchor="ctr"/>
+          <a:lstStyle/>
+          <a:p>
+            <a:pPr algn="ctr"/>
+            <a:endParaRPr lang="en-US" dirty="0"/>
+          </a:p>
+        </p:txBody>
+      </p:sp>
+      <p:sp>
+        <p:nvSpPr>
+          <p:cNvPr id="18" name="Freeform: Shape 17">
+            <a:extLst>
+              <a:ext uri="{FF2B5EF4-FFF2-40B4-BE49-F238E27FC236}">
+                <a16:creationId xmlns:a16="http://schemas.microsoft.com/office/drawing/2014/main" id="{F8260ED5-17F7-4158-B241-D51DD4CF1B7E}"/>
+              </a:ext>
+              <a:ext uri="{C183D7F6-B498-43B3-948B-1728B52AA6E4}">
+                <adec:decorative xmlns:adec="http://schemas.microsoft.com/office/drawing/2017/decorative" val="1"/>
+              </a:ext>
+            </a:extLst>
+          </p:cNvPr>
+          <p:cNvSpPr>
+            <a:spLocks noGrp="1" noRot="1" noChangeAspect="1" noMove="1" noResize="1" noEditPoints="1" noAdjustHandles="1" noChangeArrowheads="1" noChangeShapeType="1" noTextEdit="1"/>
+          </p:cNvSpPr>
+          <p:nvPr>
+            <p:extLst>
+              <p:ext uri="{386F3935-93C4-4BCD-93E2-E3B085C9AB24}">
+                <p16:designElem xmlns:p16="http://schemas.microsoft.com/office/powerpoint/2015/main" val="1"/>
+              </p:ext>
+            </p:extLst>
+          </p:nvPr>
+        </p:nvSpPr>
+        <p:spPr>
+          <a:xfrm rot="6097846">
+            <a:off x="-747355" y="1201312"/>
+            <a:ext cx="4808302" cy="4088666"/>
+          </a:xfrm>
+          <a:custGeom>
+            <a:avLst/>
+            <a:gdLst>
+              <a:gd name="connsiteX0" fmla="*/ 48844 w 4808302"/>
+              <a:gd name="connsiteY0" fmla="*/ 2888671 h 4088666"/>
+              <a:gd name="connsiteX1" fmla="*/ 0 w 4808302"/>
+              <a:gd name="connsiteY1" fmla="*/ 2404151 h 4088666"/>
+              <a:gd name="connsiteX2" fmla="*/ 2404151 w 4808302"/>
+              <a:gd name="connsiteY2" fmla="*/ 0 h 4088666"/>
+              <a:gd name="connsiteX3" fmla="*/ 4808302 w 4808302"/>
+              <a:gd name="connsiteY3" fmla="*/ 2404151 h 4088666"/>
+              <a:gd name="connsiteX4" fmla="*/ 4700216 w 4808302"/>
+              <a:gd name="connsiteY4" fmla="*/ 3119072 h 4088666"/>
+              <a:gd name="connsiteX5" fmla="*/ 4643143 w 4808302"/>
+              <a:gd name="connsiteY5" fmla="*/ 3275009 h 4088666"/>
+              <a:gd name="connsiteX6" fmla="*/ 690093 w 4808302"/>
+              <a:gd name="connsiteY6" fmla="*/ 4088666 h 4088666"/>
+              <a:gd name="connsiteX7" fmla="*/ 548991 w 4808302"/>
+              <a:gd name="connsiteY7" fmla="*/ 3933414 h 4088666"/>
+              <a:gd name="connsiteX8" fmla="*/ 48844 w 4808302"/>
+              <a:gd name="connsiteY8" fmla="*/ 2888671 h 4088666"/>
+            </a:gdLst>
+            <a:ahLst/>
+            <a:cxnLst>
+              <a:cxn ang="0">
+                <a:pos x="connsiteX0" y="connsiteY0"/>
+              </a:cxn>
+              <a:cxn ang="0">
+                <a:pos x="connsiteX1" y="connsiteY1"/>
+              </a:cxn>
+              <a:cxn ang="0">
+                <a:pos x="connsiteX2" y="connsiteY2"/>
+              </a:cxn>
+              <a:cxn ang="0">
+                <a:pos x="connsiteX3" y="connsiteY3"/>
+              </a:cxn>
+              <a:cxn ang="0">
+                <a:pos x="connsiteX4" y="connsiteY4"/>
+              </a:cxn>
+              <a:cxn ang="0">
+                <a:pos x="connsiteX5" y="connsiteY5"/>
+              </a:cxn>
+              <a:cxn ang="0">
+                <a:pos x="connsiteX6" y="connsiteY6"/>
+              </a:cxn>
+              <a:cxn ang="0">
+                <a:pos x="connsiteX7" y="connsiteY7"/>
+              </a:cxn>
+              <a:cxn ang="0">
+                <a:pos x="connsiteX8" y="connsiteY8"/>
+              </a:cxn>
+            </a:cxnLst>
+            <a:rect l="l" t="t" r="r" b="b"/>
+            <a:pathLst>
+              <a:path w="4808302" h="4088666">
+                <a:moveTo>
+                  <a:pt x="48844" y="2888671"/>
+                </a:moveTo>
+                <a:cubicBezTo>
+                  <a:pt x="16818" y="2732167"/>
+                  <a:pt x="0" y="2570123"/>
+                  <a:pt x="0" y="2404151"/>
+                </a:cubicBezTo>
+                <a:cubicBezTo>
+                  <a:pt x="0" y="1076375"/>
+                  <a:pt x="1076375" y="0"/>
+                  <a:pt x="2404151" y="0"/>
+                </a:cubicBezTo>
+                <a:cubicBezTo>
+                  <a:pt x="3731927" y="0"/>
+                  <a:pt x="4808302" y="1076375"/>
+                  <a:pt x="4808302" y="2404151"/>
+                </a:cubicBezTo>
+                <a:cubicBezTo>
+                  <a:pt x="4808302" y="2653109"/>
+                  <a:pt x="4770461" y="2893229"/>
+                  <a:pt x="4700216" y="3119072"/>
+                </a:cubicBezTo>
+                <a:lnTo>
+                  <a:pt x="4643143" y="3275009"/>
+                </a:lnTo>
+                <a:lnTo>
+                  <a:pt x="690093" y="4088666"/>
+                </a:lnTo>
+                <a:lnTo>
+                  <a:pt x="548991" y="3933414"/>
+                </a:lnTo>
+                <a:cubicBezTo>
+                  <a:pt x="304015" y="3636572"/>
+                  <a:pt x="128908" y="3279932"/>
+                  <a:pt x="48844" y="2888671"/>
+                </a:cubicBezTo>
+                <a:close/>
+              </a:path>
+            </a:pathLst>
+          </a:custGeom>
+          <a:gradFill>
+            <a:gsLst>
+              <a:gs pos="39000">
+                <a:schemeClr val="accent1">
+                  <a:lumMod val="60000"/>
+                  <a:lumOff val="40000"/>
+                  <a:alpha val="0"/>
+                </a:schemeClr>
+              </a:gs>
+              <a:gs pos="100000">
+                <a:schemeClr val="accent1">
+                  <a:lumMod val="75000"/>
+                  <a:alpha val="26000"/>
+                </a:schemeClr>
+              </a:gs>
+            </a:gsLst>
+            <a:lin ang="18600000" scaled="0"/>
+          </a:gradFill>
+          <a:ln>
+            <a:noFill/>
+          </a:ln>
+        </p:spPr>
+        <p:style>
+          <a:lnRef idx="2">
+            <a:schemeClr val="accent1">
+              <a:shade val="50000"/>
+            </a:schemeClr>
+          </a:lnRef>
+          <a:fillRef idx="1">
+            <a:schemeClr val="accent1"/>
+          </a:fillRef>
+          <a:effectRef idx="0">
+            <a:schemeClr val="accent1"/>
+          </a:effectRef>
+          <a:fontRef idx="minor">
+            <a:schemeClr val="lt1"/>
+          </a:fontRef>
+        </p:style>
+        <p:txBody>
+          <a:bodyPr wrap="square" rtlCol="0" anchor="ctr">
+            <a:noAutofit/>
+          </a:bodyPr>
+          <a:lstStyle/>
+          <a:p>
+            <a:pPr algn="ctr"/>
+            <a:endParaRPr lang="en-US" dirty="0"/>
+          </a:p>
+        </p:txBody>
+      </p:sp>
+      <p:sp>
+        <p:nvSpPr>
+          <p:cNvPr id="2" name="Title 1">
+            <a:extLst>
+              <a:ext uri="{FF2B5EF4-FFF2-40B4-BE49-F238E27FC236}">
+                <a16:creationId xmlns:a16="http://schemas.microsoft.com/office/drawing/2014/main" id="{34A5EFF1-3BD5-B5A6-4A10-139EDA22FCDB}"/>
+              </a:ext>
+            </a:extLst>
+          </p:cNvPr>
+          <p:cNvSpPr>
+            <a:spLocks noGrp="1"/>
+          </p:cNvSpPr>
+          <p:nvPr>
+            <p:ph type="title"/>
+          </p:nvPr>
+        </p:nvSpPr>
+        <p:spPr>
+          <a:xfrm>
+            <a:off x="660041" y="2767106"/>
+            <a:ext cx="2880828" cy="3071906"/>
+          </a:xfrm>
+        </p:spPr>
+        <p:txBody>
+          <a:bodyPr vert="horz" lIns="91440" tIns="45720" rIns="91440" bIns="45720" rtlCol="0" anchor="t">
+            <a:normAutofit/>
+          </a:bodyPr>
+          <a:lstStyle/>
+          <a:p>
+            <a:r>
+              <a:rPr lang="en-US" sz="4000" kern="1200" dirty="0">
+                <a:solidFill>
+                  <a:srgbClr val="FFFFFF"/>
+                </a:solidFill>
+                <a:latin typeface="+mj-lt"/>
+                <a:ea typeface="+mj-ea"/>
+                <a:cs typeface="+mj-cs"/>
+              </a:rPr>
+              <a:t>The Full GBL</a:t>
+            </a:r>
+          </a:p>
+        </p:txBody>
+      </p:sp>
+      <p:pic>
+        <p:nvPicPr>
+          <p:cNvPr id="5" name="Picture 4" descr="A diagram of a mathematical equation&#10;&#10;AI-generated content may be incorrect.">
+            <a:extLst>
+              <a:ext uri="{FF2B5EF4-FFF2-40B4-BE49-F238E27FC236}">
+                <a16:creationId xmlns:a16="http://schemas.microsoft.com/office/drawing/2014/main" id="{EFDF596E-05A6-7F84-F839-EF71AB562411}"/>
+              </a:ext>
+            </a:extLst>
+          </p:cNvPr>
+          <p:cNvPicPr>
+            <a:picLocks noChangeAspect="1"/>
+          </p:cNvPicPr>
+          <p:nvPr/>
+        </p:nvPicPr>
+        <p:blipFill>
+          <a:blip r:embed="rId2"/>
+          <a:stretch>
+            <a:fillRect/>
+          </a:stretch>
+        </p:blipFill>
+        <p:spPr>
+          <a:xfrm>
+            <a:off x="4502428" y="1198050"/>
+            <a:ext cx="7225748" cy="4461899"/>
+          </a:xfrm>
+          <a:prstGeom prst="rect">
+            <a:avLst/>
+          </a:prstGeom>
+        </p:spPr>
+      </p:pic>
+    </p:spTree>
+    <p:extLst>
+      <p:ext uri="{BB962C8B-B14F-4D97-AF65-F5344CB8AC3E}">
+        <p14:creationId xmlns:p14="http://schemas.microsoft.com/office/powerpoint/2010/main" val="2569203418"/>
+      </p:ext>
+    </p:extLst>
+  </p:cSld>
+  <p:clrMapOvr>
+    <a:masterClrMapping/>
+  </p:clrMapOvr>
+</p:sld>
+</file>
+
+<file path=ppt/slides/slide19.xml><?xml version="1.0" encoding="utf-8"?>
+<p:sld xmlns:a="http://schemas.openxmlformats.org/drawingml/2006/main" xmlns:r="http://schemas.openxmlformats.org/officeDocument/2006/relationships" xmlns:p="http://schemas.openxmlformats.org/presentationml/2006/main">
+  <p:cSld>
+    <p:bg>
+      <p:bgPr>
+        <a:solidFill>
+          <a:schemeClr val="bg1"/>
+        </a:solidFill>
+        <a:effectLst/>
+      </p:bgPr>
+    </p:bg>
+    <p:spTree>
+      <p:nvGrpSpPr>
+        <p:cNvPr id="1" name=""/>
+        <p:cNvGrpSpPr/>
+        <p:nvPr/>
+      </p:nvGrpSpPr>
+      <p:grpSpPr>
+        <a:xfrm>
+          <a:off x="0" y="0"/>
+          <a:ext cx="0" cy="0"/>
+          <a:chOff x="0" y="0"/>
+          <a:chExt cx="0" cy="0"/>
+        </a:xfrm>
+      </p:grpSpPr>
+      <p:sp useBgFill="1">
+        <p:nvSpPr>
+          <p:cNvPr id="7" name="Rectangle 6">
+            <a:extLst>
+              <a:ext uri="{FF2B5EF4-FFF2-40B4-BE49-F238E27FC236}">
+                <a16:creationId xmlns:a16="http://schemas.microsoft.com/office/drawing/2014/main" id="{6F5A5072-7B47-4D32-B52A-4EBBF590B8A5}"/>
+              </a:ext>
+              <a:ext uri="{C183D7F6-B498-43B3-948B-1728B52AA6E4}">
+                <adec:decorative xmlns:adec="http://schemas.microsoft.com/office/drawing/2017/decorative" val="1"/>
+              </a:ext>
+            </a:extLst>
+          </p:cNvPr>
+          <p:cNvSpPr>
+            <a:spLocks noGrp="1" noRot="1" noChangeAspect="1" noMove="1" noResize="1" noEditPoints="1" noAdjustHandles="1" noChangeArrowheads="1" noChangeShapeType="1" noTextEdit="1"/>
+          </p:cNvSpPr>
+          <p:nvPr>
+            <p:extLst>
+              <p:ext uri="{386F3935-93C4-4BCD-93E2-E3B085C9AB24}">
+                <p16:designElem xmlns:p16="http://schemas.microsoft.com/office/powerpoint/2015/main" val="1"/>
+              </p:ext>
+            </p:extLst>
+          </p:nvPr>
+        </p:nvSpPr>
+        <p:spPr>
+          <a:xfrm>
+            <a:off x="0" y="0"/>
+            <a:ext cx="12192000" cy="6858000"/>
+          </a:xfrm>
+          <a:prstGeom prst="rect">
+            <a:avLst/>
+          </a:prstGeom>
+          <a:ln w="12700" cap="flat" cmpd="sng" algn="ctr">
+            <a:noFill/>
+            <a:prstDash val="solid"/>
+            <a:miter lim="800000"/>
+          </a:ln>
+          <a:effectLst/>
+          <a:extLst>
+            <a:ext uri="{91240B29-F687-4F45-9708-019B960494DF}">
+              <a14:hiddenLine xmlns:a14="http://schemas.microsoft.com/office/drawing/2010/main" w="12700" cap="flat" cmpd="sng" algn="ctr">
+                <a:solidFill>
+                  <a:schemeClr val="accent1">
+                    <a:shade val="50000"/>
+                  </a:schemeClr>
+                </a:solidFill>
+                <a:prstDash val="solid"/>
+                <a:miter lim="800000"/>
+              </a14:hiddenLine>
+            </a:ext>
+          </a:extLst>
+        </p:spPr>
+        <p:style>
+          <a:lnRef idx="2">
+            <a:schemeClr val="accent1">
+              <a:shade val="50000"/>
+            </a:schemeClr>
+          </a:lnRef>
+          <a:fillRef idx="1">
+            <a:schemeClr val="accent1"/>
+          </a:fillRef>
+          <a:effectRef idx="0">
+            <a:schemeClr val="accent1"/>
+          </a:effectRef>
+          <a:fontRef idx="minor">
+            <a:schemeClr val="lt1"/>
+          </a:fontRef>
+        </p:style>
+        <p:txBody>
+          <a:bodyPr rtlCol="0" anchor="ctr"/>
+          <a:lstStyle/>
+          <a:p>
+            <a:pPr algn="ctr"/>
+            <a:endParaRPr lang="en-US"/>
+          </a:p>
+        </p:txBody>
+      </p:sp>
+      <p:sp>
+        <p:nvSpPr>
+          <p:cNvPr id="9" name="Rectangle 8">
+            <a:extLst>
+              <a:ext uri="{FF2B5EF4-FFF2-40B4-BE49-F238E27FC236}">
+                <a16:creationId xmlns:a16="http://schemas.microsoft.com/office/drawing/2014/main" id="{9715DAF0-AE1B-46C9-8A6B-DB2AA05AB91D}"/>
+              </a:ext>
+              <a:ext uri="{C183D7F6-B498-43B3-948B-1728B52AA6E4}">
+                <adec:decorative xmlns:adec="http://schemas.microsoft.com/office/drawing/2017/decorative" val="1"/>
+              </a:ext>
+            </a:extLst>
+          </p:cNvPr>
+          <p:cNvSpPr>
+            <a:spLocks noGrp="1" noRot="1" noChangeAspect="1" noMove="1" noResize="1" noEditPoints="1" noAdjustHandles="1" noChangeArrowheads="1" noChangeShapeType="1" noTextEdit="1"/>
+          </p:cNvSpPr>
+          <p:nvPr>
+            <p:extLst>
+              <p:ext uri="{386F3935-93C4-4BCD-93E2-E3B085C9AB24}">
+                <p16:designElem xmlns:p16="http://schemas.microsoft.com/office/powerpoint/2015/main" val="1"/>
+              </p:ext>
+            </p:extLst>
+          </p:nvPr>
+        </p:nvSpPr>
+        <p:spPr>
+          <a:xfrm rot="10800000">
+            <a:off x="-2" y="-22693"/>
+            <a:ext cx="12191999" cy="4374129"/>
+          </a:xfrm>
+          <a:prstGeom prst="rect">
+            <a:avLst/>
+          </a:prstGeom>
+          <a:gradFill>
+            <a:gsLst>
+              <a:gs pos="0">
+                <a:schemeClr val="accent1">
+                  <a:lumMod val="75000"/>
+                </a:schemeClr>
+              </a:gs>
+              <a:gs pos="100000">
+                <a:srgbClr val="000000"/>
+              </a:gs>
+            </a:gsLst>
+            <a:lin ang="15000000" scaled="0"/>
+          </a:gradFill>
+          <a:ln>
+            <a:noFill/>
+          </a:ln>
+        </p:spPr>
+        <p:style>
+          <a:lnRef idx="2">
+            <a:schemeClr val="accent1">
+              <a:shade val="50000"/>
+            </a:schemeClr>
+          </a:lnRef>
+          <a:fillRef idx="1">
+            <a:schemeClr val="accent1"/>
+          </a:fillRef>
+          <a:effectRef idx="0">
+            <a:schemeClr val="accent1"/>
+          </a:effectRef>
+          <a:fontRef idx="minor">
+            <a:schemeClr val="lt1"/>
+          </a:fontRef>
+        </p:style>
+        <p:txBody>
+          <a:bodyPr rtlCol="0" anchor="ctr"/>
+          <a:lstStyle/>
+          <a:p>
+            <a:pPr algn="ctr"/>
+            <a:endParaRPr lang="en-US"/>
+          </a:p>
+        </p:txBody>
+      </p:sp>
+      <p:sp>
+        <p:nvSpPr>
+          <p:cNvPr id="11" name="Rectangle 10">
+            <a:extLst>
+              <a:ext uri="{FF2B5EF4-FFF2-40B4-BE49-F238E27FC236}">
+                <a16:creationId xmlns:a16="http://schemas.microsoft.com/office/drawing/2014/main" id="{6016219D-510E-4184-9090-6D5578A87BD1}"/>
+              </a:ext>
+              <a:ext uri="{C183D7F6-B498-43B3-948B-1728B52AA6E4}">
+                <adec:decorative xmlns:adec="http://schemas.microsoft.com/office/drawing/2017/decorative" val="1"/>
+              </a:ext>
+            </a:extLst>
+          </p:cNvPr>
+          <p:cNvSpPr>
+            <a:spLocks noGrp="1" noRot="1" noChangeAspect="1" noMove="1" noResize="1" noEditPoints="1" noAdjustHandles="1" noChangeArrowheads="1" noChangeShapeType="1" noTextEdit="1"/>
+          </p:cNvSpPr>
+          <p:nvPr>
+            <p:extLst>
+              <p:ext uri="{386F3935-93C4-4BCD-93E2-E3B085C9AB24}">
+                <p16:designElem xmlns:p16="http://schemas.microsoft.com/office/powerpoint/2015/main" val="1"/>
+              </p:ext>
+            </p:extLst>
+          </p:nvPr>
+        </p:nvSpPr>
+        <p:spPr>
+          <a:xfrm rot="5400000">
+            <a:off x="3908719" y="-3931841"/>
+            <a:ext cx="4374557" cy="12192000"/>
+          </a:xfrm>
+          <a:prstGeom prst="rect">
+            <a:avLst/>
+          </a:prstGeom>
+          <a:gradFill>
+            <a:gsLst>
+              <a:gs pos="40000">
+                <a:schemeClr val="accent1">
+                  <a:alpha val="0"/>
+                </a:schemeClr>
+              </a:gs>
+              <a:gs pos="100000">
+                <a:schemeClr val="accent1">
+                  <a:lumMod val="75000"/>
+                  <a:alpha val="52000"/>
+                </a:schemeClr>
+              </a:gs>
+            </a:gsLst>
+            <a:lin ang="2400000" scaled="0"/>
+          </a:gradFill>
+          <a:ln>
+            <a:noFill/>
+          </a:ln>
+        </p:spPr>
+        <p:style>
+          <a:lnRef idx="2">
+            <a:schemeClr val="accent1">
+              <a:shade val="50000"/>
+            </a:schemeClr>
+          </a:lnRef>
+          <a:fillRef idx="1">
+            <a:schemeClr val="accent1"/>
+          </a:fillRef>
+          <a:effectRef idx="0">
+            <a:schemeClr val="accent1"/>
+          </a:effectRef>
+          <a:fontRef idx="minor">
+            <a:schemeClr val="lt1"/>
+          </a:fontRef>
+        </p:style>
+        <p:txBody>
+          <a:bodyPr rtlCol="0" anchor="ctr"/>
+          <a:lstStyle/>
+          <a:p>
+            <a:pPr algn="ctr"/>
+            <a:endParaRPr lang="en-US"/>
+          </a:p>
+        </p:txBody>
+      </p:sp>
+      <p:sp>
+        <p:nvSpPr>
+          <p:cNvPr id="13" name="Rectangle 12">
+            <a:extLst>
+              <a:ext uri="{FF2B5EF4-FFF2-40B4-BE49-F238E27FC236}">
+                <a16:creationId xmlns:a16="http://schemas.microsoft.com/office/drawing/2014/main" id="{AFF4A713-7B75-4B21-90D7-5AB19547C728}"/>
+              </a:ext>
+              <a:ext uri="{C183D7F6-B498-43B3-948B-1728B52AA6E4}">
+                <adec:decorative xmlns:adec="http://schemas.microsoft.com/office/drawing/2017/decorative" val="1"/>
+              </a:ext>
+            </a:extLst>
+          </p:cNvPr>
+          <p:cNvSpPr>
+            <a:spLocks noGrp="1" noRot="1" noChangeAspect="1" noMove="1" noResize="1" noEditPoints="1" noAdjustHandles="1" noChangeArrowheads="1" noChangeShapeType="1" noTextEdit="1"/>
+          </p:cNvSpPr>
+          <p:nvPr>
+            <p:extLst>
+              <p:ext uri="{386F3935-93C4-4BCD-93E2-E3B085C9AB24}">
+                <p16:designElem xmlns:p16="http://schemas.microsoft.com/office/powerpoint/2015/main" val="1"/>
+              </p:ext>
+            </p:extLst>
+          </p:nvPr>
+        </p:nvSpPr>
+        <p:spPr>
+          <a:xfrm rot="5400000">
+            <a:off x="4136696" y="-3703868"/>
+            <a:ext cx="4374128" cy="11736479"/>
+          </a:xfrm>
+          <a:prstGeom prst="rect">
+            <a:avLst/>
+          </a:prstGeom>
+          <a:gradFill>
+            <a:gsLst>
+              <a:gs pos="17000">
+                <a:schemeClr val="accent1">
+                  <a:alpha val="0"/>
+                </a:schemeClr>
+              </a:gs>
+              <a:gs pos="100000">
+                <a:srgbClr val="000000">
+                  <a:alpha val="37000"/>
+                </a:srgbClr>
+              </a:gs>
+            </a:gsLst>
+            <a:lin ang="7800000" scaled="0"/>
+          </a:gradFill>
+          <a:ln>
+            <a:noFill/>
+          </a:ln>
+        </p:spPr>
+        <p:style>
+          <a:lnRef idx="2">
+            <a:schemeClr val="accent1">
+              <a:shade val="50000"/>
+            </a:schemeClr>
+          </a:lnRef>
+          <a:fillRef idx="1">
+            <a:schemeClr val="accent1"/>
+          </a:fillRef>
+          <a:effectRef idx="0">
+            <a:schemeClr val="accent1"/>
+          </a:effectRef>
+          <a:fontRef idx="minor">
+            <a:schemeClr val="lt1"/>
+          </a:fontRef>
+        </p:style>
+        <p:txBody>
+          <a:bodyPr rtlCol="0" anchor="ctr"/>
+          <a:lstStyle/>
+          <a:p>
+            <a:pPr algn="ctr"/>
+            <a:endParaRPr lang="en-US"/>
+          </a:p>
+        </p:txBody>
+      </p:sp>
+      <p:sp>
+        <p:nvSpPr>
+          <p:cNvPr id="15" name="Rectangle 14">
+            <a:extLst>
+              <a:ext uri="{FF2B5EF4-FFF2-40B4-BE49-F238E27FC236}">
+                <a16:creationId xmlns:a16="http://schemas.microsoft.com/office/drawing/2014/main" id="{DC631C0B-6DA6-4E57-8231-CE32B3434A7E}"/>
+              </a:ext>
+              <a:ext uri="{C183D7F6-B498-43B3-948B-1728B52AA6E4}">
+                <adec:decorative xmlns:adec="http://schemas.microsoft.com/office/drawing/2017/decorative" val="1"/>
+              </a:ext>
+            </a:extLst>
+          </p:cNvPr>
+          <p:cNvSpPr>
+            <a:spLocks noGrp="1" noRot="1" noChangeAspect="1" noMove="1" noResize="1" noEditPoints="1" noAdjustHandles="1" noChangeArrowheads="1" noChangeShapeType="1" noTextEdit="1"/>
+          </p:cNvSpPr>
+          <p:nvPr>
+            <p:extLst>
+              <p:ext uri="{386F3935-93C4-4BCD-93E2-E3B085C9AB24}">
+                <p16:designElem xmlns:p16="http://schemas.microsoft.com/office/powerpoint/2015/main" val="1"/>
+              </p:ext>
+            </p:extLst>
+          </p:nvPr>
+        </p:nvSpPr>
+        <p:spPr>
+          <a:xfrm>
+            <a:off x="-5" y="-22690"/>
+            <a:ext cx="8542485" cy="4374126"/>
+          </a:xfrm>
+          <a:prstGeom prst="rect">
+            <a:avLst/>
+          </a:prstGeom>
+          <a:gradFill>
+            <a:gsLst>
+              <a:gs pos="0">
+                <a:schemeClr val="accent1">
+                  <a:lumMod val="50000"/>
+                  <a:alpha val="0"/>
+                </a:schemeClr>
+              </a:gs>
+              <a:gs pos="100000">
+                <a:srgbClr val="000000">
+                  <a:alpha val="25000"/>
+                </a:srgbClr>
+              </a:gs>
+            </a:gsLst>
+            <a:lin ang="18600000" scaled="0"/>
+          </a:gradFill>
+          <a:ln>
+            <a:noFill/>
+          </a:ln>
+        </p:spPr>
+        <p:style>
+          <a:lnRef idx="2">
+            <a:schemeClr val="accent1">
+              <a:shade val="50000"/>
+            </a:schemeClr>
+          </a:lnRef>
+          <a:fillRef idx="1">
+            <a:schemeClr val="accent1"/>
+          </a:fillRef>
+          <a:effectRef idx="0">
+            <a:schemeClr val="accent1"/>
+          </a:effectRef>
+          <a:fontRef idx="minor">
+            <a:schemeClr val="lt1"/>
+          </a:fontRef>
+        </p:style>
+        <p:txBody>
+          <a:bodyPr rtlCol="0" anchor="ctr"/>
+          <a:lstStyle/>
+          <a:p>
+            <a:pPr algn="ctr"/>
+            <a:endParaRPr lang="en-US"/>
+          </a:p>
+        </p:txBody>
+      </p:sp>
+      <p:sp>
+        <p:nvSpPr>
+          <p:cNvPr id="17" name="Freeform: Shape 16">
+            <a:extLst>
+              <a:ext uri="{FF2B5EF4-FFF2-40B4-BE49-F238E27FC236}">
+                <a16:creationId xmlns:a16="http://schemas.microsoft.com/office/drawing/2014/main" id="{C29501E6-A978-4A61-9689-9085AF97A53A}"/>
+              </a:ext>
+              <a:ext uri="{C183D7F6-B498-43B3-948B-1728B52AA6E4}">
+                <adec:decorative xmlns:adec="http://schemas.microsoft.com/office/drawing/2017/decorative" val="1"/>
+              </a:ext>
+            </a:extLst>
+          </p:cNvPr>
+          <p:cNvSpPr>
+            <a:spLocks noGrp="1" noRot="1" noChangeAspect="1" noMove="1" noResize="1" noEditPoints="1" noAdjustHandles="1" noChangeArrowheads="1" noChangeShapeType="1" noTextEdit="1"/>
+          </p:cNvSpPr>
+          <p:nvPr>
+            <p:extLst>
+              <p:ext uri="{386F3935-93C4-4BCD-93E2-E3B085C9AB24}">
+                <p16:designElem xmlns:p16="http://schemas.microsoft.com/office/powerpoint/2015/main" val="1"/>
+              </p:ext>
+            </p:extLst>
+          </p:nvPr>
+        </p:nvSpPr>
+        <p:spPr>
+          <a:xfrm rot="12508972">
+            <a:off x="5945431" y="-1032053"/>
+            <a:ext cx="4990147" cy="4439131"/>
+          </a:xfrm>
+          <a:custGeom>
+            <a:avLst/>
+            <a:gdLst>
+              <a:gd name="connsiteX0" fmla="*/ 4990147 w 4990147"/>
+              <a:gd name="connsiteY0" fmla="*/ 2229378 h 4439131"/>
+              <a:gd name="connsiteX1" fmla="*/ 917384 w 4990147"/>
+              <a:gd name="connsiteY1" fmla="*/ 4439131 h 4439131"/>
+              <a:gd name="connsiteX2" fmla="*/ 910814 w 4990147"/>
+              <a:gd name="connsiteY2" fmla="*/ 4434219 h 4439131"/>
+              <a:gd name="connsiteX3" fmla="*/ 0 w 4990147"/>
+              <a:gd name="connsiteY3" fmla="*/ 2502877 h 4439131"/>
+              <a:gd name="connsiteX4" fmla="*/ 2502877 w 4990147"/>
+              <a:gd name="connsiteY4" fmla="*/ 0 h 4439131"/>
+              <a:gd name="connsiteX5" fmla="*/ 4954904 w 4990147"/>
+              <a:gd name="connsiteY5" fmla="*/ 1998460 h 4439131"/>
+            </a:gdLst>
+            <a:ahLst/>
+            <a:cxnLst>
+              <a:cxn ang="0">
+                <a:pos x="connsiteX0" y="connsiteY0"/>
+              </a:cxn>
+              <a:cxn ang="0">
+                <a:pos x="connsiteX1" y="connsiteY1"/>
+              </a:cxn>
+              <a:cxn ang="0">
+                <a:pos x="connsiteX2" y="connsiteY2"/>
+              </a:cxn>
+              <a:cxn ang="0">
+                <a:pos x="connsiteX3" y="connsiteY3"/>
+              </a:cxn>
+              <a:cxn ang="0">
+                <a:pos x="connsiteX4" y="connsiteY4"/>
+              </a:cxn>
+              <a:cxn ang="0">
+                <a:pos x="connsiteX5" y="connsiteY5"/>
+              </a:cxn>
+            </a:cxnLst>
+            <a:rect l="l" t="t" r="r" b="b"/>
+            <a:pathLst>
+              <a:path w="4990147" h="4439131">
+                <a:moveTo>
+                  <a:pt x="4990147" y="2229378"/>
+                </a:moveTo>
+                <a:lnTo>
+                  <a:pt x="917384" y="4439131"/>
+                </a:lnTo>
+                <a:lnTo>
+                  <a:pt x="910814" y="4434219"/>
+                </a:lnTo>
+                <a:cubicBezTo>
+                  <a:pt x="354557" y="3975154"/>
+                  <a:pt x="0" y="3280421"/>
+                  <a:pt x="0" y="2502877"/>
+                </a:cubicBezTo>
+                <a:cubicBezTo>
+                  <a:pt x="0" y="1120576"/>
+                  <a:pt x="1120576" y="0"/>
+                  <a:pt x="2502877" y="0"/>
+                </a:cubicBezTo>
+                <a:cubicBezTo>
+                  <a:pt x="3712390" y="0"/>
+                  <a:pt x="4721520" y="857941"/>
+                  <a:pt x="4954904" y="1998460"/>
+                </a:cubicBezTo>
+                <a:close/>
+              </a:path>
+            </a:pathLst>
+          </a:custGeom>
+          <a:gradFill>
+            <a:gsLst>
+              <a:gs pos="0">
+                <a:schemeClr val="accent1">
+                  <a:alpha val="22000"/>
+                </a:schemeClr>
+              </a:gs>
+              <a:gs pos="87000">
+                <a:schemeClr val="accent1">
+                  <a:lumMod val="60000"/>
+                  <a:lumOff val="40000"/>
+                  <a:alpha val="2000"/>
+                </a:schemeClr>
+              </a:gs>
+            </a:gsLst>
+            <a:lin ang="8400000" scaled="0"/>
+          </a:gradFill>
+          <a:ln>
+            <a:noFill/>
+          </a:ln>
+        </p:spPr>
+        <p:style>
+          <a:lnRef idx="2">
+            <a:schemeClr val="accent1">
+              <a:shade val="50000"/>
+            </a:schemeClr>
+          </a:lnRef>
+          <a:fillRef idx="1">
+            <a:schemeClr val="accent1"/>
+          </a:fillRef>
+          <a:effectRef idx="0">
+            <a:schemeClr val="accent1"/>
+          </a:effectRef>
+          <a:fontRef idx="minor">
+            <a:schemeClr val="lt1"/>
+          </a:fontRef>
+        </p:style>
+        <p:txBody>
+          <a:bodyPr wrap="square" rtlCol="0" anchor="ctr">
+            <a:noAutofit/>
+          </a:bodyPr>
+          <a:lstStyle/>
+          <a:p>
+            <a:pPr algn="ctr"/>
+            <a:endParaRPr lang="en-US" dirty="0"/>
+          </a:p>
+        </p:txBody>
+      </p:sp>
+      <p:sp>
+        <p:nvSpPr>
+          <p:cNvPr id="2" name="Title 1">
+            <a:extLst>
+              <a:ext uri="{FF2B5EF4-FFF2-40B4-BE49-F238E27FC236}">
+                <a16:creationId xmlns:a16="http://schemas.microsoft.com/office/drawing/2014/main" id="{1B14EF59-A27C-872A-4437-0EA6BDE2E002}"/>
+              </a:ext>
+            </a:extLst>
+          </p:cNvPr>
+          <p:cNvSpPr>
+            <a:spLocks noGrp="1"/>
+          </p:cNvSpPr>
+          <p:nvPr>
+            <p:ph type="title"/>
+          </p:nvPr>
+        </p:nvSpPr>
+        <p:spPr>
+          <a:xfrm>
+            <a:off x="1314824" y="735106"/>
+            <a:ext cx="10053763" cy="2928470"/>
+          </a:xfrm>
+        </p:spPr>
+        <p:txBody>
+          <a:bodyPr vert="horz" lIns="91440" tIns="45720" rIns="91440" bIns="45720" rtlCol="0" anchor="b">
+            <a:normAutofit/>
+          </a:bodyPr>
+          <a:lstStyle/>
+          <a:p>
+            <a:r>
+              <a:rPr lang="en-US" sz="4800" kern="1200">
+                <a:solidFill>
+                  <a:srgbClr val="FFFFFF"/>
+                </a:solidFill>
+                <a:latin typeface="+mj-lt"/>
+                <a:ea typeface="+mj-ea"/>
+                <a:cs typeface="+mj-cs"/>
+              </a:rPr>
+              <a:t>In-class quiz</a:t>
+            </a:r>
+          </a:p>
+        </p:txBody>
+      </p:sp>
+    </p:spTree>
+    <p:extLst>
+      <p:ext uri="{BB962C8B-B14F-4D97-AF65-F5344CB8AC3E}">
+        <p14:creationId xmlns:p14="http://schemas.microsoft.com/office/powerpoint/2010/main" val="4138796972"/>
+      </p:ext>
+    </p:extLst>
+  </p:cSld>
+  <p:clrMapOvr>
+    <a:masterClrMapping/>
+  </p:clrMapOvr>
+</p:sld>
+</file>
+
+<file path=ppt/slides/slide2.xml><?xml version="1.0" encoding="utf-8"?>
+<p:sld xmlns:a="http://schemas.openxmlformats.org/drawingml/2006/main" xmlns:r="http://schemas.openxmlformats.org/officeDocument/2006/relationships" xmlns:p="http://schemas.openxmlformats.org/presentationml/2006/main">
+  <p:cSld>
+    <p:bg>
+      <p:bgPr>
+        <a:solidFill>
+          <a:schemeClr val="bg1"/>
+        </a:solidFill>
+        <a:effectLst/>
+      </p:bgPr>
+    </p:bg>
+    <p:spTree>
+      <p:nvGrpSpPr>
+        <p:cNvPr id="1" name=""/>
+        <p:cNvGrpSpPr/>
+        <p:nvPr/>
+      </p:nvGrpSpPr>
+      <p:grpSpPr>
+        <a:xfrm>
+          <a:off x="0" y="0"/>
+          <a:ext cx="0" cy="0"/>
+          <a:chOff x="0" y="0"/>
+          <a:chExt cx="0" cy="0"/>
+        </a:xfrm>
+      </p:grpSpPr>
+      <p:sp useBgFill="1">
+        <p:nvSpPr>
+          <p:cNvPr id="9" name="Rectangle 8">
+            <a:extLst>
+              <a:ext uri="{FF2B5EF4-FFF2-40B4-BE49-F238E27FC236}">
+                <a16:creationId xmlns:a16="http://schemas.microsoft.com/office/drawing/2014/main" id="{5E8D3B17-7638-DFD3-18E4-8A6D611749CF}"/>
+              </a:ext>
+              <a:ext uri="{C183D7F6-B498-43B3-948B-1728B52AA6E4}">
+                <adec:decorative xmlns:adec="http://schemas.microsoft.com/office/drawing/2017/decorative" val="1"/>
+              </a:ext>
+            </a:extLst>
+          </p:cNvPr>
+          <p:cNvSpPr>
+            <a:spLocks noGrp="1" noRot="1" noChangeAspect="1" noMove="1" noResize="1" noEditPoints="1" noAdjustHandles="1" noChangeArrowheads="1" noChangeShapeType="1" noTextEdit="1"/>
+          </p:cNvSpPr>
+          <p:nvPr>
+            <p:extLst>
+              <p:ext uri="{386F3935-93C4-4BCD-93E2-E3B085C9AB24}">
+                <p16:designElem xmlns:p16="http://schemas.microsoft.com/office/powerpoint/2015/main" val="1"/>
+              </p:ext>
+            </p:extLst>
+          </p:nvPr>
+        </p:nvSpPr>
+        <p:spPr>
+          <a:xfrm>
+            <a:off x="0" y="0"/>
+            <a:ext cx="12192000" cy="6858000"/>
+          </a:xfrm>
+          <a:prstGeom prst="rect">
+            <a:avLst/>
+          </a:prstGeom>
+          <a:ln w="12700" cap="flat" cmpd="sng" algn="ctr">
+            <a:noFill/>
+            <a:prstDash val="solid"/>
+            <a:miter lim="800000"/>
+          </a:ln>
+          <a:effectLst/>
+          <a:extLst>
+            <a:ext uri="{91240B29-F687-4F45-9708-019B960494DF}">
+              <a14:hiddenLine xmlns:a14="http://schemas.microsoft.com/office/drawing/2010/main" w="12700" cap="flat" cmpd="sng" algn="ctr">
+                <a:solidFill>
+                  <a:schemeClr val="accent1">
+                    <a:shade val="15000"/>
+                  </a:schemeClr>
+                </a:solidFill>
+                <a:prstDash val="solid"/>
+                <a:miter lim="800000"/>
+              </a14:hiddenLine>
+            </a:ext>
+          </a:extLst>
+        </p:spPr>
+        <p:style>
+          <a:lnRef idx="2">
+            <a:schemeClr val="accent1">
+              <a:shade val="15000"/>
+            </a:schemeClr>
+          </a:lnRef>
+          <a:fillRef idx="1">
+            <a:schemeClr val="accent1"/>
+          </a:fillRef>
+          <a:effectRef idx="0">
+            <a:schemeClr val="accent1"/>
+          </a:effectRef>
+          <a:fontRef idx="minor">
+            <a:schemeClr val="lt1"/>
+          </a:fontRef>
+        </p:style>
+        <p:txBody>
+          <a:bodyPr rtlCol="0" anchor="ctr"/>
+          <a:lstStyle/>
+          <a:p>
+            <a:pPr algn="ctr"/>
+            <a:endParaRPr lang="en-US"/>
+          </a:p>
+        </p:txBody>
+      </p:sp>
+      <p:sp>
+        <p:nvSpPr>
+          <p:cNvPr id="2" name="Title 1">
+            <a:extLst>
+              <a:ext uri="{FF2B5EF4-FFF2-40B4-BE49-F238E27FC236}">
+                <a16:creationId xmlns:a16="http://schemas.microsoft.com/office/drawing/2014/main" id="{A00B519D-C6EC-781D-5CC8-28C0A776043F}"/>
+              </a:ext>
+            </a:extLst>
+          </p:cNvPr>
+          <p:cNvSpPr>
+            <a:spLocks noGrp="1"/>
+          </p:cNvSpPr>
+          <p:nvPr>
+            <p:ph type="title"/>
+          </p:nvPr>
+        </p:nvSpPr>
+        <p:spPr>
+          <a:xfrm>
+            <a:off x="5568534" y="603504"/>
+            <a:ext cx="5916169" cy="1527048"/>
+          </a:xfrm>
+        </p:spPr>
+        <p:txBody>
+          <a:bodyPr anchor="b">
+            <a:normAutofit/>
+          </a:bodyPr>
+          <a:lstStyle/>
+          <a:p>
+            <a:r>
+              <a:rPr lang="en-US" dirty="0"/>
+              <a:t>When estimates go wrong</a:t>
+            </a:r>
+          </a:p>
+        </p:txBody>
+      </p:sp>
+      <p:pic>
+        <p:nvPicPr>
+          <p:cNvPr id="5" name="Picture 4" descr="Magnifying glass and question mark">
+            <a:extLst>
+              <a:ext uri="{FF2B5EF4-FFF2-40B4-BE49-F238E27FC236}">
+                <a16:creationId xmlns:a16="http://schemas.microsoft.com/office/drawing/2014/main" id="{31CD8E18-7D82-3A7F-F49C-D222FCD6397A}"/>
+              </a:ext>
+            </a:extLst>
+          </p:cNvPr>
+          <p:cNvPicPr>
+            <a:picLocks noChangeAspect="1"/>
+          </p:cNvPicPr>
+          <p:nvPr/>
+        </p:nvPicPr>
+        <p:blipFill>
+          <a:blip r:embed="rId2"/>
+          <a:srcRect l="31687" r="28039"/>
+          <a:stretch>
+            <a:fillRect/>
+          </a:stretch>
+        </p:blipFill>
+        <p:spPr>
+          <a:xfrm>
+            <a:off x="20" y="10"/>
+            <a:ext cx="4910308" cy="6857990"/>
+          </a:xfrm>
+          <a:prstGeom prst="rect">
+            <a:avLst/>
+          </a:prstGeom>
+        </p:spPr>
+      </p:pic>
+      <p:sp>
+        <p:nvSpPr>
+          <p:cNvPr id="3" name="Content Placeholder 2">
+            <a:extLst>
+              <a:ext uri="{FF2B5EF4-FFF2-40B4-BE49-F238E27FC236}">
+                <a16:creationId xmlns:a16="http://schemas.microsoft.com/office/drawing/2014/main" id="{4EE88191-931E-1572-2CDE-8E56BB5C6CD8}"/>
+              </a:ext>
+            </a:extLst>
+          </p:cNvPr>
+          <p:cNvSpPr>
+            <a:spLocks noGrp="1"/>
+          </p:cNvSpPr>
+          <p:nvPr>
+            <p:ph idx="1"/>
+          </p:nvPr>
+        </p:nvSpPr>
+        <p:spPr>
+          <a:xfrm>
+            <a:off x="5568533" y="2214282"/>
+            <a:ext cx="5916169" cy="4095078"/>
+          </a:xfrm>
+        </p:spPr>
+        <p:txBody>
+          <a:bodyPr>
+            <a:normAutofit/>
+          </a:bodyPr>
+          <a:lstStyle/>
+          <a:p>
+            <a:r>
+              <a:rPr lang="en-US" sz="1800" dirty="0"/>
+              <a:t>What is the impact? </a:t>
+            </a:r>
+          </a:p>
+          <a:p>
+            <a:endParaRPr lang="en-US" sz="1800" dirty="0"/>
+          </a:p>
+          <a:p>
+            <a:r>
+              <a:rPr lang="en-US" sz="1800" dirty="0"/>
+              <a:t>How to reduce the impact?</a:t>
+            </a:r>
+          </a:p>
+        </p:txBody>
+      </p:sp>
+      <p:sp>
+        <p:nvSpPr>
+          <p:cNvPr id="6" name="TextBox 5">
+            <a:extLst>
+              <a:ext uri="{FF2B5EF4-FFF2-40B4-BE49-F238E27FC236}">
+                <a16:creationId xmlns:a16="http://schemas.microsoft.com/office/drawing/2014/main" id="{AD307D33-F17D-0866-D4AF-101C762E0FFF}"/>
+              </a:ext>
+            </a:extLst>
+          </p:cNvPr>
+          <p:cNvSpPr txBox="1"/>
+          <p:nvPr/>
+        </p:nvSpPr>
+        <p:spPr>
+          <a:xfrm>
+            <a:off x="5297213" y="3892489"/>
+            <a:ext cx="6096000" cy="369332"/>
+          </a:xfrm>
+          <a:prstGeom prst="rect">
+            <a:avLst/>
+          </a:prstGeom>
+          <a:noFill/>
+        </p:spPr>
+        <p:txBody>
+          <a:bodyPr wrap="square">
+            <a:spAutoFit/>
+          </a:bodyPr>
+          <a:lstStyle/>
+          <a:p>
+            <a:r>
+              <a:rPr lang="en-US" dirty="0">
+                <a:solidFill>
+                  <a:srgbClr val="FF0000"/>
+                </a:solidFill>
+              </a:rPr>
+              <a:t>o</a:t>
+            </a:r>
+            <a:r>
+              <a:rPr lang="en-US" sz="1800" dirty="0">
+                <a:solidFill>
+                  <a:srgbClr val="FF0000"/>
+                </a:solidFill>
+              </a:rPr>
+              <a:t>bj: </a:t>
+            </a:r>
+            <a:r>
+              <a:rPr lang="en-US" sz="1800" dirty="0" err="1">
+                <a:solidFill>
+                  <a:srgbClr val="FF0000"/>
+                </a:solidFill>
+              </a:rPr>
+              <a:t>max_w</a:t>
+            </a:r>
+            <a:r>
+              <a:rPr lang="en-US" sz="1800" dirty="0">
+                <a:solidFill>
+                  <a:srgbClr val="FF0000"/>
+                </a:solidFill>
+              </a:rPr>
+              <a:t> (</a:t>
+            </a:r>
+            <a:r>
+              <a:rPr lang="en-US" sz="1800" dirty="0" err="1">
+                <a:solidFill>
+                  <a:srgbClr val="FF0000"/>
+                </a:solidFill>
+              </a:rPr>
+              <a:t>w^T</a:t>
+            </a:r>
+            <a:r>
+              <a:rPr lang="en-US" sz="1800" dirty="0">
+                <a:solidFill>
+                  <a:srgbClr val="FF0000"/>
+                </a:solidFill>
+              </a:rPr>
+              <a:t> \hat{mu} – lambda/2 * </a:t>
+            </a:r>
+            <a:r>
+              <a:rPr lang="en-US" sz="1800" dirty="0" err="1">
+                <a:solidFill>
+                  <a:srgbClr val="FF0000"/>
+                </a:solidFill>
+              </a:rPr>
+              <a:t>w^T</a:t>
+            </a:r>
+            <a:r>
+              <a:rPr lang="en-US" sz="1800" dirty="0">
+                <a:solidFill>
+                  <a:srgbClr val="FF0000"/>
+                </a:solidFill>
+              </a:rPr>
+              <a:t> \hat{sigma} w)</a:t>
+            </a:r>
+            <a:endParaRPr lang="en-US" dirty="0">
+              <a:solidFill>
+                <a:srgbClr val="FF0000"/>
+              </a:solidFill>
+            </a:endParaRPr>
+          </a:p>
+        </p:txBody>
+      </p:sp>
+      <p:sp>
+        <p:nvSpPr>
+          <p:cNvPr id="8" name="TextBox 7">
+            <a:extLst>
+              <a:ext uri="{FF2B5EF4-FFF2-40B4-BE49-F238E27FC236}">
+                <a16:creationId xmlns:a16="http://schemas.microsoft.com/office/drawing/2014/main" id="{8D5D7537-AB4E-FCF4-3F5B-BB860DEEA4BF}"/>
+              </a:ext>
+            </a:extLst>
+          </p:cNvPr>
+          <p:cNvSpPr txBox="1"/>
+          <p:nvPr/>
+        </p:nvSpPr>
+        <p:spPr>
+          <a:xfrm>
+            <a:off x="8037886" y="3523157"/>
+            <a:ext cx="977462" cy="369332"/>
+          </a:xfrm>
+          <a:prstGeom prst="rect">
+            <a:avLst/>
+          </a:prstGeom>
+          <a:noFill/>
+        </p:spPr>
+        <p:txBody>
+          <a:bodyPr wrap="square">
+            <a:spAutoFit/>
+          </a:bodyPr>
+          <a:lstStyle/>
+          <a:p>
+            <a:pPr algn="ctr"/>
+            <a:r>
+              <a:rPr lang="en-US" dirty="0">
+                <a:solidFill>
+                  <a:srgbClr val="FF0000"/>
+                </a:solidFill>
+              </a:rPr>
+              <a:t>p</a:t>
+            </a:r>
+            <a:r>
+              <a:rPr lang="en-US" sz="1800" dirty="0">
+                <a:solidFill>
+                  <a:srgbClr val="FF0000"/>
+                </a:solidFill>
+              </a:rPr>
+              <a:t>lug in</a:t>
+            </a:r>
+            <a:endParaRPr lang="en-US" dirty="0"/>
+          </a:p>
+        </p:txBody>
+      </p:sp>
+      <p:sp>
+        <p:nvSpPr>
+          <p:cNvPr id="11" name="TextBox 10">
+            <a:extLst>
+              <a:ext uri="{FF2B5EF4-FFF2-40B4-BE49-F238E27FC236}">
+                <a16:creationId xmlns:a16="http://schemas.microsoft.com/office/drawing/2014/main" id="{350C52A6-F02D-5DAC-9DFD-DBAF4B56DF69}"/>
+              </a:ext>
+            </a:extLst>
+          </p:cNvPr>
+          <p:cNvSpPr txBox="1"/>
+          <p:nvPr/>
+        </p:nvSpPr>
+        <p:spPr>
+          <a:xfrm>
+            <a:off x="5295263" y="4631153"/>
+            <a:ext cx="6096000" cy="369332"/>
+          </a:xfrm>
+          <a:prstGeom prst="rect">
+            <a:avLst/>
+          </a:prstGeom>
+          <a:noFill/>
+        </p:spPr>
+        <p:txBody>
+          <a:bodyPr wrap="square">
+            <a:spAutoFit/>
+          </a:bodyPr>
+          <a:lstStyle/>
+          <a:p>
+            <a:r>
+              <a:rPr lang="en-US" sz="1800" dirty="0">
+                <a:solidFill>
+                  <a:srgbClr val="FF0000"/>
+                </a:solidFill>
+              </a:rPr>
+              <a:t>w* is </a:t>
+            </a:r>
+            <a:r>
+              <a:rPr lang="en-US" sz="1800" b="1" dirty="0">
+                <a:solidFill>
+                  <a:srgbClr val="FF0000"/>
+                </a:solidFill>
+              </a:rPr>
+              <a:t>less</a:t>
+            </a:r>
+            <a:r>
+              <a:rPr lang="en-US" sz="1800" dirty="0">
+                <a:solidFill>
+                  <a:srgbClr val="FF0000"/>
+                </a:solidFill>
+              </a:rPr>
+              <a:t> sensitive to {\hat{mu}, \hat{sigma}}</a:t>
+            </a:r>
+            <a:endParaRPr lang="en-US" dirty="0"/>
+          </a:p>
+        </p:txBody>
+      </p:sp>
+      <p:sp>
+        <p:nvSpPr>
+          <p:cNvPr id="12" name="TextBox 11">
+            <a:extLst>
+              <a:ext uri="{FF2B5EF4-FFF2-40B4-BE49-F238E27FC236}">
+                <a16:creationId xmlns:a16="http://schemas.microsoft.com/office/drawing/2014/main" id="{CD166E92-AD1B-43DF-289D-6697386DB18E}"/>
+              </a:ext>
+            </a:extLst>
+          </p:cNvPr>
+          <p:cNvSpPr txBox="1"/>
+          <p:nvPr/>
+        </p:nvSpPr>
+        <p:spPr>
+          <a:xfrm>
+            <a:off x="5295263" y="5285590"/>
+            <a:ext cx="6096000" cy="369332"/>
+          </a:xfrm>
+          <a:prstGeom prst="rect">
+            <a:avLst/>
+          </a:prstGeom>
+          <a:noFill/>
+        </p:spPr>
+        <p:txBody>
+          <a:bodyPr wrap="square">
+            <a:spAutoFit/>
+          </a:bodyPr>
+          <a:lstStyle/>
+          <a:p>
+            <a:r>
+              <a:rPr lang="en-US" sz="1800" dirty="0">
+                <a:solidFill>
+                  <a:srgbClr val="FF0000"/>
+                </a:solidFill>
+              </a:rPr>
+              <a:t>e.g. </a:t>
+            </a:r>
+            <a:r>
+              <a:rPr lang="en-US" dirty="0">
+                <a:solidFill>
+                  <a:srgbClr val="FF0000"/>
+                </a:solidFill>
+              </a:rPr>
+              <a:t>t: (0.8, 0.2) </a:t>
+            </a:r>
+            <a:r>
+              <a:rPr lang="en-US" dirty="0">
+                <a:solidFill>
+                  <a:srgbClr val="FF0000"/>
+                </a:solidFill>
+                <a:sym typeface="Wingdings" pitchFamily="2" charset="2"/>
+              </a:rPr>
+              <a:t> t+1: (0.2, 0.8)</a:t>
+            </a:r>
+            <a:endParaRPr lang="en-US" dirty="0"/>
+          </a:p>
+        </p:txBody>
+      </p:sp>
+      <p:sp>
+        <p:nvSpPr>
+          <p:cNvPr id="13" name="TextBox 12">
+            <a:extLst>
+              <a:ext uri="{FF2B5EF4-FFF2-40B4-BE49-F238E27FC236}">
+                <a16:creationId xmlns:a16="http://schemas.microsoft.com/office/drawing/2014/main" id="{2D5B9317-90EA-E30D-5396-ECE0F06455F7}"/>
+              </a:ext>
+            </a:extLst>
+          </p:cNvPr>
+          <p:cNvSpPr txBox="1"/>
+          <p:nvPr/>
+        </p:nvSpPr>
+        <p:spPr>
+          <a:xfrm>
+            <a:off x="8852438" y="1945886"/>
+            <a:ext cx="977462" cy="369332"/>
+          </a:xfrm>
+          <a:prstGeom prst="rect">
+            <a:avLst/>
+          </a:prstGeom>
+          <a:noFill/>
+        </p:spPr>
+        <p:txBody>
+          <a:bodyPr wrap="square">
+            <a:spAutoFit/>
+          </a:bodyPr>
+          <a:lstStyle/>
+          <a:p>
+            <a:pPr algn="ctr"/>
+            <a:r>
+              <a:rPr lang="en-US" dirty="0">
+                <a:solidFill>
+                  <a:srgbClr val="FF0000"/>
+                </a:solidFill>
+              </a:rPr>
+              <a:t>ML</a:t>
+            </a:r>
+            <a:endParaRPr lang="en-US" dirty="0"/>
+          </a:p>
+        </p:txBody>
+      </p:sp>
+      <mc:AlternateContent xmlns:mc="http://schemas.openxmlformats.org/markup-compatibility/2006">
+        <mc:Choice xmlns:p14="http://schemas.microsoft.com/office/powerpoint/2010/main" Requires="p14">
+          <p:contentPart p14:bwMode="auto" r:id="rId3">
+            <p14:nvContentPartPr>
+              <p14:cNvPr id="14" name="Ink 13">
+                <a:extLst>
+                  <a:ext uri="{FF2B5EF4-FFF2-40B4-BE49-F238E27FC236}">
+                    <a16:creationId xmlns:a16="http://schemas.microsoft.com/office/drawing/2014/main" id="{C6D61BC9-4AC3-DD82-5899-7D637EC87D48}"/>
+                  </a:ext>
+                </a:extLst>
+              </p14:cNvPr>
+              <p14:cNvContentPartPr/>
+              <p14:nvPr/>
+            </p14:nvContentPartPr>
+            <p14:xfrm>
+              <a:off x="7592814" y="2313401"/>
+              <a:ext cx="1672920" cy="1705680"/>
+            </p14:xfrm>
+          </p:contentPart>
+        </mc:Choice>
+        <mc:Fallback>
+          <p:pic>
+            <p:nvPicPr>
+              <p:cNvPr id="14" name="Ink 13">
+                <a:extLst>
+                  <a:ext uri="{FF2B5EF4-FFF2-40B4-BE49-F238E27FC236}">
+                    <a16:creationId xmlns:a16="http://schemas.microsoft.com/office/drawing/2014/main" id="{C6D61BC9-4AC3-DD82-5899-7D637EC87D48}"/>
+                  </a:ext>
+                </a:extLst>
+              </p:cNvPr>
+              <p:cNvPicPr/>
+              <p:nvPr/>
+            </p:nvPicPr>
+            <p:blipFill>
+              <a:blip r:embed="rId4"/>
+              <a:stretch>
+                <a:fillRect/>
+              </a:stretch>
+            </p:blipFill>
+            <p:spPr>
+              <a:xfrm>
+                <a:off x="7586694" y="2307281"/>
+                <a:ext cx="1685160" cy="1717920"/>
+              </a:xfrm>
+              <a:prstGeom prst="rect">
+                <a:avLst/>
+              </a:prstGeom>
+            </p:spPr>
+          </p:pic>
+        </mc:Fallback>
+      </mc:AlternateContent>
+      <mc:AlternateContent xmlns:mc="http://schemas.openxmlformats.org/markup-compatibility/2006">
+        <mc:Choice xmlns:p14="http://schemas.microsoft.com/office/powerpoint/2010/main" Requires="p14">
+          <p:contentPart p14:bwMode="auto" r:id="rId5">
+            <p14:nvContentPartPr>
+              <p14:cNvPr id="15" name="Ink 14">
+                <a:extLst>
+                  <a:ext uri="{FF2B5EF4-FFF2-40B4-BE49-F238E27FC236}">
+                    <a16:creationId xmlns:a16="http://schemas.microsoft.com/office/drawing/2014/main" id="{9F22AD91-92EA-3B82-164D-2141E6F6BE77}"/>
+                  </a:ext>
+                </a:extLst>
+              </p14:cNvPr>
+              <p14:cNvContentPartPr/>
+              <p14:nvPr/>
+            </p14:nvContentPartPr>
+            <p14:xfrm>
+              <a:off x="9290214" y="2349041"/>
+              <a:ext cx="1277640" cy="1632600"/>
+            </p14:xfrm>
+          </p:contentPart>
+        </mc:Choice>
+        <mc:Fallback>
+          <p:pic>
+            <p:nvPicPr>
+              <p:cNvPr id="15" name="Ink 14">
+                <a:extLst>
+                  <a:ext uri="{FF2B5EF4-FFF2-40B4-BE49-F238E27FC236}">
+                    <a16:creationId xmlns:a16="http://schemas.microsoft.com/office/drawing/2014/main" id="{9F22AD91-92EA-3B82-164D-2141E6F6BE77}"/>
+                  </a:ext>
+                </a:extLst>
+              </p:cNvPr>
+              <p:cNvPicPr/>
+              <p:nvPr/>
+            </p:nvPicPr>
+            <p:blipFill>
+              <a:blip r:embed="rId6"/>
+              <a:stretch>
+                <a:fillRect/>
+              </a:stretch>
+            </p:blipFill>
+            <p:spPr>
+              <a:xfrm>
+                <a:off x="9284094" y="2342921"/>
+                <a:ext cx="1289880" cy="1644840"/>
+              </a:xfrm>
+              <a:prstGeom prst="rect">
+                <a:avLst/>
+              </a:prstGeom>
+            </p:spPr>
+          </p:pic>
+        </mc:Fallback>
+      </mc:AlternateContent>
+      <p:grpSp>
+        <p:nvGrpSpPr>
+          <p:cNvPr id="19" name="Group 18">
+            <a:extLst>
+              <a:ext uri="{FF2B5EF4-FFF2-40B4-BE49-F238E27FC236}">
+                <a16:creationId xmlns:a16="http://schemas.microsoft.com/office/drawing/2014/main" id="{62B3BC15-7AE6-0436-9F36-A3AA85F96569}"/>
+              </a:ext>
+            </a:extLst>
+          </p:cNvPr>
+          <p:cNvGrpSpPr/>
+          <p:nvPr/>
+        </p:nvGrpSpPr>
+        <p:grpSpPr>
+          <a:xfrm>
+            <a:off x="9778374" y="1914521"/>
+            <a:ext cx="475200" cy="524520"/>
+            <a:chOff x="9778374" y="1914521"/>
+            <a:chExt cx="475200" cy="524520"/>
+          </a:xfrm>
+        </p:grpSpPr>
+        <mc:AlternateContent xmlns:mc="http://schemas.openxmlformats.org/markup-compatibility/2006">
+          <mc:Choice xmlns:p14="http://schemas.microsoft.com/office/powerpoint/2010/main" Requires="p14">
+            <p:contentPart p14:bwMode="auto" r:id="rId7">
+              <p14:nvContentPartPr>
+                <p14:cNvPr id="16" name="Ink 15">
+                  <a:extLst>
+                    <a:ext uri="{FF2B5EF4-FFF2-40B4-BE49-F238E27FC236}">
+                      <a16:creationId xmlns:a16="http://schemas.microsoft.com/office/drawing/2014/main" id="{B9975764-4523-D02F-4917-FDA567BE698F}"/>
+                    </a:ext>
+                  </a:extLst>
+                </p14:cNvPr>
+                <p14:cNvContentPartPr/>
+                <p14:nvPr/>
+              </p14:nvContentPartPr>
+              <p14:xfrm>
+                <a:off x="9994014" y="2044481"/>
+                <a:ext cx="44280" cy="252720"/>
+              </p14:xfrm>
+            </p:contentPart>
+          </mc:Choice>
+          <mc:Fallback>
+            <p:pic>
+              <p:nvPicPr>
+                <p:cNvPr id="16" name="Ink 15">
+                  <a:extLst>
+                    <a:ext uri="{FF2B5EF4-FFF2-40B4-BE49-F238E27FC236}">
+                      <a16:creationId xmlns:a16="http://schemas.microsoft.com/office/drawing/2014/main" id="{B9975764-4523-D02F-4917-FDA567BE698F}"/>
+                    </a:ext>
+                  </a:extLst>
+                </p:cNvPr>
+                <p:cNvPicPr/>
+                <p:nvPr/>
+              </p:nvPicPr>
+              <p:blipFill>
+                <a:blip r:embed="rId8"/>
+                <a:stretch>
+                  <a:fillRect/>
+                </a:stretch>
+              </p:blipFill>
+              <p:spPr>
+                <a:xfrm>
+                  <a:off x="9987894" y="2038361"/>
+                  <a:ext cx="56520" cy="264960"/>
+                </a:xfrm>
+                <a:prstGeom prst="rect">
+                  <a:avLst/>
+                </a:prstGeom>
+              </p:spPr>
+            </p:pic>
+          </mc:Fallback>
+        </mc:AlternateContent>
+        <mc:AlternateContent xmlns:mc="http://schemas.openxmlformats.org/markup-compatibility/2006">
+          <mc:Choice xmlns:p14="http://schemas.microsoft.com/office/powerpoint/2010/main" Requires="p14">
+            <p:contentPart p14:bwMode="auto" r:id="rId9">
+              <p14:nvContentPartPr>
+                <p14:cNvPr id="17" name="Ink 16">
+                  <a:extLst>
+                    <a:ext uri="{FF2B5EF4-FFF2-40B4-BE49-F238E27FC236}">
+                      <a16:creationId xmlns:a16="http://schemas.microsoft.com/office/drawing/2014/main" id="{4D63DA33-9E76-A20C-5DB6-1BEF52E33389}"/>
+                    </a:ext>
+                  </a:extLst>
+                </p14:cNvPr>
+                <p14:cNvContentPartPr/>
+                <p14:nvPr/>
+              </p14:nvContentPartPr>
+              <p14:xfrm>
+                <a:off x="9778374" y="1914521"/>
+                <a:ext cx="475200" cy="524520"/>
+              </p14:xfrm>
+            </p:contentPart>
+          </mc:Choice>
+          <mc:Fallback>
+            <p:pic>
+              <p:nvPicPr>
+                <p:cNvPr id="17" name="Ink 16">
+                  <a:extLst>
+                    <a:ext uri="{FF2B5EF4-FFF2-40B4-BE49-F238E27FC236}">
+                      <a16:creationId xmlns:a16="http://schemas.microsoft.com/office/drawing/2014/main" id="{4D63DA33-9E76-A20C-5DB6-1BEF52E33389}"/>
+                    </a:ext>
+                  </a:extLst>
+                </p:cNvPr>
+                <p:cNvPicPr/>
+                <p:nvPr/>
+              </p:nvPicPr>
+              <p:blipFill>
+                <a:blip r:embed="rId10"/>
+                <a:stretch>
+                  <a:fillRect/>
+                </a:stretch>
+              </p:blipFill>
+              <p:spPr>
+                <a:xfrm>
+                  <a:off x="9772254" y="1908401"/>
+                  <a:ext cx="487440" cy="536760"/>
+                </a:xfrm>
+                <a:prstGeom prst="rect">
+                  <a:avLst/>
+                </a:prstGeom>
+              </p:spPr>
+            </p:pic>
+          </mc:Fallback>
+        </mc:AlternateContent>
+      </p:grpSp>
+      <p:grpSp>
+        <p:nvGrpSpPr>
+          <p:cNvPr id="30" name="Group 29">
+            <a:extLst>
+              <a:ext uri="{FF2B5EF4-FFF2-40B4-BE49-F238E27FC236}">
+                <a16:creationId xmlns:a16="http://schemas.microsoft.com/office/drawing/2014/main" id="{70E17490-4217-3243-0C77-94541FC79133}"/>
+              </a:ext>
+            </a:extLst>
+          </p:cNvPr>
+          <p:cNvGrpSpPr/>
+          <p:nvPr/>
+        </p:nvGrpSpPr>
+        <p:grpSpPr>
+          <a:xfrm>
+            <a:off x="4984974" y="4085321"/>
+            <a:ext cx="505800" cy="889560"/>
+            <a:chOff x="4984974" y="4085321"/>
+            <a:chExt cx="505800" cy="889560"/>
+          </a:xfrm>
+        </p:grpSpPr>
+        <mc:AlternateContent xmlns:mc="http://schemas.openxmlformats.org/markup-compatibility/2006">
+          <mc:Choice xmlns:p14="http://schemas.microsoft.com/office/powerpoint/2010/main" Requires="p14">
+            <p:contentPart p14:bwMode="auto" r:id="rId11">
+              <p14:nvContentPartPr>
+                <p14:cNvPr id="20" name="Ink 19">
+                  <a:extLst>
+                    <a:ext uri="{FF2B5EF4-FFF2-40B4-BE49-F238E27FC236}">
+                      <a16:creationId xmlns:a16="http://schemas.microsoft.com/office/drawing/2014/main" id="{872A49CC-DC08-9FA8-0865-FD342FCD001B}"/>
+                    </a:ext>
+                  </a:extLst>
+                </p14:cNvPr>
+                <p14:cNvContentPartPr/>
+                <p14:nvPr/>
+              </p14:nvContentPartPr>
+              <p14:xfrm>
+                <a:off x="5047254" y="4731161"/>
+                <a:ext cx="290520" cy="243720"/>
+              </p14:xfrm>
+            </p:contentPart>
+          </mc:Choice>
+          <mc:Fallback>
+            <p:pic>
+              <p:nvPicPr>
+                <p:cNvPr id="20" name="Ink 19">
+                  <a:extLst>
+                    <a:ext uri="{FF2B5EF4-FFF2-40B4-BE49-F238E27FC236}">
+                      <a16:creationId xmlns:a16="http://schemas.microsoft.com/office/drawing/2014/main" id="{872A49CC-DC08-9FA8-0865-FD342FCD001B}"/>
+                    </a:ext>
+                  </a:extLst>
+                </p:cNvPr>
+                <p:cNvPicPr/>
+                <p:nvPr/>
+              </p:nvPicPr>
+              <p:blipFill>
+                <a:blip r:embed="rId12"/>
+                <a:stretch>
+                  <a:fillRect/>
+                </a:stretch>
+              </p:blipFill>
+              <p:spPr>
+                <a:xfrm>
+                  <a:off x="5041134" y="4725041"/>
+                  <a:ext cx="302760" cy="255960"/>
+                </a:xfrm>
+                <a:prstGeom prst="rect">
+                  <a:avLst/>
+                </a:prstGeom>
+              </p:spPr>
+            </p:pic>
+          </mc:Fallback>
+        </mc:AlternateContent>
+        <mc:AlternateContent xmlns:mc="http://schemas.openxmlformats.org/markup-compatibility/2006">
+          <mc:Choice xmlns:p14="http://schemas.microsoft.com/office/powerpoint/2010/main" Requires="p14">
+            <p:contentPart p14:bwMode="auto" r:id="rId13">
+              <p14:nvContentPartPr>
+                <p14:cNvPr id="21" name="Ink 20">
+                  <a:extLst>
+                    <a:ext uri="{FF2B5EF4-FFF2-40B4-BE49-F238E27FC236}">
+                      <a16:creationId xmlns:a16="http://schemas.microsoft.com/office/drawing/2014/main" id="{62102E9B-A0DD-CC8B-64F3-8F130F4DCAF2}"/>
+                    </a:ext>
+                  </a:extLst>
+                </p14:cNvPr>
+                <p14:cNvContentPartPr/>
+                <p14:nvPr/>
+              </p14:nvContentPartPr>
+              <p14:xfrm>
+                <a:off x="5067054" y="4203041"/>
+                <a:ext cx="125640" cy="169920"/>
+              </p14:xfrm>
+            </p:contentPart>
+          </mc:Choice>
+          <mc:Fallback>
+            <p:pic>
+              <p:nvPicPr>
+                <p:cNvPr id="21" name="Ink 20">
+                  <a:extLst>
+                    <a:ext uri="{FF2B5EF4-FFF2-40B4-BE49-F238E27FC236}">
+                      <a16:creationId xmlns:a16="http://schemas.microsoft.com/office/drawing/2014/main" id="{62102E9B-A0DD-CC8B-64F3-8F130F4DCAF2}"/>
+                    </a:ext>
+                  </a:extLst>
+                </p:cNvPr>
+                <p:cNvPicPr/>
+                <p:nvPr/>
+              </p:nvPicPr>
+              <p:blipFill>
+                <a:blip r:embed="rId14"/>
+                <a:stretch>
+                  <a:fillRect/>
+                </a:stretch>
+              </p:blipFill>
+              <p:spPr>
+                <a:xfrm>
+                  <a:off x="5060934" y="4196921"/>
+                  <a:ext cx="137880" cy="182160"/>
+                </a:xfrm>
+                <a:prstGeom prst="rect">
+                  <a:avLst/>
+                </a:prstGeom>
+              </p:spPr>
+            </p:pic>
+          </mc:Fallback>
+        </mc:AlternateContent>
+        <mc:AlternateContent xmlns:mc="http://schemas.openxmlformats.org/markup-compatibility/2006">
+          <mc:Choice xmlns:p14="http://schemas.microsoft.com/office/powerpoint/2010/main" Requires="p14">
+            <p:contentPart p14:bwMode="auto" r:id="rId15">
+              <p14:nvContentPartPr>
+                <p14:cNvPr id="22" name="Ink 21">
+                  <a:extLst>
+                    <a:ext uri="{FF2B5EF4-FFF2-40B4-BE49-F238E27FC236}">
+                      <a16:creationId xmlns:a16="http://schemas.microsoft.com/office/drawing/2014/main" id="{3ABD2508-D9CC-1DF8-04AB-35E218DA1DB9}"/>
+                    </a:ext>
+                  </a:extLst>
+                </p14:cNvPr>
+                <p14:cNvContentPartPr/>
+                <p14:nvPr/>
+              </p14:nvContentPartPr>
+              <p14:xfrm>
+                <a:off x="4984974" y="4085321"/>
+                <a:ext cx="257760" cy="415800"/>
+              </p14:xfrm>
+            </p:contentPart>
+          </mc:Choice>
+          <mc:Fallback>
+            <p:pic>
+              <p:nvPicPr>
+                <p:cNvPr id="22" name="Ink 21">
+                  <a:extLst>
+                    <a:ext uri="{FF2B5EF4-FFF2-40B4-BE49-F238E27FC236}">
+                      <a16:creationId xmlns:a16="http://schemas.microsoft.com/office/drawing/2014/main" id="{3ABD2508-D9CC-1DF8-04AB-35E218DA1DB9}"/>
+                    </a:ext>
+                  </a:extLst>
+                </p:cNvPr>
+                <p:cNvPicPr/>
+                <p:nvPr/>
+              </p:nvPicPr>
+              <p:blipFill>
+                <a:blip r:embed="rId16"/>
+                <a:stretch>
+                  <a:fillRect/>
+                </a:stretch>
+              </p:blipFill>
+              <p:spPr>
+                <a:xfrm>
+                  <a:off x="4978854" y="4079201"/>
+                  <a:ext cx="270000" cy="428040"/>
+                </a:xfrm>
+                <a:prstGeom prst="rect">
+                  <a:avLst/>
+                </a:prstGeom>
+              </p:spPr>
+            </p:pic>
+          </mc:Fallback>
+        </mc:AlternateContent>
+        <mc:AlternateContent xmlns:mc="http://schemas.openxmlformats.org/markup-compatibility/2006">
+          <mc:Choice xmlns:p14="http://schemas.microsoft.com/office/powerpoint/2010/main" Requires="p14">
+            <p:contentPart p14:bwMode="auto" r:id="rId17">
+              <p14:nvContentPartPr>
+                <p14:cNvPr id="25" name="Ink 24">
+                  <a:extLst>
+                    <a:ext uri="{FF2B5EF4-FFF2-40B4-BE49-F238E27FC236}">
+                      <a16:creationId xmlns:a16="http://schemas.microsoft.com/office/drawing/2014/main" id="{642977BC-46ED-D1E9-F280-7B3991A569CB}"/>
+                    </a:ext>
+                  </a:extLst>
+                </p14:cNvPr>
+                <p14:cNvContentPartPr/>
+                <p14:nvPr/>
+              </p14:nvContentPartPr>
+              <p14:xfrm>
+                <a:off x="5041134" y="4206281"/>
+                <a:ext cx="40320" cy="72360"/>
+              </p14:xfrm>
+            </p:contentPart>
+          </mc:Choice>
+          <mc:Fallback>
+            <p:pic>
+              <p:nvPicPr>
+                <p:cNvPr id="25" name="Ink 24">
+                  <a:extLst>
+                    <a:ext uri="{FF2B5EF4-FFF2-40B4-BE49-F238E27FC236}">
+                      <a16:creationId xmlns:a16="http://schemas.microsoft.com/office/drawing/2014/main" id="{642977BC-46ED-D1E9-F280-7B3991A569CB}"/>
+                    </a:ext>
+                  </a:extLst>
+                </p:cNvPr>
+                <p:cNvPicPr/>
+                <p:nvPr/>
+              </p:nvPicPr>
+              <p:blipFill>
+                <a:blip r:embed="rId18"/>
+                <a:stretch>
+                  <a:fillRect/>
+                </a:stretch>
+              </p:blipFill>
+              <p:spPr>
+                <a:xfrm>
+                  <a:off x="5035014" y="4200161"/>
+                  <a:ext cx="52560" cy="84600"/>
+                </a:xfrm>
+                <a:prstGeom prst="rect">
+                  <a:avLst/>
+                </a:prstGeom>
+              </p:spPr>
+            </p:pic>
+          </mc:Fallback>
+        </mc:AlternateContent>
+        <mc:AlternateContent xmlns:mc="http://schemas.openxmlformats.org/markup-compatibility/2006">
+          <mc:Choice xmlns:p14="http://schemas.microsoft.com/office/powerpoint/2010/main" Requires="p14">
+            <p:contentPart p14:bwMode="auto" r:id="rId19">
+              <p14:nvContentPartPr>
+                <p14:cNvPr id="28" name="Ink 27">
+                  <a:extLst>
+                    <a:ext uri="{FF2B5EF4-FFF2-40B4-BE49-F238E27FC236}">
+                      <a16:creationId xmlns:a16="http://schemas.microsoft.com/office/drawing/2014/main" id="{D22E9AD5-0A15-323B-3012-F47C1BFB98AA}"/>
+                    </a:ext>
+                  </a:extLst>
+                </p14:cNvPr>
+                <p14:cNvContentPartPr/>
+                <p14:nvPr/>
+              </p14:nvContentPartPr>
+              <p14:xfrm>
+                <a:off x="5244174" y="4394201"/>
+                <a:ext cx="246600" cy="270720"/>
+              </p14:xfrm>
+            </p:contentPart>
+          </mc:Choice>
+          <mc:Fallback>
+            <p:pic>
+              <p:nvPicPr>
+                <p:cNvPr id="28" name="Ink 27">
+                  <a:extLst>
+                    <a:ext uri="{FF2B5EF4-FFF2-40B4-BE49-F238E27FC236}">
+                      <a16:creationId xmlns:a16="http://schemas.microsoft.com/office/drawing/2014/main" id="{D22E9AD5-0A15-323B-3012-F47C1BFB98AA}"/>
+                    </a:ext>
+                  </a:extLst>
+                </p:cNvPr>
+                <p:cNvPicPr/>
+                <p:nvPr/>
+              </p:nvPicPr>
+              <p:blipFill>
+                <a:blip r:embed="rId20"/>
+                <a:stretch>
+                  <a:fillRect/>
+                </a:stretch>
+              </p:blipFill>
+              <p:spPr>
+                <a:xfrm>
+                  <a:off x="5238054" y="4388081"/>
+                  <a:ext cx="258840" cy="282960"/>
+                </a:xfrm>
+                <a:prstGeom prst="rect">
+                  <a:avLst/>
+                </a:prstGeom>
+              </p:spPr>
+            </p:pic>
+          </mc:Fallback>
+        </mc:AlternateContent>
+      </p:grpSp>
+      <mc:AlternateContent xmlns:mc="http://schemas.openxmlformats.org/markup-compatibility/2006">
+        <mc:Choice xmlns:p14="http://schemas.microsoft.com/office/powerpoint/2010/main" Requires="p14">
+          <p:contentPart p14:bwMode="auto" r:id="rId21">
+            <p14:nvContentPartPr>
+              <p14:cNvPr id="32" name="Ink 31">
+                <a:extLst>
+                  <a:ext uri="{FF2B5EF4-FFF2-40B4-BE49-F238E27FC236}">
+                    <a16:creationId xmlns:a16="http://schemas.microsoft.com/office/drawing/2014/main" id="{8D9A8A66-249E-5C53-6C00-94F295BCD913}"/>
+                  </a:ext>
+                </a:extLst>
+              </p14:cNvPr>
+              <p14:cNvContentPartPr/>
+              <p14:nvPr/>
+            </p14:nvContentPartPr>
+            <p14:xfrm>
+              <a:off x="5877414" y="4689041"/>
+              <a:ext cx="405360" cy="297720"/>
+            </p14:xfrm>
+          </p:contentPart>
+        </mc:Choice>
+        <mc:Fallback>
+          <p:pic>
+            <p:nvPicPr>
+              <p:cNvPr id="32" name="Ink 31">
+                <a:extLst>
+                  <a:ext uri="{FF2B5EF4-FFF2-40B4-BE49-F238E27FC236}">
+                    <a16:creationId xmlns:a16="http://schemas.microsoft.com/office/drawing/2014/main" id="{8D9A8A66-249E-5C53-6C00-94F295BCD913}"/>
+                  </a:ext>
+                </a:extLst>
+              </p:cNvPr>
+              <p:cNvPicPr/>
+              <p:nvPr/>
+            </p:nvPicPr>
+            <p:blipFill>
+              <a:blip r:embed="rId22"/>
+              <a:stretch>
+                <a:fillRect/>
+              </a:stretch>
+            </p:blipFill>
+            <p:spPr>
+              <a:xfrm>
+                <a:off x="5871294" y="4682921"/>
+                <a:ext cx="417600" cy="309960"/>
+              </a:xfrm>
+              <a:prstGeom prst="rect">
+                <a:avLst/>
+              </a:prstGeom>
+            </p:spPr>
+          </p:pic>
+        </mc:Fallback>
+      </mc:AlternateContent>
+    </p:spTree>
+    <p:extLst>
+      <p:ext uri="{BB962C8B-B14F-4D97-AF65-F5344CB8AC3E}">
+        <p14:creationId xmlns:p14="http://schemas.microsoft.com/office/powerpoint/2010/main" val="2650269681"/>
+      </p:ext>
+    </p:extLst>
+  </p:cSld>
+  <p:clrMapOvr>
+    <a:masterClrMapping/>
+  </p:clrMapOvr>
+</p:sld>
+</file>
+
+<file path=ppt/slides/slide3.xml><?xml version="1.0" encoding="utf-8"?>
+<p:sld xmlns:a="http://schemas.openxmlformats.org/drawingml/2006/main" xmlns:r="http://schemas.openxmlformats.org/officeDocument/2006/relationships" xmlns:p="http://schemas.openxmlformats.org/presentationml/2006/main">
+  <p:cSld>
+    <p:bg>
+      <p:bgPr>
+        <a:solidFill>
+          <a:schemeClr val="bg1"/>
+        </a:solidFill>
+        <a:effectLst/>
+      </p:bgPr>
+    </p:bg>
+    <p:spTree>
+      <p:nvGrpSpPr>
+        <p:cNvPr id="1" name=""/>
+        <p:cNvGrpSpPr/>
+        <p:nvPr/>
+      </p:nvGrpSpPr>
+      <p:grpSpPr>
+        <a:xfrm>
+          <a:off x="0" y="0"/>
+          <a:ext cx="0" cy="0"/>
+          <a:chOff x="0" y="0"/>
+          <a:chExt cx="0" cy="0"/>
+        </a:xfrm>
+      </p:grpSpPr>
+      <p:sp useBgFill="1">
+        <p:nvSpPr>
+          <p:cNvPr id="8" name="Rectangle 7">
+            <a:extLst>
+              <a:ext uri="{FF2B5EF4-FFF2-40B4-BE49-F238E27FC236}">
+                <a16:creationId xmlns:a16="http://schemas.microsoft.com/office/drawing/2014/main" id="{1B15ED52-F352-441B-82BF-E0EA34836D08}"/>
+              </a:ext>
+              <a:ext uri="{C183D7F6-B498-43B3-948B-1728B52AA6E4}">
+                <adec:decorative xmlns:adec="http://schemas.microsoft.com/office/drawing/2017/decorative" val="1"/>
+              </a:ext>
+            </a:extLst>
+          </p:cNvPr>
+          <p:cNvSpPr>
+            <a:spLocks noGrp="1" noRot="1" noChangeAspect="1" noMove="1" noResize="1" noEditPoints="1" noAdjustHandles="1" noChangeArrowheads="1" noChangeShapeType="1" noTextEdit="1"/>
+          </p:cNvSpPr>
+          <p:nvPr>
+            <p:extLst>
+              <p:ext uri="{386F3935-93C4-4BCD-93E2-E3B085C9AB24}">
+                <p16:designElem xmlns:p16="http://schemas.microsoft.com/office/powerpoint/2015/main" val="1"/>
+              </p:ext>
+            </p:extLst>
+          </p:nvPr>
+        </p:nvSpPr>
+        <p:spPr>
+          <a:xfrm>
+            <a:off x="0" y="0"/>
+            <a:ext cx="12192000" cy="6858000"/>
+          </a:xfrm>
+          <a:prstGeom prst="rect">
+            <a:avLst/>
+          </a:prstGeom>
+          <a:ln w="12700" cap="flat" cmpd="sng" algn="ctr">
+            <a:noFill/>
+            <a:prstDash val="solid"/>
+            <a:miter lim="800000"/>
+          </a:ln>
+          <a:effectLst/>
+          <a:extLst>
+            <a:ext uri="{91240B29-F687-4F45-9708-019B960494DF}">
+              <a14:hiddenLine xmlns:a14="http://schemas.microsoft.com/office/drawing/2010/main" w="12700" cap="flat" cmpd="sng" algn="ctr">
+                <a:solidFill>
+                  <a:schemeClr val="accent1">
+                    <a:shade val="50000"/>
+                  </a:schemeClr>
+                </a:solidFill>
+                <a:prstDash val="solid"/>
+                <a:miter lim="800000"/>
+              </a14:hiddenLine>
+            </a:ext>
+          </a:extLst>
+        </p:spPr>
+        <p:style>
+          <a:lnRef idx="2">
+            <a:schemeClr val="accent1">
+              <a:shade val="50000"/>
+            </a:schemeClr>
+          </a:lnRef>
+          <a:fillRef idx="1">
+            <a:schemeClr val="accent1"/>
+          </a:fillRef>
+          <a:effectRef idx="0">
+            <a:schemeClr val="accent1"/>
+          </a:effectRef>
+          <a:fontRef idx="minor">
+            <a:schemeClr val="lt1"/>
+          </a:fontRef>
+        </p:style>
+        <p:txBody>
+          <a:bodyPr rtlCol="0" anchor="ctr"/>
+          <a:lstStyle/>
+          <a:p>
+            <a:pPr algn="ctr"/>
+            <a:endParaRPr lang="en-US"/>
+          </a:p>
+        </p:txBody>
+      </p:sp>
+      <p:sp>
+        <p:nvSpPr>
           <p:cNvPr id="10" name="Rectangle 9">
             <a:extLst>
               <a:ext uri="{FF2B5EF4-FFF2-40B4-BE49-F238E27FC236}">
@@ -6856,6 +11497,1188 @@
           </a:p>
         </p:txBody>
       </p:sp>
+      <p:sp>
+        <p:nvSpPr>
+          <p:cNvPr id="5" name="TextBox 4">
+            <a:extLst>
+              <a:ext uri="{FF2B5EF4-FFF2-40B4-BE49-F238E27FC236}">
+                <a16:creationId xmlns:a16="http://schemas.microsoft.com/office/drawing/2014/main" id="{2CFC9B0C-B037-C6AD-0618-908DE54B9679}"/>
+              </a:ext>
+            </a:extLst>
+          </p:cNvPr>
+          <p:cNvSpPr txBox="1"/>
+          <p:nvPr/>
+        </p:nvSpPr>
+        <p:spPr>
+          <a:xfrm>
+            <a:off x="3698454" y="5593385"/>
+            <a:ext cx="6096000" cy="369332"/>
+          </a:xfrm>
+          <a:prstGeom prst="rect">
+            <a:avLst/>
+          </a:prstGeom>
+          <a:noFill/>
+        </p:spPr>
+        <p:txBody>
+          <a:bodyPr wrap="square">
+            <a:spAutoFit/>
+          </a:bodyPr>
+          <a:lstStyle/>
+          <a:p>
+            <a:r>
+              <a:rPr lang="en-US" sz="1800" dirty="0">
+                <a:solidFill>
+                  <a:srgbClr val="FF0000"/>
+                </a:solidFill>
+                <a:sym typeface="Wingdings" pitchFamily="2" charset="2"/>
+              </a:rPr>
+              <a:t>prior</a:t>
+            </a:r>
+            <a:endParaRPr lang="en-US" dirty="0">
+              <a:solidFill>
+                <a:srgbClr val="FF0000"/>
+              </a:solidFill>
+            </a:endParaRPr>
+          </a:p>
+        </p:txBody>
+      </p:sp>
+      <mc:AlternateContent xmlns:mc="http://schemas.openxmlformats.org/markup-compatibility/2006">
+        <mc:Choice xmlns:p14="http://schemas.microsoft.com/office/powerpoint/2010/main" Requires="p14">
+          <p:contentPart p14:bwMode="auto" r:id="rId2">
+            <p14:nvContentPartPr>
+              <p14:cNvPr id="13" name="Ink 12">
+                <a:extLst>
+                  <a:ext uri="{FF2B5EF4-FFF2-40B4-BE49-F238E27FC236}">
+                    <a16:creationId xmlns:a16="http://schemas.microsoft.com/office/drawing/2014/main" id="{122E5153-A099-1B8A-6C27-BDE8E429750E}"/>
+                  </a:ext>
+                </a:extLst>
+              </p14:cNvPr>
+              <p14:cNvContentPartPr/>
+              <p14:nvPr/>
+            </p14:nvContentPartPr>
+            <p14:xfrm>
+              <a:off x="3691134" y="5929601"/>
+              <a:ext cx="653760" cy="369360"/>
+            </p14:xfrm>
+          </p:contentPart>
+        </mc:Choice>
+        <mc:Fallback>
+          <p:pic>
+            <p:nvPicPr>
+              <p:cNvPr id="13" name="Ink 12">
+                <a:extLst>
+                  <a:ext uri="{FF2B5EF4-FFF2-40B4-BE49-F238E27FC236}">
+                    <a16:creationId xmlns:a16="http://schemas.microsoft.com/office/drawing/2014/main" id="{122E5153-A099-1B8A-6C27-BDE8E429750E}"/>
+                  </a:ext>
+                </a:extLst>
+              </p:cNvPr>
+              <p:cNvPicPr/>
+              <p:nvPr/>
+            </p:nvPicPr>
+            <p:blipFill>
+              <a:blip r:embed="rId3"/>
+              <a:stretch>
+                <a:fillRect/>
+              </a:stretch>
+            </p:blipFill>
+            <p:spPr>
+              <a:xfrm>
+                <a:off x="3685014" y="5923481"/>
+                <a:ext cx="666000" cy="381600"/>
+              </a:xfrm>
+              <a:prstGeom prst="rect">
+                <a:avLst/>
+              </a:prstGeom>
+            </p:spPr>
+          </p:pic>
+        </mc:Fallback>
+      </mc:AlternateContent>
+      <mc:AlternateContent xmlns:mc="http://schemas.openxmlformats.org/markup-compatibility/2006">
+        <mc:Choice xmlns:p14="http://schemas.microsoft.com/office/powerpoint/2010/main" Requires="p14">
+          <p:contentPart p14:bwMode="auto" r:id="rId4">
+            <p14:nvContentPartPr>
+              <p14:cNvPr id="15" name="Ink 14">
+                <a:extLst>
+                  <a:ext uri="{FF2B5EF4-FFF2-40B4-BE49-F238E27FC236}">
+                    <a16:creationId xmlns:a16="http://schemas.microsoft.com/office/drawing/2014/main" id="{7335FF25-4B75-77F2-8845-48B6BCDC839F}"/>
+                  </a:ext>
+                </a:extLst>
+              </p14:cNvPr>
+              <p14:cNvContentPartPr/>
+              <p14:nvPr/>
+            </p14:nvContentPartPr>
+            <p14:xfrm>
+              <a:off x="6746454" y="2696441"/>
+              <a:ext cx="731160" cy="359280"/>
+            </p14:xfrm>
+          </p:contentPart>
+        </mc:Choice>
+        <mc:Fallback>
+          <p:pic>
+            <p:nvPicPr>
+              <p:cNvPr id="15" name="Ink 14">
+                <a:extLst>
+                  <a:ext uri="{FF2B5EF4-FFF2-40B4-BE49-F238E27FC236}">
+                    <a16:creationId xmlns:a16="http://schemas.microsoft.com/office/drawing/2014/main" id="{7335FF25-4B75-77F2-8845-48B6BCDC839F}"/>
+                  </a:ext>
+                </a:extLst>
+              </p:cNvPr>
+              <p:cNvPicPr/>
+              <p:nvPr/>
+            </p:nvPicPr>
+            <p:blipFill>
+              <a:blip r:embed="rId5"/>
+              <a:stretch>
+                <a:fillRect/>
+              </a:stretch>
+            </p:blipFill>
+            <p:spPr>
+              <a:xfrm>
+                <a:off x="6740334" y="2690321"/>
+                <a:ext cx="743400" cy="371520"/>
+              </a:xfrm>
+              <a:prstGeom prst="rect">
+                <a:avLst/>
+              </a:prstGeom>
+            </p:spPr>
+          </p:pic>
+        </mc:Fallback>
+      </mc:AlternateContent>
+      <mc:AlternateContent xmlns:mc="http://schemas.openxmlformats.org/markup-compatibility/2006">
+        <mc:Choice xmlns:p14="http://schemas.microsoft.com/office/powerpoint/2010/main" Requires="p14">
+          <p:contentPart p14:bwMode="auto" r:id="rId6">
+            <p14:nvContentPartPr>
+              <p14:cNvPr id="17" name="Ink 16">
+                <a:extLst>
+                  <a:ext uri="{FF2B5EF4-FFF2-40B4-BE49-F238E27FC236}">
+                    <a16:creationId xmlns:a16="http://schemas.microsoft.com/office/drawing/2014/main" id="{135C21D2-6036-C300-9AC8-1438B66EFD54}"/>
+                  </a:ext>
+                </a:extLst>
+              </p14:cNvPr>
+              <p14:cNvContentPartPr/>
+              <p14:nvPr/>
+            </p14:nvContentPartPr>
+            <p14:xfrm>
+              <a:off x="6857694" y="2161481"/>
+              <a:ext cx="21600" cy="226800"/>
+            </p14:xfrm>
+          </p:contentPart>
+        </mc:Choice>
+        <mc:Fallback>
+          <p:pic>
+            <p:nvPicPr>
+              <p:cNvPr id="17" name="Ink 16">
+                <a:extLst>
+                  <a:ext uri="{FF2B5EF4-FFF2-40B4-BE49-F238E27FC236}">
+                    <a16:creationId xmlns:a16="http://schemas.microsoft.com/office/drawing/2014/main" id="{135C21D2-6036-C300-9AC8-1438B66EFD54}"/>
+                  </a:ext>
+                </a:extLst>
+              </p:cNvPr>
+              <p:cNvPicPr/>
+              <p:nvPr/>
+            </p:nvPicPr>
+            <p:blipFill>
+              <a:blip r:embed="rId7"/>
+              <a:stretch>
+                <a:fillRect/>
+              </a:stretch>
+            </p:blipFill>
+            <p:spPr>
+              <a:xfrm>
+                <a:off x="6851574" y="2155361"/>
+                <a:ext cx="33840" cy="239040"/>
+              </a:xfrm>
+              <a:prstGeom prst="rect">
+                <a:avLst/>
+              </a:prstGeom>
+            </p:spPr>
+          </p:pic>
+        </mc:Fallback>
+      </mc:AlternateContent>
+      <mc:AlternateContent xmlns:mc="http://schemas.openxmlformats.org/markup-compatibility/2006">
+        <mc:Choice xmlns:p14="http://schemas.microsoft.com/office/powerpoint/2010/main" Requires="p14">
+          <p:contentPart p14:bwMode="auto" r:id="rId8">
+            <p14:nvContentPartPr>
+              <p14:cNvPr id="18" name="Ink 17">
+                <a:extLst>
+                  <a:ext uri="{FF2B5EF4-FFF2-40B4-BE49-F238E27FC236}">
+                    <a16:creationId xmlns:a16="http://schemas.microsoft.com/office/drawing/2014/main" id="{7F64956B-9134-A051-5BCF-73E840773904}"/>
+                  </a:ext>
+                </a:extLst>
+              </p14:cNvPr>
+              <p14:cNvContentPartPr/>
+              <p14:nvPr/>
+            </p14:nvContentPartPr>
+            <p14:xfrm>
+              <a:off x="6710094" y="2112161"/>
+              <a:ext cx="314280" cy="363600"/>
+            </p14:xfrm>
+          </p:contentPart>
+        </mc:Choice>
+        <mc:Fallback>
+          <p:pic>
+            <p:nvPicPr>
+              <p:cNvPr id="18" name="Ink 17">
+                <a:extLst>
+                  <a:ext uri="{FF2B5EF4-FFF2-40B4-BE49-F238E27FC236}">
+                    <a16:creationId xmlns:a16="http://schemas.microsoft.com/office/drawing/2014/main" id="{7F64956B-9134-A051-5BCF-73E840773904}"/>
+                  </a:ext>
+                </a:extLst>
+              </p:cNvPr>
+              <p:cNvPicPr/>
+              <p:nvPr/>
+            </p:nvPicPr>
+            <p:blipFill>
+              <a:blip r:embed="rId9"/>
+              <a:stretch>
+                <a:fillRect/>
+              </a:stretch>
+            </p:blipFill>
+            <p:spPr>
+              <a:xfrm>
+                <a:off x="6703974" y="2106041"/>
+                <a:ext cx="326520" cy="375840"/>
+              </a:xfrm>
+              <a:prstGeom prst="rect">
+                <a:avLst/>
+              </a:prstGeom>
+            </p:spPr>
+          </p:pic>
+        </mc:Fallback>
+      </mc:AlternateContent>
+      <mc:AlternateContent xmlns:mc="http://schemas.openxmlformats.org/markup-compatibility/2006">
+        <mc:Choice xmlns:p14="http://schemas.microsoft.com/office/powerpoint/2010/main" Requires="p14">
+          <p:contentPart p14:bwMode="auto" r:id="rId10">
+            <p14:nvContentPartPr>
+              <p14:cNvPr id="19" name="Ink 18">
+                <a:extLst>
+                  <a:ext uri="{FF2B5EF4-FFF2-40B4-BE49-F238E27FC236}">
+                    <a16:creationId xmlns:a16="http://schemas.microsoft.com/office/drawing/2014/main" id="{2EF9852E-3F6F-392D-A283-F7E87BACE7F5}"/>
+                  </a:ext>
+                </a:extLst>
+              </p14:cNvPr>
+              <p14:cNvContentPartPr/>
+              <p14:nvPr/>
+            </p14:nvContentPartPr>
+            <p14:xfrm>
+              <a:off x="2198214" y="2111441"/>
+              <a:ext cx="176400" cy="250560"/>
+            </p14:xfrm>
+          </p:contentPart>
+        </mc:Choice>
+        <mc:Fallback>
+          <p:pic>
+            <p:nvPicPr>
+              <p:cNvPr id="19" name="Ink 18">
+                <a:extLst>
+                  <a:ext uri="{FF2B5EF4-FFF2-40B4-BE49-F238E27FC236}">
+                    <a16:creationId xmlns:a16="http://schemas.microsoft.com/office/drawing/2014/main" id="{2EF9852E-3F6F-392D-A283-F7E87BACE7F5}"/>
+                  </a:ext>
+                </a:extLst>
+              </p:cNvPr>
+              <p:cNvPicPr/>
+              <p:nvPr/>
+            </p:nvPicPr>
+            <p:blipFill>
+              <a:blip r:embed="rId11"/>
+              <a:stretch>
+                <a:fillRect/>
+              </a:stretch>
+            </p:blipFill>
+            <p:spPr>
+              <a:xfrm>
+                <a:off x="2192094" y="2105321"/>
+                <a:ext cx="188640" cy="262800"/>
+              </a:xfrm>
+              <a:prstGeom prst="rect">
+                <a:avLst/>
+              </a:prstGeom>
+            </p:spPr>
+          </p:pic>
+        </mc:Fallback>
+      </mc:AlternateContent>
+      <mc:AlternateContent xmlns:mc="http://schemas.openxmlformats.org/markup-compatibility/2006">
+        <mc:Choice xmlns:p14="http://schemas.microsoft.com/office/powerpoint/2010/main" Requires="p14">
+          <p:contentPart p14:bwMode="auto" r:id="rId12">
+            <p14:nvContentPartPr>
+              <p14:cNvPr id="20" name="Ink 19">
+                <a:extLst>
+                  <a:ext uri="{FF2B5EF4-FFF2-40B4-BE49-F238E27FC236}">
+                    <a16:creationId xmlns:a16="http://schemas.microsoft.com/office/drawing/2014/main" id="{8ED65EAA-D993-82E1-465D-392B84AE35CD}"/>
+                  </a:ext>
+                </a:extLst>
+              </p14:cNvPr>
+              <p14:cNvContentPartPr/>
+              <p14:nvPr/>
+            </p14:nvContentPartPr>
+            <p14:xfrm>
+              <a:off x="2100294" y="2018201"/>
+              <a:ext cx="453960" cy="465120"/>
+            </p14:xfrm>
+          </p:contentPart>
+        </mc:Choice>
+        <mc:Fallback>
+          <p:pic>
+            <p:nvPicPr>
+              <p:cNvPr id="20" name="Ink 19">
+                <a:extLst>
+                  <a:ext uri="{FF2B5EF4-FFF2-40B4-BE49-F238E27FC236}">
+                    <a16:creationId xmlns:a16="http://schemas.microsoft.com/office/drawing/2014/main" id="{8ED65EAA-D993-82E1-465D-392B84AE35CD}"/>
+                  </a:ext>
+                </a:extLst>
+              </p:cNvPr>
+              <p:cNvPicPr/>
+              <p:nvPr/>
+            </p:nvPicPr>
+            <p:blipFill>
+              <a:blip r:embed="rId13"/>
+              <a:stretch>
+                <a:fillRect/>
+              </a:stretch>
+            </p:blipFill>
+            <p:spPr>
+              <a:xfrm>
+                <a:off x="2094174" y="2012081"/>
+                <a:ext cx="466200" cy="477360"/>
+              </a:xfrm>
+              <a:prstGeom prst="rect">
+                <a:avLst/>
+              </a:prstGeom>
+            </p:spPr>
+          </p:pic>
+        </mc:Fallback>
+      </mc:AlternateContent>
+      <p:sp>
+        <p:nvSpPr>
+          <p:cNvPr id="21" name="TextBox 20">
+            <a:extLst>
+              <a:ext uri="{FF2B5EF4-FFF2-40B4-BE49-F238E27FC236}">
+                <a16:creationId xmlns:a16="http://schemas.microsoft.com/office/drawing/2014/main" id="{94EC2F3B-AB35-99E9-EDD9-737965DE6DA9}"/>
+              </a:ext>
+            </a:extLst>
+          </p:cNvPr>
+          <p:cNvSpPr txBox="1"/>
+          <p:nvPr/>
+        </p:nvSpPr>
+        <p:spPr>
+          <a:xfrm>
+            <a:off x="3047998" y="5427711"/>
+            <a:ext cx="6096000" cy="369332"/>
+          </a:xfrm>
+          <a:prstGeom prst="rect">
+            <a:avLst/>
+          </a:prstGeom>
+          <a:noFill/>
+        </p:spPr>
+        <p:txBody>
+          <a:bodyPr wrap="square">
+            <a:spAutoFit/>
+          </a:bodyPr>
+          <a:lstStyle/>
+          <a:p>
+            <a:r>
+              <a:rPr lang="en-US" sz="1800" dirty="0">
+                <a:solidFill>
+                  <a:srgbClr val="FF0000"/>
+                </a:solidFill>
+                <a:sym typeface="Wingdings" pitchFamily="2" charset="2"/>
+              </a:rPr>
+              <a:t>prob</a:t>
+            </a:r>
+            <a:endParaRPr lang="en-US" dirty="0">
+              <a:solidFill>
+                <a:srgbClr val="FF0000"/>
+              </a:solidFill>
+            </a:endParaRPr>
+          </a:p>
+        </p:txBody>
+      </p:sp>
+      <mc:AlternateContent xmlns:mc="http://schemas.openxmlformats.org/markup-compatibility/2006">
+        <mc:Choice xmlns:p14="http://schemas.microsoft.com/office/powerpoint/2010/main" Requires="p14">
+          <p:contentPart p14:bwMode="auto" r:id="rId14">
+            <p14:nvContentPartPr>
+              <p14:cNvPr id="22" name="Ink 21">
+                <a:extLst>
+                  <a:ext uri="{FF2B5EF4-FFF2-40B4-BE49-F238E27FC236}">
+                    <a16:creationId xmlns:a16="http://schemas.microsoft.com/office/drawing/2014/main" id="{77FFB130-AC35-E0AA-01DF-DCA6B402B9C7}"/>
+                  </a:ext>
+                </a:extLst>
+              </p14:cNvPr>
+              <p14:cNvContentPartPr/>
+              <p14:nvPr/>
+            </p14:nvContentPartPr>
+            <p14:xfrm>
+              <a:off x="3302334" y="5756081"/>
+              <a:ext cx="1598760" cy="767160"/>
+            </p14:xfrm>
+          </p:contentPart>
+        </mc:Choice>
+        <mc:Fallback>
+          <p:pic>
+            <p:nvPicPr>
+              <p:cNvPr id="22" name="Ink 21">
+                <a:extLst>
+                  <a:ext uri="{FF2B5EF4-FFF2-40B4-BE49-F238E27FC236}">
+                    <a16:creationId xmlns:a16="http://schemas.microsoft.com/office/drawing/2014/main" id="{77FFB130-AC35-E0AA-01DF-DCA6B402B9C7}"/>
+                  </a:ext>
+                </a:extLst>
+              </p:cNvPr>
+              <p:cNvPicPr/>
+              <p:nvPr/>
+            </p:nvPicPr>
+            <p:blipFill>
+              <a:blip r:embed="rId15"/>
+              <a:stretch>
+                <a:fillRect/>
+              </a:stretch>
+            </p:blipFill>
+            <p:spPr>
+              <a:xfrm>
+                <a:off x="3296214" y="5749961"/>
+                <a:ext cx="1611000" cy="779400"/>
+              </a:xfrm>
+              <a:prstGeom prst="rect">
+                <a:avLst/>
+              </a:prstGeom>
+            </p:spPr>
+          </p:pic>
+        </mc:Fallback>
+      </mc:AlternateContent>
+      <p:sp>
+        <p:nvSpPr>
+          <p:cNvPr id="23" name="TextBox 22">
+            <a:extLst>
+              <a:ext uri="{FF2B5EF4-FFF2-40B4-BE49-F238E27FC236}">
+                <a16:creationId xmlns:a16="http://schemas.microsoft.com/office/drawing/2014/main" id="{CAA004ED-F24F-EA3A-32A8-399968CFF594}"/>
+              </a:ext>
+            </a:extLst>
+          </p:cNvPr>
+          <p:cNvSpPr txBox="1"/>
+          <p:nvPr/>
+        </p:nvSpPr>
+        <p:spPr>
+          <a:xfrm>
+            <a:off x="4881005" y="6153909"/>
+            <a:ext cx="6096000" cy="369332"/>
+          </a:xfrm>
+          <a:prstGeom prst="rect">
+            <a:avLst/>
+          </a:prstGeom>
+          <a:noFill/>
+        </p:spPr>
+        <p:txBody>
+          <a:bodyPr wrap="square">
+            <a:spAutoFit/>
+          </a:bodyPr>
+          <a:lstStyle/>
+          <a:p>
+            <a:r>
+              <a:rPr lang="en-US" sz="1800" dirty="0">
+                <a:solidFill>
+                  <a:srgbClr val="FF0000"/>
+                </a:solidFill>
+                <a:sym typeface="Wingdings" pitchFamily="2" charset="2"/>
+              </a:rPr>
+              <a:t>setup</a:t>
+            </a:r>
+            <a:endParaRPr lang="en-US" dirty="0">
+              <a:solidFill>
+                <a:srgbClr val="FF0000"/>
+              </a:solidFill>
+            </a:endParaRPr>
+          </a:p>
+        </p:txBody>
+      </p:sp>
+      <p:sp>
+        <p:nvSpPr>
+          <p:cNvPr id="24" name="TextBox 23">
+            <a:extLst>
+              <a:ext uri="{FF2B5EF4-FFF2-40B4-BE49-F238E27FC236}">
+                <a16:creationId xmlns:a16="http://schemas.microsoft.com/office/drawing/2014/main" id="{34479ABC-FB08-2D3B-DB7D-B2F4B1C536AF}"/>
+              </a:ext>
+            </a:extLst>
+          </p:cNvPr>
+          <p:cNvSpPr txBox="1"/>
+          <p:nvPr/>
+        </p:nvSpPr>
+        <p:spPr>
+          <a:xfrm>
+            <a:off x="5706067" y="5770329"/>
+            <a:ext cx="6096000" cy="369332"/>
+          </a:xfrm>
+          <a:prstGeom prst="rect">
+            <a:avLst/>
+          </a:prstGeom>
+          <a:noFill/>
+        </p:spPr>
+        <p:txBody>
+          <a:bodyPr wrap="square">
+            <a:spAutoFit/>
+          </a:bodyPr>
+          <a:lstStyle/>
+          <a:p>
+            <a:r>
+              <a:rPr lang="en-US" sz="1800" dirty="0">
+                <a:solidFill>
+                  <a:srgbClr val="FF0000"/>
+                </a:solidFill>
+                <a:sym typeface="Wingdings" pitchFamily="2" charset="2"/>
+              </a:rPr>
+              <a:t>+ data  posterior</a:t>
+            </a:r>
+            <a:endParaRPr lang="en-US" dirty="0">
+              <a:solidFill>
+                <a:srgbClr val="FF0000"/>
+              </a:solidFill>
+            </a:endParaRPr>
+          </a:p>
+        </p:txBody>
+      </p:sp>
+      <p:sp>
+        <p:nvSpPr>
+          <p:cNvPr id="25" name="TextBox 24">
+            <a:extLst>
+              <a:ext uri="{FF2B5EF4-FFF2-40B4-BE49-F238E27FC236}">
+                <a16:creationId xmlns:a16="http://schemas.microsoft.com/office/drawing/2014/main" id="{F66A7F60-29E7-7E50-0402-9AB8FDC56902}"/>
+              </a:ext>
+            </a:extLst>
+          </p:cNvPr>
+          <p:cNvSpPr txBox="1"/>
+          <p:nvPr/>
+        </p:nvSpPr>
+        <p:spPr>
+          <a:xfrm>
+            <a:off x="2658067" y="2098703"/>
+            <a:ext cx="6096000" cy="369332"/>
+          </a:xfrm>
+          <a:prstGeom prst="rect">
+            <a:avLst/>
+          </a:prstGeom>
+          <a:noFill/>
+        </p:spPr>
+        <p:txBody>
+          <a:bodyPr wrap="square">
+            <a:spAutoFit/>
+          </a:bodyPr>
+          <a:lstStyle/>
+          <a:p>
+            <a:r>
+              <a:rPr lang="en-US" sz="1800" dirty="0">
+                <a:solidFill>
+                  <a:srgbClr val="FF0000"/>
+                </a:solidFill>
+                <a:sym typeface="Wingdings" pitchFamily="2" charset="2"/>
+              </a:rPr>
+              <a:t>data</a:t>
+            </a:r>
+            <a:endParaRPr lang="en-US" dirty="0">
+              <a:solidFill>
+                <a:srgbClr val="FF0000"/>
+              </a:solidFill>
+            </a:endParaRPr>
+          </a:p>
+        </p:txBody>
+      </p:sp>
+      <p:grpSp>
+        <p:nvGrpSpPr>
+          <p:cNvPr id="33" name="Group 32">
+            <a:extLst>
+              <a:ext uri="{FF2B5EF4-FFF2-40B4-BE49-F238E27FC236}">
+                <a16:creationId xmlns:a16="http://schemas.microsoft.com/office/drawing/2014/main" id="{D563009B-8048-F99E-6DBF-6270E257F9F8}"/>
+              </a:ext>
+            </a:extLst>
+          </p:cNvPr>
+          <p:cNvGrpSpPr/>
+          <p:nvPr/>
+        </p:nvGrpSpPr>
+        <p:grpSpPr>
+          <a:xfrm>
+            <a:off x="5933574" y="6090881"/>
+            <a:ext cx="1858680" cy="573480"/>
+            <a:chOff x="5933574" y="6090881"/>
+            <a:chExt cx="1858680" cy="573480"/>
+          </a:xfrm>
+        </p:grpSpPr>
+        <mc:AlternateContent xmlns:mc="http://schemas.openxmlformats.org/markup-compatibility/2006">
+          <mc:Choice xmlns:p14="http://schemas.microsoft.com/office/powerpoint/2010/main" Requires="p14">
+            <p:contentPart p14:bwMode="auto" r:id="rId16">
+              <p14:nvContentPartPr>
+                <p14:cNvPr id="26" name="Ink 25">
+                  <a:extLst>
+                    <a:ext uri="{FF2B5EF4-FFF2-40B4-BE49-F238E27FC236}">
+                      <a16:creationId xmlns:a16="http://schemas.microsoft.com/office/drawing/2014/main" id="{601479AD-0485-5C03-F6B1-0621C2E43916}"/>
+                    </a:ext>
+                  </a:extLst>
+                </p14:cNvPr>
+                <p14:cNvContentPartPr/>
+                <p14:nvPr/>
+              </p14:nvContentPartPr>
+              <p14:xfrm>
+                <a:off x="5986134" y="6090881"/>
+                <a:ext cx="417960" cy="282600"/>
+              </p14:xfrm>
+            </p:contentPart>
+          </mc:Choice>
+          <mc:Fallback>
+            <p:pic>
+              <p:nvPicPr>
+                <p:cNvPr id="26" name="Ink 25">
+                  <a:extLst>
+                    <a:ext uri="{FF2B5EF4-FFF2-40B4-BE49-F238E27FC236}">
+                      <a16:creationId xmlns:a16="http://schemas.microsoft.com/office/drawing/2014/main" id="{601479AD-0485-5C03-F6B1-0621C2E43916}"/>
+                    </a:ext>
+                  </a:extLst>
+                </p:cNvPr>
+                <p:cNvPicPr/>
+                <p:nvPr/>
+              </p:nvPicPr>
+              <p:blipFill>
+                <a:blip r:embed="rId17"/>
+                <a:stretch>
+                  <a:fillRect/>
+                </a:stretch>
+              </p:blipFill>
+              <p:spPr>
+                <a:xfrm>
+                  <a:off x="5980014" y="6084761"/>
+                  <a:ext cx="430200" cy="294840"/>
+                </a:xfrm>
+                <a:prstGeom prst="rect">
+                  <a:avLst/>
+                </a:prstGeom>
+              </p:spPr>
+            </p:pic>
+          </mc:Fallback>
+        </mc:AlternateContent>
+        <mc:AlternateContent xmlns:mc="http://schemas.openxmlformats.org/markup-compatibility/2006">
+          <mc:Choice xmlns:p14="http://schemas.microsoft.com/office/powerpoint/2010/main" Requires="p14">
+            <p:contentPart p14:bwMode="auto" r:id="rId18">
+              <p14:nvContentPartPr>
+                <p14:cNvPr id="27" name="Ink 26">
+                  <a:extLst>
+                    <a:ext uri="{FF2B5EF4-FFF2-40B4-BE49-F238E27FC236}">
+                      <a16:creationId xmlns:a16="http://schemas.microsoft.com/office/drawing/2014/main" id="{5188D0A9-1F06-378B-D402-799C3D2565A5}"/>
+                    </a:ext>
+                  </a:extLst>
+                </p14:cNvPr>
+                <p14:cNvContentPartPr/>
+                <p14:nvPr/>
+              </p14:nvContentPartPr>
+              <p14:xfrm>
+                <a:off x="5933574" y="6433601"/>
+                <a:ext cx="520200" cy="188640"/>
+              </p14:xfrm>
+            </p:contentPart>
+          </mc:Choice>
+          <mc:Fallback>
+            <p:pic>
+              <p:nvPicPr>
+                <p:cNvPr id="27" name="Ink 26">
+                  <a:extLst>
+                    <a:ext uri="{FF2B5EF4-FFF2-40B4-BE49-F238E27FC236}">
+                      <a16:creationId xmlns:a16="http://schemas.microsoft.com/office/drawing/2014/main" id="{5188D0A9-1F06-378B-D402-799C3D2565A5}"/>
+                    </a:ext>
+                  </a:extLst>
+                </p:cNvPr>
+                <p:cNvPicPr/>
+                <p:nvPr/>
+              </p:nvPicPr>
+              <p:blipFill>
+                <a:blip r:embed="rId19"/>
+                <a:stretch>
+                  <a:fillRect/>
+                </a:stretch>
+              </p:blipFill>
+              <p:spPr>
+                <a:xfrm>
+                  <a:off x="5927454" y="6427481"/>
+                  <a:ext cx="532440" cy="200880"/>
+                </a:xfrm>
+                <a:prstGeom prst="rect">
+                  <a:avLst/>
+                </a:prstGeom>
+              </p:spPr>
+            </p:pic>
+          </mc:Fallback>
+        </mc:AlternateContent>
+        <mc:AlternateContent xmlns:mc="http://schemas.openxmlformats.org/markup-compatibility/2006">
+          <mc:Choice xmlns:p14="http://schemas.microsoft.com/office/powerpoint/2010/main" Requires="p14">
+            <p:contentPart p14:bwMode="auto" r:id="rId20">
+              <p14:nvContentPartPr>
+                <p14:cNvPr id="30" name="Ink 29">
+                  <a:extLst>
+                    <a:ext uri="{FF2B5EF4-FFF2-40B4-BE49-F238E27FC236}">
+                      <a16:creationId xmlns:a16="http://schemas.microsoft.com/office/drawing/2014/main" id="{E193FCD8-AD54-95B6-56C8-AF2EA7369ACD}"/>
+                    </a:ext>
+                  </a:extLst>
+                </p14:cNvPr>
+                <p14:cNvContentPartPr/>
+                <p14:nvPr/>
+              </p14:nvContentPartPr>
+              <p14:xfrm>
+                <a:off x="7040214" y="6160001"/>
+                <a:ext cx="642600" cy="273600"/>
+              </p14:xfrm>
+            </p:contentPart>
+          </mc:Choice>
+          <mc:Fallback>
+            <p:pic>
+              <p:nvPicPr>
+                <p:cNvPr id="30" name="Ink 29">
+                  <a:extLst>
+                    <a:ext uri="{FF2B5EF4-FFF2-40B4-BE49-F238E27FC236}">
+                      <a16:creationId xmlns:a16="http://schemas.microsoft.com/office/drawing/2014/main" id="{E193FCD8-AD54-95B6-56C8-AF2EA7369ACD}"/>
+                    </a:ext>
+                  </a:extLst>
+                </p:cNvPr>
+                <p:cNvPicPr/>
+                <p:nvPr/>
+              </p:nvPicPr>
+              <p:blipFill>
+                <a:blip r:embed="rId21"/>
+                <a:stretch>
+                  <a:fillRect/>
+                </a:stretch>
+              </p:blipFill>
+              <p:spPr>
+                <a:xfrm>
+                  <a:off x="7034094" y="6153881"/>
+                  <a:ext cx="654840" cy="285840"/>
+                </a:xfrm>
+                <a:prstGeom prst="rect">
+                  <a:avLst/>
+                </a:prstGeom>
+              </p:spPr>
+            </p:pic>
+          </mc:Fallback>
+        </mc:AlternateContent>
+        <mc:AlternateContent xmlns:mc="http://schemas.openxmlformats.org/markup-compatibility/2006">
+          <mc:Choice xmlns:p14="http://schemas.microsoft.com/office/powerpoint/2010/main" Requires="p14">
+            <p:contentPart p14:bwMode="auto" r:id="rId22">
+              <p14:nvContentPartPr>
+                <p14:cNvPr id="31" name="Ink 30">
+                  <a:extLst>
+                    <a:ext uri="{FF2B5EF4-FFF2-40B4-BE49-F238E27FC236}">
+                      <a16:creationId xmlns:a16="http://schemas.microsoft.com/office/drawing/2014/main" id="{EDA1C8CF-D556-B0FE-3360-00AB0A0D5709}"/>
+                    </a:ext>
+                  </a:extLst>
+                </p14:cNvPr>
+                <p14:cNvContentPartPr/>
+                <p14:nvPr/>
+              </p14:nvContentPartPr>
+              <p14:xfrm>
+                <a:off x="6909174" y="6480401"/>
+                <a:ext cx="883080" cy="183960"/>
+              </p14:xfrm>
+            </p:contentPart>
+          </mc:Choice>
+          <mc:Fallback>
+            <p:pic>
+              <p:nvPicPr>
+                <p:cNvPr id="31" name="Ink 30">
+                  <a:extLst>
+                    <a:ext uri="{FF2B5EF4-FFF2-40B4-BE49-F238E27FC236}">
+                      <a16:creationId xmlns:a16="http://schemas.microsoft.com/office/drawing/2014/main" id="{EDA1C8CF-D556-B0FE-3360-00AB0A0D5709}"/>
+                    </a:ext>
+                  </a:extLst>
+                </p:cNvPr>
+                <p:cNvPicPr/>
+                <p:nvPr/>
+              </p:nvPicPr>
+              <p:blipFill>
+                <a:blip r:embed="rId23"/>
+                <a:stretch>
+                  <a:fillRect/>
+                </a:stretch>
+              </p:blipFill>
+              <p:spPr>
+                <a:xfrm>
+                  <a:off x="6903054" y="6474281"/>
+                  <a:ext cx="895320" cy="196200"/>
+                </a:xfrm>
+                <a:prstGeom prst="rect">
+                  <a:avLst/>
+                </a:prstGeom>
+              </p:spPr>
+            </p:pic>
+          </mc:Fallback>
+        </mc:AlternateContent>
+      </p:grpSp>
+      <mc:AlternateContent xmlns:mc="http://schemas.openxmlformats.org/markup-compatibility/2006">
+        <mc:Choice xmlns:p14="http://schemas.microsoft.com/office/powerpoint/2010/main" Requires="p14">
+          <p:contentPart p14:bwMode="auto" r:id="rId24">
+            <p14:nvContentPartPr>
+              <p14:cNvPr id="34" name="Ink 33">
+                <a:extLst>
+                  <a:ext uri="{FF2B5EF4-FFF2-40B4-BE49-F238E27FC236}">
+                    <a16:creationId xmlns:a16="http://schemas.microsoft.com/office/drawing/2014/main" id="{601C0BA6-5A69-C4A0-2B42-E976413DD58B}"/>
+                  </a:ext>
+                </a:extLst>
+              </p14:cNvPr>
+              <p14:cNvContentPartPr/>
+              <p14:nvPr/>
+            </p14:nvContentPartPr>
+            <p14:xfrm>
+              <a:off x="571014" y="5406161"/>
+              <a:ext cx="1959840" cy="1066680"/>
+            </p14:xfrm>
+          </p:contentPart>
+        </mc:Choice>
+        <mc:Fallback>
+          <p:pic>
+            <p:nvPicPr>
+              <p:cNvPr id="34" name="Ink 33">
+                <a:extLst>
+                  <a:ext uri="{FF2B5EF4-FFF2-40B4-BE49-F238E27FC236}">
+                    <a16:creationId xmlns:a16="http://schemas.microsoft.com/office/drawing/2014/main" id="{601C0BA6-5A69-C4A0-2B42-E976413DD58B}"/>
+                  </a:ext>
+                </a:extLst>
+              </p:cNvPr>
+              <p:cNvPicPr/>
+              <p:nvPr/>
+            </p:nvPicPr>
+            <p:blipFill>
+              <a:blip r:embed="rId25"/>
+              <a:stretch>
+                <a:fillRect/>
+              </a:stretch>
+            </p:blipFill>
+            <p:spPr>
+              <a:xfrm>
+                <a:off x="564894" y="5400041"/>
+                <a:ext cx="1972080" cy="1078920"/>
+              </a:xfrm>
+              <a:prstGeom prst="rect">
+                <a:avLst/>
+              </a:prstGeom>
+            </p:spPr>
+          </p:pic>
+        </mc:Fallback>
+      </mc:AlternateContent>
+      <mc:AlternateContent xmlns:mc="http://schemas.openxmlformats.org/markup-compatibility/2006">
+        <mc:Choice xmlns:p14="http://schemas.microsoft.com/office/powerpoint/2010/main" Requires="p14">
+          <p:contentPart p14:bwMode="auto" r:id="rId26">
+            <p14:nvContentPartPr>
+              <p14:cNvPr id="35" name="Ink 34">
+                <a:extLst>
+                  <a:ext uri="{FF2B5EF4-FFF2-40B4-BE49-F238E27FC236}">
+                    <a16:creationId xmlns:a16="http://schemas.microsoft.com/office/drawing/2014/main" id="{ADB51ACB-E440-BD19-8677-767FB02019D3}"/>
+                  </a:ext>
+                </a:extLst>
+              </p14:cNvPr>
+              <p14:cNvContentPartPr/>
+              <p14:nvPr/>
+            </p14:nvContentPartPr>
+            <p14:xfrm>
+              <a:off x="1578654" y="5311481"/>
+              <a:ext cx="141120" cy="195120"/>
+            </p14:xfrm>
+          </p:contentPart>
+        </mc:Choice>
+        <mc:Fallback>
+          <p:pic>
+            <p:nvPicPr>
+              <p:cNvPr id="35" name="Ink 34">
+                <a:extLst>
+                  <a:ext uri="{FF2B5EF4-FFF2-40B4-BE49-F238E27FC236}">
+                    <a16:creationId xmlns:a16="http://schemas.microsoft.com/office/drawing/2014/main" id="{ADB51ACB-E440-BD19-8677-767FB02019D3}"/>
+                  </a:ext>
+                </a:extLst>
+              </p:cNvPr>
+              <p:cNvPicPr/>
+              <p:nvPr/>
+            </p:nvPicPr>
+            <p:blipFill>
+              <a:blip r:embed="rId27"/>
+              <a:stretch>
+                <a:fillRect/>
+              </a:stretch>
+            </p:blipFill>
+            <p:spPr>
+              <a:xfrm>
+                <a:off x="1572534" y="5305361"/>
+                <a:ext cx="153360" cy="207360"/>
+              </a:xfrm>
+              <a:prstGeom prst="rect">
+                <a:avLst/>
+              </a:prstGeom>
+            </p:spPr>
+          </p:pic>
+        </mc:Fallback>
+      </mc:AlternateContent>
+      <p:grpSp>
+        <p:nvGrpSpPr>
+          <p:cNvPr id="39" name="Group 38">
+            <a:extLst>
+              <a:ext uri="{FF2B5EF4-FFF2-40B4-BE49-F238E27FC236}">
+                <a16:creationId xmlns:a16="http://schemas.microsoft.com/office/drawing/2014/main" id="{D0B7C314-536E-83D7-DDA0-12363237FC1E}"/>
+              </a:ext>
+            </a:extLst>
+          </p:cNvPr>
+          <p:cNvGrpSpPr/>
+          <p:nvPr/>
+        </p:nvGrpSpPr>
+        <p:grpSpPr>
+          <a:xfrm>
+            <a:off x="465894" y="6552761"/>
+            <a:ext cx="2366280" cy="243000"/>
+            <a:chOff x="465894" y="6552761"/>
+            <a:chExt cx="2366280" cy="243000"/>
+          </a:xfrm>
+        </p:grpSpPr>
+        <mc:AlternateContent xmlns:mc="http://schemas.openxmlformats.org/markup-compatibility/2006">
+          <mc:Choice xmlns:p14="http://schemas.microsoft.com/office/powerpoint/2010/main" Requires="p14">
+            <p:contentPart p14:bwMode="auto" r:id="rId28">
+              <p14:nvContentPartPr>
+                <p14:cNvPr id="36" name="Ink 35">
+                  <a:extLst>
+                    <a:ext uri="{FF2B5EF4-FFF2-40B4-BE49-F238E27FC236}">
+                      <a16:creationId xmlns:a16="http://schemas.microsoft.com/office/drawing/2014/main" id="{8231E952-DBDC-093C-9026-D8054F9C77B4}"/>
+                    </a:ext>
+                  </a:extLst>
+                </p14:cNvPr>
+                <p14:cNvContentPartPr/>
+                <p14:nvPr/>
+              </p14:nvContentPartPr>
+              <p14:xfrm>
+                <a:off x="465894" y="6552761"/>
+                <a:ext cx="2366280" cy="142920"/>
+              </p14:xfrm>
+            </p:contentPart>
+          </mc:Choice>
+          <mc:Fallback>
+            <p:pic>
+              <p:nvPicPr>
+                <p:cNvPr id="36" name="Ink 35">
+                  <a:extLst>
+                    <a:ext uri="{FF2B5EF4-FFF2-40B4-BE49-F238E27FC236}">
+                      <a16:creationId xmlns:a16="http://schemas.microsoft.com/office/drawing/2014/main" id="{8231E952-DBDC-093C-9026-D8054F9C77B4}"/>
+                    </a:ext>
+                  </a:extLst>
+                </p:cNvPr>
+                <p:cNvPicPr/>
+                <p:nvPr/>
+              </p:nvPicPr>
+              <p:blipFill>
+                <a:blip r:embed="rId29"/>
+                <a:stretch>
+                  <a:fillRect/>
+                </a:stretch>
+              </p:blipFill>
+              <p:spPr>
+                <a:xfrm>
+                  <a:off x="459774" y="6546641"/>
+                  <a:ext cx="2378520" cy="155160"/>
+                </a:xfrm>
+                <a:prstGeom prst="rect">
+                  <a:avLst/>
+                </a:prstGeom>
+              </p:spPr>
+            </p:pic>
+          </mc:Fallback>
+        </mc:AlternateContent>
+        <mc:AlternateContent xmlns:mc="http://schemas.openxmlformats.org/markup-compatibility/2006">
+          <mc:Choice xmlns:p14="http://schemas.microsoft.com/office/powerpoint/2010/main" Requires="p14">
+            <p:contentPart p14:bwMode="auto" r:id="rId30">
+              <p14:nvContentPartPr>
+                <p14:cNvPr id="37" name="Ink 36">
+                  <a:extLst>
+                    <a:ext uri="{FF2B5EF4-FFF2-40B4-BE49-F238E27FC236}">
+                      <a16:creationId xmlns:a16="http://schemas.microsoft.com/office/drawing/2014/main" id="{F84B1EEC-321E-BDC0-CD7D-19B1A77B7A48}"/>
+                    </a:ext>
+                  </a:extLst>
+                </p14:cNvPr>
+                <p14:cNvContentPartPr/>
+                <p14:nvPr/>
+              </p14:nvContentPartPr>
+              <p14:xfrm>
+                <a:off x="1658214" y="6603881"/>
+                <a:ext cx="8280" cy="191880"/>
+              </p14:xfrm>
+            </p:contentPart>
+          </mc:Choice>
+          <mc:Fallback>
+            <p:pic>
+              <p:nvPicPr>
+                <p:cNvPr id="37" name="Ink 36">
+                  <a:extLst>
+                    <a:ext uri="{FF2B5EF4-FFF2-40B4-BE49-F238E27FC236}">
+                      <a16:creationId xmlns:a16="http://schemas.microsoft.com/office/drawing/2014/main" id="{F84B1EEC-321E-BDC0-CD7D-19B1A77B7A48}"/>
+                    </a:ext>
+                  </a:extLst>
+                </p:cNvPr>
+                <p:cNvPicPr/>
+                <p:nvPr/>
+              </p:nvPicPr>
+              <p:blipFill>
+                <a:blip r:embed="rId31"/>
+                <a:stretch>
+                  <a:fillRect/>
+                </a:stretch>
+              </p:blipFill>
+              <p:spPr>
+                <a:xfrm>
+                  <a:off x="1652094" y="6597761"/>
+                  <a:ext cx="20520" cy="204120"/>
+                </a:xfrm>
+                <a:prstGeom prst="rect">
+                  <a:avLst/>
+                </a:prstGeom>
+              </p:spPr>
+            </p:pic>
+          </mc:Fallback>
+        </mc:AlternateContent>
+      </p:grpSp>
+      <mc:AlternateContent xmlns:mc="http://schemas.openxmlformats.org/markup-compatibility/2006">
+        <mc:Choice xmlns:p14="http://schemas.microsoft.com/office/powerpoint/2010/main" Requires="p14">
+          <p:contentPart p14:bwMode="auto" r:id="rId32">
+            <p14:nvContentPartPr>
+              <p14:cNvPr id="40" name="Ink 39">
+                <a:extLst>
+                  <a:ext uri="{FF2B5EF4-FFF2-40B4-BE49-F238E27FC236}">
+                    <a16:creationId xmlns:a16="http://schemas.microsoft.com/office/drawing/2014/main" id="{E877C041-FC9D-601C-5D7A-3DDA3ADD6419}"/>
+                  </a:ext>
+                </a:extLst>
+              </p14:cNvPr>
+              <p14:cNvContentPartPr/>
+              <p14:nvPr/>
+            </p14:nvContentPartPr>
+            <p14:xfrm>
+              <a:off x="1216134" y="5946521"/>
+              <a:ext cx="870480" cy="300960"/>
+            </p14:xfrm>
+          </p:contentPart>
+        </mc:Choice>
+        <mc:Fallback>
+          <p:pic>
+            <p:nvPicPr>
+              <p:cNvPr id="40" name="Ink 39">
+                <a:extLst>
+                  <a:ext uri="{FF2B5EF4-FFF2-40B4-BE49-F238E27FC236}">
+                    <a16:creationId xmlns:a16="http://schemas.microsoft.com/office/drawing/2014/main" id="{E877C041-FC9D-601C-5D7A-3DDA3ADD6419}"/>
+                  </a:ext>
+                </a:extLst>
+              </p:cNvPr>
+              <p:cNvPicPr/>
+              <p:nvPr/>
+            </p:nvPicPr>
+            <p:blipFill>
+              <a:blip r:embed="rId33"/>
+              <a:stretch>
+                <a:fillRect/>
+              </a:stretch>
+            </p:blipFill>
+            <p:spPr>
+              <a:xfrm>
+                <a:off x="1210014" y="5940401"/>
+                <a:ext cx="882720" cy="313200"/>
+              </a:xfrm>
+              <a:prstGeom prst="rect">
+                <a:avLst/>
+              </a:prstGeom>
+            </p:spPr>
+          </p:pic>
+        </mc:Fallback>
+      </mc:AlternateContent>
+      <p:sp>
+        <p:nvSpPr>
+          <p:cNvPr id="41" name="TextBox 40">
+            <a:extLst>
+              <a:ext uri="{FF2B5EF4-FFF2-40B4-BE49-F238E27FC236}">
+                <a16:creationId xmlns:a16="http://schemas.microsoft.com/office/drawing/2014/main" id="{FA783C8C-7F89-5CB2-89B1-D999BAAD9A39}"/>
+              </a:ext>
+            </a:extLst>
+          </p:cNvPr>
+          <p:cNvSpPr txBox="1"/>
+          <p:nvPr/>
+        </p:nvSpPr>
+        <p:spPr>
+          <a:xfrm>
+            <a:off x="1416087" y="6316376"/>
+            <a:ext cx="6096000" cy="369332"/>
+          </a:xfrm>
+          <a:prstGeom prst="rect">
+            <a:avLst/>
+          </a:prstGeom>
+          <a:noFill/>
+        </p:spPr>
+        <p:txBody>
+          <a:bodyPr wrap="square">
+            <a:spAutoFit/>
+          </a:bodyPr>
+          <a:lstStyle/>
+          <a:p>
+            <a:r>
+              <a:rPr lang="en-US" dirty="0">
+                <a:solidFill>
+                  <a:srgbClr val="FF0000"/>
+                </a:solidFill>
+                <a:sym typeface="Wingdings" pitchFamily="2" charset="2"/>
+              </a:rPr>
+              <a:t>w</a:t>
+            </a:r>
+            <a:r>
+              <a:rPr lang="en-US" sz="1800" dirty="0">
+                <a:solidFill>
+                  <a:srgbClr val="FF0000"/>
+                </a:solidFill>
+                <a:sym typeface="Wingdings" pitchFamily="2" charset="2"/>
+              </a:rPr>
+              <a:t>*</a:t>
+            </a:r>
+            <a:endParaRPr lang="en-US" dirty="0">
+              <a:solidFill>
+                <a:srgbClr val="FF0000"/>
+              </a:solidFill>
+            </a:endParaRPr>
+          </a:p>
+        </p:txBody>
+      </p:sp>
+      <p:sp>
+        <p:nvSpPr>
+          <p:cNvPr id="42" name="TextBox 41">
+            <a:extLst>
+              <a:ext uri="{FF2B5EF4-FFF2-40B4-BE49-F238E27FC236}">
+                <a16:creationId xmlns:a16="http://schemas.microsoft.com/office/drawing/2014/main" id="{057AA6BD-2C33-A6F5-9C3C-F1A5E7368CE0}"/>
+              </a:ext>
+            </a:extLst>
+          </p:cNvPr>
+          <p:cNvSpPr txBox="1"/>
+          <p:nvPr/>
+        </p:nvSpPr>
+        <p:spPr>
+          <a:xfrm>
+            <a:off x="2818858" y="6433601"/>
+            <a:ext cx="6096000" cy="369332"/>
+          </a:xfrm>
+          <a:prstGeom prst="rect">
+            <a:avLst/>
+          </a:prstGeom>
+          <a:noFill/>
+        </p:spPr>
+        <p:txBody>
+          <a:bodyPr wrap="square">
+            <a:spAutoFit/>
+          </a:bodyPr>
+          <a:lstStyle/>
+          <a:p>
+            <a:r>
+              <a:rPr lang="en-US" sz="1800" dirty="0">
+                <a:solidFill>
+                  <a:srgbClr val="FF0000"/>
+                </a:solidFill>
+                <a:sym typeface="Wingdings" pitchFamily="2" charset="2"/>
+              </a:rPr>
+              <a:t>w</a:t>
+            </a:r>
+            <a:endParaRPr lang="en-US" dirty="0">
+              <a:solidFill>
+                <a:srgbClr val="FF0000"/>
+              </a:solidFill>
+            </a:endParaRPr>
+          </a:p>
+        </p:txBody>
+      </p:sp>
     </p:spTree>
     <p:extLst>
       <p:ext uri="{BB962C8B-B14F-4D97-AF65-F5344CB8AC3E}">
@@ -6869,7 +12692,7 @@
 </p:sld>
 </file>
 
-<file path=ppt/slides/slide3.xml><?xml version="1.0" encoding="utf-8"?>
+<file path=ppt/slides/slide4.xml><?xml version="1.0" encoding="utf-8"?>
 <p:sld xmlns:a="http://schemas.openxmlformats.org/drawingml/2006/main" xmlns:r="http://schemas.openxmlformats.org/officeDocument/2006/relationships" xmlns:p="http://schemas.openxmlformats.org/presentationml/2006/main">
   <p:cSld>
     <p:bg>
@@ -7282,7 +13105,7 @@
 </p:sld>
 </file>
 
-<file path=ppt/slides/slide4.xml><?xml version="1.0" encoding="utf-8"?>
+<file path=ppt/slides/slide5.xml><?xml version="1.0" encoding="utf-8"?>
 <p:sld xmlns:a="http://schemas.openxmlformats.org/drawingml/2006/main" xmlns:r="http://schemas.openxmlformats.org/officeDocument/2006/relationships" xmlns:p="http://schemas.openxmlformats.org/presentationml/2006/main">
   <p:cSld>
     <p:bg>
@@ -7734,7 +13557,7 @@
 </p:sld>
 </file>
 
-<file path=ppt/slides/slide5.xml><?xml version="1.0" encoding="utf-8"?>
+<file path=ppt/slides/slide6.xml><?xml version="1.0" encoding="utf-8"?>
 <p:sld xmlns:a="http://schemas.openxmlformats.org/drawingml/2006/main" xmlns:r="http://schemas.openxmlformats.org/officeDocument/2006/relationships" xmlns:p="http://schemas.openxmlformats.org/presentationml/2006/main">
   <p:cSld>
     <p:spTree>
@@ -7751,8 +13574,8 @@
           <a:chExt cx="0" cy="0"/>
         </a:xfrm>
       </p:grpSpPr>
-      <mc:AlternateContent xmlns:mc="http://schemas.openxmlformats.org/markup-compatibility/2006">
-        <mc:Choice xmlns:a14="http://schemas.microsoft.com/office/drawing/2010/main" Requires="a14">
+      <mc:AlternateContent xmlns:mc="http://schemas.openxmlformats.org/markup-compatibility/2006" xmlns:a14="http://schemas.microsoft.com/office/drawing/2010/main">
+        <mc:Choice Requires="a14">
           <p:sp>
             <p:nvSpPr>
               <p:cNvPr id="2" name="Title 1">
@@ -7817,7 +13640,7 @@
             </p:txBody>
           </p:sp>
         </mc:Choice>
-        <mc:Fallback>
+        <mc:Fallback xmlns="">
           <p:sp>
             <p:nvSpPr>
               <p:cNvPr id="2" name="Title 1">
@@ -8000,6 +13823,742 @@
           </a:p>
         </p:txBody>
       </p:sp>
+      <mc:AlternateContent xmlns:mc="http://schemas.openxmlformats.org/markup-compatibility/2006">
+        <mc:Choice xmlns:p14="http://schemas.microsoft.com/office/powerpoint/2010/main" Requires="p14">
+          <p:contentPart p14:bwMode="auto" r:id="rId5">
+            <p14:nvContentPartPr>
+              <p14:cNvPr id="21" name="Ink 20">
+                <a:extLst>
+                  <a:ext uri="{FF2B5EF4-FFF2-40B4-BE49-F238E27FC236}">
+                    <a16:creationId xmlns:a16="http://schemas.microsoft.com/office/drawing/2014/main" id="{4D92AF41-BEF5-999F-246B-7C9810686A9F}"/>
+                  </a:ext>
+                </a:extLst>
+              </p14:cNvPr>
+              <p14:cNvContentPartPr/>
+              <p14:nvPr/>
+            </p14:nvContentPartPr>
+            <p14:xfrm>
+              <a:off x="9241254" y="1962761"/>
+              <a:ext cx="175320" cy="154440"/>
+            </p14:xfrm>
+          </p:contentPart>
+        </mc:Choice>
+        <mc:Fallback>
+          <p:pic>
+            <p:nvPicPr>
+              <p:cNvPr id="21" name="Ink 20">
+                <a:extLst>
+                  <a:ext uri="{FF2B5EF4-FFF2-40B4-BE49-F238E27FC236}">
+                    <a16:creationId xmlns:a16="http://schemas.microsoft.com/office/drawing/2014/main" id="{4D92AF41-BEF5-999F-246B-7C9810686A9F}"/>
+                  </a:ext>
+                </a:extLst>
+              </p:cNvPr>
+              <p:cNvPicPr/>
+              <p:nvPr/>
+            </p:nvPicPr>
+            <p:blipFill>
+              <a:blip r:embed="rId6"/>
+              <a:stretch>
+                <a:fillRect/>
+              </a:stretch>
+            </p:blipFill>
+            <p:spPr>
+              <a:xfrm>
+                <a:off x="9235134" y="1956641"/>
+                <a:ext cx="187560" cy="166680"/>
+              </a:xfrm>
+              <a:prstGeom prst="rect">
+                <a:avLst/>
+              </a:prstGeom>
+            </p:spPr>
+          </p:pic>
+        </mc:Fallback>
+      </mc:AlternateContent>
+      <mc:AlternateContent xmlns:mc="http://schemas.openxmlformats.org/markup-compatibility/2006">
+        <mc:Choice xmlns:p14="http://schemas.microsoft.com/office/powerpoint/2010/main" Requires="p14">
+          <p:contentPart p14:bwMode="auto" r:id="rId7">
+            <p14:nvContentPartPr>
+              <p14:cNvPr id="22" name="Ink 21">
+                <a:extLst>
+                  <a:ext uri="{FF2B5EF4-FFF2-40B4-BE49-F238E27FC236}">
+                    <a16:creationId xmlns:a16="http://schemas.microsoft.com/office/drawing/2014/main" id="{DCF8AC5A-6B5A-B94D-7BBD-DA4B1A9AF204}"/>
+                  </a:ext>
+                </a:extLst>
+              </p14:cNvPr>
+              <p14:cNvContentPartPr/>
+              <p14:nvPr/>
+            </p14:nvContentPartPr>
+            <p14:xfrm>
+              <a:off x="9448254" y="1846481"/>
+              <a:ext cx="147240" cy="162000"/>
+            </p14:xfrm>
+          </p:contentPart>
+        </mc:Choice>
+        <mc:Fallback>
+          <p:pic>
+            <p:nvPicPr>
+              <p:cNvPr id="22" name="Ink 21">
+                <a:extLst>
+                  <a:ext uri="{FF2B5EF4-FFF2-40B4-BE49-F238E27FC236}">
+                    <a16:creationId xmlns:a16="http://schemas.microsoft.com/office/drawing/2014/main" id="{DCF8AC5A-6B5A-B94D-7BBD-DA4B1A9AF204}"/>
+                  </a:ext>
+                </a:extLst>
+              </p:cNvPr>
+              <p:cNvPicPr/>
+              <p:nvPr/>
+            </p:nvPicPr>
+            <p:blipFill>
+              <a:blip r:embed="rId8"/>
+              <a:stretch>
+                <a:fillRect/>
+              </a:stretch>
+            </p:blipFill>
+            <p:spPr>
+              <a:xfrm>
+                <a:off x="9442134" y="1840361"/>
+                <a:ext cx="159480" cy="174240"/>
+              </a:xfrm>
+              <a:prstGeom prst="rect">
+                <a:avLst/>
+              </a:prstGeom>
+            </p:spPr>
+          </p:pic>
+        </mc:Fallback>
+      </mc:AlternateContent>
+      <mc:AlternateContent xmlns:mc="http://schemas.openxmlformats.org/markup-compatibility/2006">
+        <mc:Choice xmlns:p14="http://schemas.microsoft.com/office/powerpoint/2010/main" Requires="p14">
+          <p:contentPart p14:bwMode="auto" r:id="rId9">
+            <p14:nvContentPartPr>
+              <p14:cNvPr id="23" name="Ink 22">
+                <a:extLst>
+                  <a:ext uri="{FF2B5EF4-FFF2-40B4-BE49-F238E27FC236}">
+                    <a16:creationId xmlns:a16="http://schemas.microsoft.com/office/drawing/2014/main" id="{F5C72ED8-D228-2352-D3F4-D09333CE7E14}"/>
+                  </a:ext>
+                </a:extLst>
+              </p14:cNvPr>
+              <p14:cNvContentPartPr/>
+              <p14:nvPr/>
+            </p14:nvContentPartPr>
+            <p14:xfrm>
+              <a:off x="6457734" y="2058161"/>
+              <a:ext cx="250200" cy="360"/>
+            </p14:xfrm>
+          </p:contentPart>
+        </mc:Choice>
+        <mc:Fallback>
+          <p:pic>
+            <p:nvPicPr>
+              <p:cNvPr id="23" name="Ink 22">
+                <a:extLst>
+                  <a:ext uri="{FF2B5EF4-FFF2-40B4-BE49-F238E27FC236}">
+                    <a16:creationId xmlns:a16="http://schemas.microsoft.com/office/drawing/2014/main" id="{F5C72ED8-D228-2352-D3F4-D09333CE7E14}"/>
+                  </a:ext>
+                </a:extLst>
+              </p:cNvPr>
+              <p:cNvPicPr/>
+              <p:nvPr/>
+            </p:nvPicPr>
+            <p:blipFill>
+              <a:blip r:embed="rId10"/>
+              <a:stretch>
+                <a:fillRect/>
+              </a:stretch>
+            </p:blipFill>
+            <p:spPr>
+              <a:xfrm>
+                <a:off x="6451614" y="2052041"/>
+                <a:ext cx="262440" cy="12600"/>
+              </a:xfrm>
+              <a:prstGeom prst="rect">
+                <a:avLst/>
+              </a:prstGeom>
+            </p:spPr>
+          </p:pic>
+        </mc:Fallback>
+      </mc:AlternateContent>
+      <mc:AlternateContent xmlns:mc="http://schemas.openxmlformats.org/markup-compatibility/2006">
+        <mc:Choice xmlns:p14="http://schemas.microsoft.com/office/powerpoint/2010/main" Requires="p14">
+          <p:contentPart p14:bwMode="auto" r:id="rId11">
+            <p14:nvContentPartPr>
+              <p14:cNvPr id="28" name="Ink 27">
+                <a:extLst>
+                  <a:ext uri="{FF2B5EF4-FFF2-40B4-BE49-F238E27FC236}">
+                    <a16:creationId xmlns:a16="http://schemas.microsoft.com/office/drawing/2014/main" id="{6636F9A5-9540-70BD-19F8-E3C12F030CDC}"/>
+                  </a:ext>
+                </a:extLst>
+              </p14:cNvPr>
+              <p14:cNvContentPartPr/>
+              <p14:nvPr/>
+            </p14:nvContentPartPr>
+            <p14:xfrm>
+              <a:off x="6586254" y="1164281"/>
+              <a:ext cx="1952280" cy="907920"/>
+            </p14:xfrm>
+          </p:contentPart>
+        </mc:Choice>
+        <mc:Fallback>
+          <p:pic>
+            <p:nvPicPr>
+              <p:cNvPr id="28" name="Ink 27">
+                <a:extLst>
+                  <a:ext uri="{FF2B5EF4-FFF2-40B4-BE49-F238E27FC236}">
+                    <a16:creationId xmlns:a16="http://schemas.microsoft.com/office/drawing/2014/main" id="{6636F9A5-9540-70BD-19F8-E3C12F030CDC}"/>
+                  </a:ext>
+                </a:extLst>
+              </p:cNvPr>
+              <p:cNvPicPr/>
+              <p:nvPr/>
+            </p:nvPicPr>
+            <p:blipFill>
+              <a:blip r:embed="rId12"/>
+              <a:stretch>
+                <a:fillRect/>
+              </a:stretch>
+            </p:blipFill>
+            <p:spPr>
+              <a:xfrm>
+                <a:off x="6580134" y="1158161"/>
+                <a:ext cx="1964520" cy="920160"/>
+              </a:xfrm>
+              <a:prstGeom prst="rect">
+                <a:avLst/>
+              </a:prstGeom>
+            </p:spPr>
+          </p:pic>
+        </mc:Fallback>
+      </mc:AlternateContent>
+      <p:grpSp>
+        <p:nvGrpSpPr>
+          <p:cNvPr id="39" name="Group 38">
+            <a:extLst>
+              <a:ext uri="{FF2B5EF4-FFF2-40B4-BE49-F238E27FC236}">
+                <a16:creationId xmlns:a16="http://schemas.microsoft.com/office/drawing/2014/main" id="{A5F72D09-D69E-A433-ABEF-E4FDAB082226}"/>
+              </a:ext>
+            </a:extLst>
+          </p:cNvPr>
+          <p:cNvGrpSpPr/>
+          <p:nvPr/>
+        </p:nvGrpSpPr>
+        <p:grpSpPr>
+          <a:xfrm>
+            <a:off x="6676254" y="1259321"/>
+            <a:ext cx="2463120" cy="1192680"/>
+            <a:chOff x="6676254" y="1259321"/>
+            <a:chExt cx="2463120" cy="1192680"/>
+          </a:xfrm>
+        </p:grpSpPr>
+        <mc:AlternateContent xmlns:mc="http://schemas.openxmlformats.org/markup-compatibility/2006">
+          <mc:Choice xmlns:p14="http://schemas.microsoft.com/office/powerpoint/2010/main" Requires="p14">
+            <p:contentPart p14:bwMode="auto" r:id="rId13">
+              <p14:nvContentPartPr>
+                <p14:cNvPr id="8" name="Ink 7">
+                  <a:extLst>
+                    <a:ext uri="{FF2B5EF4-FFF2-40B4-BE49-F238E27FC236}">
+                      <a16:creationId xmlns:a16="http://schemas.microsoft.com/office/drawing/2014/main" id="{AA27861B-E5B7-2016-DA72-8CD4897431EB}"/>
+                    </a:ext>
+                  </a:extLst>
+                </p14:cNvPr>
+                <p14:cNvContentPartPr/>
+                <p14:nvPr/>
+              </p14:nvContentPartPr>
+              <p14:xfrm>
+                <a:off x="6676254" y="1925321"/>
+                <a:ext cx="2463120" cy="268560"/>
+              </p14:xfrm>
+            </p:contentPart>
+          </mc:Choice>
+          <mc:Fallback>
+            <p:pic>
+              <p:nvPicPr>
+                <p:cNvPr id="8" name="Ink 7">
+                  <a:extLst>
+                    <a:ext uri="{FF2B5EF4-FFF2-40B4-BE49-F238E27FC236}">
+                      <a16:creationId xmlns:a16="http://schemas.microsoft.com/office/drawing/2014/main" id="{AA27861B-E5B7-2016-DA72-8CD4897431EB}"/>
+                    </a:ext>
+                  </a:extLst>
+                </p:cNvPr>
+                <p:cNvPicPr/>
+                <p:nvPr/>
+              </p:nvPicPr>
+              <p:blipFill>
+                <a:blip r:embed="rId14"/>
+                <a:stretch>
+                  <a:fillRect/>
+                </a:stretch>
+              </p:blipFill>
+              <p:spPr>
+                <a:xfrm>
+                  <a:off x="6670134" y="1919201"/>
+                  <a:ext cx="2475360" cy="280800"/>
+                </a:xfrm>
+                <a:prstGeom prst="rect">
+                  <a:avLst/>
+                </a:prstGeom>
+              </p:spPr>
+            </p:pic>
+          </mc:Fallback>
+        </mc:AlternateContent>
+        <mc:AlternateContent xmlns:mc="http://schemas.openxmlformats.org/markup-compatibility/2006">
+          <mc:Choice xmlns:p14="http://schemas.microsoft.com/office/powerpoint/2010/main" Requires="p14">
+            <p:contentPart p14:bwMode="auto" r:id="rId15">
+              <p14:nvContentPartPr>
+                <p14:cNvPr id="9" name="Ink 8">
+                  <a:extLst>
+                    <a:ext uri="{FF2B5EF4-FFF2-40B4-BE49-F238E27FC236}">
+                      <a16:creationId xmlns:a16="http://schemas.microsoft.com/office/drawing/2014/main" id="{F6EA5B04-603A-B632-07E1-C2CDC8EB28B7}"/>
+                    </a:ext>
+                  </a:extLst>
+                </p14:cNvPr>
+                <p14:cNvContentPartPr/>
+                <p14:nvPr/>
+              </p14:nvContentPartPr>
+              <p14:xfrm>
+                <a:off x="6898374" y="2196401"/>
+                <a:ext cx="13680" cy="255600"/>
+              </p14:xfrm>
+            </p:contentPart>
+          </mc:Choice>
+          <mc:Fallback>
+            <p:pic>
+              <p:nvPicPr>
+                <p:cNvPr id="9" name="Ink 8">
+                  <a:extLst>
+                    <a:ext uri="{FF2B5EF4-FFF2-40B4-BE49-F238E27FC236}">
+                      <a16:creationId xmlns:a16="http://schemas.microsoft.com/office/drawing/2014/main" id="{F6EA5B04-603A-B632-07E1-C2CDC8EB28B7}"/>
+                    </a:ext>
+                  </a:extLst>
+                </p:cNvPr>
+                <p:cNvPicPr/>
+                <p:nvPr/>
+              </p:nvPicPr>
+              <p:blipFill>
+                <a:blip r:embed="rId16"/>
+                <a:stretch>
+                  <a:fillRect/>
+                </a:stretch>
+              </p:blipFill>
+              <p:spPr>
+                <a:xfrm>
+                  <a:off x="6892254" y="2190281"/>
+                  <a:ext cx="25920" cy="267840"/>
+                </a:xfrm>
+                <a:prstGeom prst="rect">
+                  <a:avLst/>
+                </a:prstGeom>
+              </p:spPr>
+            </p:pic>
+          </mc:Fallback>
+        </mc:AlternateContent>
+        <mc:AlternateContent xmlns:mc="http://schemas.openxmlformats.org/markup-compatibility/2006">
+          <mc:Choice xmlns:p14="http://schemas.microsoft.com/office/powerpoint/2010/main" Requires="p14">
+            <p:contentPart p14:bwMode="auto" r:id="rId17">
+              <p14:nvContentPartPr>
+                <p14:cNvPr id="12" name="Ink 11">
+                  <a:extLst>
+                    <a:ext uri="{FF2B5EF4-FFF2-40B4-BE49-F238E27FC236}">
+                      <a16:creationId xmlns:a16="http://schemas.microsoft.com/office/drawing/2014/main" id="{88BFD203-C1A1-9539-6FAB-98C4CBB849F1}"/>
+                    </a:ext>
+                  </a:extLst>
+                </p14:cNvPr>
+                <p14:cNvContentPartPr/>
+                <p14:nvPr/>
+              </p14:nvContentPartPr>
+              <p14:xfrm>
+                <a:off x="7180614" y="2198201"/>
+                <a:ext cx="205920" cy="239400"/>
+              </p14:xfrm>
+            </p:contentPart>
+          </mc:Choice>
+          <mc:Fallback>
+            <p:pic>
+              <p:nvPicPr>
+                <p:cNvPr id="12" name="Ink 11">
+                  <a:extLst>
+                    <a:ext uri="{FF2B5EF4-FFF2-40B4-BE49-F238E27FC236}">
+                      <a16:creationId xmlns:a16="http://schemas.microsoft.com/office/drawing/2014/main" id="{88BFD203-C1A1-9539-6FAB-98C4CBB849F1}"/>
+                    </a:ext>
+                  </a:extLst>
+                </p:cNvPr>
+                <p:cNvPicPr/>
+                <p:nvPr/>
+              </p:nvPicPr>
+              <p:blipFill>
+                <a:blip r:embed="rId18"/>
+                <a:stretch>
+                  <a:fillRect/>
+                </a:stretch>
+              </p:blipFill>
+              <p:spPr>
+                <a:xfrm>
+                  <a:off x="7174494" y="2192081"/>
+                  <a:ext cx="218160" cy="251640"/>
+                </a:xfrm>
+                <a:prstGeom prst="rect">
+                  <a:avLst/>
+                </a:prstGeom>
+              </p:spPr>
+            </p:pic>
+          </mc:Fallback>
+        </mc:AlternateContent>
+        <mc:AlternateContent xmlns:mc="http://schemas.openxmlformats.org/markup-compatibility/2006">
+          <mc:Choice xmlns:p14="http://schemas.microsoft.com/office/powerpoint/2010/main" Requires="p14">
+            <p:contentPart p14:bwMode="auto" r:id="rId19">
+              <p14:nvContentPartPr>
+                <p14:cNvPr id="15" name="Ink 14">
+                  <a:extLst>
+                    <a:ext uri="{FF2B5EF4-FFF2-40B4-BE49-F238E27FC236}">
+                      <a16:creationId xmlns:a16="http://schemas.microsoft.com/office/drawing/2014/main" id="{C9C10B16-068F-8788-674A-11F8D53F7B00}"/>
+                    </a:ext>
+                  </a:extLst>
+                </p14:cNvPr>
+                <p14:cNvContentPartPr/>
+                <p14:nvPr/>
+              </p14:nvContentPartPr>
+              <p14:xfrm>
+                <a:off x="7642854" y="2214401"/>
+                <a:ext cx="174600" cy="225000"/>
+              </p14:xfrm>
+            </p:contentPart>
+          </mc:Choice>
+          <mc:Fallback>
+            <p:pic>
+              <p:nvPicPr>
+                <p:cNvPr id="15" name="Ink 14">
+                  <a:extLst>
+                    <a:ext uri="{FF2B5EF4-FFF2-40B4-BE49-F238E27FC236}">
+                      <a16:creationId xmlns:a16="http://schemas.microsoft.com/office/drawing/2014/main" id="{C9C10B16-068F-8788-674A-11F8D53F7B00}"/>
+                    </a:ext>
+                  </a:extLst>
+                </p:cNvPr>
+                <p:cNvPicPr/>
+                <p:nvPr/>
+              </p:nvPicPr>
+              <p:blipFill>
+                <a:blip r:embed="rId20"/>
+                <a:stretch>
+                  <a:fillRect/>
+                </a:stretch>
+              </p:blipFill>
+              <p:spPr>
+                <a:xfrm>
+                  <a:off x="7636734" y="2208281"/>
+                  <a:ext cx="186840" cy="237240"/>
+                </a:xfrm>
+                <a:prstGeom prst="rect">
+                  <a:avLst/>
+                </a:prstGeom>
+              </p:spPr>
+            </p:pic>
+          </mc:Fallback>
+        </mc:AlternateContent>
+        <mc:AlternateContent xmlns:mc="http://schemas.openxmlformats.org/markup-compatibility/2006">
+          <mc:Choice xmlns:p14="http://schemas.microsoft.com/office/powerpoint/2010/main" Requires="p14">
+            <p:contentPart p14:bwMode="auto" r:id="rId21">
+              <p14:nvContentPartPr>
+                <p14:cNvPr id="31" name="Ink 30">
+                  <a:extLst>
+                    <a:ext uri="{FF2B5EF4-FFF2-40B4-BE49-F238E27FC236}">
+                      <a16:creationId xmlns:a16="http://schemas.microsoft.com/office/drawing/2014/main" id="{03E7CBB8-C6B1-53A5-E0BF-93E2D9C67C8E}"/>
+                    </a:ext>
+                  </a:extLst>
+                </p14:cNvPr>
+                <p14:cNvContentPartPr/>
+                <p14:nvPr/>
+              </p14:nvContentPartPr>
+              <p14:xfrm>
+                <a:off x="6927174" y="1744601"/>
+                <a:ext cx="3240" cy="320760"/>
+              </p14:xfrm>
+            </p:contentPart>
+          </mc:Choice>
+          <mc:Fallback>
+            <p:pic>
+              <p:nvPicPr>
+                <p:cNvPr id="31" name="Ink 30">
+                  <a:extLst>
+                    <a:ext uri="{FF2B5EF4-FFF2-40B4-BE49-F238E27FC236}">
+                      <a16:creationId xmlns:a16="http://schemas.microsoft.com/office/drawing/2014/main" id="{03E7CBB8-C6B1-53A5-E0BF-93E2D9C67C8E}"/>
+                    </a:ext>
+                  </a:extLst>
+                </p:cNvPr>
+                <p:cNvPicPr/>
+                <p:nvPr/>
+              </p:nvPicPr>
+              <p:blipFill>
+                <a:blip r:embed="rId22"/>
+                <a:stretch>
+                  <a:fillRect/>
+                </a:stretch>
+              </p:blipFill>
+              <p:spPr>
+                <a:xfrm>
+                  <a:off x="6921054" y="1738481"/>
+                  <a:ext cx="15480" cy="333000"/>
+                </a:xfrm>
+                <a:prstGeom prst="rect">
+                  <a:avLst/>
+                </a:prstGeom>
+              </p:spPr>
+            </p:pic>
+          </mc:Fallback>
+        </mc:AlternateContent>
+        <mc:AlternateContent xmlns:mc="http://schemas.openxmlformats.org/markup-compatibility/2006">
+          <mc:Choice xmlns:p14="http://schemas.microsoft.com/office/powerpoint/2010/main" Requires="p14">
+            <p:contentPart p14:bwMode="auto" r:id="rId23">
+              <p14:nvContentPartPr>
+                <p14:cNvPr id="34" name="Ink 33">
+                  <a:extLst>
+                    <a:ext uri="{FF2B5EF4-FFF2-40B4-BE49-F238E27FC236}">
+                      <a16:creationId xmlns:a16="http://schemas.microsoft.com/office/drawing/2014/main" id="{1D55B209-30FA-90A2-EBD7-DCBCFB2931EB}"/>
+                    </a:ext>
+                  </a:extLst>
+                </p14:cNvPr>
+                <p14:cNvContentPartPr/>
+                <p14:nvPr/>
+              </p14:nvContentPartPr>
+              <p14:xfrm>
+                <a:off x="7274574" y="1339961"/>
+                <a:ext cx="14040" cy="731160"/>
+              </p14:xfrm>
+            </p:contentPart>
+          </mc:Choice>
+          <mc:Fallback>
+            <p:pic>
+              <p:nvPicPr>
+                <p:cNvPr id="34" name="Ink 33">
+                  <a:extLst>
+                    <a:ext uri="{FF2B5EF4-FFF2-40B4-BE49-F238E27FC236}">
+                      <a16:creationId xmlns:a16="http://schemas.microsoft.com/office/drawing/2014/main" id="{1D55B209-30FA-90A2-EBD7-DCBCFB2931EB}"/>
+                    </a:ext>
+                  </a:extLst>
+                </p:cNvPr>
+                <p:cNvPicPr/>
+                <p:nvPr/>
+              </p:nvPicPr>
+              <p:blipFill>
+                <a:blip r:embed="rId24"/>
+                <a:stretch>
+                  <a:fillRect/>
+                </a:stretch>
+              </p:blipFill>
+              <p:spPr>
+                <a:xfrm>
+                  <a:off x="7268454" y="1333841"/>
+                  <a:ext cx="26280" cy="743400"/>
+                </a:xfrm>
+                <a:prstGeom prst="rect">
+                  <a:avLst/>
+                </a:prstGeom>
+              </p:spPr>
+            </p:pic>
+          </mc:Fallback>
+        </mc:AlternateContent>
+        <mc:AlternateContent xmlns:mc="http://schemas.openxmlformats.org/markup-compatibility/2006">
+          <mc:Choice xmlns:p14="http://schemas.microsoft.com/office/powerpoint/2010/main" Requires="p14">
+            <p:contentPart p14:bwMode="auto" r:id="rId25">
+              <p14:nvContentPartPr>
+                <p14:cNvPr id="37" name="Ink 36">
+                  <a:extLst>
+                    <a:ext uri="{FF2B5EF4-FFF2-40B4-BE49-F238E27FC236}">
+                      <a16:creationId xmlns:a16="http://schemas.microsoft.com/office/drawing/2014/main" id="{31F7C76E-B120-23B6-3424-B7AD0A9264F1}"/>
+                    </a:ext>
+                  </a:extLst>
+                </p14:cNvPr>
+                <p14:cNvContentPartPr/>
+                <p14:nvPr/>
+              </p14:nvContentPartPr>
+              <p14:xfrm>
+                <a:off x="7748694" y="1259321"/>
+                <a:ext cx="29520" cy="829080"/>
+              </p14:xfrm>
+            </p:contentPart>
+          </mc:Choice>
+          <mc:Fallback>
+            <p:pic>
+              <p:nvPicPr>
+                <p:cNvPr id="37" name="Ink 36">
+                  <a:extLst>
+                    <a:ext uri="{FF2B5EF4-FFF2-40B4-BE49-F238E27FC236}">
+                      <a16:creationId xmlns:a16="http://schemas.microsoft.com/office/drawing/2014/main" id="{31F7C76E-B120-23B6-3424-B7AD0A9264F1}"/>
+                    </a:ext>
+                  </a:extLst>
+                </p:cNvPr>
+                <p:cNvPicPr/>
+                <p:nvPr/>
+              </p:nvPicPr>
+              <p:blipFill>
+                <a:blip r:embed="rId26"/>
+                <a:stretch>
+                  <a:fillRect/>
+                </a:stretch>
+              </p:blipFill>
+              <p:spPr>
+                <a:xfrm>
+                  <a:off x="7742574" y="1253201"/>
+                  <a:ext cx="41760" cy="841320"/>
+                </a:xfrm>
+                <a:prstGeom prst="rect">
+                  <a:avLst/>
+                </a:prstGeom>
+              </p:spPr>
+            </p:pic>
+          </mc:Fallback>
+        </mc:AlternateContent>
+      </p:grpSp>
+      <p:sp>
+        <p:nvSpPr>
+          <p:cNvPr id="41" name="TextBox 40">
+            <a:extLst>
+              <a:ext uri="{FF2B5EF4-FFF2-40B4-BE49-F238E27FC236}">
+                <a16:creationId xmlns:a16="http://schemas.microsoft.com/office/drawing/2014/main" id="{345C97D6-0C18-4B08-928D-91498BFF861C}"/>
+              </a:ext>
+            </a:extLst>
+          </p:cNvPr>
+          <p:cNvSpPr txBox="1"/>
+          <p:nvPr/>
+        </p:nvSpPr>
+        <p:spPr>
+          <a:xfrm>
+            <a:off x="454794" y="1740655"/>
+            <a:ext cx="6096000" cy="369332"/>
+          </a:xfrm>
+          <a:prstGeom prst="rect">
+            <a:avLst/>
+          </a:prstGeom>
+          <a:noFill/>
+        </p:spPr>
+        <p:txBody>
+          <a:bodyPr wrap="square">
+            <a:spAutoFit/>
+          </a:bodyPr>
+          <a:lstStyle/>
+          <a:p>
+            <a:r>
+              <a:rPr lang="en-US" sz="1800" dirty="0">
+                <a:solidFill>
+                  <a:srgbClr val="FF0000"/>
+                </a:solidFill>
+              </a:rPr>
+              <a:t>\hat{w}, \hat{sigma} </a:t>
+            </a:r>
+            <a:r>
+              <a:rPr lang="en-US" sz="1800" dirty="0">
+                <a:solidFill>
+                  <a:srgbClr val="FF0000"/>
+                </a:solidFill>
+                <a:sym typeface="Wingdings" pitchFamily="2" charset="2"/>
+              </a:rPr>
+              <a:t> w*</a:t>
+            </a:r>
+            <a:endParaRPr lang="en-US" dirty="0">
+              <a:solidFill>
+                <a:srgbClr val="FF0000"/>
+              </a:solidFill>
+            </a:endParaRPr>
+          </a:p>
+        </p:txBody>
+      </p:sp>
+      <p:sp>
+        <p:nvSpPr>
+          <p:cNvPr id="43" name="TextBox 42">
+            <a:extLst>
+              <a:ext uri="{FF2B5EF4-FFF2-40B4-BE49-F238E27FC236}">
+                <a16:creationId xmlns:a16="http://schemas.microsoft.com/office/drawing/2014/main" id="{335638DF-7C67-DEF7-DC02-96FC8828D3DB}"/>
+              </a:ext>
+            </a:extLst>
+          </p:cNvPr>
+          <p:cNvSpPr txBox="1"/>
+          <p:nvPr/>
+        </p:nvSpPr>
+        <p:spPr>
+          <a:xfrm>
+            <a:off x="900626" y="1212570"/>
+            <a:ext cx="6096000" cy="369332"/>
+          </a:xfrm>
+          <a:prstGeom prst="rect">
+            <a:avLst/>
+          </a:prstGeom>
+          <a:noFill/>
+        </p:spPr>
+        <p:txBody>
+          <a:bodyPr wrap="square">
+            <a:spAutoFit/>
+          </a:bodyPr>
+          <a:lstStyle/>
+          <a:p>
+            <a:r>
+              <a:rPr lang="en-US" dirty="0">
+                <a:solidFill>
+                  <a:srgbClr val="FF0000"/>
+                </a:solidFill>
+                <a:sym typeface="Wingdings" pitchFamily="2" charset="2"/>
+              </a:rPr>
+              <a:t>i</a:t>
+            </a:r>
+            <a:r>
+              <a:rPr lang="en-US" sz="1800" dirty="0">
+                <a:solidFill>
+                  <a:srgbClr val="FF0000"/>
+                </a:solidFill>
+                <a:sym typeface="Wingdings" pitchFamily="2" charset="2"/>
+              </a:rPr>
+              <a:t>nverse opt: w*  \hat{mu}</a:t>
+            </a:r>
+            <a:endParaRPr lang="en-US" dirty="0"/>
+          </a:p>
+        </p:txBody>
+      </p:sp>
+      <mc:AlternateContent xmlns:mc="http://schemas.openxmlformats.org/markup-compatibility/2006">
+        <mc:Choice xmlns:p14="http://schemas.microsoft.com/office/powerpoint/2010/main" Requires="p14">
+          <p:contentPart p14:bwMode="auto" r:id="rId27">
+            <p14:nvContentPartPr>
+              <p14:cNvPr id="44" name="Ink 43">
+                <a:extLst>
+                  <a:ext uri="{FF2B5EF4-FFF2-40B4-BE49-F238E27FC236}">
+                    <a16:creationId xmlns:a16="http://schemas.microsoft.com/office/drawing/2014/main" id="{02E0C63B-723F-5C98-6546-D43FB96403F1}"/>
+                  </a:ext>
+                </a:extLst>
+              </p14:cNvPr>
+              <p14:cNvContentPartPr/>
+              <p14:nvPr/>
+            </p14:nvContentPartPr>
+            <p14:xfrm>
+              <a:off x="879534" y="1262201"/>
+              <a:ext cx="802080" cy="313920"/>
+            </p14:xfrm>
+          </p:contentPart>
+        </mc:Choice>
+        <mc:Fallback>
+          <p:pic>
+            <p:nvPicPr>
+              <p:cNvPr id="44" name="Ink 43">
+                <a:extLst>
+                  <a:ext uri="{FF2B5EF4-FFF2-40B4-BE49-F238E27FC236}">
+                    <a16:creationId xmlns:a16="http://schemas.microsoft.com/office/drawing/2014/main" id="{02E0C63B-723F-5C98-6546-D43FB96403F1}"/>
+                  </a:ext>
+                </a:extLst>
+              </p:cNvPr>
+              <p:cNvPicPr/>
+              <p:nvPr/>
+            </p:nvPicPr>
+            <p:blipFill>
+              <a:blip r:embed="rId28"/>
+              <a:stretch>
+                <a:fillRect/>
+              </a:stretch>
+            </p:blipFill>
+            <p:spPr>
+              <a:xfrm>
+                <a:off x="873414" y="1256081"/>
+                <a:ext cx="814320" cy="326160"/>
+              </a:xfrm>
+              <a:prstGeom prst="rect">
+                <a:avLst/>
+              </a:prstGeom>
+            </p:spPr>
+          </p:pic>
+        </mc:Fallback>
+      </mc:AlternateContent>
     </p:spTree>
     <p:extLst>
       <p:ext uri="{BB962C8B-B14F-4D97-AF65-F5344CB8AC3E}">
@@ -8013,7 +14572,7 @@
 </p:sld>
 </file>
 
-<file path=ppt/slides/slide6.xml><?xml version="1.0" encoding="utf-8"?>
+<file path=ppt/slides/slide7.xml><?xml version="1.0" encoding="utf-8"?>
 <p:sld xmlns:a="http://schemas.openxmlformats.org/drawingml/2006/main" xmlns:r="http://schemas.openxmlformats.org/officeDocument/2006/relationships" xmlns:p="http://schemas.openxmlformats.org/presentationml/2006/main">
   <p:cSld>
     <p:bg>
@@ -8426,7 +14985,7 @@
 </p:sld>
 </file>
 
-<file path=ppt/slides/slide7.xml><?xml version="1.0" encoding="utf-8"?>
+<file path=ppt/slides/slide8.xml><?xml version="1.0" encoding="utf-8"?>
 <p:sld xmlns:a="http://schemas.openxmlformats.org/drawingml/2006/main" xmlns:r="http://schemas.openxmlformats.org/officeDocument/2006/relationships" xmlns:p="http://schemas.openxmlformats.org/presentationml/2006/main">
   <p:cSld>
     <p:spTree>
@@ -8515,6 +15074,53 @@
           </a:prstGeom>
         </p:spPr>
       </p:pic>
+      <p:sp>
+        <p:nvSpPr>
+          <p:cNvPr id="4" name="TextBox 3">
+            <a:extLst>
+              <a:ext uri="{FF2B5EF4-FFF2-40B4-BE49-F238E27FC236}">
+                <a16:creationId xmlns:a16="http://schemas.microsoft.com/office/drawing/2014/main" id="{78B4A17C-2EF8-DD0E-A4BB-8402B572D507}"/>
+              </a:ext>
+            </a:extLst>
+          </p:cNvPr>
+          <p:cNvSpPr txBox="1"/>
+          <p:nvPr/>
+        </p:nvSpPr>
+        <p:spPr>
+          <a:xfrm>
+            <a:off x="7851228" y="5291224"/>
+            <a:ext cx="6096000" cy="307777"/>
+          </a:xfrm>
+          <a:prstGeom prst="rect">
+            <a:avLst/>
+          </a:prstGeom>
+          <a:noFill/>
+        </p:spPr>
+        <p:txBody>
+          <a:bodyPr wrap="square">
+            <a:spAutoFit/>
+          </a:bodyPr>
+          <a:lstStyle/>
+          <a:p>
+            <a:r>
+              <a:rPr lang="en-US" sz="1400" kern="1200" dirty="0">
+                <a:solidFill>
+                  <a:srgbClr val="FF0000"/>
+                </a:solidFill>
+                <a:latin typeface="+mj-lt"/>
+                <a:ea typeface="+mj-ea"/>
+                <a:cs typeface="+mj-cs"/>
+              </a:rPr>
+              <a:t>sigma</a:t>
+            </a:r>
+            <a:endParaRPr lang="en-US" sz="1400" dirty="0">
+              <a:solidFill>
+                <a:srgbClr val="FF0000"/>
+              </a:solidFill>
+            </a:endParaRPr>
+          </a:p>
+        </p:txBody>
+      </p:sp>
     </p:spTree>
     <p:extLst>
       <p:ext uri="{BB962C8B-B14F-4D97-AF65-F5344CB8AC3E}">
@@ -8528,7 +15134,7 @@
 </p:sld>
 </file>
 
-<file path=ppt/slides/slide8.xml><?xml version="1.0" encoding="utf-8"?>
+<file path=ppt/slides/slide9.xml><?xml version="1.0" encoding="utf-8"?>
 <p:sld xmlns:a="http://schemas.openxmlformats.org/drawingml/2006/main" xmlns:r="http://schemas.openxmlformats.org/officeDocument/2006/relationships" xmlns:p="http://schemas.openxmlformats.org/presentationml/2006/main">
   <p:cSld>
     <p:spTree>
@@ -8716,181 +15322,6 @@
     <p:extLst>
       <p:ext uri="{BB962C8B-B14F-4D97-AF65-F5344CB8AC3E}">
         <p14:creationId xmlns:p14="http://schemas.microsoft.com/office/powerpoint/2010/main" val="208775322"/>
-      </p:ext>
-    </p:extLst>
-  </p:cSld>
-  <p:clrMapOvr>
-    <a:masterClrMapping/>
-  </p:clrMapOvr>
-</p:sld>
-</file>
-
-<file path=ppt/slides/slide9.xml><?xml version="1.0" encoding="utf-8"?>
-<p:sld xmlns:a="http://schemas.openxmlformats.org/drawingml/2006/main" xmlns:r="http://schemas.openxmlformats.org/officeDocument/2006/relationships" xmlns:p="http://schemas.openxmlformats.org/presentationml/2006/main">
-  <p:cSld>
-    <p:spTree>
-      <p:nvGrpSpPr>
-        <p:cNvPr id="1" name=""/>
-        <p:cNvGrpSpPr/>
-        <p:nvPr/>
-      </p:nvGrpSpPr>
-      <p:grpSpPr>
-        <a:xfrm>
-          <a:off x="0" y="0"/>
-          <a:ext cx="0" cy="0"/>
-          <a:chOff x="0" y="0"/>
-          <a:chExt cx="0" cy="0"/>
-        </a:xfrm>
-      </p:grpSpPr>
-      <mc:AlternateContent xmlns:mc="http://schemas.openxmlformats.org/markup-compatibility/2006" xmlns:a14="http://schemas.microsoft.com/office/drawing/2010/main">
-        <mc:Choice Requires="a14">
-          <p:sp>
-            <p:nvSpPr>
-              <p:cNvPr id="2" name="Title 1">
-                <a:extLst>
-                  <a:ext uri="{FF2B5EF4-FFF2-40B4-BE49-F238E27FC236}">
-                    <a16:creationId xmlns:a16="http://schemas.microsoft.com/office/drawing/2014/main" id="{F7CFB02C-D9FC-B65F-B33E-C1B554026276}"/>
-                  </a:ext>
-                </a:extLst>
-              </p:cNvPr>
-              <p:cNvSpPr>
-                <a:spLocks noGrp="1"/>
-              </p:cNvSpPr>
-              <p:nvPr>
-                <p:ph type="title"/>
-              </p:nvPr>
-            </p:nvSpPr>
-            <p:spPr>
-              <a:xfrm>
-                <a:off x="477981" y="1122363"/>
-                <a:ext cx="4023360" cy="3204134"/>
-              </a:xfrm>
-            </p:spPr>
-            <p:txBody>
-              <a:bodyPr vert="horz" lIns="91440" tIns="45720" rIns="91440" bIns="45720" rtlCol="0" anchor="b">
-                <a:normAutofit/>
-              </a:bodyPr>
-              <a:lstStyle/>
-              <a:p>
-                <a:r>
-                  <a:rPr lang="en-US" sz="4800" kern="1200">
-                    <a:solidFill>
-                      <a:schemeClr val="tx1"/>
-                    </a:solidFill>
-                    <a:latin typeface="+mj-lt"/>
-                    <a:ea typeface="+mj-ea"/>
-                    <a:cs typeface="+mj-cs"/>
-                  </a:rPr>
-                  <a:t>Posterior Expected Returns (</a:t>
-                </a:r>
-                <a14:m>
-                  <m:oMath xmlns:m="http://schemas.openxmlformats.org/officeDocument/2006/math">
-                    <m:r>
-                      <a:rPr lang="en-US" sz="4800" b="0" i="1" kern="1200">
-                        <a:solidFill>
-                          <a:schemeClr val="tx1"/>
-                        </a:solidFill>
-                        <a:latin typeface="Cambria Math" panose="02040503050406030204" pitchFamily="18" charset="0"/>
-                        <a:ea typeface="+mj-ea"/>
-                        <a:cs typeface="+mj-cs"/>
-                      </a:rPr>
-                      <m:t>𝜇</m:t>
-                    </m:r>
-                  </m:oMath>
-                </a14:m>
-                <a:r>
-                  <a:rPr lang="en-US" sz="4800" kern="1200">
-                    <a:solidFill>
-                      <a:schemeClr val="tx1"/>
-                    </a:solidFill>
-                    <a:latin typeface="+mj-lt"/>
-                    <a:ea typeface="+mj-ea"/>
-                    <a:cs typeface="+mj-cs"/>
-                  </a:rPr>
-                  <a:t>)</a:t>
-                </a:r>
-              </a:p>
-            </p:txBody>
-          </p:sp>
-        </mc:Choice>
-        <mc:Fallback xmlns="">
-          <p:sp>
-            <p:nvSpPr>
-              <p:cNvPr id="2" name="Title 1">
-                <a:extLst>
-                  <a:ext uri="{FF2B5EF4-FFF2-40B4-BE49-F238E27FC236}">
-                    <a16:creationId xmlns:a16="http://schemas.microsoft.com/office/drawing/2014/main" id="{F7CFB02C-D9FC-B65F-B33E-C1B554026276}"/>
-                  </a:ext>
-                </a:extLst>
-              </p:cNvPr>
-              <p:cNvSpPr>
-                <a:spLocks noGrp="1" noRot="1" noChangeAspect="1" noMove="1" noResize="1" noEditPoints="1" noAdjustHandles="1" noChangeArrowheads="1" noChangeShapeType="1" noTextEdit="1"/>
-              </p:cNvSpPr>
-              <p:nvPr>
-                <p:ph type="title"/>
-              </p:nvPr>
-            </p:nvSpPr>
-            <p:spPr>
-              <a:xfrm>
-                <a:off x="477981" y="1122363"/>
-                <a:ext cx="4023360" cy="3204134"/>
-              </a:xfrm>
-              <a:blipFill>
-                <a:blip r:embed="rId2"/>
-                <a:stretch>
-                  <a:fillRect l="-6918" b="-10277"/>
-                </a:stretch>
-              </a:blipFill>
-            </p:spPr>
-            <p:txBody>
-              <a:bodyPr/>
-              <a:lstStyle/>
-              <a:p>
-                <a:r>
-                  <a:rPr lang="en-US">
-                    <a:noFill/>
-                  </a:rPr>
-                  <a:t> </a:t>
-                </a:r>
-              </a:p>
-            </p:txBody>
-          </p:sp>
-        </mc:Fallback>
-      </mc:AlternateContent>
-      <p:pic>
-        <p:nvPicPr>
-          <p:cNvPr id="4" name="Picture 3">
-            <a:extLst>
-              <a:ext uri="{FF2B5EF4-FFF2-40B4-BE49-F238E27FC236}">
-                <a16:creationId xmlns:a16="http://schemas.microsoft.com/office/drawing/2014/main" id="{EFF320F8-DA11-7EDA-D523-AF3523C60630}"/>
-              </a:ext>
-            </a:extLst>
-          </p:cNvPr>
-          <p:cNvPicPr>
-            <a:picLocks noChangeAspect="1"/>
-          </p:cNvPicPr>
-          <p:nvPr/>
-        </p:nvPicPr>
-        <p:blipFill>
-          <a:blip r:embed="rId3"/>
-          <a:stretch>
-            <a:fillRect/>
-          </a:stretch>
-        </p:blipFill>
-        <p:spPr>
-          <a:xfrm>
-            <a:off x="5176911" y="384767"/>
-            <a:ext cx="6604402" cy="5696297"/>
-          </a:xfrm>
-          <a:prstGeom prst="rect">
-            <a:avLst/>
-          </a:prstGeom>
-        </p:spPr>
-      </p:pic>
-    </p:spTree>
-    <p:extLst>
-      <p:ext uri="{BB962C8B-B14F-4D97-AF65-F5344CB8AC3E}">
-        <p14:creationId xmlns:p14="http://schemas.microsoft.com/office/powerpoint/2010/main" val="30008175"/>
       </p:ext>
     </p:extLst>
   </p:cSld>
